--- a/uv/web-scraping-y-las-bases-de-datos-ofuscadas/web-scraping-core.pptx
+++ b/uv/web-scraping-y-las-bases-de-datos-ofuscadas/web-scraping-core.pptx
@@ -6,17 +6,22 @@
   </p:sldMasterIdLst>
   <p:sldIdLst>
     <p:sldId id="256" r:id="rId2"/>
-    <p:sldId id="257" r:id="rId3"/>
-    <p:sldId id="260" r:id="rId4"/>
-    <p:sldId id="261" r:id="rId5"/>
-    <p:sldId id="262" r:id="rId6"/>
-    <p:sldId id="258" r:id="rId7"/>
-    <p:sldId id="263" r:id="rId8"/>
-    <p:sldId id="264" r:id="rId9"/>
+    <p:sldId id="268" r:id="rId3"/>
+    <p:sldId id="257" r:id="rId4"/>
+    <p:sldId id="260" r:id="rId5"/>
+    <p:sldId id="261" r:id="rId6"/>
+    <p:sldId id="262" r:id="rId7"/>
+    <p:sldId id="258" r:id="rId8"/>
+    <p:sldId id="263" r:id="rId9"/>
     <p:sldId id="265" r:id="rId10"/>
-    <p:sldId id="259" r:id="rId11"/>
-    <p:sldId id="266" r:id="rId12"/>
-    <p:sldId id="267" r:id="rId13"/>
+    <p:sldId id="272" r:id="rId11"/>
+    <p:sldId id="264" r:id="rId12"/>
+    <p:sldId id="259" r:id="rId13"/>
+    <p:sldId id="266" r:id="rId14"/>
+    <p:sldId id="267" r:id="rId15"/>
+    <p:sldId id="269" r:id="rId16"/>
+    <p:sldId id="271" r:id="rId17"/>
+    <p:sldId id="270" r:id="rId18"/>
   </p:sldIdLst>
   <p:sldSz cx="12192000" cy="6858000"/>
   <p:notesSz cx="6858000" cy="9144000"/>
@@ -115,6 +120,11 @@
       </a:defRPr>
     </a:lvl9pPr>
   </p:defaultTextStyle>
+  <p:extLst>
+    <p:ext uri="{EFAFB233-063F-42B5-8137-9DF3F51BA10A}">
+      <p15:sldGuideLst xmlns:p15="http://schemas.microsoft.com/office/powerpoint/2012/main"/>
+    </p:ext>
+  </p:extLst>
 </p:presentation>
 </file>
 
@@ -347,7 +357,7 @@
           <a:p>
             <a:fld id="{0437BB27-27D8-4FDE-BB2F-8E2E45670D92}" type="datetimeFigureOut">
               <a:rPr lang="es-ES" smtClean="0"/>
-              <a:t>22/12/2023</a:t>
+              <a:t>23/12/2023</a:t>
             </a:fld>
             <a:endParaRPr lang="es-ES"/>
           </a:p>
@@ -681,7 +691,7 @@
           <a:p>
             <a:fld id="{0437BB27-27D8-4FDE-BB2F-8E2E45670D92}" type="datetimeFigureOut">
               <a:rPr lang="es-ES" smtClean="0"/>
-              <a:t>22/12/2023</a:t>
+              <a:t>23/12/2023</a:t>
             </a:fld>
             <a:endParaRPr lang="es-ES"/>
           </a:p>
@@ -959,7 +969,7 @@
           <a:p>
             <a:fld id="{0437BB27-27D8-4FDE-BB2F-8E2E45670D92}" type="datetimeFigureOut">
               <a:rPr lang="es-ES" smtClean="0"/>
-              <a:t>22/12/2023</a:t>
+              <a:t>23/12/2023</a:t>
             </a:fld>
             <a:endParaRPr lang="es-ES"/>
           </a:p>
@@ -1527,7 +1537,7 @@
           <a:p>
             <a:fld id="{0437BB27-27D8-4FDE-BB2F-8E2E45670D92}" type="datetimeFigureOut">
               <a:rPr lang="es-ES" smtClean="0"/>
-              <a:t>22/12/2023</a:t>
+              <a:t>23/12/2023</a:t>
             </a:fld>
             <a:endParaRPr lang="es-ES"/>
           </a:p>
@@ -1805,7 +1815,7 @@
           <a:p>
             <a:fld id="{0437BB27-27D8-4FDE-BB2F-8E2E45670D92}" type="datetimeFigureOut">
               <a:rPr lang="es-ES" smtClean="0"/>
-              <a:t>22/12/2023</a:t>
+              <a:t>23/12/2023</a:t>
             </a:fld>
             <a:endParaRPr lang="es-ES"/>
           </a:p>
@@ -2367,7 +2377,7 @@
           <a:p>
             <a:fld id="{0437BB27-27D8-4FDE-BB2F-8E2E45670D92}" type="datetimeFigureOut">
               <a:rPr lang="es-ES" smtClean="0"/>
-              <a:t>22/12/2023</a:t>
+              <a:t>23/12/2023</a:t>
             </a:fld>
             <a:endParaRPr lang="es-ES"/>
           </a:p>
@@ -2694,7 +2704,7 @@
           <a:p>
             <a:fld id="{0437BB27-27D8-4FDE-BB2F-8E2E45670D92}" type="datetimeFigureOut">
               <a:rPr lang="es-ES" smtClean="0"/>
-              <a:t>22/12/2023</a:t>
+              <a:t>23/12/2023</a:t>
             </a:fld>
             <a:endParaRPr lang="es-ES"/>
           </a:p>
@@ -2871,7 +2881,7 @@
           <a:p>
             <a:fld id="{0437BB27-27D8-4FDE-BB2F-8E2E45670D92}" type="datetimeFigureOut">
               <a:rPr lang="es-ES" smtClean="0"/>
-              <a:t>22/12/2023</a:t>
+              <a:t>23/12/2023</a:t>
             </a:fld>
             <a:endParaRPr lang="es-ES"/>
           </a:p>
@@ -3109,7 +3119,7 @@
           <a:p>
             <a:fld id="{0437BB27-27D8-4FDE-BB2F-8E2E45670D92}" type="datetimeFigureOut">
               <a:rPr lang="es-ES" smtClean="0"/>
-              <a:t>22/12/2023</a:t>
+              <a:t>23/12/2023</a:t>
             </a:fld>
             <a:endParaRPr lang="es-ES"/>
           </a:p>
@@ -3309,7 +3319,7 @@
           <a:p>
             <a:fld id="{0437BB27-27D8-4FDE-BB2F-8E2E45670D92}" type="datetimeFigureOut">
               <a:rPr lang="es-ES" smtClean="0"/>
-              <a:t>22/12/2023</a:t>
+              <a:t>23/12/2023</a:t>
             </a:fld>
             <a:endParaRPr lang="es-ES"/>
           </a:p>
@@ -3585,7 +3595,7 @@
           <a:p>
             <a:fld id="{0437BB27-27D8-4FDE-BB2F-8E2E45670D92}" type="datetimeFigureOut">
               <a:rPr lang="es-ES" smtClean="0"/>
-              <a:t>22/12/2023</a:t>
+              <a:t>23/12/2023</a:t>
             </a:fld>
             <a:endParaRPr lang="es-ES"/>
           </a:p>
@@ -3851,7 +3861,7 @@
           <a:p>
             <a:fld id="{0437BB27-27D8-4FDE-BB2F-8E2E45670D92}" type="datetimeFigureOut">
               <a:rPr lang="es-ES" smtClean="0"/>
-              <a:t>22/12/2023</a:t>
+              <a:t>23/12/2023</a:t>
             </a:fld>
             <a:endParaRPr lang="es-ES"/>
           </a:p>
@@ -4225,7 +4235,7 @@
           <a:p>
             <a:fld id="{0437BB27-27D8-4FDE-BB2F-8E2E45670D92}" type="datetimeFigureOut">
               <a:rPr lang="es-ES" smtClean="0"/>
-              <a:t>22/12/2023</a:t>
+              <a:t>23/12/2023</a:t>
             </a:fld>
             <a:endParaRPr lang="es-ES"/>
           </a:p>
@@ -4373,7 +4383,7 @@
           <a:p>
             <a:fld id="{0437BB27-27D8-4FDE-BB2F-8E2E45670D92}" type="datetimeFigureOut">
               <a:rPr lang="es-ES" smtClean="0"/>
-              <a:t>22/12/2023</a:t>
+              <a:t>23/12/2023</a:t>
             </a:fld>
             <a:endParaRPr lang="es-ES"/>
           </a:p>
@@ -4498,7 +4508,7 @@
           <a:p>
             <a:fld id="{0437BB27-27D8-4FDE-BB2F-8E2E45670D92}" type="datetimeFigureOut">
               <a:rPr lang="es-ES" smtClean="0"/>
-              <a:t>22/12/2023</a:t>
+              <a:t>23/12/2023</a:t>
             </a:fld>
             <a:endParaRPr lang="es-ES"/>
           </a:p>
@@ -4783,7 +4793,7 @@
           <a:p>
             <a:fld id="{0437BB27-27D8-4FDE-BB2F-8E2E45670D92}" type="datetimeFigureOut">
               <a:rPr lang="es-ES" smtClean="0"/>
-              <a:t>22/12/2023</a:t>
+              <a:t>23/12/2023</a:t>
             </a:fld>
             <a:endParaRPr lang="es-ES"/>
           </a:p>
@@ -5107,7 +5117,7 @@
           <a:p>
             <a:fld id="{0437BB27-27D8-4FDE-BB2F-8E2E45670D92}" type="datetimeFigureOut">
               <a:rPr lang="es-ES" smtClean="0"/>
-              <a:t>22/12/2023</a:t>
+              <a:t>23/12/2023</a:t>
             </a:fld>
             <a:endParaRPr lang="es-ES"/>
           </a:p>
@@ -5321,7 +5331,7 @@
           <a:p>
             <a:fld id="{0437BB27-27D8-4FDE-BB2F-8E2E45670D92}" type="datetimeFigureOut">
               <a:rPr lang="es-ES" smtClean="0"/>
-              <a:t>22/12/2023</a:t>
+              <a:t>23/12/2023</a:t>
             </a:fld>
             <a:endParaRPr lang="es-ES"/>
           </a:p>
@@ -6052,6 +6062,77 @@
           </a:p>
         </p:txBody>
       </p:sp>
+      <p:sp>
+        <p:nvSpPr>
+          <p:cNvPr id="4" name="CuadroTexto 3">
+            <a:extLst>
+              <a:ext uri="{FF2B5EF4-FFF2-40B4-BE49-F238E27FC236}">
+                <a16:creationId xmlns:a16="http://schemas.microsoft.com/office/drawing/2014/main" id="{5D2C6BF6-5AFB-9460-BF96-D4DAB63D73AF}"/>
+              </a:ext>
+            </a:extLst>
+          </p:cNvPr>
+          <p:cNvSpPr txBox="1"/>
+          <p:nvPr/>
+        </p:nvSpPr>
+        <p:spPr>
+          <a:xfrm>
+            <a:off x="132570" y="106846"/>
+            <a:ext cx="1518249" cy="369332"/>
+          </a:xfrm>
+          <a:prstGeom prst="rect">
+            <a:avLst/>
+          </a:prstGeom>
+          <a:noFill/>
+        </p:spPr>
+        <p:txBody>
+          <a:bodyPr wrap="square" rtlCol="0">
+            <a:spAutoFit/>
+          </a:bodyPr>
+          <a:lstStyle/>
+          <a:p>
+            <a:r>
+              <a:rPr lang="es-ES" b="1" dirty="0"/>
+              <a:t>ABRIL 2024</a:t>
+            </a:r>
+          </a:p>
+        </p:txBody>
+      </p:sp>
+      <p:sp>
+        <p:nvSpPr>
+          <p:cNvPr id="8" name="CuadroTexto 7">
+            <a:extLst>
+              <a:ext uri="{FF2B5EF4-FFF2-40B4-BE49-F238E27FC236}">
+                <a16:creationId xmlns:a16="http://schemas.microsoft.com/office/drawing/2014/main" id="{09B311DA-2BC0-351F-86DC-5623A1D8556F}"/>
+              </a:ext>
+            </a:extLst>
+          </p:cNvPr>
+          <p:cNvSpPr txBox="1"/>
+          <p:nvPr/>
+        </p:nvSpPr>
+        <p:spPr>
+          <a:xfrm>
+            <a:off x="10806026" y="6411034"/>
+            <a:ext cx="1305165" cy="369332"/>
+          </a:xfrm>
+          <a:prstGeom prst="rect">
+            <a:avLst/>
+          </a:prstGeom>
+          <a:noFill/>
+        </p:spPr>
+        <p:txBody>
+          <a:bodyPr wrap="none" rtlCol="0">
+            <a:spAutoFit/>
+          </a:bodyPr>
+          <a:lstStyle/>
+          <a:p>
+            <a:pPr algn="r"/>
+            <a:r>
+              <a:rPr lang="es-ES" b="1" dirty="0"/>
+              <a:t>CAPGEMINI</a:t>
+            </a:r>
+          </a:p>
+        </p:txBody>
+      </p:sp>
     </p:spTree>
     <p:extLst>
       <p:ext uri="{BB962C8B-B14F-4D97-AF65-F5344CB8AC3E}">
@@ -6226,7 +6307,7 @@
           <p:cNvPr id="2" name="Título 1">
             <a:extLst>
               <a:ext uri="{FF2B5EF4-FFF2-40B4-BE49-F238E27FC236}">
-                <a16:creationId xmlns:a16="http://schemas.microsoft.com/office/drawing/2014/main" id="{A3ED8D2B-5D68-D037-D743-00DDE32E4EBA}"/>
+                <a16:creationId xmlns:a16="http://schemas.microsoft.com/office/drawing/2014/main" id="{1190F830-B808-DCDB-405D-44F3390880F2}"/>
               </a:ext>
             </a:extLst>
           </p:cNvPr>
@@ -6244,13 +6325,8 @@
           <a:p>
             <a:r>
               <a:rPr lang="es-ES" dirty="0"/>
-              <a:t>Web </a:t>
-            </a:r>
-            <a:r>
-              <a:rPr lang="es-ES" dirty="0" err="1"/>
-              <a:t>Scraping</a:t>
-            </a:r>
-            <a:endParaRPr lang="es-ES" dirty="0"/>
+              <a:t>Análisis de Precios de competidores</a:t>
+            </a:r>
           </a:p>
         </p:txBody>
       </p:sp>
@@ -6259,7 +6335,7 @@
           <p:cNvPr id="3" name="Marcador de contenido 2">
             <a:extLst>
               <a:ext uri="{FF2B5EF4-FFF2-40B4-BE49-F238E27FC236}">
-                <a16:creationId xmlns:a16="http://schemas.microsoft.com/office/drawing/2014/main" id="{40A7E8E3-FA05-F0BD-04A6-22266242A257}"/>
+                <a16:creationId xmlns:a16="http://schemas.microsoft.com/office/drawing/2014/main" id="{ADC40DD1-E0F5-B199-6C43-2905ABA504D6}"/>
               </a:ext>
             </a:extLst>
           </p:cNvPr>
@@ -6275,14 +6351,23 @@
           <a:bodyPr/>
           <a:lstStyle/>
           <a:p>
-            <a:endParaRPr lang="es-ES"/>
+            <a:r>
+              <a:rPr lang="es-ES" dirty="0"/>
+              <a:t>¿Cómo se hacía antes?</a:t>
+            </a:r>
+          </a:p>
+          <a:p>
+            <a:r>
+              <a:rPr lang="es-ES" dirty="0"/>
+              <a:t>Cómo se puede hacer ahora…</a:t>
+            </a:r>
           </a:p>
         </p:txBody>
       </p:sp>
     </p:spTree>
     <p:extLst>
       <p:ext uri="{BB962C8B-B14F-4D97-AF65-F5344CB8AC3E}">
-        <p14:creationId xmlns:p14="http://schemas.microsoft.com/office/powerpoint/2010/main" val="1803683921"/>
+        <p14:creationId xmlns:p14="http://schemas.microsoft.com/office/powerpoint/2010/main" val="3666675579"/>
       </p:ext>
     </p:extLst>
   </p:cSld>
@@ -6314,7 +6399,7 @@
           <p:cNvPr id="2" name="Título 1">
             <a:extLst>
               <a:ext uri="{FF2B5EF4-FFF2-40B4-BE49-F238E27FC236}">
-                <a16:creationId xmlns:a16="http://schemas.microsoft.com/office/drawing/2014/main" id="{210EDCAB-4C47-4ABC-73AB-394EA9DF6D00}"/>
+                <a16:creationId xmlns:a16="http://schemas.microsoft.com/office/drawing/2014/main" id="{A09C7DFE-16B9-7308-BCF6-28674CE52622}"/>
               </a:ext>
             </a:extLst>
           </p:cNvPr>
@@ -6332,7 +6417,7 @@
           <a:p>
             <a:r>
               <a:rPr lang="es-ES" dirty="0"/>
-              <a:t>Navegadores y HTTP</a:t>
+              <a:t>Indexación de motores de búsqueda</a:t>
             </a:r>
           </a:p>
         </p:txBody>
@@ -6342,7 +6427,7 @@
           <p:cNvPr id="3" name="Marcador de contenido 2">
             <a:extLst>
               <a:ext uri="{FF2B5EF4-FFF2-40B4-BE49-F238E27FC236}">
-                <a16:creationId xmlns:a16="http://schemas.microsoft.com/office/drawing/2014/main" id="{47FA2EC9-A2AC-1C54-E88C-35AFC4A2D83A}"/>
+                <a16:creationId xmlns:a16="http://schemas.microsoft.com/office/drawing/2014/main" id="{136471C3-49D0-8C73-A1C2-7785DE696D22}"/>
               </a:ext>
             </a:extLst>
           </p:cNvPr>
@@ -6358,14 +6443,36 @@
           <a:bodyPr/>
           <a:lstStyle/>
           <a:p>
-            <a:endParaRPr lang="es-ES"/>
+            <a:r>
+              <a:rPr lang="es-ES" dirty="0"/>
+              <a:t>SEO</a:t>
+            </a:r>
+          </a:p>
+          <a:p>
+            <a:r>
+              <a:rPr lang="es-ES" dirty="0"/>
+              <a:t>Open-</a:t>
+            </a:r>
+            <a:r>
+              <a:rPr lang="es-ES" dirty="0" err="1"/>
+              <a:t>Graph</a:t>
+            </a:r>
+            <a:r>
+              <a:rPr lang="es-ES" dirty="0"/>
+              <a:t> </a:t>
+            </a:r>
+            <a:r>
+              <a:rPr lang="es-ES" dirty="0" err="1"/>
+              <a:t>Cards</a:t>
+            </a:r>
+            <a:endParaRPr lang="es-ES" dirty="0"/>
           </a:p>
         </p:txBody>
       </p:sp>
     </p:spTree>
     <p:extLst>
       <p:ext uri="{BB962C8B-B14F-4D97-AF65-F5344CB8AC3E}">
-        <p14:creationId xmlns:p14="http://schemas.microsoft.com/office/powerpoint/2010/main" val="936468242"/>
+        <p14:creationId xmlns:p14="http://schemas.microsoft.com/office/powerpoint/2010/main" val="2944742727"/>
       </p:ext>
     </p:extLst>
   </p:cSld>
@@ -6397,6 +6504,177 @@
           <p:cNvPr id="2" name="Título 1">
             <a:extLst>
               <a:ext uri="{FF2B5EF4-FFF2-40B4-BE49-F238E27FC236}">
+                <a16:creationId xmlns:a16="http://schemas.microsoft.com/office/drawing/2014/main" id="{A3ED8D2B-5D68-D037-D743-00DDE32E4EBA}"/>
+              </a:ext>
+            </a:extLst>
+          </p:cNvPr>
+          <p:cNvSpPr>
+            <a:spLocks noGrp="1"/>
+          </p:cNvSpPr>
+          <p:nvPr>
+            <p:ph type="title"/>
+          </p:nvPr>
+        </p:nvSpPr>
+        <p:spPr/>
+        <p:txBody>
+          <a:bodyPr/>
+          <a:lstStyle/>
+          <a:p>
+            <a:r>
+              <a:rPr lang="es-ES" dirty="0"/>
+              <a:t>Web </a:t>
+            </a:r>
+            <a:r>
+              <a:rPr lang="es-ES" dirty="0" err="1"/>
+              <a:t>Scraping</a:t>
+            </a:r>
+            <a:endParaRPr lang="es-ES" dirty="0"/>
+          </a:p>
+        </p:txBody>
+      </p:sp>
+      <p:sp>
+        <p:nvSpPr>
+          <p:cNvPr id="3" name="Marcador de contenido 2">
+            <a:extLst>
+              <a:ext uri="{FF2B5EF4-FFF2-40B4-BE49-F238E27FC236}">
+                <a16:creationId xmlns:a16="http://schemas.microsoft.com/office/drawing/2014/main" id="{40A7E8E3-FA05-F0BD-04A6-22266242A257}"/>
+              </a:ext>
+            </a:extLst>
+          </p:cNvPr>
+          <p:cNvSpPr>
+            <a:spLocks noGrp="1"/>
+          </p:cNvSpPr>
+          <p:nvPr>
+            <p:ph idx="1"/>
+          </p:nvPr>
+        </p:nvSpPr>
+        <p:spPr/>
+        <p:txBody>
+          <a:bodyPr/>
+          <a:lstStyle/>
+          <a:p>
+            <a:endParaRPr lang="es-ES"/>
+          </a:p>
+        </p:txBody>
+      </p:sp>
+    </p:spTree>
+    <p:extLst>
+      <p:ext uri="{BB962C8B-B14F-4D97-AF65-F5344CB8AC3E}">
+        <p14:creationId xmlns:p14="http://schemas.microsoft.com/office/powerpoint/2010/main" val="1803683921"/>
+      </p:ext>
+    </p:extLst>
+  </p:cSld>
+  <p:clrMapOvr>
+    <a:masterClrMapping/>
+  </p:clrMapOvr>
+</p:sld>
+</file>
+
+<file path=ppt/slides/slide13.xml><?xml version="1.0" encoding="utf-8"?>
+<p:sld xmlns:a="http://schemas.openxmlformats.org/drawingml/2006/main" xmlns:r="http://schemas.openxmlformats.org/officeDocument/2006/relationships" xmlns:p="http://schemas.openxmlformats.org/presentationml/2006/main">
+  <p:cSld>
+    <p:spTree>
+      <p:nvGrpSpPr>
+        <p:cNvPr id="1" name=""/>
+        <p:cNvGrpSpPr/>
+        <p:nvPr/>
+      </p:nvGrpSpPr>
+      <p:grpSpPr>
+        <a:xfrm>
+          <a:off x="0" y="0"/>
+          <a:ext cx="0" cy="0"/>
+          <a:chOff x="0" y="0"/>
+          <a:chExt cx="0" cy="0"/>
+        </a:xfrm>
+      </p:grpSpPr>
+      <p:sp>
+        <p:nvSpPr>
+          <p:cNvPr id="2" name="Título 1">
+            <a:extLst>
+              <a:ext uri="{FF2B5EF4-FFF2-40B4-BE49-F238E27FC236}">
+                <a16:creationId xmlns:a16="http://schemas.microsoft.com/office/drawing/2014/main" id="{210EDCAB-4C47-4ABC-73AB-394EA9DF6D00}"/>
+              </a:ext>
+            </a:extLst>
+          </p:cNvPr>
+          <p:cNvSpPr>
+            <a:spLocks noGrp="1"/>
+          </p:cNvSpPr>
+          <p:nvPr>
+            <p:ph type="title"/>
+          </p:nvPr>
+        </p:nvSpPr>
+        <p:spPr/>
+        <p:txBody>
+          <a:bodyPr/>
+          <a:lstStyle/>
+          <a:p>
+            <a:r>
+              <a:rPr lang="es-ES" dirty="0"/>
+              <a:t>Navegadores y HTTP</a:t>
+            </a:r>
+          </a:p>
+        </p:txBody>
+      </p:sp>
+      <p:sp>
+        <p:nvSpPr>
+          <p:cNvPr id="3" name="Marcador de contenido 2">
+            <a:extLst>
+              <a:ext uri="{FF2B5EF4-FFF2-40B4-BE49-F238E27FC236}">
+                <a16:creationId xmlns:a16="http://schemas.microsoft.com/office/drawing/2014/main" id="{47FA2EC9-A2AC-1C54-E88C-35AFC4A2D83A}"/>
+              </a:ext>
+            </a:extLst>
+          </p:cNvPr>
+          <p:cNvSpPr>
+            <a:spLocks noGrp="1"/>
+          </p:cNvSpPr>
+          <p:nvPr>
+            <p:ph idx="1"/>
+          </p:nvPr>
+        </p:nvSpPr>
+        <p:spPr/>
+        <p:txBody>
+          <a:bodyPr/>
+          <a:lstStyle/>
+          <a:p>
+            <a:endParaRPr lang="es-ES"/>
+          </a:p>
+        </p:txBody>
+      </p:sp>
+    </p:spTree>
+    <p:extLst>
+      <p:ext uri="{BB962C8B-B14F-4D97-AF65-F5344CB8AC3E}">
+        <p14:creationId xmlns:p14="http://schemas.microsoft.com/office/powerpoint/2010/main" val="936468242"/>
+      </p:ext>
+    </p:extLst>
+  </p:cSld>
+  <p:clrMapOvr>
+    <a:masterClrMapping/>
+  </p:clrMapOvr>
+</p:sld>
+</file>
+
+<file path=ppt/slides/slide14.xml><?xml version="1.0" encoding="utf-8"?>
+<p:sld xmlns:a="http://schemas.openxmlformats.org/drawingml/2006/main" xmlns:r="http://schemas.openxmlformats.org/officeDocument/2006/relationships" xmlns:p="http://schemas.openxmlformats.org/presentationml/2006/main">
+  <p:cSld>
+    <p:spTree>
+      <p:nvGrpSpPr>
+        <p:cNvPr id="1" name=""/>
+        <p:cNvGrpSpPr/>
+        <p:nvPr/>
+      </p:nvGrpSpPr>
+      <p:grpSpPr>
+        <a:xfrm>
+          <a:off x="0" y="0"/>
+          <a:ext cx="0" cy="0"/>
+          <a:chOff x="0" y="0"/>
+          <a:chExt cx="0" cy="0"/>
+        </a:xfrm>
+      </p:grpSpPr>
+      <p:sp>
+        <p:nvSpPr>
+          <p:cNvPr id="2" name="Título 1">
+            <a:extLst>
+              <a:ext uri="{FF2B5EF4-FFF2-40B4-BE49-F238E27FC236}">
                 <a16:creationId xmlns:a16="http://schemas.microsoft.com/office/drawing/2014/main" id="{259DEAD8-7A47-AC96-919B-A72385270228}"/>
               </a:ext>
             </a:extLst>
@@ -6453,6 +6731,299 @@
     <p:extLst>
       <p:ext uri="{BB962C8B-B14F-4D97-AF65-F5344CB8AC3E}">
         <p14:creationId xmlns:p14="http://schemas.microsoft.com/office/powerpoint/2010/main" val="3983863740"/>
+      </p:ext>
+    </p:extLst>
+  </p:cSld>
+  <p:clrMapOvr>
+    <a:masterClrMapping/>
+  </p:clrMapOvr>
+</p:sld>
+</file>
+
+<file path=ppt/slides/slide15.xml><?xml version="1.0" encoding="utf-8"?>
+<p:sld xmlns:a="http://schemas.openxmlformats.org/drawingml/2006/main" xmlns:r="http://schemas.openxmlformats.org/officeDocument/2006/relationships" xmlns:p="http://schemas.openxmlformats.org/presentationml/2006/main">
+  <p:cSld>
+    <p:spTree>
+      <p:nvGrpSpPr>
+        <p:cNvPr id="1" name=""/>
+        <p:cNvGrpSpPr/>
+        <p:nvPr/>
+      </p:nvGrpSpPr>
+      <p:grpSpPr>
+        <a:xfrm>
+          <a:off x="0" y="0"/>
+          <a:ext cx="0" cy="0"/>
+          <a:chOff x="0" y="0"/>
+          <a:chExt cx="0" cy="0"/>
+        </a:xfrm>
+      </p:grpSpPr>
+      <p:sp>
+        <p:nvSpPr>
+          <p:cNvPr id="2" name="Título 1">
+            <a:extLst>
+              <a:ext uri="{FF2B5EF4-FFF2-40B4-BE49-F238E27FC236}">
+                <a16:creationId xmlns:a16="http://schemas.microsoft.com/office/drawing/2014/main" id="{E7AAD5CE-516B-DCFB-5413-277F16B1E1FD}"/>
+              </a:ext>
+            </a:extLst>
+          </p:cNvPr>
+          <p:cNvSpPr>
+            <a:spLocks noGrp="1"/>
+          </p:cNvSpPr>
+          <p:nvPr>
+            <p:ph type="title"/>
+          </p:nvPr>
+        </p:nvSpPr>
+        <p:spPr/>
+        <p:txBody>
+          <a:bodyPr/>
+          <a:lstStyle/>
+          <a:p>
+            <a:r>
+              <a:rPr lang="es-ES" dirty="0"/>
+              <a:t>Defensa ante web </a:t>
+            </a:r>
+            <a:r>
+              <a:rPr lang="es-ES" dirty="0" err="1"/>
+              <a:t>scraping</a:t>
+            </a:r>
+            <a:endParaRPr lang="es-ES" dirty="0"/>
+          </a:p>
+        </p:txBody>
+      </p:sp>
+      <p:sp>
+        <p:nvSpPr>
+          <p:cNvPr id="3" name="Marcador de contenido 2">
+            <a:extLst>
+              <a:ext uri="{FF2B5EF4-FFF2-40B4-BE49-F238E27FC236}">
+                <a16:creationId xmlns:a16="http://schemas.microsoft.com/office/drawing/2014/main" id="{FE7F368B-0A30-EFA8-88A5-A635C6E3CA15}"/>
+              </a:ext>
+            </a:extLst>
+          </p:cNvPr>
+          <p:cNvSpPr>
+            <a:spLocks noGrp="1"/>
+          </p:cNvSpPr>
+          <p:nvPr>
+            <p:ph idx="1"/>
+          </p:nvPr>
+        </p:nvSpPr>
+        <p:spPr/>
+        <p:txBody>
+          <a:bodyPr/>
+          <a:lstStyle/>
+          <a:p>
+            <a:endParaRPr lang="es-ES"/>
+          </a:p>
+        </p:txBody>
+      </p:sp>
+    </p:spTree>
+    <p:extLst>
+      <p:ext uri="{BB962C8B-B14F-4D97-AF65-F5344CB8AC3E}">
+        <p14:creationId xmlns:p14="http://schemas.microsoft.com/office/powerpoint/2010/main" val="3225559401"/>
+      </p:ext>
+    </p:extLst>
+  </p:cSld>
+  <p:clrMapOvr>
+    <a:masterClrMapping/>
+  </p:clrMapOvr>
+</p:sld>
+</file>
+
+<file path=ppt/slides/slide16.xml><?xml version="1.0" encoding="utf-8"?>
+<p:sld xmlns:a="http://schemas.openxmlformats.org/drawingml/2006/main" xmlns:r="http://schemas.openxmlformats.org/officeDocument/2006/relationships" xmlns:p="http://schemas.openxmlformats.org/presentationml/2006/main">
+  <p:cSld>
+    <p:spTree>
+      <p:nvGrpSpPr>
+        <p:cNvPr id="1" name=""/>
+        <p:cNvGrpSpPr/>
+        <p:nvPr/>
+      </p:nvGrpSpPr>
+      <p:grpSpPr>
+        <a:xfrm>
+          <a:off x="0" y="0"/>
+          <a:ext cx="0" cy="0"/>
+          <a:chOff x="0" y="0"/>
+          <a:chExt cx="0" cy="0"/>
+        </a:xfrm>
+      </p:grpSpPr>
+      <p:sp>
+        <p:nvSpPr>
+          <p:cNvPr id="2" name="Título 1">
+            <a:extLst>
+              <a:ext uri="{FF2B5EF4-FFF2-40B4-BE49-F238E27FC236}">
+                <a16:creationId xmlns:a16="http://schemas.microsoft.com/office/drawing/2014/main" id="{86CD7AF8-A033-AEE2-2F4C-0448F6E1F770}"/>
+              </a:ext>
+            </a:extLst>
+          </p:cNvPr>
+          <p:cNvSpPr>
+            <a:spLocks noGrp="1"/>
+          </p:cNvSpPr>
+          <p:nvPr>
+            <p:ph type="title"/>
+          </p:nvPr>
+        </p:nvSpPr>
+        <p:spPr/>
+        <p:txBody>
+          <a:bodyPr/>
+          <a:lstStyle/>
+          <a:p>
+            <a:r>
+              <a:rPr lang="es-ES" dirty="0"/>
+              <a:t>Problemas del web </a:t>
+            </a:r>
+            <a:r>
+              <a:rPr lang="es-ES" dirty="0" err="1"/>
+              <a:t>scraping</a:t>
+            </a:r>
+            <a:endParaRPr lang="es-ES" dirty="0"/>
+          </a:p>
+        </p:txBody>
+      </p:sp>
+      <p:sp>
+        <p:nvSpPr>
+          <p:cNvPr id="3" name="Marcador de contenido 2">
+            <a:extLst>
+              <a:ext uri="{FF2B5EF4-FFF2-40B4-BE49-F238E27FC236}">
+                <a16:creationId xmlns:a16="http://schemas.microsoft.com/office/drawing/2014/main" id="{72215D9D-12F3-0EED-973E-E99196E9E390}"/>
+              </a:ext>
+            </a:extLst>
+          </p:cNvPr>
+          <p:cNvSpPr>
+            <a:spLocks noGrp="1"/>
+          </p:cNvSpPr>
+          <p:nvPr>
+            <p:ph idx="1"/>
+          </p:nvPr>
+        </p:nvSpPr>
+        <p:spPr/>
+        <p:txBody>
+          <a:bodyPr/>
+          <a:lstStyle/>
+          <a:p>
+            <a:endParaRPr lang="es-ES"/>
+          </a:p>
+        </p:txBody>
+      </p:sp>
+    </p:spTree>
+    <p:extLst>
+      <p:ext uri="{BB962C8B-B14F-4D97-AF65-F5344CB8AC3E}">
+        <p14:creationId xmlns:p14="http://schemas.microsoft.com/office/powerpoint/2010/main" val="1422551444"/>
+      </p:ext>
+    </p:extLst>
+  </p:cSld>
+  <p:clrMapOvr>
+    <a:masterClrMapping/>
+  </p:clrMapOvr>
+</p:sld>
+</file>
+
+<file path=ppt/slides/slide17.xml><?xml version="1.0" encoding="utf-8"?>
+<p:sld xmlns:a="http://schemas.openxmlformats.org/drawingml/2006/main" xmlns:r="http://schemas.openxmlformats.org/officeDocument/2006/relationships" xmlns:p="http://schemas.openxmlformats.org/presentationml/2006/main">
+  <p:cSld>
+    <p:spTree>
+      <p:nvGrpSpPr>
+        <p:cNvPr id="1" name=""/>
+        <p:cNvGrpSpPr/>
+        <p:nvPr/>
+      </p:nvGrpSpPr>
+      <p:grpSpPr>
+        <a:xfrm>
+          <a:off x="0" y="0"/>
+          <a:ext cx="0" cy="0"/>
+          <a:chOff x="0" y="0"/>
+          <a:chExt cx="0" cy="0"/>
+        </a:xfrm>
+      </p:grpSpPr>
+      <p:sp>
+        <p:nvSpPr>
+          <p:cNvPr id="2" name="Título 1">
+            <a:extLst>
+              <a:ext uri="{FF2B5EF4-FFF2-40B4-BE49-F238E27FC236}">
+                <a16:creationId xmlns:a16="http://schemas.microsoft.com/office/drawing/2014/main" id="{E74A121F-8DC4-F79C-2E06-F76816C84570}"/>
+              </a:ext>
+            </a:extLst>
+          </p:cNvPr>
+          <p:cNvSpPr>
+            <a:spLocks noGrp="1"/>
+          </p:cNvSpPr>
+          <p:nvPr>
+            <p:ph type="title"/>
+          </p:nvPr>
+        </p:nvSpPr>
+        <p:spPr/>
+        <p:txBody>
+          <a:bodyPr/>
+          <a:lstStyle/>
+          <a:p>
+            <a:r>
+              <a:rPr lang="es-ES" dirty="0"/>
+              <a:t>HEADLESS Browsers</a:t>
+            </a:r>
+          </a:p>
+        </p:txBody>
+      </p:sp>
+      <p:sp>
+        <p:nvSpPr>
+          <p:cNvPr id="3" name="Marcador de contenido 2">
+            <a:extLst>
+              <a:ext uri="{FF2B5EF4-FFF2-40B4-BE49-F238E27FC236}">
+                <a16:creationId xmlns:a16="http://schemas.microsoft.com/office/drawing/2014/main" id="{EE932516-96D9-9A99-647D-6705EA0B19E8}"/>
+              </a:ext>
+            </a:extLst>
+          </p:cNvPr>
+          <p:cNvSpPr>
+            <a:spLocks noGrp="1"/>
+          </p:cNvSpPr>
+          <p:nvPr>
+            <p:ph idx="1"/>
+          </p:nvPr>
+        </p:nvSpPr>
+        <p:spPr/>
+        <p:txBody>
+          <a:bodyPr/>
+          <a:lstStyle/>
+          <a:p>
+            <a:r>
+              <a:rPr lang="es-ES" dirty="0"/>
+              <a:t>User-</a:t>
+            </a:r>
+            <a:r>
+              <a:rPr lang="es-ES" dirty="0" err="1"/>
+              <a:t>agents</a:t>
+            </a:r>
+            <a:endParaRPr lang="es-ES" dirty="0"/>
+          </a:p>
+          <a:p>
+            <a:r>
+              <a:rPr lang="es-ES" dirty="0"/>
+              <a:t>Conexiones vivas</a:t>
+            </a:r>
+          </a:p>
+          <a:p>
+            <a:r>
+              <a:rPr lang="es-ES" dirty="0"/>
+              <a:t>Interacción de usuario</a:t>
+            </a:r>
+          </a:p>
+          <a:p>
+            <a:pPr lvl="1"/>
+            <a:r>
+              <a:rPr lang="es-ES" dirty="0"/>
+              <a:t>Log-in</a:t>
+            </a:r>
+          </a:p>
+          <a:p>
+            <a:pPr lvl="1"/>
+            <a:r>
+              <a:rPr lang="es-ES" dirty="0"/>
+              <a:t>Navegación programática</a:t>
+            </a:r>
+          </a:p>
+        </p:txBody>
+      </p:sp>
+    </p:spTree>
+    <p:extLst>
+      <p:ext uri="{BB962C8B-B14F-4D97-AF65-F5344CB8AC3E}">
+        <p14:creationId xmlns:p14="http://schemas.microsoft.com/office/powerpoint/2010/main" val="3274197254"/>
       </p:ext>
     </p:extLst>
   </p:cSld>
@@ -6484,6 +7055,89 @@
           <p:cNvPr id="2" name="Título 1">
             <a:extLst>
               <a:ext uri="{FF2B5EF4-FFF2-40B4-BE49-F238E27FC236}">
+                <a16:creationId xmlns:a16="http://schemas.microsoft.com/office/drawing/2014/main" id="{826B8EC0-37F3-17C1-8A86-00B46A406F1C}"/>
+              </a:ext>
+            </a:extLst>
+          </p:cNvPr>
+          <p:cNvSpPr>
+            <a:spLocks noGrp="1"/>
+          </p:cNvSpPr>
+          <p:nvPr>
+            <p:ph type="title"/>
+          </p:nvPr>
+        </p:nvSpPr>
+        <p:spPr/>
+        <p:txBody>
+          <a:bodyPr/>
+          <a:lstStyle/>
+          <a:p>
+            <a:r>
+              <a:rPr lang="es-ES" dirty="0"/>
+              <a:t>¿Quién soy?</a:t>
+            </a:r>
+          </a:p>
+        </p:txBody>
+      </p:sp>
+      <p:sp>
+        <p:nvSpPr>
+          <p:cNvPr id="3" name="Marcador de contenido 2">
+            <a:extLst>
+              <a:ext uri="{FF2B5EF4-FFF2-40B4-BE49-F238E27FC236}">
+                <a16:creationId xmlns:a16="http://schemas.microsoft.com/office/drawing/2014/main" id="{B4218AC3-0816-54CB-AFF5-9BB15196AAA3}"/>
+              </a:ext>
+            </a:extLst>
+          </p:cNvPr>
+          <p:cNvSpPr>
+            <a:spLocks noGrp="1"/>
+          </p:cNvSpPr>
+          <p:nvPr>
+            <p:ph idx="1"/>
+          </p:nvPr>
+        </p:nvSpPr>
+        <p:spPr/>
+        <p:txBody>
+          <a:bodyPr/>
+          <a:lstStyle/>
+          <a:p>
+            <a:endParaRPr lang="es-ES"/>
+          </a:p>
+        </p:txBody>
+      </p:sp>
+    </p:spTree>
+    <p:extLst>
+      <p:ext uri="{BB962C8B-B14F-4D97-AF65-F5344CB8AC3E}">
+        <p14:creationId xmlns:p14="http://schemas.microsoft.com/office/powerpoint/2010/main" val="4205560487"/>
+      </p:ext>
+    </p:extLst>
+  </p:cSld>
+  <p:clrMapOvr>
+    <a:masterClrMapping/>
+  </p:clrMapOvr>
+</p:sld>
+</file>
+
+<file path=ppt/slides/slide3.xml><?xml version="1.0" encoding="utf-8"?>
+<p:sld xmlns:a="http://schemas.openxmlformats.org/drawingml/2006/main" xmlns:r="http://schemas.openxmlformats.org/officeDocument/2006/relationships" xmlns:p="http://schemas.openxmlformats.org/presentationml/2006/main">
+  <p:cSld>
+    <p:spTree>
+      <p:nvGrpSpPr>
+        <p:cNvPr id="1" name=""/>
+        <p:cNvGrpSpPr/>
+        <p:nvPr/>
+      </p:nvGrpSpPr>
+      <p:grpSpPr>
+        <a:xfrm>
+          <a:off x="0" y="0"/>
+          <a:ext cx="0" cy="0"/>
+          <a:chOff x="0" y="0"/>
+          <a:chExt cx="0" cy="0"/>
+        </a:xfrm>
+      </p:grpSpPr>
+      <p:sp>
+        <p:nvSpPr>
+          <p:cNvPr id="2" name="Título 1">
+            <a:extLst>
+              <a:ext uri="{FF2B5EF4-FFF2-40B4-BE49-F238E27FC236}">
                 <a16:creationId xmlns:a16="http://schemas.microsoft.com/office/drawing/2014/main" id="{60B4A59B-C8C5-A95D-5FDE-33A83CE41A00}"/>
               </a:ext>
             </a:extLst>
@@ -6572,7 +7226,7 @@
 </p:sld>
 </file>
 
-<file path=ppt/slides/slide3.xml><?xml version="1.0" encoding="utf-8"?>
+<file path=ppt/slides/slide4.xml><?xml version="1.0" encoding="utf-8"?>
 <p:sld xmlns:a="http://schemas.openxmlformats.org/drawingml/2006/main" xmlns:r="http://schemas.openxmlformats.org/officeDocument/2006/relationships" xmlns:p="http://schemas.openxmlformats.org/presentationml/2006/main">
   <p:cSld>
     <p:bg>
@@ -6714,7 +7368,7 @@
 </p:sld>
 </file>
 
-<file path=ppt/slides/slide4.xml><?xml version="1.0" encoding="utf-8"?>
+<file path=ppt/slides/slide5.xml><?xml version="1.0" encoding="utf-8"?>
 <p:sld xmlns:a="http://schemas.openxmlformats.org/drawingml/2006/main" xmlns:r="http://schemas.openxmlformats.org/officeDocument/2006/relationships" xmlns:p="http://schemas.openxmlformats.org/presentationml/2006/main">
   <p:cSld>
     <p:spTree>
@@ -6833,7 +7487,7 @@
 </p:sld>
 </file>
 
-<file path=ppt/slides/slide5.xml><?xml version="1.0" encoding="utf-8"?>
+<file path=ppt/slides/slide6.xml><?xml version="1.0" encoding="utf-8"?>
 <p:sld xmlns:a="http://schemas.openxmlformats.org/drawingml/2006/main" xmlns:r="http://schemas.openxmlformats.org/officeDocument/2006/relationships" xmlns:p="http://schemas.openxmlformats.org/presentationml/2006/main">
   <p:cSld>
     <p:bg>
@@ -6996,7 +7650,7 @@
 </p:sld>
 </file>
 
-<file path=ppt/slides/slide6.xml><?xml version="1.0" encoding="utf-8"?>
+<file path=ppt/slides/slide7.xml><?xml version="1.0" encoding="utf-8"?>
 <p:sld xmlns:a="http://schemas.openxmlformats.org/drawingml/2006/main" xmlns:r="http://schemas.openxmlformats.org/officeDocument/2006/relationships" xmlns:p="http://schemas.openxmlformats.org/presentationml/2006/main">
   <p:cSld>
     <p:bg>
@@ -7256,7 +7910,7 @@
 </p:sld>
 </file>
 
-<file path=ppt/slides/slide7.xml><?xml version="1.0" encoding="utf-8"?>
+<file path=ppt/slides/slide8.xml><?xml version="1.0" encoding="utf-8"?>
 <p:sld xmlns:a="http://schemas.openxmlformats.org/drawingml/2006/main" xmlns:r="http://schemas.openxmlformats.org/officeDocument/2006/relationships" xmlns:p="http://schemas.openxmlformats.org/presentationml/2006/main">
   <p:cSld>
     <p:bg>
@@ -7441,89 +8095,6 @@
     <p:extLst>
       <p:ext uri="{BB962C8B-B14F-4D97-AF65-F5344CB8AC3E}">
         <p14:creationId xmlns:p14="http://schemas.microsoft.com/office/powerpoint/2010/main" val="1994021770"/>
-      </p:ext>
-    </p:extLst>
-  </p:cSld>
-  <p:clrMapOvr>
-    <a:masterClrMapping/>
-  </p:clrMapOvr>
-</p:sld>
-</file>
-
-<file path=ppt/slides/slide8.xml><?xml version="1.0" encoding="utf-8"?>
-<p:sld xmlns:a="http://schemas.openxmlformats.org/drawingml/2006/main" xmlns:r="http://schemas.openxmlformats.org/officeDocument/2006/relationships" xmlns:p="http://schemas.openxmlformats.org/presentationml/2006/main">
-  <p:cSld>
-    <p:spTree>
-      <p:nvGrpSpPr>
-        <p:cNvPr id="1" name=""/>
-        <p:cNvGrpSpPr/>
-        <p:nvPr/>
-      </p:nvGrpSpPr>
-      <p:grpSpPr>
-        <a:xfrm>
-          <a:off x="0" y="0"/>
-          <a:ext cx="0" cy="0"/>
-          <a:chOff x="0" y="0"/>
-          <a:chExt cx="0" cy="0"/>
-        </a:xfrm>
-      </p:grpSpPr>
-      <p:sp>
-        <p:nvSpPr>
-          <p:cNvPr id="2" name="Título 1">
-            <a:extLst>
-              <a:ext uri="{FF2B5EF4-FFF2-40B4-BE49-F238E27FC236}">
-                <a16:creationId xmlns:a16="http://schemas.microsoft.com/office/drawing/2014/main" id="{A09C7DFE-16B9-7308-BCF6-28674CE52622}"/>
-              </a:ext>
-            </a:extLst>
-          </p:cNvPr>
-          <p:cNvSpPr>
-            <a:spLocks noGrp="1"/>
-          </p:cNvSpPr>
-          <p:nvPr>
-            <p:ph type="title"/>
-          </p:nvPr>
-        </p:nvSpPr>
-        <p:spPr/>
-        <p:txBody>
-          <a:bodyPr/>
-          <a:lstStyle/>
-          <a:p>
-            <a:r>
-              <a:rPr lang="es-ES" dirty="0"/>
-              <a:t>Indexación de motores de búsqueda</a:t>
-            </a:r>
-          </a:p>
-        </p:txBody>
-      </p:sp>
-      <p:sp>
-        <p:nvSpPr>
-          <p:cNvPr id="3" name="Marcador de contenido 2">
-            <a:extLst>
-              <a:ext uri="{FF2B5EF4-FFF2-40B4-BE49-F238E27FC236}">
-                <a16:creationId xmlns:a16="http://schemas.microsoft.com/office/drawing/2014/main" id="{136471C3-49D0-8C73-A1C2-7785DE696D22}"/>
-              </a:ext>
-            </a:extLst>
-          </p:cNvPr>
-          <p:cNvSpPr>
-            <a:spLocks noGrp="1"/>
-          </p:cNvSpPr>
-          <p:nvPr>
-            <p:ph idx="1"/>
-          </p:nvPr>
-        </p:nvSpPr>
-        <p:spPr/>
-        <p:txBody>
-          <a:bodyPr/>
-          <a:lstStyle/>
-          <a:p>
-            <a:endParaRPr lang="es-ES"/>
-          </a:p>
-        </p:txBody>
-      </p:sp>
-    </p:spTree>
-    <p:extLst>
-      <p:ext uri="{BB962C8B-B14F-4D97-AF65-F5344CB8AC3E}">
-        <p14:creationId xmlns:p14="http://schemas.microsoft.com/office/powerpoint/2010/main" val="2944742727"/>
       </p:ext>
     </p:extLst>
   </p:cSld>

--- a/uv/web-scraping-y-las-bases-de-datos-ofuscadas/web-scraping-core.pptx
+++ b/uv/web-scraping-y-las-bases-de-datos-ofuscadas/web-scraping-core.pptx
@@ -7,21 +7,22 @@
   <p:sldIdLst>
     <p:sldId id="256" r:id="rId2"/>
     <p:sldId id="268" r:id="rId3"/>
-    <p:sldId id="257" r:id="rId4"/>
-    <p:sldId id="260" r:id="rId5"/>
-    <p:sldId id="261" r:id="rId6"/>
-    <p:sldId id="262" r:id="rId7"/>
-    <p:sldId id="258" r:id="rId8"/>
-    <p:sldId id="263" r:id="rId9"/>
-    <p:sldId id="265" r:id="rId10"/>
-    <p:sldId id="272" r:id="rId11"/>
-    <p:sldId id="264" r:id="rId12"/>
-    <p:sldId id="259" r:id="rId13"/>
-    <p:sldId id="266" r:id="rId14"/>
-    <p:sldId id="267" r:id="rId15"/>
-    <p:sldId id="269" r:id="rId16"/>
+    <p:sldId id="273" r:id="rId4"/>
+    <p:sldId id="257" r:id="rId5"/>
+    <p:sldId id="260" r:id="rId6"/>
+    <p:sldId id="261" r:id="rId7"/>
+    <p:sldId id="262" r:id="rId8"/>
+    <p:sldId id="258" r:id="rId9"/>
+    <p:sldId id="263" r:id="rId10"/>
+    <p:sldId id="265" r:id="rId11"/>
+    <p:sldId id="272" r:id="rId12"/>
+    <p:sldId id="264" r:id="rId13"/>
+    <p:sldId id="259" r:id="rId14"/>
+    <p:sldId id="266" r:id="rId15"/>
+    <p:sldId id="267" r:id="rId16"/>
     <p:sldId id="271" r:id="rId17"/>
-    <p:sldId id="270" r:id="rId18"/>
+    <p:sldId id="269" r:id="rId18"/>
+    <p:sldId id="270" r:id="rId19"/>
   </p:sldIdLst>
   <p:sldSz cx="12192000" cy="6858000"/>
   <p:notesSz cx="6858000" cy="9144000"/>
@@ -6307,7 +6308,7 @@
           <p:cNvPr id="2" name="Título 1">
             <a:extLst>
               <a:ext uri="{FF2B5EF4-FFF2-40B4-BE49-F238E27FC236}">
-                <a16:creationId xmlns:a16="http://schemas.microsoft.com/office/drawing/2014/main" id="{1190F830-B808-DCDB-405D-44F3390880F2}"/>
+                <a16:creationId xmlns:a16="http://schemas.microsoft.com/office/drawing/2014/main" id="{100EDC74-BE4B-790A-CA37-0776818345C6}"/>
               </a:ext>
             </a:extLst>
           </p:cNvPr>
@@ -6325,7 +6326,7 @@
           <a:p>
             <a:r>
               <a:rPr lang="es-ES" dirty="0"/>
-              <a:t>Análisis de Precios de competidores</a:t>
+              <a:t>Bases de Datos Ofuscadas</a:t>
             </a:r>
           </a:p>
         </p:txBody>
@@ -6335,7 +6336,7 @@
           <p:cNvPr id="3" name="Marcador de contenido 2">
             <a:extLst>
               <a:ext uri="{FF2B5EF4-FFF2-40B4-BE49-F238E27FC236}">
-                <a16:creationId xmlns:a16="http://schemas.microsoft.com/office/drawing/2014/main" id="{ADC40DD1-E0F5-B199-6C43-2905ABA504D6}"/>
+                <a16:creationId xmlns:a16="http://schemas.microsoft.com/office/drawing/2014/main" id="{3D37526D-B9D7-5057-2D73-AEC681A41F6C}"/>
               </a:ext>
             </a:extLst>
           </p:cNvPr>
@@ -6351,23 +6352,14 @@
           <a:bodyPr/>
           <a:lstStyle/>
           <a:p>
-            <a:r>
-              <a:rPr lang="es-ES" dirty="0"/>
-              <a:t>¿Cómo se hacía antes?</a:t>
-            </a:r>
-          </a:p>
-          <a:p>
-            <a:r>
-              <a:rPr lang="es-ES" dirty="0"/>
-              <a:t>Cómo se puede hacer ahora…</a:t>
-            </a:r>
+            <a:endParaRPr lang="es-ES"/>
           </a:p>
         </p:txBody>
       </p:sp>
     </p:spTree>
     <p:extLst>
       <p:ext uri="{BB962C8B-B14F-4D97-AF65-F5344CB8AC3E}">
-        <p14:creationId xmlns:p14="http://schemas.microsoft.com/office/powerpoint/2010/main" val="3666675579"/>
+        <p14:creationId xmlns:p14="http://schemas.microsoft.com/office/powerpoint/2010/main" val="3000006698"/>
       </p:ext>
     </p:extLst>
   </p:cSld>
@@ -6399,7 +6391,7 @@
           <p:cNvPr id="2" name="Título 1">
             <a:extLst>
               <a:ext uri="{FF2B5EF4-FFF2-40B4-BE49-F238E27FC236}">
-                <a16:creationId xmlns:a16="http://schemas.microsoft.com/office/drawing/2014/main" id="{A09C7DFE-16B9-7308-BCF6-28674CE52622}"/>
+                <a16:creationId xmlns:a16="http://schemas.microsoft.com/office/drawing/2014/main" id="{1190F830-B808-DCDB-405D-44F3390880F2}"/>
               </a:ext>
             </a:extLst>
           </p:cNvPr>
@@ -6417,7 +6409,7 @@
           <a:p>
             <a:r>
               <a:rPr lang="es-ES" dirty="0"/>
-              <a:t>Indexación de motores de búsqueda</a:t>
+              <a:t>Análisis de Precios de competidores</a:t>
             </a:r>
           </a:p>
         </p:txBody>
@@ -6427,7 +6419,7 @@
           <p:cNvPr id="3" name="Marcador de contenido 2">
             <a:extLst>
               <a:ext uri="{FF2B5EF4-FFF2-40B4-BE49-F238E27FC236}">
-                <a16:creationId xmlns:a16="http://schemas.microsoft.com/office/drawing/2014/main" id="{136471C3-49D0-8C73-A1C2-7785DE696D22}"/>
+                <a16:creationId xmlns:a16="http://schemas.microsoft.com/office/drawing/2014/main" id="{ADC40DD1-E0F5-B199-6C43-2905ABA504D6}"/>
               </a:ext>
             </a:extLst>
           </p:cNvPr>
@@ -6440,39 +6432,26 @@
         </p:nvSpPr>
         <p:spPr/>
         <p:txBody>
-          <a:bodyPr/>
+          <a:bodyPr anchor="t"/>
           <a:lstStyle/>
           <a:p>
             <a:r>
               <a:rPr lang="es-ES" dirty="0"/>
-              <a:t>SEO</a:t>
+              <a:t>¿Cómo se hacía antes?</a:t>
             </a:r>
           </a:p>
           <a:p>
             <a:r>
               <a:rPr lang="es-ES" dirty="0"/>
-              <a:t>Open-</a:t>
-            </a:r>
-            <a:r>
-              <a:rPr lang="es-ES" dirty="0" err="1"/>
-              <a:t>Graph</a:t>
-            </a:r>
-            <a:r>
-              <a:rPr lang="es-ES" dirty="0"/>
-              <a:t> </a:t>
-            </a:r>
-            <a:r>
-              <a:rPr lang="es-ES" dirty="0" err="1"/>
-              <a:t>Cards</a:t>
-            </a:r>
-            <a:endParaRPr lang="es-ES" dirty="0"/>
+              <a:t>Cómo se puede hacer ahora…</a:t>
+            </a:r>
           </a:p>
         </p:txBody>
       </p:sp>
     </p:spTree>
     <p:extLst>
       <p:ext uri="{BB962C8B-B14F-4D97-AF65-F5344CB8AC3E}">
-        <p14:creationId xmlns:p14="http://schemas.microsoft.com/office/powerpoint/2010/main" val="2944742727"/>
+        <p14:creationId xmlns:p14="http://schemas.microsoft.com/office/powerpoint/2010/main" val="3666675579"/>
       </p:ext>
     </p:extLst>
   </p:cSld>
@@ -6504,7 +6483,7 @@
           <p:cNvPr id="2" name="Título 1">
             <a:extLst>
               <a:ext uri="{FF2B5EF4-FFF2-40B4-BE49-F238E27FC236}">
-                <a16:creationId xmlns:a16="http://schemas.microsoft.com/office/drawing/2014/main" id="{A3ED8D2B-5D68-D037-D743-00DDE32E4EBA}"/>
+                <a16:creationId xmlns:a16="http://schemas.microsoft.com/office/drawing/2014/main" id="{A09C7DFE-16B9-7308-BCF6-28674CE52622}"/>
               </a:ext>
             </a:extLst>
           </p:cNvPr>
@@ -6522,13 +6501,8 @@
           <a:p>
             <a:r>
               <a:rPr lang="es-ES" dirty="0"/>
-              <a:t>Web </a:t>
-            </a:r>
-            <a:r>
-              <a:rPr lang="es-ES" dirty="0" err="1"/>
-              <a:t>Scraping</a:t>
-            </a:r>
-            <a:endParaRPr lang="es-ES" dirty="0"/>
+              <a:t>Indexación de motores de búsqueda</a:t>
+            </a:r>
           </a:p>
         </p:txBody>
       </p:sp>
@@ -6537,7 +6511,7 @@
           <p:cNvPr id="3" name="Marcador de contenido 2">
             <a:extLst>
               <a:ext uri="{FF2B5EF4-FFF2-40B4-BE49-F238E27FC236}">
-                <a16:creationId xmlns:a16="http://schemas.microsoft.com/office/drawing/2014/main" id="{40A7E8E3-FA05-F0BD-04A6-22266242A257}"/>
+                <a16:creationId xmlns:a16="http://schemas.microsoft.com/office/drawing/2014/main" id="{136471C3-49D0-8C73-A1C2-7785DE696D22}"/>
               </a:ext>
             </a:extLst>
           </p:cNvPr>
@@ -6550,17 +6524,39 @@
         </p:nvSpPr>
         <p:spPr/>
         <p:txBody>
-          <a:bodyPr/>
-          <a:lstStyle/>
-          <a:p>
-            <a:endParaRPr lang="es-ES"/>
+          <a:bodyPr anchor="t"/>
+          <a:lstStyle/>
+          <a:p>
+            <a:r>
+              <a:rPr lang="es-ES" dirty="0"/>
+              <a:t>SEO</a:t>
+            </a:r>
+          </a:p>
+          <a:p>
+            <a:r>
+              <a:rPr lang="es-ES" dirty="0"/>
+              <a:t>Open-</a:t>
+            </a:r>
+            <a:r>
+              <a:rPr lang="es-ES" dirty="0" err="1"/>
+              <a:t>Graph</a:t>
+            </a:r>
+            <a:r>
+              <a:rPr lang="es-ES" dirty="0"/>
+              <a:t> </a:t>
+            </a:r>
+            <a:r>
+              <a:rPr lang="es-ES" dirty="0" err="1"/>
+              <a:t>Cards</a:t>
+            </a:r>
+            <a:endParaRPr lang="es-ES" dirty="0"/>
           </a:p>
         </p:txBody>
       </p:sp>
     </p:spTree>
     <p:extLst>
       <p:ext uri="{BB962C8B-B14F-4D97-AF65-F5344CB8AC3E}">
-        <p14:creationId xmlns:p14="http://schemas.microsoft.com/office/powerpoint/2010/main" val="1803683921"/>
+        <p14:creationId xmlns:p14="http://schemas.microsoft.com/office/powerpoint/2010/main" val="2944742727"/>
       </p:ext>
     </p:extLst>
   </p:cSld>
@@ -6592,7 +6588,7 @@
           <p:cNvPr id="2" name="Título 1">
             <a:extLst>
               <a:ext uri="{FF2B5EF4-FFF2-40B4-BE49-F238E27FC236}">
-                <a16:creationId xmlns:a16="http://schemas.microsoft.com/office/drawing/2014/main" id="{210EDCAB-4C47-4ABC-73AB-394EA9DF6D00}"/>
+                <a16:creationId xmlns:a16="http://schemas.microsoft.com/office/drawing/2014/main" id="{A3ED8D2B-5D68-D037-D743-00DDE32E4EBA}"/>
               </a:ext>
             </a:extLst>
           </p:cNvPr>
@@ -6610,8 +6606,13 @@
           <a:p>
             <a:r>
               <a:rPr lang="es-ES" dirty="0"/>
-              <a:t>Navegadores y HTTP</a:t>
-            </a:r>
+              <a:t>Web </a:t>
+            </a:r>
+            <a:r>
+              <a:rPr lang="es-ES" dirty="0" err="1"/>
+              <a:t>Scraping</a:t>
+            </a:r>
+            <a:endParaRPr lang="es-ES" dirty="0"/>
           </a:p>
         </p:txBody>
       </p:sp>
@@ -6620,7 +6621,7 @@
           <p:cNvPr id="3" name="Marcador de contenido 2">
             <a:extLst>
               <a:ext uri="{FF2B5EF4-FFF2-40B4-BE49-F238E27FC236}">
-                <a16:creationId xmlns:a16="http://schemas.microsoft.com/office/drawing/2014/main" id="{47FA2EC9-A2AC-1C54-E88C-35AFC4A2D83A}"/>
+                <a16:creationId xmlns:a16="http://schemas.microsoft.com/office/drawing/2014/main" id="{40A7E8E3-FA05-F0BD-04A6-22266242A257}"/>
               </a:ext>
             </a:extLst>
           </p:cNvPr>
@@ -6643,7 +6644,7 @@
     </p:spTree>
     <p:extLst>
       <p:ext uri="{BB962C8B-B14F-4D97-AF65-F5344CB8AC3E}">
-        <p14:creationId xmlns:p14="http://schemas.microsoft.com/office/powerpoint/2010/main" val="936468242"/>
+        <p14:creationId xmlns:p14="http://schemas.microsoft.com/office/powerpoint/2010/main" val="1803683921"/>
       </p:ext>
     </p:extLst>
   </p:cSld>
@@ -6675,7 +6676,7 @@
           <p:cNvPr id="2" name="Título 1">
             <a:extLst>
               <a:ext uri="{FF2B5EF4-FFF2-40B4-BE49-F238E27FC236}">
-                <a16:creationId xmlns:a16="http://schemas.microsoft.com/office/drawing/2014/main" id="{259DEAD8-7A47-AC96-919B-A72385270228}"/>
+                <a16:creationId xmlns:a16="http://schemas.microsoft.com/office/drawing/2014/main" id="{210EDCAB-4C47-4ABC-73AB-394EA9DF6D00}"/>
               </a:ext>
             </a:extLst>
           </p:cNvPr>
@@ -6692,12 +6693,8 @@
           <a:lstStyle/>
           <a:p>
             <a:r>
-              <a:rPr lang="es-ES" dirty="0" err="1"/>
-              <a:t>SCraping</a:t>
-            </a:r>
-            <a:r>
               <a:rPr lang="es-ES" dirty="0"/>
-              <a:t> básico</a:t>
+              <a:t>Navegadores y HTTP</a:t>
             </a:r>
           </a:p>
         </p:txBody>
@@ -6707,7 +6704,7 @@
           <p:cNvPr id="3" name="Marcador de contenido 2">
             <a:extLst>
               <a:ext uri="{FF2B5EF4-FFF2-40B4-BE49-F238E27FC236}">
-                <a16:creationId xmlns:a16="http://schemas.microsoft.com/office/drawing/2014/main" id="{BA4FCC44-4282-1F66-B8C9-239C59AB0188}"/>
+                <a16:creationId xmlns:a16="http://schemas.microsoft.com/office/drawing/2014/main" id="{47FA2EC9-A2AC-1C54-E88C-35AFC4A2D83A}"/>
               </a:ext>
             </a:extLst>
           </p:cNvPr>
@@ -6730,7 +6727,7 @@
     </p:spTree>
     <p:extLst>
       <p:ext uri="{BB962C8B-B14F-4D97-AF65-F5344CB8AC3E}">
-        <p14:creationId xmlns:p14="http://schemas.microsoft.com/office/powerpoint/2010/main" val="3983863740"/>
+        <p14:creationId xmlns:p14="http://schemas.microsoft.com/office/powerpoint/2010/main" val="936468242"/>
       </p:ext>
     </p:extLst>
   </p:cSld>
@@ -6762,7 +6759,7 @@
           <p:cNvPr id="2" name="Título 1">
             <a:extLst>
               <a:ext uri="{FF2B5EF4-FFF2-40B4-BE49-F238E27FC236}">
-                <a16:creationId xmlns:a16="http://schemas.microsoft.com/office/drawing/2014/main" id="{E7AAD5CE-516B-DCFB-5413-277F16B1E1FD}"/>
+                <a16:creationId xmlns:a16="http://schemas.microsoft.com/office/drawing/2014/main" id="{259DEAD8-7A47-AC96-919B-A72385270228}"/>
               </a:ext>
             </a:extLst>
           </p:cNvPr>
@@ -6779,14 +6776,13 @@
           <a:lstStyle/>
           <a:p>
             <a:r>
+              <a:rPr lang="es-ES" dirty="0" err="1"/>
+              <a:t>SCraping</a:t>
+            </a:r>
+            <a:r>
               <a:rPr lang="es-ES" dirty="0"/>
-              <a:t>Defensa ante web </a:t>
-            </a:r>
-            <a:r>
-              <a:rPr lang="es-ES" dirty="0" err="1"/>
-              <a:t>scraping</a:t>
-            </a:r>
-            <a:endParaRPr lang="es-ES" dirty="0"/>
+              <a:t> básico</a:t>
+            </a:r>
           </a:p>
         </p:txBody>
       </p:sp>
@@ -6795,7 +6791,7 @@
           <p:cNvPr id="3" name="Marcador de contenido 2">
             <a:extLst>
               <a:ext uri="{FF2B5EF4-FFF2-40B4-BE49-F238E27FC236}">
-                <a16:creationId xmlns:a16="http://schemas.microsoft.com/office/drawing/2014/main" id="{FE7F368B-0A30-EFA8-88A5-A635C6E3CA15}"/>
+                <a16:creationId xmlns:a16="http://schemas.microsoft.com/office/drawing/2014/main" id="{BA4FCC44-4282-1F66-B8C9-239C59AB0188}"/>
               </a:ext>
             </a:extLst>
           </p:cNvPr>
@@ -6818,7 +6814,7 @@
     </p:spTree>
     <p:extLst>
       <p:ext uri="{BB962C8B-B14F-4D97-AF65-F5344CB8AC3E}">
-        <p14:creationId xmlns:p14="http://schemas.microsoft.com/office/powerpoint/2010/main" val="3225559401"/>
+        <p14:creationId xmlns:p14="http://schemas.microsoft.com/office/powerpoint/2010/main" val="3983863740"/>
       </p:ext>
     </p:extLst>
   </p:cSld>
@@ -6894,12 +6890,389 @@
             <p:ph idx="1"/>
           </p:nvPr>
         </p:nvSpPr>
-        <p:spPr/>
-        <p:txBody>
-          <a:bodyPr/>
-          <a:lstStyle/>
-          <a:p>
-            <a:endParaRPr lang="es-ES"/>
+        <p:spPr>
+          <a:xfrm>
+            <a:off x="685802" y="2142067"/>
+            <a:ext cx="4973126" cy="3649133"/>
+          </a:xfrm>
+        </p:spPr>
+        <p:txBody>
+          <a:bodyPr anchor="t">
+            <a:normAutofit/>
+          </a:bodyPr>
+          <a:lstStyle/>
+          <a:p>
+            <a:pPr marL="0" indent="0">
+              <a:buNone/>
+            </a:pPr>
+            <a:r>
+              <a:rPr lang="es-ES" dirty="0"/>
+              <a:t>Para las empresas:</a:t>
+            </a:r>
+          </a:p>
+          <a:p>
+            <a:r>
+              <a:rPr lang="es-ES" dirty="0" err="1"/>
+              <a:t>DDoS</a:t>
+            </a:r>
+            <a:endParaRPr lang="es-ES" dirty="0"/>
+          </a:p>
+          <a:p>
+            <a:pPr lvl="1"/>
+            <a:r>
+              <a:rPr lang="es-ES" dirty="0"/>
+              <a:t>No se necesitan millones de peticiones</a:t>
+            </a:r>
+          </a:p>
+          <a:p>
+            <a:r>
+              <a:rPr lang="es-ES" dirty="0"/>
+              <a:t>Escalabilidad</a:t>
+            </a:r>
+          </a:p>
+          <a:p>
+            <a:r>
+              <a:rPr lang="es-ES" dirty="0"/>
+              <a:t>Zonas sensibles</a:t>
+            </a:r>
+          </a:p>
+          <a:p>
+            <a:pPr lvl="1"/>
+            <a:r>
+              <a:rPr lang="es-ES" dirty="0"/>
+              <a:t>Robots.txt</a:t>
+            </a:r>
+          </a:p>
+          <a:p>
+            <a:r>
+              <a:rPr lang="es-ES" dirty="0"/>
+              <a:t>La competencia tiene más fácil que nunca el acceso a tu información</a:t>
+            </a:r>
+          </a:p>
+        </p:txBody>
+      </p:sp>
+      <p:sp>
+        <p:nvSpPr>
+          <p:cNvPr id="5" name="Marcador de contenido 2">
+            <a:extLst>
+              <a:ext uri="{FF2B5EF4-FFF2-40B4-BE49-F238E27FC236}">
+                <a16:creationId xmlns:a16="http://schemas.microsoft.com/office/drawing/2014/main" id="{D921DDDD-2CA0-D41F-8EAE-69419C030A5E}"/>
+              </a:ext>
+            </a:extLst>
+          </p:cNvPr>
+          <p:cNvSpPr txBox="1">
+            <a:spLocks/>
+          </p:cNvSpPr>
+          <p:nvPr/>
+        </p:nvSpPr>
+        <p:spPr>
+          <a:xfrm>
+            <a:off x="5844100" y="2142067"/>
+            <a:ext cx="4973126" cy="3649133"/>
+          </a:xfrm>
+          <a:prstGeom prst="rect">
+            <a:avLst/>
+          </a:prstGeom>
+        </p:spPr>
+        <p:txBody>
+          <a:bodyPr vert="horz" lIns="91440" tIns="45720" rIns="91440" bIns="45720" rtlCol="0" anchor="t">
+            <a:normAutofit/>
+          </a:bodyPr>
+          <a:lstStyle>
+            <a:lvl1pPr marL="285750" indent="-285750" algn="l" defTabSz="457200" rtl="0" eaLnBrk="1" latinLnBrk="0" hangingPunct="1">
+              <a:spcBef>
+                <a:spcPts val="0"/>
+              </a:spcBef>
+              <a:spcAft>
+                <a:spcPts val="1000"/>
+              </a:spcAft>
+              <a:buClr>
+                <a:schemeClr val="tx1"/>
+              </a:buClr>
+              <a:buSzPct val="100000"/>
+              <a:buFont typeface="Arial"/>
+              <a:buChar char="•"/>
+              <a:defRPr sz="1800" kern="1200" cap="none">
+                <a:solidFill>
+                  <a:schemeClr val="tx1"/>
+                </a:solidFill>
+                <a:effectLst/>
+                <a:latin typeface="+mn-lt"/>
+                <a:ea typeface="+mn-ea"/>
+                <a:cs typeface="+mn-cs"/>
+              </a:defRPr>
+            </a:lvl1pPr>
+            <a:lvl2pPr marL="742950" indent="-285750" algn="l" defTabSz="457200" rtl="0" eaLnBrk="1" latinLnBrk="0" hangingPunct="1">
+              <a:spcBef>
+                <a:spcPts val="0"/>
+              </a:spcBef>
+              <a:spcAft>
+                <a:spcPts val="1000"/>
+              </a:spcAft>
+              <a:buClr>
+                <a:schemeClr val="tx1"/>
+              </a:buClr>
+              <a:buSzPct val="100000"/>
+              <a:buFont typeface="Arial"/>
+              <a:buChar char="•"/>
+              <a:defRPr sz="1600" kern="1200" cap="none">
+                <a:solidFill>
+                  <a:schemeClr val="tx1"/>
+                </a:solidFill>
+                <a:effectLst/>
+                <a:latin typeface="+mn-lt"/>
+                <a:ea typeface="+mn-ea"/>
+                <a:cs typeface="+mn-cs"/>
+              </a:defRPr>
+            </a:lvl2pPr>
+            <a:lvl3pPr marL="1200150" indent="-285750" algn="l" defTabSz="457200" rtl="0" eaLnBrk="1" latinLnBrk="0" hangingPunct="1">
+              <a:spcBef>
+                <a:spcPts val="0"/>
+              </a:spcBef>
+              <a:spcAft>
+                <a:spcPts val="1000"/>
+              </a:spcAft>
+              <a:buClr>
+                <a:schemeClr val="tx1"/>
+              </a:buClr>
+              <a:buSzPct val="100000"/>
+              <a:buFont typeface="Arial"/>
+              <a:buChar char="•"/>
+              <a:defRPr sz="1400" kern="1200" cap="none">
+                <a:solidFill>
+                  <a:schemeClr val="tx1"/>
+                </a:solidFill>
+                <a:effectLst/>
+                <a:latin typeface="+mn-lt"/>
+                <a:ea typeface="+mn-ea"/>
+                <a:cs typeface="+mn-cs"/>
+              </a:defRPr>
+            </a:lvl3pPr>
+            <a:lvl4pPr marL="1543050" indent="-171450" algn="l" defTabSz="457200" rtl="0" eaLnBrk="1" latinLnBrk="0" hangingPunct="1">
+              <a:spcBef>
+                <a:spcPts val="0"/>
+              </a:spcBef>
+              <a:spcAft>
+                <a:spcPts val="1000"/>
+              </a:spcAft>
+              <a:buClr>
+                <a:schemeClr val="tx1"/>
+              </a:buClr>
+              <a:buSzPct val="100000"/>
+              <a:buFont typeface="Arial"/>
+              <a:buChar char="•"/>
+              <a:defRPr sz="1200" kern="1200" cap="none">
+                <a:solidFill>
+                  <a:schemeClr val="tx1"/>
+                </a:solidFill>
+                <a:effectLst/>
+                <a:latin typeface="+mn-lt"/>
+                <a:ea typeface="+mn-ea"/>
+                <a:cs typeface="+mn-cs"/>
+              </a:defRPr>
+            </a:lvl4pPr>
+            <a:lvl5pPr marL="2000250" indent="-171450" algn="l" defTabSz="457200" rtl="0" eaLnBrk="1" latinLnBrk="0" hangingPunct="1">
+              <a:spcBef>
+                <a:spcPts val="0"/>
+              </a:spcBef>
+              <a:spcAft>
+                <a:spcPts val="1000"/>
+              </a:spcAft>
+              <a:buClr>
+                <a:schemeClr val="tx1"/>
+              </a:buClr>
+              <a:buSzPct val="100000"/>
+              <a:buFont typeface="Arial"/>
+              <a:buChar char="•"/>
+              <a:defRPr sz="1200" kern="1200" cap="none">
+                <a:solidFill>
+                  <a:schemeClr val="tx1"/>
+                </a:solidFill>
+                <a:effectLst/>
+                <a:latin typeface="+mn-lt"/>
+                <a:ea typeface="+mn-ea"/>
+                <a:cs typeface="+mn-cs"/>
+              </a:defRPr>
+            </a:lvl5pPr>
+            <a:lvl6pPr marL="2514600" indent="-228600" algn="l" defTabSz="457200" rtl="0" eaLnBrk="1" latinLnBrk="0" hangingPunct="1">
+              <a:spcBef>
+                <a:spcPts val="0"/>
+              </a:spcBef>
+              <a:spcAft>
+                <a:spcPts val="1000"/>
+              </a:spcAft>
+              <a:buClr>
+                <a:schemeClr val="tx1"/>
+              </a:buClr>
+              <a:buSzPct val="100000"/>
+              <a:buFont typeface="Arial"/>
+              <a:buChar char="•"/>
+              <a:defRPr sz="1200" kern="1200" cap="none">
+                <a:solidFill>
+                  <a:schemeClr val="tx1"/>
+                </a:solidFill>
+                <a:effectLst/>
+                <a:latin typeface="+mn-lt"/>
+                <a:ea typeface="+mn-ea"/>
+                <a:cs typeface="+mn-cs"/>
+              </a:defRPr>
+            </a:lvl6pPr>
+            <a:lvl7pPr marL="2971800" indent="-228600" algn="l" defTabSz="457200" rtl="0" eaLnBrk="1" latinLnBrk="0" hangingPunct="1">
+              <a:spcBef>
+                <a:spcPts val="0"/>
+              </a:spcBef>
+              <a:spcAft>
+                <a:spcPts val="1000"/>
+              </a:spcAft>
+              <a:buClr>
+                <a:schemeClr val="tx1"/>
+              </a:buClr>
+              <a:buSzPct val="100000"/>
+              <a:buFont typeface="Arial"/>
+              <a:buChar char="•"/>
+              <a:defRPr sz="1200" kern="1200" cap="none">
+                <a:solidFill>
+                  <a:schemeClr val="tx1"/>
+                </a:solidFill>
+                <a:effectLst/>
+                <a:latin typeface="+mn-lt"/>
+                <a:ea typeface="+mn-ea"/>
+                <a:cs typeface="+mn-cs"/>
+              </a:defRPr>
+            </a:lvl7pPr>
+            <a:lvl8pPr marL="3429000" indent="-228600" algn="l" defTabSz="457200" rtl="0" eaLnBrk="1" latinLnBrk="0" hangingPunct="1">
+              <a:spcBef>
+                <a:spcPts val="0"/>
+              </a:spcBef>
+              <a:spcAft>
+                <a:spcPts val="1000"/>
+              </a:spcAft>
+              <a:buClr>
+                <a:schemeClr val="tx1"/>
+              </a:buClr>
+              <a:buSzPct val="100000"/>
+              <a:buFont typeface="Arial"/>
+              <a:buChar char="•"/>
+              <a:defRPr sz="1200" kern="1200" cap="none">
+                <a:solidFill>
+                  <a:schemeClr val="tx1"/>
+                </a:solidFill>
+                <a:effectLst/>
+                <a:latin typeface="+mn-lt"/>
+                <a:ea typeface="+mn-ea"/>
+                <a:cs typeface="+mn-cs"/>
+              </a:defRPr>
+            </a:lvl8pPr>
+            <a:lvl9pPr marL="3886200" indent="-228600" algn="l" defTabSz="457200" rtl="0" eaLnBrk="1" latinLnBrk="0" hangingPunct="1">
+              <a:spcBef>
+                <a:spcPts val="0"/>
+              </a:spcBef>
+              <a:spcAft>
+                <a:spcPts val="1000"/>
+              </a:spcAft>
+              <a:buClr>
+                <a:schemeClr val="tx1"/>
+              </a:buClr>
+              <a:buSzPct val="100000"/>
+              <a:buFont typeface="Arial"/>
+              <a:buChar char="•"/>
+              <a:defRPr sz="1200" kern="1200" cap="none">
+                <a:solidFill>
+                  <a:schemeClr val="tx1"/>
+                </a:solidFill>
+                <a:effectLst/>
+                <a:latin typeface="+mn-lt"/>
+                <a:ea typeface="+mn-ea"/>
+                <a:cs typeface="+mn-cs"/>
+              </a:defRPr>
+            </a:lvl9pPr>
+          </a:lstStyle>
+          <a:p>
+            <a:pPr marL="0" indent="0">
+              <a:buNone/>
+            </a:pPr>
+            <a:r>
+              <a:rPr lang="es-ES" dirty="0"/>
+              <a:t>Para los </a:t>
+            </a:r>
+            <a:r>
+              <a:rPr lang="es-ES" dirty="0" err="1"/>
+              <a:t>scrapers</a:t>
+            </a:r>
+            <a:r>
+              <a:rPr lang="es-ES" dirty="0"/>
+              <a:t>:</a:t>
+            </a:r>
+          </a:p>
+          <a:p>
+            <a:pPr marL="285750" indent="-285750">
+              <a:buFont typeface="Arial" panose="020B0604020202020204" pitchFamily="34" charset="0"/>
+              <a:buChar char="•"/>
+            </a:pPr>
+            <a:r>
+              <a:rPr lang="es-ES" dirty="0"/>
+              <a:t>Legalidad de los datos</a:t>
+            </a:r>
+          </a:p>
+          <a:p>
+            <a:pPr marL="285750" indent="-285750">
+              <a:buFont typeface="Arial" panose="020B0604020202020204" pitchFamily="34" charset="0"/>
+              <a:buChar char="•"/>
+            </a:pPr>
+            <a:r>
+              <a:rPr lang="es-ES" dirty="0"/>
+              <a:t>Fragilidad del </a:t>
+            </a:r>
+            <a:r>
+              <a:rPr lang="es-ES" dirty="0" err="1"/>
+              <a:t>scraper</a:t>
+            </a:r>
+            <a:endParaRPr lang="es-ES" dirty="0"/>
+          </a:p>
+          <a:p>
+            <a:pPr marL="742950" lvl="1" indent="-285750">
+              <a:buFont typeface="Arial" panose="020B0604020202020204" pitchFamily="34" charset="0"/>
+              <a:buChar char="•"/>
+            </a:pPr>
+            <a:r>
+              <a:rPr lang="es-ES" dirty="0"/>
+              <a:t>Un cambio puede destruir todo el script</a:t>
+            </a:r>
+          </a:p>
+          <a:p>
+            <a:pPr marL="1200150" lvl="2" indent="-285750">
+              <a:buFont typeface="Arial" panose="020B0604020202020204" pitchFamily="34" charset="0"/>
+              <a:buChar char="•"/>
+            </a:pPr>
+            <a:r>
+              <a:rPr lang="es-ES" dirty="0"/>
+              <a:t>Patrones y capas de abstracción ayudan con este problema</a:t>
+            </a:r>
+          </a:p>
+          <a:p>
+            <a:pPr marL="742950" lvl="1" indent="-285750">
+              <a:buFont typeface="Arial" panose="020B0604020202020204" pitchFamily="34" charset="0"/>
+              <a:buChar char="•"/>
+            </a:pPr>
+            <a:r>
+              <a:rPr lang="es-ES" dirty="0"/>
+              <a:t>Mantener el </a:t>
+            </a:r>
+            <a:r>
+              <a:rPr lang="es-ES" dirty="0" err="1"/>
+              <a:t>scraper</a:t>
+            </a:r>
+            <a:endParaRPr lang="es-ES" dirty="0"/>
+          </a:p>
+          <a:p>
+            <a:pPr marL="285750" indent="-285750">
+              <a:buFont typeface="Arial" panose="020B0604020202020204" pitchFamily="34" charset="0"/>
+              <a:buChar char="•"/>
+            </a:pPr>
+            <a:r>
+              <a:rPr lang="es-ES" dirty="0"/>
+              <a:t>Complejidad de algunas páginas</a:t>
+            </a:r>
           </a:p>
         </p:txBody>
       </p:sp>
@@ -6938,6 +7311,223 @@
           <p:cNvPr id="2" name="Título 1">
             <a:extLst>
               <a:ext uri="{FF2B5EF4-FFF2-40B4-BE49-F238E27FC236}">
+                <a16:creationId xmlns:a16="http://schemas.microsoft.com/office/drawing/2014/main" id="{E7AAD5CE-516B-DCFB-5413-277F16B1E1FD}"/>
+              </a:ext>
+            </a:extLst>
+          </p:cNvPr>
+          <p:cNvSpPr>
+            <a:spLocks noGrp="1"/>
+          </p:cNvSpPr>
+          <p:nvPr>
+            <p:ph type="title"/>
+          </p:nvPr>
+        </p:nvSpPr>
+        <p:spPr/>
+        <p:txBody>
+          <a:bodyPr/>
+          <a:lstStyle/>
+          <a:p>
+            <a:r>
+              <a:rPr lang="es-ES" dirty="0"/>
+              <a:t>Defensa ante web </a:t>
+            </a:r>
+            <a:r>
+              <a:rPr lang="es-ES" dirty="0" err="1"/>
+              <a:t>scraping</a:t>
+            </a:r>
+            <a:endParaRPr lang="es-ES" dirty="0"/>
+          </a:p>
+        </p:txBody>
+      </p:sp>
+      <p:sp>
+        <p:nvSpPr>
+          <p:cNvPr id="3" name="Marcador de contenido 2">
+            <a:extLst>
+              <a:ext uri="{FF2B5EF4-FFF2-40B4-BE49-F238E27FC236}">
+                <a16:creationId xmlns:a16="http://schemas.microsoft.com/office/drawing/2014/main" id="{FE7F368B-0A30-EFA8-88A5-A635C6E3CA15}"/>
+              </a:ext>
+            </a:extLst>
+          </p:cNvPr>
+          <p:cNvSpPr>
+            <a:spLocks noGrp="1"/>
+          </p:cNvSpPr>
+          <p:nvPr>
+            <p:ph idx="1"/>
+          </p:nvPr>
+        </p:nvSpPr>
+        <p:spPr/>
+        <p:txBody>
+          <a:bodyPr anchor="t">
+            <a:normAutofit fontScale="85000" lnSpcReduction="20000"/>
+          </a:bodyPr>
+          <a:lstStyle/>
+          <a:p>
+            <a:r>
+              <a:rPr lang="es-ES" dirty="0"/>
+              <a:t>Ofuscamiento</a:t>
+            </a:r>
+          </a:p>
+          <a:p>
+            <a:pPr lvl="1"/>
+            <a:r>
+              <a:rPr lang="es-ES" dirty="0"/>
+              <a:t>Nombres de clases CSS con hashes</a:t>
+            </a:r>
+          </a:p>
+          <a:p>
+            <a:pPr lvl="1"/>
+            <a:r>
+              <a:rPr lang="es-ES" dirty="0"/>
+              <a:t>Semántica HTML*</a:t>
+            </a:r>
+          </a:p>
+          <a:p>
+            <a:pPr lvl="1"/>
+            <a:r>
+              <a:rPr lang="es-ES" dirty="0" err="1"/>
+              <a:t>Tailwind</a:t>
+            </a:r>
+            <a:r>
+              <a:rPr lang="es-ES" dirty="0"/>
+              <a:t>, Bootstrap, </a:t>
+            </a:r>
+            <a:r>
+              <a:rPr lang="es-ES" dirty="0" err="1"/>
+              <a:t>Emotion</a:t>
+            </a:r>
+            <a:r>
+              <a:rPr lang="es-ES" dirty="0"/>
+              <a:t>, etc.</a:t>
+            </a:r>
+          </a:p>
+          <a:p>
+            <a:r>
+              <a:rPr lang="es-ES" dirty="0" err="1"/>
+              <a:t>SPAs</a:t>
+            </a:r>
+            <a:endParaRPr lang="es-ES" dirty="0"/>
+          </a:p>
+          <a:p>
+            <a:pPr lvl="1"/>
+            <a:r>
+              <a:rPr lang="es-ES" dirty="0"/>
+              <a:t>Requerir interacciones de usuario para cierta información</a:t>
+            </a:r>
+          </a:p>
+          <a:p>
+            <a:r>
+              <a:rPr lang="es-ES" dirty="0"/>
+              <a:t>Protección contra </a:t>
+            </a:r>
+            <a:r>
+              <a:rPr lang="es-ES" dirty="0" err="1"/>
+              <a:t>DDoS</a:t>
+            </a:r>
+            <a:r>
+              <a:rPr lang="es-ES" dirty="0"/>
+              <a:t> (</a:t>
+            </a:r>
+            <a:r>
+              <a:rPr lang="es-ES" dirty="0" err="1"/>
+              <a:t>Cloudflare</a:t>
+            </a:r>
+            <a:r>
+              <a:rPr lang="es-ES" dirty="0"/>
+              <a:t> y Google Captcha)</a:t>
+            </a:r>
+          </a:p>
+          <a:p>
+            <a:pPr marL="0" indent="0">
+              <a:buNone/>
+            </a:pPr>
+            <a:r>
+              <a:rPr lang="es-ES" sz="1600" i="1" dirty="0"/>
+              <a:t>*Mejor mantener una buena semántica, pero anidar 17 </a:t>
+            </a:r>
+            <a:r>
+              <a:rPr lang="es-ES" sz="1600" i="1" dirty="0" err="1"/>
+              <a:t>divs</a:t>
+            </a:r>
+            <a:r>
+              <a:rPr lang="es-ES" sz="1600" i="1" dirty="0"/>
+              <a:t> para acceder a la información no es tarea fácil para </a:t>
+            </a:r>
+            <a:r>
+              <a:rPr lang="es-ES" sz="1600" i="1" dirty="0" err="1"/>
+              <a:t>scrapear</a:t>
+            </a:r>
+            <a:endParaRPr lang="es-ES" sz="1600" i="1" dirty="0"/>
+          </a:p>
+          <a:p>
+            <a:endParaRPr lang="es-ES" dirty="0"/>
+          </a:p>
+          <a:p>
+            <a:pPr marL="0" indent="0">
+              <a:buNone/>
+            </a:pPr>
+            <a:r>
+              <a:rPr lang="es-ES" dirty="0"/>
+              <a:t>Pero no siempre podremos protegernos:</a:t>
+            </a:r>
+          </a:p>
+          <a:p>
+            <a:r>
+              <a:rPr lang="es-ES" dirty="0" err="1"/>
+              <a:t>Sitemap</a:t>
+            </a:r>
+            <a:endParaRPr lang="es-ES" dirty="0"/>
+          </a:p>
+          <a:p>
+            <a:r>
+              <a:rPr lang="es-ES" dirty="0"/>
+              <a:t>URL as </a:t>
+            </a:r>
+            <a:r>
+              <a:rPr lang="es-ES" dirty="0" err="1"/>
+              <a:t>State</a:t>
+            </a:r>
+            <a:r>
+              <a:rPr lang="es-ES" dirty="0"/>
+              <a:t> Manager</a:t>
+            </a:r>
+          </a:p>
+        </p:txBody>
+      </p:sp>
+    </p:spTree>
+    <p:extLst>
+      <p:ext uri="{BB962C8B-B14F-4D97-AF65-F5344CB8AC3E}">
+        <p14:creationId xmlns:p14="http://schemas.microsoft.com/office/powerpoint/2010/main" val="3225559401"/>
+      </p:ext>
+    </p:extLst>
+  </p:cSld>
+  <p:clrMapOvr>
+    <a:masterClrMapping/>
+  </p:clrMapOvr>
+</p:sld>
+</file>
+
+<file path=ppt/slides/slide18.xml><?xml version="1.0" encoding="utf-8"?>
+<p:sld xmlns:a="http://schemas.openxmlformats.org/drawingml/2006/main" xmlns:r="http://schemas.openxmlformats.org/officeDocument/2006/relationships" xmlns:p="http://schemas.openxmlformats.org/presentationml/2006/main">
+  <p:cSld>
+    <p:spTree>
+      <p:nvGrpSpPr>
+        <p:cNvPr id="1" name=""/>
+        <p:cNvGrpSpPr/>
+        <p:nvPr/>
+      </p:nvGrpSpPr>
+      <p:grpSpPr>
+        <a:xfrm>
+          <a:off x="0" y="0"/>
+          <a:ext cx="0" cy="0"/>
+          <a:chOff x="0" y="0"/>
+          <a:chExt cx="0" cy="0"/>
+        </a:xfrm>
+      </p:grpSpPr>
+      <p:sp>
+        <p:nvSpPr>
+          <p:cNvPr id="2" name="Título 1">
+            <a:extLst>
+              <a:ext uri="{FF2B5EF4-FFF2-40B4-BE49-F238E27FC236}">
                 <a16:creationId xmlns:a16="http://schemas.microsoft.com/office/drawing/2014/main" id="{E74A121F-8DC4-F79C-2E06-F76816C84570}"/>
               </a:ext>
             </a:extLst>
@@ -6979,7 +7569,7 @@
         </p:nvSpPr>
         <p:spPr/>
         <p:txBody>
-          <a:bodyPr/>
+          <a:bodyPr anchor="t"/>
           <a:lstStyle/>
           <a:p>
             <a:r>
@@ -7096,10 +7686,33 @@
         </p:nvSpPr>
         <p:spPr/>
         <p:txBody>
-          <a:bodyPr/>
-          <a:lstStyle/>
-          <a:p>
-            <a:endParaRPr lang="es-ES"/>
+          <a:bodyPr anchor="t"/>
+          <a:lstStyle/>
+          <a:p>
+            <a:pPr marL="0" indent="0">
+              <a:buNone/>
+            </a:pPr>
+            <a:r>
+              <a:rPr lang="es-ES" dirty="0"/>
+              <a:t>Pepe Fabra Valverde</a:t>
+            </a:r>
+          </a:p>
+          <a:p>
+            <a:pPr marL="0" indent="0">
+              <a:buNone/>
+            </a:pPr>
+            <a:r>
+              <a:rPr lang="es-ES" dirty="0"/>
+              <a:t>Actualmente trabajando como Líder y Arquitecto de </a:t>
+            </a:r>
+            <a:r>
+              <a:rPr lang="es-ES" dirty="0" err="1"/>
+              <a:t>Frontend</a:t>
+            </a:r>
+            <a:r>
+              <a:rPr lang="es-ES" dirty="0"/>
+              <a:t>.</a:t>
+            </a:r>
           </a:p>
         </p:txBody>
       </p:sp>
@@ -7138,6 +7751,109 @@
           <p:cNvPr id="2" name="Título 1">
             <a:extLst>
               <a:ext uri="{FF2B5EF4-FFF2-40B4-BE49-F238E27FC236}">
+                <a16:creationId xmlns:a16="http://schemas.microsoft.com/office/drawing/2014/main" id="{23F307FF-729A-F061-45E2-F82476CC42D1}"/>
+              </a:ext>
+            </a:extLst>
+          </p:cNvPr>
+          <p:cNvSpPr>
+            <a:spLocks noGrp="1"/>
+          </p:cNvSpPr>
+          <p:nvPr>
+            <p:ph type="title"/>
+          </p:nvPr>
+        </p:nvSpPr>
+        <p:spPr/>
+        <p:txBody>
+          <a:bodyPr/>
+          <a:lstStyle/>
+          <a:p>
+            <a:r>
+              <a:rPr lang="es-ES" dirty="0"/>
+              <a:t>No tiene que sonar todo</a:t>
+            </a:r>
+          </a:p>
+        </p:txBody>
+      </p:sp>
+      <p:sp>
+        <p:nvSpPr>
+          <p:cNvPr id="3" name="Marcador de contenido 2">
+            <a:extLst>
+              <a:ext uri="{FF2B5EF4-FFF2-40B4-BE49-F238E27FC236}">
+                <a16:creationId xmlns:a16="http://schemas.microsoft.com/office/drawing/2014/main" id="{A77FE9F3-7284-1F17-5D85-E23C9673DE26}"/>
+              </a:ext>
+            </a:extLst>
+          </p:cNvPr>
+          <p:cNvSpPr>
+            <a:spLocks noGrp="1"/>
+          </p:cNvSpPr>
+          <p:nvPr>
+            <p:ph idx="1"/>
+          </p:nvPr>
+        </p:nvSpPr>
+        <p:spPr/>
+        <p:txBody>
+          <a:bodyPr anchor="t"/>
+          <a:lstStyle/>
+          <a:p>
+            <a:pPr marL="0" indent="0">
+              <a:buNone/>
+            </a:pPr>
+            <a:r>
+              <a:rPr lang="es-ES" dirty="0"/>
+              <a:t>Preguntad dudas</a:t>
+            </a:r>
+          </a:p>
+          <a:p>
+            <a:pPr marL="0" indent="0">
+              <a:buNone/>
+            </a:pPr>
+            <a:r>
+              <a:rPr lang="es-ES" dirty="0"/>
+              <a:t>Tened curiosidad y compartid cuestiones complejas si </a:t>
+            </a:r>
+            <a:r>
+              <a:rPr lang="es-ES"/>
+              <a:t>las tenéis</a:t>
+            </a:r>
+            <a:endParaRPr lang="es-ES" dirty="0"/>
+          </a:p>
+        </p:txBody>
+      </p:sp>
+    </p:spTree>
+    <p:extLst>
+      <p:ext uri="{BB962C8B-B14F-4D97-AF65-F5344CB8AC3E}">
+        <p14:creationId xmlns:p14="http://schemas.microsoft.com/office/powerpoint/2010/main" val="3931832768"/>
+      </p:ext>
+    </p:extLst>
+  </p:cSld>
+  <p:clrMapOvr>
+    <a:masterClrMapping/>
+  </p:clrMapOvr>
+</p:sld>
+</file>
+
+<file path=ppt/slides/slide4.xml><?xml version="1.0" encoding="utf-8"?>
+<p:sld xmlns:a="http://schemas.openxmlformats.org/drawingml/2006/main" xmlns:r="http://schemas.openxmlformats.org/officeDocument/2006/relationships" xmlns:p="http://schemas.openxmlformats.org/presentationml/2006/main">
+  <p:cSld>
+    <p:spTree>
+      <p:nvGrpSpPr>
+        <p:cNvPr id="1" name=""/>
+        <p:cNvGrpSpPr/>
+        <p:nvPr/>
+      </p:nvGrpSpPr>
+      <p:grpSpPr>
+        <a:xfrm>
+          <a:off x="0" y="0"/>
+          <a:ext cx="0" cy="0"/>
+          <a:chOff x="0" y="0"/>
+          <a:chExt cx="0" cy="0"/>
+        </a:xfrm>
+      </p:grpSpPr>
+      <p:sp>
+        <p:nvSpPr>
+          <p:cNvPr id="2" name="Título 1">
+            <a:extLst>
+              <a:ext uri="{FF2B5EF4-FFF2-40B4-BE49-F238E27FC236}">
                 <a16:creationId xmlns:a16="http://schemas.microsoft.com/office/drawing/2014/main" id="{60B4A59B-C8C5-A95D-5FDE-33A83CE41A00}"/>
               </a:ext>
             </a:extLst>
@@ -7179,7 +7895,7 @@
         </p:nvSpPr>
         <p:spPr/>
         <p:txBody>
-          <a:bodyPr/>
+          <a:bodyPr anchor="t"/>
           <a:lstStyle/>
           <a:p>
             <a:pPr marL="342900" indent="-342900">
@@ -7226,7 +7942,7 @@
 </p:sld>
 </file>
 
-<file path=ppt/slides/slide4.xml><?xml version="1.0" encoding="utf-8"?>
+<file path=ppt/slides/slide5.xml><?xml version="1.0" encoding="utf-8"?>
 <p:sld xmlns:a="http://schemas.openxmlformats.org/drawingml/2006/main" xmlns:r="http://schemas.openxmlformats.org/officeDocument/2006/relationships" xmlns:p="http://schemas.openxmlformats.org/presentationml/2006/main">
   <p:cSld>
     <p:bg>
@@ -7331,7 +8047,7 @@
         </p:nvSpPr>
         <p:spPr/>
         <p:txBody>
-          <a:bodyPr>
+          <a:bodyPr anchor="t">
             <a:normAutofit/>
           </a:bodyPr>
           <a:lstStyle/>
@@ -7368,7 +8084,7 @@
 </p:sld>
 </file>
 
-<file path=ppt/slides/slide5.xml><?xml version="1.0" encoding="utf-8"?>
+<file path=ppt/slides/slide6.xml><?xml version="1.0" encoding="utf-8"?>
 <p:sld xmlns:a="http://schemas.openxmlformats.org/drawingml/2006/main" xmlns:r="http://schemas.openxmlformats.org/officeDocument/2006/relationships" xmlns:p="http://schemas.openxmlformats.org/presentationml/2006/main">
   <p:cSld>
     <p:spTree>
@@ -7431,7 +8147,7 @@
         </p:nvSpPr>
         <p:spPr/>
         <p:txBody>
-          <a:bodyPr/>
+          <a:bodyPr anchor="t"/>
           <a:lstStyle/>
           <a:p>
             <a:r>
@@ -7487,7 +8203,7 @@
 </p:sld>
 </file>
 
-<file path=ppt/slides/slide6.xml><?xml version="1.0" encoding="utf-8"?>
+<file path=ppt/slides/slide7.xml><?xml version="1.0" encoding="utf-8"?>
 <p:sld xmlns:a="http://schemas.openxmlformats.org/drawingml/2006/main" xmlns:r="http://schemas.openxmlformats.org/officeDocument/2006/relationships" xmlns:p="http://schemas.openxmlformats.org/presentationml/2006/main">
   <p:cSld>
     <p:bg>
@@ -7650,7 +8366,7 @@
 </p:sld>
 </file>
 
-<file path=ppt/slides/slide7.xml><?xml version="1.0" encoding="utf-8"?>
+<file path=ppt/slides/slide8.xml><?xml version="1.0" encoding="utf-8"?>
 <p:sld xmlns:a="http://schemas.openxmlformats.org/drawingml/2006/main" xmlns:r="http://schemas.openxmlformats.org/officeDocument/2006/relationships" xmlns:p="http://schemas.openxmlformats.org/presentationml/2006/main">
   <p:cSld>
     <p:bg>
@@ -7910,7 +8626,7 @@
 </p:sld>
 </file>
 
-<file path=ppt/slides/slide8.xml><?xml version="1.0" encoding="utf-8"?>
+<file path=ppt/slides/slide9.xml><?xml version="1.0" encoding="utf-8"?>
 <p:sld xmlns:a="http://schemas.openxmlformats.org/drawingml/2006/main" xmlns:r="http://schemas.openxmlformats.org/officeDocument/2006/relationships" xmlns:p="http://schemas.openxmlformats.org/presentationml/2006/main">
   <p:cSld>
     <p:bg>
@@ -8095,89 +8811,6 @@
     <p:extLst>
       <p:ext uri="{BB962C8B-B14F-4D97-AF65-F5344CB8AC3E}">
         <p14:creationId xmlns:p14="http://schemas.microsoft.com/office/powerpoint/2010/main" val="1994021770"/>
-      </p:ext>
-    </p:extLst>
-  </p:cSld>
-  <p:clrMapOvr>
-    <a:masterClrMapping/>
-  </p:clrMapOvr>
-</p:sld>
-</file>
-
-<file path=ppt/slides/slide9.xml><?xml version="1.0" encoding="utf-8"?>
-<p:sld xmlns:a="http://schemas.openxmlformats.org/drawingml/2006/main" xmlns:r="http://schemas.openxmlformats.org/officeDocument/2006/relationships" xmlns:p="http://schemas.openxmlformats.org/presentationml/2006/main">
-  <p:cSld>
-    <p:spTree>
-      <p:nvGrpSpPr>
-        <p:cNvPr id="1" name=""/>
-        <p:cNvGrpSpPr/>
-        <p:nvPr/>
-      </p:nvGrpSpPr>
-      <p:grpSpPr>
-        <a:xfrm>
-          <a:off x="0" y="0"/>
-          <a:ext cx="0" cy="0"/>
-          <a:chOff x="0" y="0"/>
-          <a:chExt cx="0" cy="0"/>
-        </a:xfrm>
-      </p:grpSpPr>
-      <p:sp>
-        <p:nvSpPr>
-          <p:cNvPr id="2" name="Título 1">
-            <a:extLst>
-              <a:ext uri="{FF2B5EF4-FFF2-40B4-BE49-F238E27FC236}">
-                <a16:creationId xmlns:a16="http://schemas.microsoft.com/office/drawing/2014/main" id="{100EDC74-BE4B-790A-CA37-0776818345C6}"/>
-              </a:ext>
-            </a:extLst>
-          </p:cNvPr>
-          <p:cNvSpPr>
-            <a:spLocks noGrp="1"/>
-          </p:cNvSpPr>
-          <p:nvPr>
-            <p:ph type="title"/>
-          </p:nvPr>
-        </p:nvSpPr>
-        <p:spPr/>
-        <p:txBody>
-          <a:bodyPr/>
-          <a:lstStyle/>
-          <a:p>
-            <a:r>
-              <a:rPr lang="es-ES" dirty="0"/>
-              <a:t>Bases de Datos Ofuscadas</a:t>
-            </a:r>
-          </a:p>
-        </p:txBody>
-      </p:sp>
-      <p:sp>
-        <p:nvSpPr>
-          <p:cNvPr id="3" name="Marcador de contenido 2">
-            <a:extLst>
-              <a:ext uri="{FF2B5EF4-FFF2-40B4-BE49-F238E27FC236}">
-                <a16:creationId xmlns:a16="http://schemas.microsoft.com/office/drawing/2014/main" id="{3D37526D-B9D7-5057-2D73-AEC681A41F6C}"/>
-              </a:ext>
-            </a:extLst>
-          </p:cNvPr>
-          <p:cNvSpPr>
-            <a:spLocks noGrp="1"/>
-          </p:cNvSpPr>
-          <p:nvPr>
-            <p:ph idx="1"/>
-          </p:nvPr>
-        </p:nvSpPr>
-        <p:spPr/>
-        <p:txBody>
-          <a:bodyPr/>
-          <a:lstStyle/>
-          <a:p>
-            <a:endParaRPr lang="es-ES"/>
-          </a:p>
-        </p:txBody>
-      </p:sp>
-    </p:spTree>
-    <p:extLst>
-      <p:ext uri="{BB962C8B-B14F-4D97-AF65-F5344CB8AC3E}">
-        <p14:creationId xmlns:p14="http://schemas.microsoft.com/office/powerpoint/2010/main" val="3000006698"/>
       </p:ext>
     </p:extLst>
   </p:cSld>

--- a/uv/web-scraping-y-las-bases-de-datos-ofuscadas/web-scraping-core.pptx
+++ b/uv/web-scraping-y-las-bases-de-datos-ofuscadas/web-scraping-core.pptx
@@ -7,22 +7,27 @@
   <p:sldIdLst>
     <p:sldId id="256" r:id="rId2"/>
     <p:sldId id="268" r:id="rId3"/>
-    <p:sldId id="273" r:id="rId4"/>
-    <p:sldId id="257" r:id="rId5"/>
-    <p:sldId id="260" r:id="rId6"/>
-    <p:sldId id="261" r:id="rId7"/>
-    <p:sldId id="262" r:id="rId8"/>
-    <p:sldId id="258" r:id="rId9"/>
-    <p:sldId id="263" r:id="rId10"/>
-    <p:sldId id="265" r:id="rId11"/>
-    <p:sldId id="272" r:id="rId12"/>
-    <p:sldId id="264" r:id="rId13"/>
-    <p:sldId id="259" r:id="rId14"/>
-    <p:sldId id="266" r:id="rId15"/>
-    <p:sldId id="267" r:id="rId16"/>
-    <p:sldId id="271" r:id="rId17"/>
-    <p:sldId id="269" r:id="rId18"/>
-    <p:sldId id="270" r:id="rId19"/>
+    <p:sldId id="278" r:id="rId4"/>
+    <p:sldId id="273" r:id="rId5"/>
+    <p:sldId id="257" r:id="rId6"/>
+    <p:sldId id="260" r:id="rId7"/>
+    <p:sldId id="261" r:id="rId8"/>
+    <p:sldId id="262" r:id="rId9"/>
+    <p:sldId id="258" r:id="rId10"/>
+    <p:sldId id="263" r:id="rId11"/>
+    <p:sldId id="265" r:id="rId12"/>
+    <p:sldId id="272" r:id="rId13"/>
+    <p:sldId id="264" r:id="rId14"/>
+    <p:sldId id="259" r:id="rId15"/>
+    <p:sldId id="266" r:id="rId16"/>
+    <p:sldId id="267" r:id="rId17"/>
+    <p:sldId id="274" r:id="rId18"/>
+    <p:sldId id="275" r:id="rId19"/>
+    <p:sldId id="271" r:id="rId20"/>
+    <p:sldId id="269" r:id="rId21"/>
+    <p:sldId id="270" r:id="rId22"/>
+    <p:sldId id="276" r:id="rId23"/>
+    <p:sldId id="277" r:id="rId24"/>
   </p:sldIdLst>
   <p:sldSz cx="12192000" cy="6858000"/>
   <p:notesSz cx="6858000" cy="9144000"/>
@@ -129,6 +134,2474 @@
 </p:presentation>
 </file>
 
+<file path=ppt/diagrams/colors1.xml><?xml version="1.0" encoding="utf-8"?>
+<dgm:colorsDef xmlns:dgm="http://schemas.openxmlformats.org/drawingml/2006/diagram" xmlns:a="http://schemas.openxmlformats.org/drawingml/2006/main" uniqueId="urn:microsoft.com/office/officeart/2005/8/colors/colorful2">
+  <dgm:title val=""/>
+  <dgm:desc val=""/>
+  <dgm:catLst>
+    <dgm:cat type="colorful" pri="10200"/>
+  </dgm:catLst>
+  <dgm:styleLbl name="node0">
+    <dgm:fillClrLst meth="repeat">
+      <a:schemeClr val="accent1"/>
+    </dgm:fillClrLst>
+    <dgm:linClrLst meth="repeat">
+      <a:schemeClr val="lt1"/>
+    </dgm:linClrLst>
+    <dgm:effectClrLst/>
+    <dgm:txLinClrLst/>
+    <dgm:txFillClrLst/>
+    <dgm:txEffectClrLst/>
+  </dgm:styleLbl>
+  <dgm:styleLbl name="node1">
+    <dgm:fillClrLst>
+      <a:schemeClr val="accent2"/>
+      <a:schemeClr val="accent3"/>
+    </dgm:fillClrLst>
+    <dgm:linClrLst meth="repeat">
+      <a:schemeClr val="lt1"/>
+    </dgm:linClrLst>
+    <dgm:effectClrLst/>
+    <dgm:txLinClrLst/>
+    <dgm:txFillClrLst/>
+    <dgm:txEffectClrLst/>
+  </dgm:styleLbl>
+  <dgm:styleLbl name="alignNode1">
+    <dgm:fillClrLst>
+      <a:schemeClr val="accent2"/>
+      <a:schemeClr val="accent3"/>
+    </dgm:fillClrLst>
+    <dgm:linClrLst>
+      <a:schemeClr val="accent2"/>
+      <a:schemeClr val="accent3"/>
+    </dgm:linClrLst>
+    <dgm:effectClrLst/>
+    <dgm:txLinClrLst/>
+    <dgm:txFillClrLst/>
+    <dgm:txEffectClrLst/>
+  </dgm:styleLbl>
+  <dgm:styleLbl name="lnNode1">
+    <dgm:fillClrLst>
+      <a:schemeClr val="accent2"/>
+      <a:schemeClr val="accent3"/>
+    </dgm:fillClrLst>
+    <dgm:linClrLst meth="repeat">
+      <a:schemeClr val="lt1"/>
+    </dgm:linClrLst>
+    <dgm:effectClrLst/>
+    <dgm:txLinClrLst/>
+    <dgm:txFillClrLst/>
+    <dgm:txEffectClrLst/>
+  </dgm:styleLbl>
+  <dgm:styleLbl name="vennNode1">
+    <dgm:fillClrLst>
+      <a:schemeClr val="accent2">
+        <a:alpha val="50000"/>
+      </a:schemeClr>
+      <a:schemeClr val="accent3">
+        <a:alpha val="50000"/>
+      </a:schemeClr>
+    </dgm:fillClrLst>
+    <dgm:linClrLst meth="repeat">
+      <a:schemeClr val="lt1"/>
+    </dgm:linClrLst>
+    <dgm:effectClrLst/>
+    <dgm:txLinClrLst/>
+    <dgm:txFillClrLst/>
+    <dgm:txEffectClrLst/>
+  </dgm:styleLbl>
+  <dgm:styleLbl name="node2">
+    <dgm:fillClrLst>
+      <a:schemeClr val="accent3"/>
+    </dgm:fillClrLst>
+    <dgm:linClrLst meth="repeat">
+      <a:schemeClr val="lt1"/>
+    </dgm:linClrLst>
+    <dgm:effectClrLst/>
+    <dgm:txLinClrLst/>
+    <dgm:txFillClrLst/>
+    <dgm:txEffectClrLst/>
+  </dgm:styleLbl>
+  <dgm:styleLbl name="node3">
+    <dgm:fillClrLst>
+      <a:schemeClr val="accent4"/>
+    </dgm:fillClrLst>
+    <dgm:linClrLst meth="repeat">
+      <a:schemeClr val="lt1"/>
+    </dgm:linClrLst>
+    <dgm:effectClrLst/>
+    <dgm:txLinClrLst/>
+    <dgm:txFillClrLst/>
+    <dgm:txEffectClrLst/>
+  </dgm:styleLbl>
+  <dgm:styleLbl name="node4">
+    <dgm:fillClrLst>
+      <a:schemeClr val="accent5"/>
+    </dgm:fillClrLst>
+    <dgm:linClrLst meth="repeat">
+      <a:schemeClr val="lt1"/>
+    </dgm:linClrLst>
+    <dgm:effectClrLst/>
+    <dgm:txLinClrLst/>
+    <dgm:txFillClrLst/>
+    <dgm:txEffectClrLst/>
+  </dgm:styleLbl>
+  <dgm:styleLbl name="fgImgPlace1">
+    <dgm:fillClrLst>
+      <a:schemeClr val="accent2">
+        <a:tint val="50000"/>
+      </a:schemeClr>
+      <a:schemeClr val="accent3">
+        <a:tint val="50000"/>
+      </a:schemeClr>
+    </dgm:fillClrLst>
+    <dgm:linClrLst meth="repeat">
+      <a:schemeClr val="lt1"/>
+    </dgm:linClrLst>
+    <dgm:effectClrLst/>
+    <dgm:txLinClrLst/>
+    <dgm:txFillClrLst meth="repeat">
+      <a:schemeClr val="lt1"/>
+    </dgm:txFillClrLst>
+    <dgm:txEffectClrLst/>
+  </dgm:styleLbl>
+  <dgm:styleLbl name="alignImgPlace1">
+    <dgm:fillClrLst>
+      <a:schemeClr val="accent2">
+        <a:tint val="50000"/>
+      </a:schemeClr>
+      <a:schemeClr val="accent3">
+        <a:tint val="20000"/>
+      </a:schemeClr>
+    </dgm:fillClrLst>
+    <dgm:linClrLst meth="repeat">
+      <a:schemeClr val="lt1"/>
+    </dgm:linClrLst>
+    <dgm:effectClrLst/>
+    <dgm:txLinClrLst/>
+    <dgm:txFillClrLst meth="repeat">
+      <a:schemeClr val="lt1"/>
+    </dgm:txFillClrLst>
+    <dgm:txEffectClrLst/>
+  </dgm:styleLbl>
+  <dgm:styleLbl name="bgImgPlace1">
+    <dgm:fillClrLst>
+      <a:schemeClr val="accent2">
+        <a:tint val="50000"/>
+      </a:schemeClr>
+      <a:schemeClr val="accent3">
+        <a:tint val="20000"/>
+      </a:schemeClr>
+    </dgm:fillClrLst>
+    <dgm:linClrLst meth="repeat">
+      <a:schemeClr val="lt1"/>
+    </dgm:linClrLst>
+    <dgm:effectClrLst/>
+    <dgm:txLinClrLst/>
+    <dgm:txFillClrLst meth="repeat">
+      <a:schemeClr val="lt1"/>
+    </dgm:txFillClrLst>
+    <dgm:txEffectClrLst/>
+  </dgm:styleLbl>
+  <dgm:styleLbl name="sibTrans2D1">
+    <dgm:fillClrLst>
+      <a:schemeClr val="accent2"/>
+      <a:schemeClr val="accent3"/>
+    </dgm:fillClrLst>
+    <dgm:linClrLst meth="repeat">
+      <a:schemeClr val="lt1"/>
+    </dgm:linClrLst>
+    <dgm:effectClrLst/>
+    <dgm:txLinClrLst/>
+    <dgm:txFillClrLst/>
+    <dgm:txEffectClrLst/>
+  </dgm:styleLbl>
+  <dgm:styleLbl name="fgSibTrans2D1">
+    <dgm:fillClrLst>
+      <a:schemeClr val="accent2"/>
+      <a:schemeClr val="accent3"/>
+    </dgm:fillClrLst>
+    <dgm:linClrLst meth="repeat">
+      <a:schemeClr val="lt1"/>
+    </dgm:linClrLst>
+    <dgm:effectClrLst/>
+    <dgm:txLinClrLst/>
+    <dgm:txFillClrLst meth="repeat">
+      <a:schemeClr val="lt1"/>
+    </dgm:txFillClrLst>
+    <dgm:txEffectClrLst/>
+  </dgm:styleLbl>
+  <dgm:styleLbl name="bgSibTrans2D1">
+    <dgm:fillClrLst>
+      <a:schemeClr val="accent2"/>
+      <a:schemeClr val="accent3"/>
+    </dgm:fillClrLst>
+    <dgm:linClrLst meth="repeat">
+      <a:schemeClr val="lt1"/>
+    </dgm:linClrLst>
+    <dgm:effectClrLst/>
+    <dgm:txLinClrLst/>
+    <dgm:txFillClrLst meth="repeat">
+      <a:schemeClr val="lt1"/>
+    </dgm:txFillClrLst>
+    <dgm:txEffectClrLst/>
+  </dgm:styleLbl>
+  <dgm:styleLbl name="sibTrans1D1">
+    <dgm:fillClrLst/>
+    <dgm:linClrLst>
+      <a:schemeClr val="accent2"/>
+      <a:schemeClr val="accent3"/>
+    </dgm:linClrLst>
+    <dgm:effectClrLst/>
+    <dgm:txLinClrLst/>
+    <dgm:txFillClrLst meth="repeat">
+      <a:schemeClr val="tx1"/>
+    </dgm:txFillClrLst>
+    <dgm:txEffectClrLst/>
+  </dgm:styleLbl>
+  <dgm:styleLbl name="callout">
+    <dgm:fillClrLst meth="repeat">
+      <a:schemeClr val="accent2"/>
+    </dgm:fillClrLst>
+    <dgm:linClrLst meth="repeat">
+      <a:schemeClr val="accent2">
+        <a:tint val="50000"/>
+      </a:schemeClr>
+    </dgm:linClrLst>
+    <dgm:effectClrLst/>
+    <dgm:txLinClrLst/>
+    <dgm:txFillClrLst meth="repeat">
+      <a:schemeClr val="tx1"/>
+    </dgm:txFillClrLst>
+    <dgm:txEffectClrLst/>
+  </dgm:styleLbl>
+  <dgm:styleLbl name="asst0">
+    <dgm:fillClrLst meth="repeat">
+      <a:schemeClr val="accent2"/>
+    </dgm:fillClrLst>
+    <dgm:linClrLst meth="repeat">
+      <a:schemeClr val="lt1">
+        <a:shade val="80000"/>
+      </a:schemeClr>
+    </dgm:linClrLst>
+    <dgm:effectClrLst/>
+    <dgm:txLinClrLst/>
+    <dgm:txFillClrLst/>
+    <dgm:txEffectClrLst/>
+  </dgm:styleLbl>
+  <dgm:styleLbl name="asst1">
+    <dgm:fillClrLst meth="repeat">
+      <a:schemeClr val="accent3"/>
+    </dgm:fillClrLst>
+    <dgm:linClrLst meth="repeat">
+      <a:schemeClr val="lt1">
+        <a:shade val="80000"/>
+      </a:schemeClr>
+    </dgm:linClrLst>
+    <dgm:effectClrLst/>
+    <dgm:txLinClrLst/>
+    <dgm:txFillClrLst/>
+    <dgm:txEffectClrLst/>
+  </dgm:styleLbl>
+  <dgm:styleLbl name="asst2">
+    <dgm:fillClrLst>
+      <a:schemeClr val="accent4"/>
+    </dgm:fillClrLst>
+    <dgm:linClrLst meth="repeat">
+      <a:schemeClr val="lt1"/>
+    </dgm:linClrLst>
+    <dgm:effectClrLst/>
+    <dgm:txLinClrLst/>
+    <dgm:txFillClrLst/>
+    <dgm:txEffectClrLst/>
+  </dgm:styleLbl>
+  <dgm:styleLbl name="asst3">
+    <dgm:fillClrLst>
+      <a:schemeClr val="accent5"/>
+    </dgm:fillClrLst>
+    <dgm:linClrLst meth="repeat">
+      <a:schemeClr val="lt1"/>
+    </dgm:linClrLst>
+    <dgm:effectClrLst/>
+    <dgm:txLinClrLst/>
+    <dgm:txFillClrLst/>
+    <dgm:txEffectClrLst/>
+  </dgm:styleLbl>
+  <dgm:styleLbl name="asst4">
+    <dgm:fillClrLst>
+      <a:schemeClr val="accent6"/>
+    </dgm:fillClrLst>
+    <dgm:linClrLst meth="repeat">
+      <a:schemeClr val="lt1"/>
+    </dgm:linClrLst>
+    <dgm:effectClrLst/>
+    <dgm:txLinClrLst/>
+    <dgm:txFillClrLst/>
+    <dgm:txEffectClrLst/>
+  </dgm:styleLbl>
+  <dgm:styleLbl name="parChTrans2D1">
+    <dgm:fillClrLst meth="repeat">
+      <a:schemeClr val="accent2"/>
+    </dgm:fillClrLst>
+    <dgm:linClrLst meth="repeat">
+      <a:schemeClr val="lt1"/>
+    </dgm:linClrLst>
+    <dgm:effectClrLst/>
+    <dgm:txLinClrLst/>
+    <dgm:txFillClrLst meth="repeat">
+      <a:schemeClr val="lt1"/>
+    </dgm:txFillClrLst>
+    <dgm:txEffectClrLst/>
+  </dgm:styleLbl>
+  <dgm:styleLbl name="parChTrans2D2">
+    <dgm:fillClrLst meth="repeat">
+      <a:schemeClr val="accent3"/>
+    </dgm:fillClrLst>
+    <dgm:linClrLst meth="repeat">
+      <a:schemeClr val="lt1"/>
+    </dgm:linClrLst>
+    <dgm:effectClrLst/>
+    <dgm:txLinClrLst/>
+    <dgm:txFillClrLst/>
+    <dgm:txEffectClrLst/>
+  </dgm:styleLbl>
+  <dgm:styleLbl name="parChTrans2D3">
+    <dgm:fillClrLst meth="repeat">
+      <a:schemeClr val="accent4"/>
+    </dgm:fillClrLst>
+    <dgm:linClrLst meth="repeat">
+      <a:schemeClr val="lt1"/>
+    </dgm:linClrLst>
+    <dgm:effectClrLst/>
+    <dgm:txLinClrLst/>
+    <dgm:txFillClrLst/>
+    <dgm:txEffectClrLst/>
+  </dgm:styleLbl>
+  <dgm:styleLbl name="parChTrans2D4">
+    <dgm:fillClrLst meth="repeat">
+      <a:schemeClr val="accent5"/>
+    </dgm:fillClrLst>
+    <dgm:linClrLst meth="repeat">
+      <a:schemeClr val="lt1"/>
+    </dgm:linClrLst>
+    <dgm:effectClrLst/>
+    <dgm:txLinClrLst/>
+    <dgm:txFillClrLst meth="repeat">
+      <a:schemeClr val="lt1"/>
+    </dgm:txFillClrLst>
+    <dgm:txEffectClrLst/>
+  </dgm:styleLbl>
+  <dgm:styleLbl name="parChTrans1D1">
+    <dgm:fillClrLst meth="repeat">
+      <a:schemeClr val="accent2"/>
+    </dgm:fillClrLst>
+    <dgm:linClrLst meth="repeat">
+      <a:schemeClr val="accent2"/>
+    </dgm:linClrLst>
+    <dgm:effectClrLst/>
+    <dgm:txLinClrLst/>
+    <dgm:txFillClrLst meth="repeat">
+      <a:schemeClr val="tx1"/>
+    </dgm:txFillClrLst>
+    <dgm:txEffectClrLst/>
+  </dgm:styleLbl>
+  <dgm:styleLbl name="parChTrans1D2">
+    <dgm:fillClrLst meth="repeat">
+      <a:schemeClr val="accent2">
+        <a:tint val="90000"/>
+      </a:schemeClr>
+    </dgm:fillClrLst>
+    <dgm:linClrLst meth="repeat">
+      <a:schemeClr val="accent3"/>
+    </dgm:linClrLst>
+    <dgm:effectClrLst/>
+    <dgm:txLinClrLst/>
+    <dgm:txFillClrLst meth="repeat">
+      <a:schemeClr val="tx1"/>
+    </dgm:txFillClrLst>
+    <dgm:txEffectClrLst/>
+  </dgm:styleLbl>
+  <dgm:styleLbl name="parChTrans1D3">
+    <dgm:fillClrLst meth="repeat">
+      <a:schemeClr val="accent2">
+        <a:tint val="70000"/>
+      </a:schemeClr>
+    </dgm:fillClrLst>
+    <dgm:linClrLst meth="repeat">
+      <a:schemeClr val="accent4"/>
+    </dgm:linClrLst>
+    <dgm:effectClrLst/>
+    <dgm:txLinClrLst/>
+    <dgm:txFillClrLst meth="repeat">
+      <a:schemeClr val="tx1"/>
+    </dgm:txFillClrLst>
+    <dgm:txEffectClrLst/>
+  </dgm:styleLbl>
+  <dgm:styleLbl name="parChTrans1D4">
+    <dgm:fillClrLst meth="repeat">
+      <a:schemeClr val="accent2">
+        <a:tint val="50000"/>
+      </a:schemeClr>
+    </dgm:fillClrLst>
+    <dgm:linClrLst meth="repeat">
+      <a:schemeClr val="accent5"/>
+    </dgm:linClrLst>
+    <dgm:effectClrLst/>
+    <dgm:txLinClrLst/>
+    <dgm:txFillClrLst meth="repeat">
+      <a:schemeClr val="tx1"/>
+    </dgm:txFillClrLst>
+    <dgm:txEffectClrLst/>
+  </dgm:styleLbl>
+  <dgm:styleLbl name="fgAcc1">
+    <dgm:fillClrLst meth="repeat">
+      <a:schemeClr val="lt1">
+        <a:alpha val="90000"/>
+      </a:schemeClr>
+    </dgm:fillClrLst>
+    <dgm:linClrLst>
+      <a:schemeClr val="accent2"/>
+      <a:schemeClr val="accent3"/>
+    </dgm:linClrLst>
+    <dgm:effectClrLst/>
+    <dgm:txLinClrLst/>
+    <dgm:txFillClrLst meth="repeat">
+      <a:schemeClr val="dk1"/>
+    </dgm:txFillClrLst>
+    <dgm:txEffectClrLst/>
+  </dgm:styleLbl>
+  <dgm:styleLbl name="conFgAcc1">
+    <dgm:fillClrLst meth="repeat">
+      <a:schemeClr val="lt1">
+        <a:alpha val="90000"/>
+      </a:schemeClr>
+    </dgm:fillClrLst>
+    <dgm:linClrLst>
+      <a:schemeClr val="accent2"/>
+      <a:schemeClr val="accent3"/>
+    </dgm:linClrLst>
+    <dgm:effectClrLst/>
+    <dgm:txLinClrLst/>
+    <dgm:txFillClrLst meth="repeat">
+      <a:schemeClr val="dk1"/>
+    </dgm:txFillClrLst>
+    <dgm:txEffectClrLst/>
+  </dgm:styleLbl>
+  <dgm:styleLbl name="alignAcc1">
+    <dgm:fillClrLst meth="repeat">
+      <a:schemeClr val="lt1">
+        <a:alpha val="90000"/>
+      </a:schemeClr>
+    </dgm:fillClrLst>
+    <dgm:linClrLst>
+      <a:schemeClr val="accent2"/>
+      <a:schemeClr val="accent3"/>
+    </dgm:linClrLst>
+    <dgm:effectClrLst/>
+    <dgm:txLinClrLst/>
+    <dgm:txFillClrLst meth="repeat">
+      <a:schemeClr val="dk1"/>
+    </dgm:txFillClrLst>
+    <dgm:txEffectClrLst/>
+  </dgm:styleLbl>
+  <dgm:styleLbl name="trAlignAcc1">
+    <dgm:fillClrLst meth="repeat">
+      <a:schemeClr val="lt1">
+        <a:alpha val="40000"/>
+      </a:schemeClr>
+    </dgm:fillClrLst>
+    <dgm:linClrLst meth="repeat">
+      <a:schemeClr val="accent2"/>
+    </dgm:linClrLst>
+    <dgm:effectClrLst/>
+    <dgm:txLinClrLst/>
+    <dgm:txFillClrLst meth="repeat">
+      <a:schemeClr val="dk1"/>
+    </dgm:txFillClrLst>
+    <dgm:txEffectClrLst/>
+  </dgm:styleLbl>
+  <dgm:styleLbl name="bgAcc1">
+    <dgm:fillClrLst meth="repeat">
+      <a:schemeClr val="lt1">
+        <a:alpha val="90000"/>
+      </a:schemeClr>
+    </dgm:fillClrLst>
+    <dgm:linClrLst>
+      <a:schemeClr val="accent2"/>
+      <a:schemeClr val="accent3"/>
+    </dgm:linClrLst>
+    <dgm:effectClrLst/>
+    <dgm:txLinClrLst/>
+    <dgm:txFillClrLst meth="repeat">
+      <a:schemeClr val="dk1"/>
+    </dgm:txFillClrLst>
+    <dgm:txEffectClrLst/>
+  </dgm:styleLbl>
+  <dgm:styleLbl name="solidFgAcc1">
+    <dgm:fillClrLst meth="repeat">
+      <a:schemeClr val="lt1"/>
+    </dgm:fillClrLst>
+    <dgm:linClrLst>
+      <a:schemeClr val="accent2"/>
+      <a:schemeClr val="accent3"/>
+    </dgm:linClrLst>
+    <dgm:effectClrLst/>
+    <dgm:txLinClrLst/>
+    <dgm:txFillClrLst meth="repeat">
+      <a:schemeClr val="dk1"/>
+    </dgm:txFillClrLst>
+    <dgm:txEffectClrLst/>
+  </dgm:styleLbl>
+  <dgm:styleLbl name="solidAlignAcc1">
+    <dgm:fillClrLst meth="repeat">
+      <a:schemeClr val="lt1"/>
+    </dgm:fillClrLst>
+    <dgm:linClrLst>
+      <a:schemeClr val="accent2"/>
+      <a:schemeClr val="accent3"/>
+    </dgm:linClrLst>
+    <dgm:effectClrLst/>
+    <dgm:txLinClrLst/>
+    <dgm:txFillClrLst meth="repeat">
+      <a:schemeClr val="dk1"/>
+    </dgm:txFillClrLst>
+    <dgm:txEffectClrLst/>
+  </dgm:styleLbl>
+  <dgm:styleLbl name="solidBgAcc1">
+    <dgm:fillClrLst meth="repeat">
+      <a:schemeClr val="lt1"/>
+    </dgm:fillClrLst>
+    <dgm:linClrLst>
+      <a:schemeClr val="accent2"/>
+      <a:schemeClr val="accent3"/>
+    </dgm:linClrLst>
+    <dgm:effectClrLst/>
+    <dgm:txLinClrLst/>
+    <dgm:txFillClrLst meth="repeat">
+      <a:schemeClr val="dk1"/>
+    </dgm:txFillClrLst>
+    <dgm:txEffectClrLst/>
+  </dgm:styleLbl>
+  <dgm:styleLbl name="fgAccFollowNode1">
+    <dgm:fillClrLst>
+      <a:schemeClr val="accent2">
+        <a:tint val="40000"/>
+        <a:alpha val="90000"/>
+      </a:schemeClr>
+      <a:schemeClr val="accent3">
+        <a:tint val="40000"/>
+        <a:alpha val="90000"/>
+      </a:schemeClr>
+    </dgm:fillClrLst>
+    <dgm:linClrLst>
+      <a:schemeClr val="accent2">
+        <a:tint val="40000"/>
+        <a:alpha val="90000"/>
+      </a:schemeClr>
+      <a:schemeClr val="accent3">
+        <a:tint val="40000"/>
+        <a:alpha val="90000"/>
+      </a:schemeClr>
+    </dgm:linClrLst>
+    <dgm:effectClrLst/>
+    <dgm:txLinClrLst/>
+    <dgm:txFillClrLst meth="repeat">
+      <a:schemeClr val="dk1"/>
+    </dgm:txFillClrLst>
+    <dgm:txEffectClrLst/>
+  </dgm:styleLbl>
+  <dgm:styleLbl name="alignAccFollowNode1">
+    <dgm:fillClrLst>
+      <a:schemeClr val="accent2">
+        <a:tint val="40000"/>
+        <a:alpha val="90000"/>
+      </a:schemeClr>
+      <a:schemeClr val="accent3">
+        <a:tint val="40000"/>
+        <a:alpha val="90000"/>
+      </a:schemeClr>
+    </dgm:fillClrLst>
+    <dgm:linClrLst>
+      <a:schemeClr val="accent2">
+        <a:tint val="40000"/>
+        <a:alpha val="90000"/>
+      </a:schemeClr>
+      <a:schemeClr val="accent3">
+        <a:tint val="40000"/>
+        <a:alpha val="90000"/>
+      </a:schemeClr>
+    </dgm:linClrLst>
+    <dgm:effectClrLst/>
+    <dgm:txLinClrLst/>
+    <dgm:txFillClrLst meth="repeat">
+      <a:schemeClr val="dk1"/>
+    </dgm:txFillClrLst>
+    <dgm:txEffectClrLst/>
+  </dgm:styleLbl>
+  <dgm:styleLbl name="bgAccFollowNode1">
+    <dgm:fillClrLst>
+      <a:schemeClr val="accent2">
+        <a:tint val="40000"/>
+        <a:alpha val="90000"/>
+      </a:schemeClr>
+      <a:schemeClr val="accent3">
+        <a:tint val="40000"/>
+        <a:alpha val="90000"/>
+      </a:schemeClr>
+    </dgm:fillClrLst>
+    <dgm:linClrLst>
+      <a:schemeClr val="accent2">
+        <a:tint val="40000"/>
+        <a:alpha val="90000"/>
+      </a:schemeClr>
+      <a:schemeClr val="accent3">
+        <a:tint val="40000"/>
+        <a:alpha val="90000"/>
+      </a:schemeClr>
+    </dgm:linClrLst>
+    <dgm:effectClrLst/>
+    <dgm:txLinClrLst/>
+    <dgm:txFillClrLst meth="repeat">
+      <a:schemeClr val="dk1"/>
+    </dgm:txFillClrLst>
+    <dgm:txEffectClrLst/>
+  </dgm:styleLbl>
+  <dgm:styleLbl name="fgAcc0">
+    <dgm:fillClrLst meth="repeat">
+      <a:schemeClr val="lt1">
+        <a:alpha val="90000"/>
+      </a:schemeClr>
+    </dgm:fillClrLst>
+    <dgm:linClrLst>
+      <a:schemeClr val="accent1"/>
+    </dgm:linClrLst>
+    <dgm:effectClrLst/>
+    <dgm:txLinClrLst/>
+    <dgm:txFillClrLst meth="repeat">
+      <a:schemeClr val="dk1"/>
+    </dgm:txFillClrLst>
+    <dgm:txEffectClrLst/>
+  </dgm:styleLbl>
+  <dgm:styleLbl name="fgAcc2">
+    <dgm:fillClrLst meth="repeat">
+      <a:schemeClr val="lt1">
+        <a:alpha val="90000"/>
+      </a:schemeClr>
+    </dgm:fillClrLst>
+    <dgm:linClrLst>
+      <a:schemeClr val="accent3"/>
+    </dgm:linClrLst>
+    <dgm:effectClrLst/>
+    <dgm:txLinClrLst/>
+    <dgm:txFillClrLst meth="repeat">
+      <a:schemeClr val="dk1"/>
+    </dgm:txFillClrLst>
+    <dgm:txEffectClrLst/>
+  </dgm:styleLbl>
+  <dgm:styleLbl name="fgAcc3">
+    <dgm:fillClrLst meth="repeat">
+      <a:schemeClr val="lt1">
+        <a:alpha val="90000"/>
+      </a:schemeClr>
+    </dgm:fillClrLst>
+    <dgm:linClrLst>
+      <a:schemeClr val="accent4"/>
+    </dgm:linClrLst>
+    <dgm:effectClrLst/>
+    <dgm:txLinClrLst/>
+    <dgm:txFillClrLst meth="repeat">
+      <a:schemeClr val="dk1"/>
+    </dgm:txFillClrLst>
+    <dgm:txEffectClrLst/>
+  </dgm:styleLbl>
+  <dgm:styleLbl name="fgAcc4">
+    <dgm:fillClrLst meth="repeat">
+      <a:schemeClr val="lt1">
+        <a:alpha val="90000"/>
+      </a:schemeClr>
+    </dgm:fillClrLst>
+    <dgm:linClrLst>
+      <a:schemeClr val="accent5"/>
+    </dgm:linClrLst>
+    <dgm:effectClrLst/>
+    <dgm:txLinClrLst/>
+    <dgm:txFillClrLst meth="repeat">
+      <a:schemeClr val="dk1"/>
+    </dgm:txFillClrLst>
+    <dgm:txEffectClrLst/>
+  </dgm:styleLbl>
+  <dgm:styleLbl name="bgShp">
+    <dgm:fillClrLst meth="repeat">
+      <a:schemeClr val="accent2">
+        <a:tint val="40000"/>
+      </a:schemeClr>
+    </dgm:fillClrLst>
+    <dgm:linClrLst meth="repeat">
+      <a:schemeClr val="dk1"/>
+    </dgm:linClrLst>
+    <dgm:effectClrLst/>
+    <dgm:txLinClrLst/>
+    <dgm:txFillClrLst meth="repeat">
+      <a:schemeClr val="dk1"/>
+    </dgm:txFillClrLst>
+    <dgm:txEffectClrLst/>
+  </dgm:styleLbl>
+  <dgm:styleLbl name="dkBgShp">
+    <dgm:fillClrLst meth="repeat">
+      <a:schemeClr val="accent2">
+        <a:shade val="90000"/>
+      </a:schemeClr>
+    </dgm:fillClrLst>
+    <dgm:linClrLst meth="repeat">
+      <a:schemeClr val="dk1"/>
+    </dgm:linClrLst>
+    <dgm:effectClrLst/>
+    <dgm:txLinClrLst/>
+    <dgm:txFillClrLst meth="repeat">
+      <a:schemeClr val="lt1"/>
+    </dgm:txFillClrLst>
+    <dgm:txEffectClrLst/>
+  </dgm:styleLbl>
+  <dgm:styleLbl name="trBgShp">
+    <dgm:fillClrLst meth="repeat">
+      <a:schemeClr val="accent2">
+        <a:tint val="50000"/>
+        <a:alpha val="40000"/>
+      </a:schemeClr>
+    </dgm:fillClrLst>
+    <dgm:linClrLst meth="repeat">
+      <a:schemeClr val="accent2"/>
+    </dgm:linClrLst>
+    <dgm:effectClrLst/>
+    <dgm:txLinClrLst/>
+    <dgm:txFillClrLst meth="repeat">
+      <a:schemeClr val="lt1"/>
+    </dgm:txFillClrLst>
+    <dgm:txEffectClrLst/>
+  </dgm:styleLbl>
+  <dgm:styleLbl name="fgShp">
+    <dgm:fillClrLst meth="repeat">
+      <a:schemeClr val="accent2">
+        <a:tint val="40000"/>
+      </a:schemeClr>
+    </dgm:fillClrLst>
+    <dgm:linClrLst meth="repeat">
+      <a:schemeClr val="lt1"/>
+    </dgm:linClrLst>
+    <dgm:effectClrLst/>
+    <dgm:txLinClrLst/>
+    <dgm:txFillClrLst meth="repeat">
+      <a:schemeClr val="dk1"/>
+    </dgm:txFillClrLst>
+    <dgm:txEffectClrLst/>
+  </dgm:styleLbl>
+  <dgm:styleLbl name="revTx">
+    <dgm:fillClrLst meth="repeat">
+      <a:schemeClr val="lt1">
+        <a:alpha val="0"/>
+      </a:schemeClr>
+    </dgm:fillClrLst>
+    <dgm:linClrLst meth="repeat">
+      <a:schemeClr val="dk1">
+        <a:alpha val="0"/>
+      </a:schemeClr>
+    </dgm:linClrLst>
+    <dgm:effectClrLst/>
+    <dgm:txLinClrLst/>
+    <dgm:txFillClrLst meth="repeat">
+      <a:schemeClr val="tx1"/>
+    </dgm:txFillClrLst>
+    <dgm:txEffectClrLst/>
+  </dgm:styleLbl>
+</dgm:colorsDef>
+</file>
+
+<file path=ppt/diagrams/data1.xml><?xml version="1.0" encoding="utf-8"?>
+<dgm:dataModel xmlns:dgm="http://schemas.openxmlformats.org/drawingml/2006/diagram" xmlns:a="http://schemas.openxmlformats.org/drawingml/2006/main">
+  <dgm:ptLst>
+    <dgm:pt modelId="{0D621E1F-5870-49F2-AB88-C72827111324}" type="doc">
+      <dgm:prSet loTypeId="urn:microsoft.com/office/officeart/2005/8/layout/vList2" loCatId="list" qsTypeId="urn:microsoft.com/office/officeart/2005/8/quickstyle/simple4" qsCatId="simple" csTypeId="urn:microsoft.com/office/officeart/2005/8/colors/colorful2" csCatId="colorful" phldr="1"/>
+      <dgm:spPr/>
+      <dgm:t>
+        <a:bodyPr/>
+        <a:lstStyle/>
+        <a:p>
+          <a:endParaRPr lang="en-US"/>
+        </a:p>
+      </dgm:t>
+    </dgm:pt>
+    <dgm:pt modelId="{D3E5CBD4-271A-4A5B-91BA-27F0805AF9D2}">
+      <dgm:prSet/>
+      <dgm:spPr/>
+      <dgm:t>
+        <a:bodyPr/>
+        <a:lstStyle/>
+        <a:p>
+          <a:r>
+            <a:rPr lang="es-ES"/>
+            <a:t>Pepe Fabra Valverde</a:t>
+          </a:r>
+          <a:endParaRPr lang="en-US"/>
+        </a:p>
+      </dgm:t>
+    </dgm:pt>
+    <dgm:pt modelId="{3F6C0865-59DA-46D2-996E-06A8B9E9ADFA}" type="parTrans" cxnId="{B953B191-532A-4B92-BD72-AE50DD938F10}">
+      <dgm:prSet/>
+      <dgm:spPr/>
+      <dgm:t>
+        <a:bodyPr/>
+        <a:lstStyle/>
+        <a:p>
+          <a:endParaRPr lang="en-US"/>
+        </a:p>
+      </dgm:t>
+    </dgm:pt>
+    <dgm:pt modelId="{B0BF1307-2210-4D26-B790-239D7B5D5E1B}" type="sibTrans" cxnId="{B953B191-532A-4B92-BD72-AE50DD938F10}">
+      <dgm:prSet/>
+      <dgm:spPr/>
+      <dgm:t>
+        <a:bodyPr/>
+        <a:lstStyle/>
+        <a:p>
+          <a:endParaRPr lang="en-US"/>
+        </a:p>
+      </dgm:t>
+    </dgm:pt>
+    <dgm:pt modelId="{B7A0EEBD-CBBB-4281-B29E-A3A20FA7157A}">
+      <dgm:prSet/>
+      <dgm:spPr/>
+      <dgm:t>
+        <a:bodyPr/>
+        <a:lstStyle/>
+        <a:p>
+          <a:r>
+            <a:rPr lang="es-ES"/>
+            <a:t>Actualmente trabajando como Líder y Arquitecto de Frontend.</a:t>
+          </a:r>
+          <a:endParaRPr lang="en-US"/>
+        </a:p>
+      </dgm:t>
+    </dgm:pt>
+    <dgm:pt modelId="{3AF2835F-314B-4C2B-8190-88D12222A18E}" type="parTrans" cxnId="{2D872FC8-316D-4CED-933D-8AA571A12554}">
+      <dgm:prSet/>
+      <dgm:spPr/>
+      <dgm:t>
+        <a:bodyPr/>
+        <a:lstStyle/>
+        <a:p>
+          <a:endParaRPr lang="en-US"/>
+        </a:p>
+      </dgm:t>
+    </dgm:pt>
+    <dgm:pt modelId="{479330B3-EFFE-40D2-8509-A6BC131505EE}" type="sibTrans" cxnId="{2D872FC8-316D-4CED-933D-8AA571A12554}">
+      <dgm:prSet/>
+      <dgm:spPr/>
+      <dgm:t>
+        <a:bodyPr/>
+        <a:lstStyle/>
+        <a:p>
+          <a:endParaRPr lang="en-US"/>
+        </a:p>
+      </dgm:t>
+    </dgm:pt>
+    <dgm:pt modelId="{B40D833E-D8F5-41F9-A759-D2F55B518071}">
+      <dgm:prSet/>
+      <dgm:spPr/>
+      <dgm:t>
+        <a:bodyPr/>
+        <a:lstStyle/>
+        <a:p>
+          <a:r>
+            <a:rPr lang="es-ES" dirty="0"/>
+            <a:t>4 años de experiencia, distintos lenguajes, sectores, roles, etc.</a:t>
+          </a:r>
+          <a:endParaRPr lang="en-US" dirty="0"/>
+        </a:p>
+      </dgm:t>
+    </dgm:pt>
+    <dgm:pt modelId="{C36C906F-740B-439E-B539-23FCB4A61F3B}" type="parTrans" cxnId="{387B108A-19FC-461D-9F0B-CBD9DD587A28}">
+      <dgm:prSet/>
+      <dgm:spPr/>
+      <dgm:t>
+        <a:bodyPr/>
+        <a:lstStyle/>
+        <a:p>
+          <a:endParaRPr lang="en-US"/>
+        </a:p>
+      </dgm:t>
+    </dgm:pt>
+    <dgm:pt modelId="{295CF13A-15C1-4B97-A162-7C9187A7151B}" type="sibTrans" cxnId="{387B108A-19FC-461D-9F0B-CBD9DD587A28}">
+      <dgm:prSet/>
+      <dgm:spPr/>
+      <dgm:t>
+        <a:bodyPr/>
+        <a:lstStyle/>
+        <a:p>
+          <a:endParaRPr lang="en-US"/>
+        </a:p>
+      </dgm:t>
+    </dgm:pt>
+    <dgm:pt modelId="{D471A699-CA6D-4CEA-BCB0-90EB77BD0AB9}" type="pres">
+      <dgm:prSet presAssocID="{0D621E1F-5870-49F2-AB88-C72827111324}" presName="linear" presStyleCnt="0">
+        <dgm:presLayoutVars>
+          <dgm:animLvl val="lvl"/>
+          <dgm:resizeHandles val="exact"/>
+        </dgm:presLayoutVars>
+      </dgm:prSet>
+      <dgm:spPr/>
+    </dgm:pt>
+    <dgm:pt modelId="{E76C269B-0747-4CF7-BE43-748944367294}" type="pres">
+      <dgm:prSet presAssocID="{D3E5CBD4-271A-4A5B-91BA-27F0805AF9D2}" presName="parentText" presStyleLbl="node1" presStyleIdx="0" presStyleCnt="3">
+        <dgm:presLayoutVars>
+          <dgm:chMax val="0"/>
+          <dgm:bulletEnabled val="1"/>
+        </dgm:presLayoutVars>
+      </dgm:prSet>
+      <dgm:spPr/>
+    </dgm:pt>
+    <dgm:pt modelId="{CEDBA4AD-634C-48D1-A7FB-DB32909D12B8}" type="pres">
+      <dgm:prSet presAssocID="{B0BF1307-2210-4D26-B790-239D7B5D5E1B}" presName="spacer" presStyleCnt="0"/>
+      <dgm:spPr/>
+    </dgm:pt>
+    <dgm:pt modelId="{B67C9631-786E-4A59-B08F-D59B93C151E3}" type="pres">
+      <dgm:prSet presAssocID="{B7A0EEBD-CBBB-4281-B29E-A3A20FA7157A}" presName="parentText" presStyleLbl="node1" presStyleIdx="1" presStyleCnt="3">
+        <dgm:presLayoutVars>
+          <dgm:chMax val="0"/>
+          <dgm:bulletEnabled val="1"/>
+        </dgm:presLayoutVars>
+      </dgm:prSet>
+      <dgm:spPr/>
+    </dgm:pt>
+    <dgm:pt modelId="{BE2A9962-C309-489D-BE5E-EB3EA85A8227}" type="pres">
+      <dgm:prSet presAssocID="{479330B3-EFFE-40D2-8509-A6BC131505EE}" presName="spacer" presStyleCnt="0"/>
+      <dgm:spPr/>
+    </dgm:pt>
+    <dgm:pt modelId="{1A21241A-CDE4-4DE6-8068-5585773E5204}" type="pres">
+      <dgm:prSet presAssocID="{B40D833E-D8F5-41F9-A759-D2F55B518071}" presName="parentText" presStyleLbl="node1" presStyleIdx="2" presStyleCnt="3">
+        <dgm:presLayoutVars>
+          <dgm:chMax val="0"/>
+          <dgm:bulletEnabled val="1"/>
+        </dgm:presLayoutVars>
+      </dgm:prSet>
+      <dgm:spPr/>
+    </dgm:pt>
+  </dgm:ptLst>
+  <dgm:cxnLst>
+    <dgm:cxn modelId="{1BADE120-27C1-417C-81F7-B9D3360ADC09}" type="presOf" srcId="{0D621E1F-5870-49F2-AB88-C72827111324}" destId="{D471A699-CA6D-4CEA-BCB0-90EB77BD0AB9}" srcOrd="0" destOrd="0" presId="urn:microsoft.com/office/officeart/2005/8/layout/vList2"/>
+    <dgm:cxn modelId="{9CBF9522-0625-4D0D-936A-2DC32C891E66}" type="presOf" srcId="{B7A0EEBD-CBBB-4281-B29E-A3A20FA7157A}" destId="{B67C9631-786E-4A59-B08F-D59B93C151E3}" srcOrd="0" destOrd="0" presId="urn:microsoft.com/office/officeart/2005/8/layout/vList2"/>
+    <dgm:cxn modelId="{387B108A-19FC-461D-9F0B-CBD9DD587A28}" srcId="{0D621E1F-5870-49F2-AB88-C72827111324}" destId="{B40D833E-D8F5-41F9-A759-D2F55B518071}" srcOrd="2" destOrd="0" parTransId="{C36C906F-740B-439E-B539-23FCB4A61F3B}" sibTransId="{295CF13A-15C1-4B97-A162-7C9187A7151B}"/>
+    <dgm:cxn modelId="{B953B191-532A-4B92-BD72-AE50DD938F10}" srcId="{0D621E1F-5870-49F2-AB88-C72827111324}" destId="{D3E5CBD4-271A-4A5B-91BA-27F0805AF9D2}" srcOrd="0" destOrd="0" parTransId="{3F6C0865-59DA-46D2-996E-06A8B9E9ADFA}" sibTransId="{B0BF1307-2210-4D26-B790-239D7B5D5E1B}"/>
+    <dgm:cxn modelId="{E78A45C6-77A7-45B3-83E6-AEA4EA5A6481}" type="presOf" srcId="{B40D833E-D8F5-41F9-A759-D2F55B518071}" destId="{1A21241A-CDE4-4DE6-8068-5585773E5204}" srcOrd="0" destOrd="0" presId="urn:microsoft.com/office/officeart/2005/8/layout/vList2"/>
+    <dgm:cxn modelId="{519655C6-FC31-4369-8DAD-7B6DCB4EC864}" type="presOf" srcId="{D3E5CBD4-271A-4A5B-91BA-27F0805AF9D2}" destId="{E76C269B-0747-4CF7-BE43-748944367294}" srcOrd="0" destOrd="0" presId="urn:microsoft.com/office/officeart/2005/8/layout/vList2"/>
+    <dgm:cxn modelId="{2D872FC8-316D-4CED-933D-8AA571A12554}" srcId="{0D621E1F-5870-49F2-AB88-C72827111324}" destId="{B7A0EEBD-CBBB-4281-B29E-A3A20FA7157A}" srcOrd="1" destOrd="0" parTransId="{3AF2835F-314B-4C2B-8190-88D12222A18E}" sibTransId="{479330B3-EFFE-40D2-8509-A6BC131505EE}"/>
+    <dgm:cxn modelId="{51AF25C6-43CA-4690-9855-FC951811CC4D}" type="presParOf" srcId="{D471A699-CA6D-4CEA-BCB0-90EB77BD0AB9}" destId="{E76C269B-0747-4CF7-BE43-748944367294}" srcOrd="0" destOrd="0" presId="urn:microsoft.com/office/officeart/2005/8/layout/vList2"/>
+    <dgm:cxn modelId="{A0136F14-B7C9-4FE3-A3AD-E02DC0302C88}" type="presParOf" srcId="{D471A699-CA6D-4CEA-BCB0-90EB77BD0AB9}" destId="{CEDBA4AD-634C-48D1-A7FB-DB32909D12B8}" srcOrd="1" destOrd="0" presId="urn:microsoft.com/office/officeart/2005/8/layout/vList2"/>
+    <dgm:cxn modelId="{F347F05B-48D5-4A5C-86C9-6C6334F6C10B}" type="presParOf" srcId="{D471A699-CA6D-4CEA-BCB0-90EB77BD0AB9}" destId="{B67C9631-786E-4A59-B08F-D59B93C151E3}" srcOrd="2" destOrd="0" presId="urn:microsoft.com/office/officeart/2005/8/layout/vList2"/>
+    <dgm:cxn modelId="{3F7DD7E9-6B6F-45FE-91A0-8DDE69034802}" type="presParOf" srcId="{D471A699-CA6D-4CEA-BCB0-90EB77BD0AB9}" destId="{BE2A9962-C309-489D-BE5E-EB3EA85A8227}" srcOrd="3" destOrd="0" presId="urn:microsoft.com/office/officeart/2005/8/layout/vList2"/>
+    <dgm:cxn modelId="{EAD3BC87-454B-4CAD-BA17-109E6F0E2C83}" type="presParOf" srcId="{D471A699-CA6D-4CEA-BCB0-90EB77BD0AB9}" destId="{1A21241A-CDE4-4DE6-8068-5585773E5204}" srcOrd="4" destOrd="0" presId="urn:microsoft.com/office/officeart/2005/8/layout/vList2"/>
+  </dgm:cxnLst>
+  <dgm:bg/>
+  <dgm:whole/>
+  <dgm:extLst>
+    <a:ext uri="http://schemas.microsoft.com/office/drawing/2008/diagram">
+      <dsp:dataModelExt xmlns:dsp="http://schemas.microsoft.com/office/drawing/2008/diagram" relId="rId7" minVer="http://schemas.openxmlformats.org/drawingml/2006/diagram"/>
+    </a:ext>
+  </dgm:extLst>
+</dgm:dataModel>
+</file>
+
+<file path=ppt/diagrams/drawing1.xml><?xml version="1.0" encoding="utf-8"?>
+<dsp:drawing xmlns:dgm="http://schemas.openxmlformats.org/drawingml/2006/diagram" xmlns:dsp="http://schemas.microsoft.com/office/drawing/2008/diagram" xmlns:a="http://schemas.openxmlformats.org/drawingml/2006/main">
+  <dsp:spTree>
+    <dsp:nvGrpSpPr>
+      <dsp:cNvPr id="0" name=""/>
+      <dsp:cNvGrpSpPr/>
+    </dsp:nvGrpSpPr>
+    <dsp:grpSpPr/>
+    <dsp:sp modelId="{E76C269B-0747-4CF7-BE43-748944367294}">
+      <dsp:nvSpPr>
+        <dsp:cNvPr id="0" name=""/>
+        <dsp:cNvSpPr/>
+      </dsp:nvSpPr>
+      <dsp:spPr>
+        <a:xfrm>
+          <a:off x="0" y="98784"/>
+          <a:ext cx="6545199" cy="1469830"/>
+        </a:xfrm>
+        <a:prstGeom prst="roundRect">
+          <a:avLst/>
+        </a:prstGeom>
+        <a:gradFill rotWithShape="0">
+          <a:gsLst>
+            <a:gs pos="0">
+              <a:schemeClr val="accent2">
+                <a:hueOff val="0"/>
+                <a:satOff val="0"/>
+                <a:lumOff val="0"/>
+                <a:alphaOff val="0"/>
+                <a:tint val="98000"/>
+                <a:lumMod val="100000"/>
+              </a:schemeClr>
+            </a:gs>
+            <a:gs pos="100000">
+              <a:schemeClr val="accent2">
+                <a:hueOff val="0"/>
+                <a:satOff val="0"/>
+                <a:lumOff val="0"/>
+                <a:alphaOff val="0"/>
+                <a:shade val="88000"/>
+                <a:lumMod val="88000"/>
+              </a:schemeClr>
+            </a:gs>
+          </a:gsLst>
+          <a:lin ang="5400000" scaled="1"/>
+        </a:gradFill>
+        <a:ln>
+          <a:noFill/>
+        </a:ln>
+        <a:effectLst>
+          <a:outerShdw blurRad="50800" dist="38100" dir="5400000" rotWithShape="0">
+            <a:srgbClr val="000000">
+              <a:alpha val="35000"/>
+            </a:srgbClr>
+          </a:outerShdw>
+        </a:effectLst>
+      </dsp:spPr>
+      <dsp:style>
+        <a:lnRef idx="0">
+          <a:scrgbClr r="0" g="0" b="0"/>
+        </a:lnRef>
+        <a:fillRef idx="3">
+          <a:scrgbClr r="0" g="0" b="0"/>
+        </a:fillRef>
+        <a:effectRef idx="2">
+          <a:scrgbClr r="0" g="0" b="0"/>
+        </a:effectRef>
+        <a:fontRef idx="minor">
+          <a:schemeClr val="lt1"/>
+        </a:fontRef>
+      </dsp:style>
+      <dsp:txBody>
+        <a:bodyPr spcFirstLastPara="0" vert="horz" wrap="square" lIns="140970" tIns="140970" rIns="140970" bIns="140970" numCol="1" spcCol="1270" anchor="ctr" anchorCtr="0">
+          <a:noAutofit/>
+        </a:bodyPr>
+        <a:lstStyle/>
+        <a:p>
+          <a:pPr marL="0" lvl="0" indent="0" algn="l" defTabSz="1644650">
+            <a:lnSpc>
+              <a:spcPct val="90000"/>
+            </a:lnSpc>
+            <a:spcBef>
+              <a:spcPct val="0"/>
+            </a:spcBef>
+            <a:spcAft>
+              <a:spcPct val="35000"/>
+            </a:spcAft>
+            <a:buNone/>
+          </a:pPr>
+          <a:r>
+            <a:rPr lang="es-ES" sz="3700" kern="1200"/>
+            <a:t>Pepe Fabra Valverde</a:t>
+          </a:r>
+          <a:endParaRPr lang="en-US" sz="3700" kern="1200"/>
+        </a:p>
+      </dsp:txBody>
+      <dsp:txXfrm>
+        <a:off x="71751" y="170535"/>
+        <a:ext cx="6401697" cy="1326328"/>
+      </dsp:txXfrm>
+    </dsp:sp>
+    <dsp:sp modelId="{B67C9631-786E-4A59-B08F-D59B93C151E3}">
+      <dsp:nvSpPr>
+        <dsp:cNvPr id="0" name=""/>
+        <dsp:cNvSpPr/>
+      </dsp:nvSpPr>
+      <dsp:spPr>
+        <a:xfrm>
+          <a:off x="0" y="1675175"/>
+          <a:ext cx="6545199" cy="1469830"/>
+        </a:xfrm>
+        <a:prstGeom prst="roundRect">
+          <a:avLst/>
+        </a:prstGeom>
+        <a:gradFill rotWithShape="0">
+          <a:gsLst>
+            <a:gs pos="0">
+              <a:schemeClr val="accent2">
+                <a:hueOff val="-1555074"/>
+                <a:satOff val="-8227"/>
+                <a:lumOff val="-3137"/>
+                <a:alphaOff val="0"/>
+                <a:tint val="98000"/>
+                <a:lumMod val="100000"/>
+              </a:schemeClr>
+            </a:gs>
+            <a:gs pos="100000">
+              <a:schemeClr val="accent2">
+                <a:hueOff val="-1555074"/>
+                <a:satOff val="-8227"/>
+                <a:lumOff val="-3137"/>
+                <a:alphaOff val="0"/>
+                <a:shade val="88000"/>
+                <a:lumMod val="88000"/>
+              </a:schemeClr>
+            </a:gs>
+          </a:gsLst>
+          <a:lin ang="5400000" scaled="1"/>
+        </a:gradFill>
+        <a:ln>
+          <a:noFill/>
+        </a:ln>
+        <a:effectLst>
+          <a:outerShdw blurRad="50800" dist="38100" dir="5400000" rotWithShape="0">
+            <a:srgbClr val="000000">
+              <a:alpha val="35000"/>
+            </a:srgbClr>
+          </a:outerShdw>
+        </a:effectLst>
+      </dsp:spPr>
+      <dsp:style>
+        <a:lnRef idx="0">
+          <a:scrgbClr r="0" g="0" b="0"/>
+        </a:lnRef>
+        <a:fillRef idx="3">
+          <a:scrgbClr r="0" g="0" b="0"/>
+        </a:fillRef>
+        <a:effectRef idx="2">
+          <a:scrgbClr r="0" g="0" b="0"/>
+        </a:effectRef>
+        <a:fontRef idx="minor">
+          <a:schemeClr val="lt1"/>
+        </a:fontRef>
+      </dsp:style>
+      <dsp:txBody>
+        <a:bodyPr spcFirstLastPara="0" vert="horz" wrap="square" lIns="140970" tIns="140970" rIns="140970" bIns="140970" numCol="1" spcCol="1270" anchor="ctr" anchorCtr="0">
+          <a:noAutofit/>
+        </a:bodyPr>
+        <a:lstStyle/>
+        <a:p>
+          <a:pPr marL="0" lvl="0" indent="0" algn="l" defTabSz="1644650">
+            <a:lnSpc>
+              <a:spcPct val="90000"/>
+            </a:lnSpc>
+            <a:spcBef>
+              <a:spcPct val="0"/>
+            </a:spcBef>
+            <a:spcAft>
+              <a:spcPct val="35000"/>
+            </a:spcAft>
+            <a:buNone/>
+          </a:pPr>
+          <a:r>
+            <a:rPr lang="es-ES" sz="3700" kern="1200"/>
+            <a:t>Actualmente trabajando como Líder y Arquitecto de Frontend.</a:t>
+          </a:r>
+          <a:endParaRPr lang="en-US" sz="3700" kern="1200"/>
+        </a:p>
+      </dsp:txBody>
+      <dsp:txXfrm>
+        <a:off x="71751" y="1746926"/>
+        <a:ext cx="6401697" cy="1326328"/>
+      </dsp:txXfrm>
+    </dsp:sp>
+    <dsp:sp modelId="{1A21241A-CDE4-4DE6-8068-5585773E5204}">
+      <dsp:nvSpPr>
+        <dsp:cNvPr id="0" name=""/>
+        <dsp:cNvSpPr/>
+      </dsp:nvSpPr>
+      <dsp:spPr>
+        <a:xfrm>
+          <a:off x="0" y="3251566"/>
+          <a:ext cx="6545199" cy="1469830"/>
+        </a:xfrm>
+        <a:prstGeom prst="roundRect">
+          <a:avLst/>
+        </a:prstGeom>
+        <a:gradFill rotWithShape="0">
+          <a:gsLst>
+            <a:gs pos="0">
+              <a:schemeClr val="accent2">
+                <a:hueOff val="-3110148"/>
+                <a:satOff val="-16453"/>
+                <a:lumOff val="-6274"/>
+                <a:alphaOff val="0"/>
+                <a:tint val="98000"/>
+                <a:lumMod val="100000"/>
+              </a:schemeClr>
+            </a:gs>
+            <a:gs pos="100000">
+              <a:schemeClr val="accent2">
+                <a:hueOff val="-3110148"/>
+                <a:satOff val="-16453"/>
+                <a:lumOff val="-6274"/>
+                <a:alphaOff val="0"/>
+                <a:shade val="88000"/>
+                <a:lumMod val="88000"/>
+              </a:schemeClr>
+            </a:gs>
+          </a:gsLst>
+          <a:lin ang="5400000" scaled="1"/>
+        </a:gradFill>
+        <a:ln>
+          <a:noFill/>
+        </a:ln>
+        <a:effectLst>
+          <a:outerShdw blurRad="50800" dist="38100" dir="5400000" rotWithShape="0">
+            <a:srgbClr val="000000">
+              <a:alpha val="35000"/>
+            </a:srgbClr>
+          </a:outerShdw>
+        </a:effectLst>
+      </dsp:spPr>
+      <dsp:style>
+        <a:lnRef idx="0">
+          <a:scrgbClr r="0" g="0" b="0"/>
+        </a:lnRef>
+        <a:fillRef idx="3">
+          <a:scrgbClr r="0" g="0" b="0"/>
+        </a:fillRef>
+        <a:effectRef idx="2">
+          <a:scrgbClr r="0" g="0" b="0"/>
+        </a:effectRef>
+        <a:fontRef idx="minor">
+          <a:schemeClr val="lt1"/>
+        </a:fontRef>
+      </dsp:style>
+      <dsp:txBody>
+        <a:bodyPr spcFirstLastPara="0" vert="horz" wrap="square" lIns="140970" tIns="140970" rIns="140970" bIns="140970" numCol="1" spcCol="1270" anchor="ctr" anchorCtr="0">
+          <a:noAutofit/>
+        </a:bodyPr>
+        <a:lstStyle/>
+        <a:p>
+          <a:pPr marL="0" lvl="0" indent="0" algn="l" defTabSz="1644650">
+            <a:lnSpc>
+              <a:spcPct val="90000"/>
+            </a:lnSpc>
+            <a:spcBef>
+              <a:spcPct val="0"/>
+            </a:spcBef>
+            <a:spcAft>
+              <a:spcPct val="35000"/>
+            </a:spcAft>
+            <a:buNone/>
+          </a:pPr>
+          <a:r>
+            <a:rPr lang="es-ES" sz="3700" kern="1200" dirty="0"/>
+            <a:t>4 años de experiencia, distintos lenguajes, sectores, roles, etc.</a:t>
+          </a:r>
+          <a:endParaRPr lang="en-US" sz="3700" kern="1200" dirty="0"/>
+        </a:p>
+      </dsp:txBody>
+      <dsp:txXfrm>
+        <a:off x="71751" y="3323317"/>
+        <a:ext cx="6401697" cy="1326328"/>
+      </dsp:txXfrm>
+    </dsp:sp>
+  </dsp:spTree>
+</dsp:drawing>
+</file>
+
+<file path=ppt/diagrams/layout1.xml><?xml version="1.0" encoding="utf-8"?>
+<dgm:layoutDef xmlns:dgm="http://schemas.openxmlformats.org/drawingml/2006/diagram" xmlns:a="http://schemas.openxmlformats.org/drawingml/2006/main" uniqueId="urn:microsoft.com/office/officeart/2005/8/layout/vList2">
+  <dgm:title val=""/>
+  <dgm:desc val=""/>
+  <dgm:catLst>
+    <dgm:cat type="list" pri="3000"/>
+    <dgm:cat type="convert" pri="1000"/>
+  </dgm:catLst>
+  <dgm:sampData>
+    <dgm:dataModel>
+      <dgm:ptLst>
+        <dgm:pt modelId="0" type="doc"/>
+        <dgm:pt modelId="1">
+          <dgm:prSet phldr="1"/>
+        </dgm:pt>
+        <dgm:pt modelId="11">
+          <dgm:prSet phldr="1"/>
+        </dgm:pt>
+        <dgm:pt modelId="2">
+          <dgm:prSet phldr="1"/>
+        </dgm:pt>
+        <dgm:pt modelId="21">
+          <dgm:prSet phldr="1"/>
+        </dgm:pt>
+      </dgm:ptLst>
+      <dgm:cxnLst>
+        <dgm:cxn modelId="4" srcId="0" destId="1" srcOrd="0" destOrd="0"/>
+        <dgm:cxn modelId="5" srcId="0" destId="2" srcOrd="1" destOrd="0"/>
+        <dgm:cxn modelId="12" srcId="1" destId="11" srcOrd="0" destOrd="0"/>
+        <dgm:cxn modelId="23" srcId="2" destId="21" srcOrd="0" destOrd="0"/>
+      </dgm:cxnLst>
+      <dgm:bg/>
+      <dgm:whole/>
+    </dgm:dataModel>
+  </dgm:sampData>
+  <dgm:styleData>
+    <dgm:dataModel>
+      <dgm:ptLst>
+        <dgm:pt modelId="0" type="doc"/>
+        <dgm:pt modelId="1"/>
+        <dgm:pt modelId="2"/>
+      </dgm:ptLst>
+      <dgm:cxnLst>
+        <dgm:cxn modelId="3" srcId="0" destId="1" srcOrd="0" destOrd="0"/>
+        <dgm:cxn modelId="4" srcId="0" destId="2" srcOrd="1" destOrd="0"/>
+      </dgm:cxnLst>
+      <dgm:bg/>
+      <dgm:whole/>
+    </dgm:dataModel>
+  </dgm:styleData>
+  <dgm:clrData>
+    <dgm:dataModel>
+      <dgm:ptLst>
+        <dgm:pt modelId="0" type="doc"/>
+        <dgm:pt modelId="1"/>
+        <dgm:pt modelId="2"/>
+        <dgm:pt modelId="3"/>
+        <dgm:pt modelId="4"/>
+      </dgm:ptLst>
+      <dgm:cxnLst>
+        <dgm:cxn modelId="5" srcId="0" destId="1" srcOrd="0" destOrd="0"/>
+        <dgm:cxn modelId="6" srcId="0" destId="2" srcOrd="1" destOrd="0"/>
+        <dgm:cxn modelId="7" srcId="0" destId="3" srcOrd="2" destOrd="0"/>
+        <dgm:cxn modelId="8" srcId="0" destId="4" srcOrd="3" destOrd="0"/>
+      </dgm:cxnLst>
+      <dgm:bg/>
+      <dgm:whole/>
+    </dgm:dataModel>
+  </dgm:clrData>
+  <dgm:layoutNode name="linear">
+    <dgm:varLst>
+      <dgm:animLvl val="lvl"/>
+      <dgm:resizeHandles val="exact"/>
+    </dgm:varLst>
+    <dgm:alg type="lin">
+      <dgm:param type="linDir" val="fromT"/>
+      <dgm:param type="vertAlign" val="mid"/>
+    </dgm:alg>
+    <dgm:shape xmlns:r="http://schemas.openxmlformats.org/officeDocument/2006/relationships" r:blip="">
+      <dgm:adjLst/>
+    </dgm:shape>
+    <dgm:presOf/>
+    <dgm:constrLst>
+      <dgm:constr type="w" for="ch" forName="parentText" refType="w"/>
+      <dgm:constr type="h" for="ch" forName="parentText" refType="primFontSz" refFor="ch" refForName="parentText" fact="0.52"/>
+      <dgm:constr type="w" for="ch" forName="childText" refType="w"/>
+      <dgm:constr type="h" for="ch" forName="childText" refType="primFontSz" refFor="ch" refForName="parentText" fact="0.46"/>
+      <dgm:constr type="h" for="ch" forName="parentText" op="equ"/>
+      <dgm:constr type="primFontSz" for="ch" forName="parentText" op="equ" val="65"/>
+      <dgm:constr type="primFontSz" for="ch" forName="childText" refType="primFontSz" refFor="ch" refForName="parentText" op="equ"/>
+      <dgm:constr type="h" for="ch" forName="spacer" refType="primFontSz" refFor="ch" refForName="parentText" fact="0.08"/>
+    </dgm:constrLst>
+    <dgm:ruleLst>
+      <dgm:rule type="primFontSz" for="ch" forName="parentText" val="5" fact="NaN" max="NaN"/>
+    </dgm:ruleLst>
+    <dgm:forEach name="Name0" axis="ch" ptType="node">
+      <dgm:layoutNode name="parentText" styleLbl="node1">
+        <dgm:varLst>
+          <dgm:chMax val="0"/>
+          <dgm:bulletEnabled val="1"/>
+        </dgm:varLst>
+        <dgm:alg type="tx">
+          <dgm:param type="parTxLTRAlign" val="l"/>
+          <dgm:param type="parTxRTLAlign" val="r"/>
+        </dgm:alg>
+        <dgm:shape xmlns:r="http://schemas.openxmlformats.org/officeDocument/2006/relationships" type="roundRect" r:blip="">
+          <dgm:adjLst/>
+        </dgm:shape>
+        <dgm:presOf axis="self"/>
+        <dgm:constrLst>
+          <dgm:constr type="tMarg" refType="primFontSz" fact="0.3"/>
+          <dgm:constr type="bMarg" refType="primFontSz" fact="0.3"/>
+          <dgm:constr type="lMarg" refType="primFontSz" fact="0.3"/>
+          <dgm:constr type="rMarg" refType="primFontSz" fact="0.3"/>
+        </dgm:constrLst>
+        <dgm:ruleLst>
+          <dgm:rule type="h" val="INF" fact="NaN" max="NaN"/>
+        </dgm:ruleLst>
+      </dgm:layoutNode>
+      <dgm:choose name="Name1">
+        <dgm:if name="Name2" axis="ch" ptType="node" func="cnt" op="gte" val="1">
+          <dgm:layoutNode name="childText" styleLbl="revTx">
+            <dgm:varLst>
+              <dgm:bulletEnabled val="1"/>
+            </dgm:varLst>
+            <dgm:alg type="tx">
+              <dgm:param type="stBulletLvl" val="1"/>
+              <dgm:param type="lnSpAfChP" val="20"/>
+            </dgm:alg>
+            <dgm:shape xmlns:r="http://schemas.openxmlformats.org/officeDocument/2006/relationships" type="rect" r:blip="">
+              <dgm:adjLst/>
+            </dgm:shape>
+            <dgm:presOf axis="des" ptType="node"/>
+            <dgm:constrLst>
+              <dgm:constr type="tMarg" refType="primFontSz" fact="0.1"/>
+              <dgm:constr type="bMarg" refType="primFontSz" fact="0.1"/>
+              <dgm:constr type="lMarg" refType="w" fact="0.09"/>
+            </dgm:constrLst>
+            <dgm:ruleLst>
+              <dgm:rule type="h" val="INF" fact="NaN" max="NaN"/>
+            </dgm:ruleLst>
+          </dgm:layoutNode>
+        </dgm:if>
+        <dgm:else name="Name3">
+          <dgm:choose name="Name4">
+            <dgm:if name="Name5" axis="par ch" ptType="doc node" func="cnt" op="gte" val="2">
+              <dgm:forEach name="Name6" axis="followSib" ptType="sibTrans" cnt="1">
+                <dgm:layoutNode name="spacer">
+                  <dgm:alg type="sp"/>
+                  <dgm:shape xmlns:r="http://schemas.openxmlformats.org/officeDocument/2006/relationships" r:blip="">
+                    <dgm:adjLst/>
+                  </dgm:shape>
+                  <dgm:presOf/>
+                  <dgm:constrLst/>
+                  <dgm:ruleLst/>
+                </dgm:layoutNode>
+              </dgm:forEach>
+            </dgm:if>
+            <dgm:else name="Name7"/>
+          </dgm:choose>
+        </dgm:else>
+      </dgm:choose>
+    </dgm:forEach>
+  </dgm:layoutNode>
+</dgm:layoutDef>
+</file>
+
+<file path=ppt/diagrams/quickStyle1.xml><?xml version="1.0" encoding="utf-8"?>
+<dgm:styleDef xmlns:dgm="http://schemas.openxmlformats.org/drawingml/2006/diagram" xmlns:a="http://schemas.openxmlformats.org/drawingml/2006/main" uniqueId="urn:microsoft.com/office/officeart/2005/8/quickstyle/simple4">
+  <dgm:title val=""/>
+  <dgm:desc val=""/>
+  <dgm:catLst>
+    <dgm:cat type="simple" pri="10400"/>
+  </dgm:catLst>
+  <dgm:scene3d>
+    <a:camera prst="orthographicFront"/>
+    <a:lightRig rig="threePt" dir="t"/>
+  </dgm:scene3d>
+  <dgm:styleLbl name="node0">
+    <dgm:scene3d>
+      <a:camera prst="orthographicFront"/>
+      <a:lightRig rig="threePt" dir="t"/>
+    </dgm:scene3d>
+    <dgm:sp3d/>
+    <dgm:txPr/>
+    <dgm:style>
+      <a:lnRef idx="0">
+        <a:scrgbClr r="0" g="0" b="0"/>
+      </a:lnRef>
+      <a:fillRef idx="3">
+        <a:scrgbClr r="0" g="0" b="0"/>
+      </a:fillRef>
+      <a:effectRef idx="2">
+        <a:scrgbClr r="0" g="0" b="0"/>
+      </a:effectRef>
+      <a:fontRef idx="minor">
+        <a:schemeClr val="lt1"/>
+      </a:fontRef>
+    </dgm:style>
+  </dgm:styleLbl>
+  <dgm:styleLbl name="lnNode1">
+    <dgm:scene3d>
+      <a:camera prst="orthographicFront"/>
+      <a:lightRig rig="threePt" dir="t"/>
+    </dgm:scene3d>
+    <dgm:sp3d/>
+    <dgm:txPr/>
+    <dgm:style>
+      <a:lnRef idx="1">
+        <a:scrgbClr r="0" g="0" b="0"/>
+      </a:lnRef>
+      <a:fillRef idx="3">
+        <a:scrgbClr r="0" g="0" b="0"/>
+      </a:fillRef>
+      <a:effectRef idx="2">
+        <a:scrgbClr r="0" g="0" b="0"/>
+      </a:effectRef>
+      <a:fontRef idx="minor">
+        <a:schemeClr val="lt1"/>
+      </a:fontRef>
+    </dgm:style>
+  </dgm:styleLbl>
+  <dgm:styleLbl name="vennNode1">
+    <dgm:scene3d>
+      <a:camera prst="orthographicFront"/>
+      <a:lightRig rig="threePt" dir="t"/>
+    </dgm:scene3d>
+    <dgm:sp3d/>
+    <dgm:txPr/>
+    <dgm:style>
+      <a:lnRef idx="0">
+        <a:scrgbClr r="0" g="0" b="0"/>
+      </a:lnRef>
+      <a:fillRef idx="3">
+        <a:scrgbClr r="0" g="0" b="0"/>
+      </a:fillRef>
+      <a:effectRef idx="0">
+        <a:scrgbClr r="0" g="0" b="0"/>
+      </a:effectRef>
+      <a:fontRef idx="minor">
+        <a:schemeClr val="tx1"/>
+      </a:fontRef>
+    </dgm:style>
+  </dgm:styleLbl>
+  <dgm:styleLbl name="alignNode1">
+    <dgm:scene3d>
+      <a:camera prst="orthographicFront"/>
+      <a:lightRig rig="threePt" dir="t"/>
+    </dgm:scene3d>
+    <dgm:sp3d/>
+    <dgm:txPr/>
+    <dgm:style>
+      <a:lnRef idx="1">
+        <a:scrgbClr r="0" g="0" b="0"/>
+      </a:lnRef>
+      <a:fillRef idx="3">
+        <a:scrgbClr r="0" g="0" b="0"/>
+      </a:fillRef>
+      <a:effectRef idx="2">
+        <a:scrgbClr r="0" g="0" b="0"/>
+      </a:effectRef>
+      <a:fontRef idx="minor">
+        <a:schemeClr val="lt1"/>
+      </a:fontRef>
+    </dgm:style>
+  </dgm:styleLbl>
+  <dgm:styleLbl name="node1">
+    <dgm:scene3d>
+      <a:camera prst="orthographicFront"/>
+      <a:lightRig rig="threePt" dir="t"/>
+    </dgm:scene3d>
+    <dgm:sp3d/>
+    <dgm:txPr/>
+    <dgm:style>
+      <a:lnRef idx="0">
+        <a:scrgbClr r="0" g="0" b="0"/>
+      </a:lnRef>
+      <a:fillRef idx="3">
+        <a:scrgbClr r="0" g="0" b="0"/>
+      </a:fillRef>
+      <a:effectRef idx="2">
+        <a:scrgbClr r="0" g="0" b="0"/>
+      </a:effectRef>
+      <a:fontRef idx="minor">
+        <a:schemeClr val="lt1"/>
+      </a:fontRef>
+    </dgm:style>
+  </dgm:styleLbl>
+  <dgm:styleLbl name="node2">
+    <dgm:scene3d>
+      <a:camera prst="orthographicFront"/>
+      <a:lightRig rig="threePt" dir="t"/>
+    </dgm:scene3d>
+    <dgm:sp3d/>
+    <dgm:txPr/>
+    <dgm:style>
+      <a:lnRef idx="0">
+        <a:scrgbClr r="0" g="0" b="0"/>
+      </a:lnRef>
+      <a:fillRef idx="3">
+        <a:scrgbClr r="0" g="0" b="0"/>
+      </a:fillRef>
+      <a:effectRef idx="2">
+        <a:scrgbClr r="0" g="0" b="0"/>
+      </a:effectRef>
+      <a:fontRef idx="minor">
+        <a:schemeClr val="lt1"/>
+      </a:fontRef>
+    </dgm:style>
+  </dgm:styleLbl>
+  <dgm:styleLbl name="node3">
+    <dgm:scene3d>
+      <a:camera prst="orthographicFront"/>
+      <a:lightRig rig="threePt" dir="t"/>
+    </dgm:scene3d>
+    <dgm:sp3d/>
+    <dgm:txPr/>
+    <dgm:style>
+      <a:lnRef idx="0">
+        <a:scrgbClr r="0" g="0" b="0"/>
+      </a:lnRef>
+      <a:fillRef idx="3">
+        <a:scrgbClr r="0" g="0" b="0"/>
+      </a:fillRef>
+      <a:effectRef idx="2">
+        <a:scrgbClr r="0" g="0" b="0"/>
+      </a:effectRef>
+      <a:fontRef idx="minor">
+        <a:schemeClr val="lt1"/>
+      </a:fontRef>
+    </dgm:style>
+  </dgm:styleLbl>
+  <dgm:styleLbl name="node4">
+    <dgm:scene3d>
+      <a:camera prst="orthographicFront"/>
+      <a:lightRig rig="threePt" dir="t"/>
+    </dgm:scene3d>
+    <dgm:sp3d/>
+    <dgm:txPr/>
+    <dgm:style>
+      <a:lnRef idx="0">
+        <a:scrgbClr r="0" g="0" b="0"/>
+      </a:lnRef>
+      <a:fillRef idx="3">
+        <a:scrgbClr r="0" g="0" b="0"/>
+      </a:fillRef>
+      <a:effectRef idx="2">
+        <a:scrgbClr r="0" g="0" b="0"/>
+      </a:effectRef>
+      <a:fontRef idx="minor">
+        <a:schemeClr val="lt1"/>
+      </a:fontRef>
+    </dgm:style>
+  </dgm:styleLbl>
+  <dgm:styleLbl name="fgImgPlace1">
+    <dgm:scene3d>
+      <a:camera prst="orthographicFront"/>
+      <a:lightRig rig="threePt" dir="t"/>
+    </dgm:scene3d>
+    <dgm:sp3d/>
+    <dgm:txPr/>
+    <dgm:style>
+      <a:lnRef idx="0">
+        <a:scrgbClr r="0" g="0" b="0"/>
+      </a:lnRef>
+      <a:fillRef idx="1">
+        <a:scrgbClr r="0" g="0" b="0"/>
+      </a:fillRef>
+      <a:effectRef idx="2">
+        <a:scrgbClr r="0" g="0" b="0"/>
+      </a:effectRef>
+      <a:fontRef idx="minor"/>
+    </dgm:style>
+  </dgm:styleLbl>
+  <dgm:styleLbl name="alignImgPlace1">
+    <dgm:scene3d>
+      <a:camera prst="orthographicFront"/>
+      <a:lightRig rig="threePt" dir="t"/>
+    </dgm:scene3d>
+    <dgm:sp3d/>
+    <dgm:txPr/>
+    <dgm:style>
+      <a:lnRef idx="0">
+        <a:scrgbClr r="0" g="0" b="0"/>
+      </a:lnRef>
+      <a:fillRef idx="1">
+        <a:scrgbClr r="0" g="0" b="0"/>
+      </a:fillRef>
+      <a:effectRef idx="2">
+        <a:scrgbClr r="0" g="0" b="0"/>
+      </a:effectRef>
+      <a:fontRef idx="minor"/>
+    </dgm:style>
+  </dgm:styleLbl>
+  <dgm:styleLbl name="bgImgPlace1">
+    <dgm:scene3d>
+      <a:camera prst="orthographicFront"/>
+      <a:lightRig rig="threePt" dir="t"/>
+    </dgm:scene3d>
+    <dgm:sp3d/>
+    <dgm:txPr/>
+    <dgm:style>
+      <a:lnRef idx="0">
+        <a:scrgbClr r="0" g="0" b="0"/>
+      </a:lnRef>
+      <a:fillRef idx="1">
+        <a:scrgbClr r="0" g="0" b="0"/>
+      </a:fillRef>
+      <a:effectRef idx="2">
+        <a:scrgbClr r="0" g="0" b="0"/>
+      </a:effectRef>
+      <a:fontRef idx="minor"/>
+    </dgm:style>
+  </dgm:styleLbl>
+  <dgm:styleLbl name="sibTrans2D1">
+    <dgm:scene3d>
+      <a:camera prst="orthographicFront"/>
+      <a:lightRig rig="threePt" dir="t"/>
+    </dgm:scene3d>
+    <dgm:sp3d/>
+    <dgm:txPr/>
+    <dgm:style>
+      <a:lnRef idx="0">
+        <a:scrgbClr r="0" g="0" b="0"/>
+      </a:lnRef>
+      <a:fillRef idx="3">
+        <a:scrgbClr r="0" g="0" b="0"/>
+      </a:fillRef>
+      <a:effectRef idx="2">
+        <a:scrgbClr r="0" g="0" b="0"/>
+      </a:effectRef>
+      <a:fontRef idx="minor">
+        <a:schemeClr val="lt1"/>
+      </a:fontRef>
+    </dgm:style>
+  </dgm:styleLbl>
+  <dgm:styleLbl name="fgSibTrans2D1">
+    <dgm:scene3d>
+      <a:camera prst="orthographicFront"/>
+      <a:lightRig rig="threePt" dir="t"/>
+    </dgm:scene3d>
+    <dgm:sp3d/>
+    <dgm:txPr/>
+    <dgm:style>
+      <a:lnRef idx="0">
+        <a:scrgbClr r="0" g="0" b="0"/>
+      </a:lnRef>
+      <a:fillRef idx="3">
+        <a:scrgbClr r="0" g="0" b="0"/>
+      </a:fillRef>
+      <a:effectRef idx="2">
+        <a:scrgbClr r="0" g="0" b="0"/>
+      </a:effectRef>
+      <a:fontRef idx="minor">
+        <a:schemeClr val="lt1"/>
+      </a:fontRef>
+    </dgm:style>
+  </dgm:styleLbl>
+  <dgm:styleLbl name="bgSibTrans2D1">
+    <dgm:scene3d>
+      <a:camera prst="orthographicFront"/>
+      <a:lightRig rig="threePt" dir="t"/>
+    </dgm:scene3d>
+    <dgm:sp3d/>
+    <dgm:txPr/>
+    <dgm:style>
+      <a:lnRef idx="0">
+        <a:scrgbClr r="0" g="0" b="0"/>
+      </a:lnRef>
+      <a:fillRef idx="3">
+        <a:scrgbClr r="0" g="0" b="0"/>
+      </a:fillRef>
+      <a:effectRef idx="2">
+        <a:scrgbClr r="0" g="0" b="0"/>
+      </a:effectRef>
+      <a:fontRef idx="minor">
+        <a:schemeClr val="lt1"/>
+      </a:fontRef>
+    </dgm:style>
+  </dgm:styleLbl>
+  <dgm:styleLbl name="sibTrans1D1">
+    <dgm:scene3d>
+      <a:camera prst="orthographicFront"/>
+      <a:lightRig rig="threePt" dir="t"/>
+    </dgm:scene3d>
+    <dgm:sp3d/>
+    <dgm:txPr/>
+    <dgm:style>
+      <a:lnRef idx="1">
+        <a:scrgbClr r="0" g="0" b="0"/>
+      </a:lnRef>
+      <a:fillRef idx="0">
+        <a:scrgbClr r="0" g="0" b="0"/>
+      </a:fillRef>
+      <a:effectRef idx="0">
+        <a:scrgbClr r="0" g="0" b="0"/>
+      </a:effectRef>
+      <a:fontRef idx="minor"/>
+    </dgm:style>
+  </dgm:styleLbl>
+  <dgm:styleLbl name="callout">
+    <dgm:scene3d>
+      <a:camera prst="orthographicFront"/>
+      <a:lightRig rig="threePt" dir="t"/>
+    </dgm:scene3d>
+    <dgm:sp3d/>
+    <dgm:txPr/>
+    <dgm:style>
+      <a:lnRef idx="2">
+        <a:scrgbClr r="0" g="0" b="0"/>
+      </a:lnRef>
+      <a:fillRef idx="1">
+        <a:scrgbClr r="0" g="0" b="0"/>
+      </a:fillRef>
+      <a:effectRef idx="1">
+        <a:scrgbClr r="0" g="0" b="0"/>
+      </a:effectRef>
+      <a:fontRef idx="minor"/>
+    </dgm:style>
+  </dgm:styleLbl>
+  <dgm:styleLbl name="asst0">
+    <dgm:scene3d>
+      <a:camera prst="orthographicFront"/>
+      <a:lightRig rig="threePt" dir="t"/>
+    </dgm:scene3d>
+    <dgm:sp3d/>
+    <dgm:txPr/>
+    <dgm:style>
+      <a:lnRef idx="0">
+        <a:scrgbClr r="0" g="0" b="0"/>
+      </a:lnRef>
+      <a:fillRef idx="3">
+        <a:scrgbClr r="0" g="0" b="0"/>
+      </a:fillRef>
+      <a:effectRef idx="2">
+        <a:scrgbClr r="0" g="0" b="0"/>
+      </a:effectRef>
+      <a:fontRef idx="minor">
+        <a:schemeClr val="lt1"/>
+      </a:fontRef>
+    </dgm:style>
+  </dgm:styleLbl>
+  <dgm:styleLbl name="asst1">
+    <dgm:scene3d>
+      <a:camera prst="orthographicFront"/>
+      <a:lightRig rig="threePt" dir="t"/>
+    </dgm:scene3d>
+    <dgm:sp3d/>
+    <dgm:txPr/>
+    <dgm:style>
+      <a:lnRef idx="0">
+        <a:scrgbClr r="0" g="0" b="0"/>
+      </a:lnRef>
+      <a:fillRef idx="3">
+        <a:scrgbClr r="0" g="0" b="0"/>
+      </a:fillRef>
+      <a:effectRef idx="2">
+        <a:scrgbClr r="0" g="0" b="0"/>
+      </a:effectRef>
+      <a:fontRef idx="minor">
+        <a:schemeClr val="lt1"/>
+      </a:fontRef>
+    </dgm:style>
+  </dgm:styleLbl>
+  <dgm:styleLbl name="asst2">
+    <dgm:scene3d>
+      <a:camera prst="orthographicFront"/>
+      <a:lightRig rig="threePt" dir="t"/>
+    </dgm:scene3d>
+    <dgm:sp3d/>
+    <dgm:txPr/>
+    <dgm:style>
+      <a:lnRef idx="0">
+        <a:scrgbClr r="0" g="0" b="0"/>
+      </a:lnRef>
+      <a:fillRef idx="3">
+        <a:scrgbClr r="0" g="0" b="0"/>
+      </a:fillRef>
+      <a:effectRef idx="2">
+        <a:scrgbClr r="0" g="0" b="0"/>
+      </a:effectRef>
+      <a:fontRef idx="minor">
+        <a:schemeClr val="lt1"/>
+      </a:fontRef>
+    </dgm:style>
+  </dgm:styleLbl>
+  <dgm:styleLbl name="asst3">
+    <dgm:scene3d>
+      <a:camera prst="orthographicFront"/>
+      <a:lightRig rig="threePt" dir="t"/>
+    </dgm:scene3d>
+    <dgm:sp3d/>
+    <dgm:txPr/>
+    <dgm:style>
+      <a:lnRef idx="0">
+        <a:scrgbClr r="0" g="0" b="0"/>
+      </a:lnRef>
+      <a:fillRef idx="3">
+        <a:scrgbClr r="0" g="0" b="0"/>
+      </a:fillRef>
+      <a:effectRef idx="2">
+        <a:scrgbClr r="0" g="0" b="0"/>
+      </a:effectRef>
+      <a:fontRef idx="minor">
+        <a:schemeClr val="lt1"/>
+      </a:fontRef>
+    </dgm:style>
+  </dgm:styleLbl>
+  <dgm:styleLbl name="asst4">
+    <dgm:scene3d>
+      <a:camera prst="orthographicFront"/>
+      <a:lightRig rig="threePt" dir="t"/>
+    </dgm:scene3d>
+    <dgm:sp3d/>
+    <dgm:txPr/>
+    <dgm:style>
+      <a:lnRef idx="0">
+        <a:scrgbClr r="0" g="0" b="0"/>
+      </a:lnRef>
+      <a:fillRef idx="3">
+        <a:scrgbClr r="0" g="0" b="0"/>
+      </a:fillRef>
+      <a:effectRef idx="2">
+        <a:scrgbClr r="0" g="0" b="0"/>
+      </a:effectRef>
+      <a:fontRef idx="minor">
+        <a:schemeClr val="lt1"/>
+      </a:fontRef>
+    </dgm:style>
+  </dgm:styleLbl>
+  <dgm:styleLbl name="parChTrans2D1">
+    <dgm:scene3d>
+      <a:camera prst="orthographicFront"/>
+      <a:lightRig rig="threePt" dir="t"/>
+    </dgm:scene3d>
+    <dgm:sp3d/>
+    <dgm:txPr/>
+    <dgm:style>
+      <a:lnRef idx="0">
+        <a:scrgbClr r="0" g="0" b="0"/>
+      </a:lnRef>
+      <a:fillRef idx="3">
+        <a:scrgbClr r="0" g="0" b="0"/>
+      </a:fillRef>
+      <a:effectRef idx="2">
+        <a:scrgbClr r="0" g="0" b="0"/>
+      </a:effectRef>
+      <a:fontRef idx="minor">
+        <a:schemeClr val="lt1"/>
+      </a:fontRef>
+    </dgm:style>
+  </dgm:styleLbl>
+  <dgm:styleLbl name="parChTrans2D2">
+    <dgm:scene3d>
+      <a:camera prst="orthographicFront"/>
+      <a:lightRig rig="threePt" dir="t"/>
+    </dgm:scene3d>
+    <dgm:sp3d/>
+    <dgm:txPr/>
+    <dgm:style>
+      <a:lnRef idx="0">
+        <a:scrgbClr r="0" g="0" b="0"/>
+      </a:lnRef>
+      <a:fillRef idx="3">
+        <a:scrgbClr r="0" g="0" b="0"/>
+      </a:fillRef>
+      <a:effectRef idx="2">
+        <a:scrgbClr r="0" g="0" b="0"/>
+      </a:effectRef>
+      <a:fontRef idx="minor">
+        <a:schemeClr val="lt1"/>
+      </a:fontRef>
+    </dgm:style>
+  </dgm:styleLbl>
+  <dgm:styleLbl name="parChTrans2D3">
+    <dgm:scene3d>
+      <a:camera prst="orthographicFront"/>
+      <a:lightRig rig="threePt" dir="t"/>
+    </dgm:scene3d>
+    <dgm:sp3d/>
+    <dgm:txPr/>
+    <dgm:style>
+      <a:lnRef idx="1">
+        <a:scrgbClr r="0" g="0" b="0"/>
+      </a:lnRef>
+      <a:fillRef idx="3">
+        <a:scrgbClr r="0" g="0" b="0"/>
+      </a:fillRef>
+      <a:effectRef idx="2">
+        <a:scrgbClr r="0" g="0" b="0"/>
+      </a:effectRef>
+      <a:fontRef idx="minor">
+        <a:schemeClr val="lt1"/>
+      </a:fontRef>
+    </dgm:style>
+  </dgm:styleLbl>
+  <dgm:styleLbl name="parChTrans2D4">
+    <dgm:scene3d>
+      <a:camera prst="orthographicFront"/>
+      <a:lightRig rig="threePt" dir="t"/>
+    </dgm:scene3d>
+    <dgm:sp3d/>
+    <dgm:txPr/>
+    <dgm:style>
+      <a:lnRef idx="1">
+        <a:scrgbClr r="0" g="0" b="0"/>
+      </a:lnRef>
+      <a:fillRef idx="3">
+        <a:scrgbClr r="0" g="0" b="0"/>
+      </a:fillRef>
+      <a:effectRef idx="2">
+        <a:scrgbClr r="0" g="0" b="0"/>
+      </a:effectRef>
+      <a:fontRef idx="minor">
+        <a:schemeClr val="lt1"/>
+      </a:fontRef>
+    </dgm:style>
+  </dgm:styleLbl>
+  <dgm:styleLbl name="parChTrans1D1">
+    <dgm:scene3d>
+      <a:camera prst="orthographicFront"/>
+      <a:lightRig rig="threePt" dir="t"/>
+    </dgm:scene3d>
+    <dgm:sp3d/>
+    <dgm:txPr/>
+    <dgm:style>
+      <a:lnRef idx="1">
+        <a:scrgbClr r="0" g="0" b="0"/>
+      </a:lnRef>
+      <a:fillRef idx="0">
+        <a:scrgbClr r="0" g="0" b="0"/>
+      </a:fillRef>
+      <a:effectRef idx="0">
+        <a:scrgbClr r="0" g="0" b="0"/>
+      </a:effectRef>
+      <a:fontRef idx="minor"/>
+    </dgm:style>
+  </dgm:styleLbl>
+  <dgm:styleLbl name="parChTrans1D2">
+    <dgm:scene3d>
+      <a:camera prst="orthographicFront"/>
+      <a:lightRig rig="threePt" dir="t"/>
+    </dgm:scene3d>
+    <dgm:sp3d/>
+    <dgm:txPr/>
+    <dgm:style>
+      <a:lnRef idx="1">
+        <a:scrgbClr r="0" g="0" b="0"/>
+      </a:lnRef>
+      <a:fillRef idx="0">
+        <a:scrgbClr r="0" g="0" b="0"/>
+      </a:fillRef>
+      <a:effectRef idx="0">
+        <a:scrgbClr r="0" g="0" b="0"/>
+      </a:effectRef>
+      <a:fontRef idx="minor"/>
+    </dgm:style>
+  </dgm:styleLbl>
+  <dgm:styleLbl name="parChTrans1D3">
+    <dgm:scene3d>
+      <a:camera prst="orthographicFront"/>
+      <a:lightRig rig="threePt" dir="t"/>
+    </dgm:scene3d>
+    <dgm:sp3d/>
+    <dgm:txPr/>
+    <dgm:style>
+      <a:lnRef idx="1">
+        <a:scrgbClr r="0" g="0" b="0"/>
+      </a:lnRef>
+      <a:fillRef idx="0">
+        <a:scrgbClr r="0" g="0" b="0"/>
+      </a:fillRef>
+      <a:effectRef idx="0">
+        <a:scrgbClr r="0" g="0" b="0"/>
+      </a:effectRef>
+      <a:fontRef idx="minor"/>
+    </dgm:style>
+  </dgm:styleLbl>
+  <dgm:styleLbl name="parChTrans1D4">
+    <dgm:scene3d>
+      <a:camera prst="orthographicFront"/>
+      <a:lightRig rig="threePt" dir="t"/>
+    </dgm:scene3d>
+    <dgm:sp3d/>
+    <dgm:txPr/>
+    <dgm:style>
+      <a:lnRef idx="1">
+        <a:scrgbClr r="0" g="0" b="0"/>
+      </a:lnRef>
+      <a:fillRef idx="0">
+        <a:scrgbClr r="0" g="0" b="0"/>
+      </a:fillRef>
+      <a:effectRef idx="0">
+        <a:scrgbClr r="0" g="0" b="0"/>
+      </a:effectRef>
+      <a:fontRef idx="minor"/>
+    </dgm:style>
+  </dgm:styleLbl>
+  <dgm:styleLbl name="fgAcc1">
+    <dgm:scene3d>
+      <a:camera prst="orthographicFront"/>
+      <a:lightRig rig="threePt" dir="t"/>
+    </dgm:scene3d>
+    <dgm:sp3d/>
+    <dgm:txPr/>
+    <dgm:style>
+      <a:lnRef idx="1">
+        <a:scrgbClr r="0" g="0" b="0"/>
+      </a:lnRef>
+      <a:fillRef idx="1">
+        <a:scrgbClr r="0" g="0" b="0"/>
+      </a:fillRef>
+      <a:effectRef idx="0">
+        <a:scrgbClr r="0" g="0" b="0"/>
+      </a:effectRef>
+      <a:fontRef idx="minor"/>
+    </dgm:style>
+  </dgm:styleLbl>
+  <dgm:styleLbl name="conFgAcc1">
+    <dgm:scene3d>
+      <a:camera prst="orthographicFront"/>
+      <a:lightRig rig="threePt" dir="t"/>
+    </dgm:scene3d>
+    <dgm:sp3d/>
+    <dgm:txPr/>
+    <dgm:style>
+      <a:lnRef idx="1">
+        <a:scrgbClr r="0" g="0" b="0"/>
+      </a:lnRef>
+      <a:fillRef idx="1">
+        <a:scrgbClr r="0" g="0" b="0"/>
+      </a:fillRef>
+      <a:effectRef idx="0">
+        <a:scrgbClr r="0" g="0" b="0"/>
+      </a:effectRef>
+      <a:fontRef idx="minor"/>
+    </dgm:style>
+  </dgm:styleLbl>
+  <dgm:styleLbl name="alignAcc1">
+    <dgm:scene3d>
+      <a:camera prst="orthographicFront"/>
+      <a:lightRig rig="threePt" dir="t"/>
+    </dgm:scene3d>
+    <dgm:sp3d/>
+    <dgm:txPr/>
+    <dgm:style>
+      <a:lnRef idx="1">
+        <a:scrgbClr r="0" g="0" b="0"/>
+      </a:lnRef>
+      <a:fillRef idx="1">
+        <a:scrgbClr r="0" g="0" b="0"/>
+      </a:fillRef>
+      <a:effectRef idx="0">
+        <a:scrgbClr r="0" g="0" b="0"/>
+      </a:effectRef>
+      <a:fontRef idx="minor"/>
+    </dgm:style>
+  </dgm:styleLbl>
+  <dgm:styleLbl name="trAlignAcc1">
+    <dgm:scene3d>
+      <a:camera prst="orthographicFront"/>
+      <a:lightRig rig="threePt" dir="t"/>
+    </dgm:scene3d>
+    <dgm:sp3d/>
+    <dgm:txPr/>
+    <dgm:style>
+      <a:lnRef idx="1">
+        <a:scrgbClr r="0" g="0" b="0"/>
+      </a:lnRef>
+      <a:fillRef idx="1">
+        <a:scrgbClr r="0" g="0" b="0"/>
+      </a:fillRef>
+      <a:effectRef idx="0">
+        <a:scrgbClr r="0" g="0" b="0"/>
+      </a:effectRef>
+      <a:fontRef idx="minor"/>
+    </dgm:style>
+  </dgm:styleLbl>
+  <dgm:styleLbl name="bgAcc1">
+    <dgm:scene3d>
+      <a:camera prst="orthographicFront"/>
+      <a:lightRig rig="threePt" dir="t"/>
+    </dgm:scene3d>
+    <dgm:sp3d/>
+    <dgm:txPr/>
+    <dgm:style>
+      <a:lnRef idx="1">
+        <a:scrgbClr r="0" g="0" b="0"/>
+      </a:lnRef>
+      <a:fillRef idx="1">
+        <a:scrgbClr r="0" g="0" b="0"/>
+      </a:fillRef>
+      <a:effectRef idx="0">
+        <a:scrgbClr r="0" g="0" b="0"/>
+      </a:effectRef>
+      <a:fontRef idx="minor"/>
+    </dgm:style>
+  </dgm:styleLbl>
+  <dgm:styleLbl name="solidFgAcc1">
+    <dgm:scene3d>
+      <a:camera prst="orthographicFront"/>
+      <a:lightRig rig="threePt" dir="t"/>
+    </dgm:scene3d>
+    <dgm:sp3d/>
+    <dgm:txPr/>
+    <dgm:style>
+      <a:lnRef idx="1">
+        <a:scrgbClr r="0" g="0" b="0"/>
+      </a:lnRef>
+      <a:fillRef idx="1">
+        <a:scrgbClr r="0" g="0" b="0"/>
+      </a:fillRef>
+      <a:effectRef idx="0">
+        <a:scrgbClr r="0" g="0" b="0"/>
+      </a:effectRef>
+      <a:fontRef idx="minor"/>
+    </dgm:style>
+  </dgm:styleLbl>
+  <dgm:styleLbl name="solidAlignAcc1">
+    <dgm:scene3d>
+      <a:camera prst="orthographicFront"/>
+      <a:lightRig rig="threePt" dir="t"/>
+    </dgm:scene3d>
+    <dgm:sp3d/>
+    <dgm:txPr/>
+    <dgm:style>
+      <a:lnRef idx="1">
+        <a:scrgbClr r="0" g="0" b="0"/>
+      </a:lnRef>
+      <a:fillRef idx="1">
+        <a:scrgbClr r="0" g="0" b="0"/>
+      </a:fillRef>
+      <a:effectRef idx="0">
+        <a:scrgbClr r="0" g="0" b="0"/>
+      </a:effectRef>
+      <a:fontRef idx="minor"/>
+    </dgm:style>
+  </dgm:styleLbl>
+  <dgm:styleLbl name="solidBgAcc1">
+    <dgm:scene3d>
+      <a:camera prst="orthographicFront"/>
+      <a:lightRig rig="threePt" dir="t"/>
+    </dgm:scene3d>
+    <dgm:sp3d/>
+    <dgm:txPr/>
+    <dgm:style>
+      <a:lnRef idx="1">
+        <a:scrgbClr r="0" g="0" b="0"/>
+      </a:lnRef>
+      <a:fillRef idx="1">
+        <a:scrgbClr r="0" g="0" b="0"/>
+      </a:fillRef>
+      <a:effectRef idx="0">
+        <a:scrgbClr r="0" g="0" b="0"/>
+      </a:effectRef>
+      <a:fontRef idx="minor"/>
+    </dgm:style>
+  </dgm:styleLbl>
+  <dgm:styleLbl name="fgAccFollowNode1">
+    <dgm:scene3d>
+      <a:camera prst="orthographicFront"/>
+      <a:lightRig rig="threePt" dir="t"/>
+    </dgm:scene3d>
+    <dgm:sp3d/>
+    <dgm:txPr/>
+    <dgm:style>
+      <a:lnRef idx="1">
+        <a:scrgbClr r="0" g="0" b="0"/>
+      </a:lnRef>
+      <a:fillRef idx="1">
+        <a:scrgbClr r="0" g="0" b="0"/>
+      </a:fillRef>
+      <a:effectRef idx="0">
+        <a:scrgbClr r="0" g="0" b="0"/>
+      </a:effectRef>
+      <a:fontRef idx="minor"/>
+    </dgm:style>
+  </dgm:styleLbl>
+  <dgm:styleLbl name="alignAccFollowNode1">
+    <dgm:scene3d>
+      <a:camera prst="orthographicFront"/>
+      <a:lightRig rig="threePt" dir="t"/>
+    </dgm:scene3d>
+    <dgm:sp3d/>
+    <dgm:txPr/>
+    <dgm:style>
+      <a:lnRef idx="1">
+        <a:scrgbClr r="0" g="0" b="0"/>
+      </a:lnRef>
+      <a:fillRef idx="1">
+        <a:scrgbClr r="0" g="0" b="0"/>
+      </a:fillRef>
+      <a:effectRef idx="0">
+        <a:scrgbClr r="0" g="0" b="0"/>
+      </a:effectRef>
+      <a:fontRef idx="minor"/>
+    </dgm:style>
+  </dgm:styleLbl>
+  <dgm:styleLbl name="bgAccFollowNode1">
+    <dgm:scene3d>
+      <a:camera prst="orthographicFront"/>
+      <a:lightRig rig="threePt" dir="t"/>
+    </dgm:scene3d>
+    <dgm:sp3d/>
+    <dgm:txPr/>
+    <dgm:style>
+      <a:lnRef idx="1">
+        <a:scrgbClr r="0" g="0" b="0"/>
+      </a:lnRef>
+      <a:fillRef idx="1">
+        <a:scrgbClr r="0" g="0" b="0"/>
+      </a:fillRef>
+      <a:effectRef idx="0">
+        <a:scrgbClr r="0" g="0" b="0"/>
+      </a:effectRef>
+      <a:fontRef idx="minor"/>
+    </dgm:style>
+  </dgm:styleLbl>
+  <dgm:styleLbl name="fgAcc0">
+    <dgm:scene3d>
+      <a:camera prst="orthographicFront"/>
+      <a:lightRig rig="threePt" dir="t"/>
+    </dgm:scene3d>
+    <dgm:sp3d/>
+    <dgm:txPr/>
+    <dgm:style>
+      <a:lnRef idx="1">
+        <a:scrgbClr r="0" g="0" b="0"/>
+      </a:lnRef>
+      <a:fillRef idx="1">
+        <a:scrgbClr r="0" g="0" b="0"/>
+      </a:fillRef>
+      <a:effectRef idx="0">
+        <a:scrgbClr r="0" g="0" b="0"/>
+      </a:effectRef>
+      <a:fontRef idx="minor"/>
+    </dgm:style>
+  </dgm:styleLbl>
+  <dgm:styleLbl name="fgAcc2">
+    <dgm:scene3d>
+      <a:camera prst="orthographicFront"/>
+      <a:lightRig rig="threePt" dir="t"/>
+    </dgm:scene3d>
+    <dgm:sp3d/>
+    <dgm:txPr/>
+    <dgm:style>
+      <a:lnRef idx="1">
+        <a:scrgbClr r="0" g="0" b="0"/>
+      </a:lnRef>
+      <a:fillRef idx="1">
+        <a:scrgbClr r="0" g="0" b="0"/>
+      </a:fillRef>
+      <a:effectRef idx="0">
+        <a:scrgbClr r="0" g="0" b="0"/>
+      </a:effectRef>
+      <a:fontRef idx="minor"/>
+    </dgm:style>
+  </dgm:styleLbl>
+  <dgm:styleLbl name="fgAcc3">
+    <dgm:scene3d>
+      <a:camera prst="orthographicFront"/>
+      <a:lightRig rig="threePt" dir="t"/>
+    </dgm:scene3d>
+    <dgm:sp3d/>
+    <dgm:txPr/>
+    <dgm:style>
+      <a:lnRef idx="1">
+        <a:scrgbClr r="0" g="0" b="0"/>
+      </a:lnRef>
+      <a:fillRef idx="1">
+        <a:scrgbClr r="0" g="0" b="0"/>
+      </a:fillRef>
+      <a:effectRef idx="0">
+        <a:scrgbClr r="0" g="0" b="0"/>
+      </a:effectRef>
+      <a:fontRef idx="minor"/>
+    </dgm:style>
+  </dgm:styleLbl>
+  <dgm:styleLbl name="fgAcc4">
+    <dgm:scene3d>
+      <a:camera prst="orthographicFront"/>
+      <a:lightRig rig="threePt" dir="t"/>
+    </dgm:scene3d>
+    <dgm:sp3d/>
+    <dgm:txPr/>
+    <dgm:style>
+      <a:lnRef idx="1">
+        <a:scrgbClr r="0" g="0" b="0"/>
+      </a:lnRef>
+      <a:fillRef idx="1">
+        <a:scrgbClr r="0" g="0" b="0"/>
+      </a:fillRef>
+      <a:effectRef idx="0">
+        <a:scrgbClr r="0" g="0" b="0"/>
+      </a:effectRef>
+      <a:fontRef idx="minor"/>
+    </dgm:style>
+  </dgm:styleLbl>
+  <dgm:styleLbl name="bgShp">
+    <dgm:scene3d>
+      <a:camera prst="orthographicFront"/>
+      <a:lightRig rig="threePt" dir="t"/>
+    </dgm:scene3d>
+    <dgm:sp3d/>
+    <dgm:txPr/>
+    <dgm:style>
+      <a:lnRef idx="0">
+        <a:scrgbClr r="0" g="0" b="0"/>
+      </a:lnRef>
+      <a:fillRef idx="1">
+        <a:scrgbClr r="0" g="0" b="0"/>
+      </a:fillRef>
+      <a:effectRef idx="2">
+        <a:scrgbClr r="0" g="0" b="0"/>
+      </a:effectRef>
+      <a:fontRef idx="minor"/>
+    </dgm:style>
+  </dgm:styleLbl>
+  <dgm:styleLbl name="dkBgShp">
+    <dgm:scene3d>
+      <a:camera prst="orthographicFront"/>
+      <a:lightRig rig="threePt" dir="t"/>
+    </dgm:scene3d>
+    <dgm:sp3d/>
+    <dgm:txPr/>
+    <dgm:style>
+      <a:lnRef idx="0">
+        <a:scrgbClr r="0" g="0" b="0"/>
+      </a:lnRef>
+      <a:fillRef idx="1">
+        <a:scrgbClr r="0" g="0" b="0"/>
+      </a:fillRef>
+      <a:effectRef idx="2">
+        <a:scrgbClr r="0" g="0" b="0"/>
+      </a:effectRef>
+      <a:fontRef idx="minor"/>
+    </dgm:style>
+  </dgm:styleLbl>
+  <dgm:styleLbl name="trBgShp">
+    <dgm:scene3d>
+      <a:camera prst="orthographicFront"/>
+      <a:lightRig rig="threePt" dir="t"/>
+    </dgm:scene3d>
+    <dgm:sp3d/>
+    <dgm:txPr/>
+    <dgm:style>
+      <a:lnRef idx="0">
+        <a:scrgbClr r="0" g="0" b="0"/>
+      </a:lnRef>
+      <a:fillRef idx="1">
+        <a:scrgbClr r="0" g="0" b="0"/>
+      </a:fillRef>
+      <a:effectRef idx="0">
+        <a:scrgbClr r="0" g="0" b="0"/>
+      </a:effectRef>
+      <a:fontRef idx="minor"/>
+    </dgm:style>
+  </dgm:styleLbl>
+  <dgm:styleLbl name="fgShp">
+    <dgm:scene3d>
+      <a:camera prst="orthographicFront"/>
+      <a:lightRig rig="threePt" dir="t"/>
+    </dgm:scene3d>
+    <dgm:sp3d/>
+    <dgm:txPr/>
+    <dgm:style>
+      <a:lnRef idx="0">
+        <a:scrgbClr r="0" g="0" b="0"/>
+      </a:lnRef>
+      <a:fillRef idx="3">
+        <a:scrgbClr r="0" g="0" b="0"/>
+      </a:fillRef>
+      <a:effectRef idx="2">
+        <a:scrgbClr r="0" g="0" b="0"/>
+      </a:effectRef>
+      <a:fontRef idx="minor"/>
+    </dgm:style>
+  </dgm:styleLbl>
+  <dgm:styleLbl name="revTx">
+    <dgm:scene3d>
+      <a:camera prst="orthographicFront"/>
+      <a:lightRig rig="threePt" dir="t"/>
+    </dgm:scene3d>
+    <dgm:sp3d/>
+    <dgm:txPr/>
+    <dgm:style>
+      <a:lnRef idx="0">
+        <a:scrgbClr r="0" g="0" b="0"/>
+      </a:lnRef>
+      <a:fillRef idx="0">
+        <a:scrgbClr r="0" g="0" b="0"/>
+      </a:fillRef>
+      <a:effectRef idx="0">
+        <a:scrgbClr r="0" g="0" b="0"/>
+      </a:effectRef>
+      <a:fontRef idx="minor"/>
+    </dgm:style>
+  </dgm:styleLbl>
+</dgm:styleDef>
+</file>
+
 <file path=ppt/slideLayouts/slideLayout1.xml><?xml version="1.0" encoding="utf-8"?>
 <p:sldLayout xmlns:a="http://schemas.openxmlformats.org/drawingml/2006/main" xmlns:r="http://schemas.openxmlformats.org/officeDocument/2006/relationships" xmlns:p="http://schemas.openxmlformats.org/presentationml/2006/main" type="title" preserve="1">
   <p:cSld name="Diapositiva de título">
@@ -358,7 +2831,7 @@
           <a:p>
             <a:fld id="{0437BB27-27D8-4FDE-BB2F-8E2E45670D92}" type="datetimeFigureOut">
               <a:rPr lang="es-ES" smtClean="0"/>
-              <a:t>23/12/2023</a:t>
+              <a:t>24/12/2023</a:t>
             </a:fld>
             <a:endParaRPr lang="es-ES"/>
           </a:p>
@@ -692,7 +3165,7 @@
           <a:p>
             <a:fld id="{0437BB27-27D8-4FDE-BB2F-8E2E45670D92}" type="datetimeFigureOut">
               <a:rPr lang="es-ES" smtClean="0"/>
-              <a:t>23/12/2023</a:t>
+              <a:t>24/12/2023</a:t>
             </a:fld>
             <a:endParaRPr lang="es-ES"/>
           </a:p>
@@ -970,7 +3443,7 @@
           <a:p>
             <a:fld id="{0437BB27-27D8-4FDE-BB2F-8E2E45670D92}" type="datetimeFigureOut">
               <a:rPr lang="es-ES" smtClean="0"/>
-              <a:t>23/12/2023</a:t>
+              <a:t>24/12/2023</a:t>
             </a:fld>
             <a:endParaRPr lang="es-ES"/>
           </a:p>
@@ -1538,7 +4011,7 @@
           <a:p>
             <a:fld id="{0437BB27-27D8-4FDE-BB2F-8E2E45670D92}" type="datetimeFigureOut">
               <a:rPr lang="es-ES" smtClean="0"/>
-              <a:t>23/12/2023</a:t>
+              <a:t>24/12/2023</a:t>
             </a:fld>
             <a:endParaRPr lang="es-ES"/>
           </a:p>
@@ -1816,7 +4289,7 @@
           <a:p>
             <a:fld id="{0437BB27-27D8-4FDE-BB2F-8E2E45670D92}" type="datetimeFigureOut">
               <a:rPr lang="es-ES" smtClean="0"/>
-              <a:t>23/12/2023</a:t>
+              <a:t>24/12/2023</a:t>
             </a:fld>
             <a:endParaRPr lang="es-ES"/>
           </a:p>
@@ -2378,7 +4851,7 @@
           <a:p>
             <a:fld id="{0437BB27-27D8-4FDE-BB2F-8E2E45670D92}" type="datetimeFigureOut">
               <a:rPr lang="es-ES" smtClean="0"/>
-              <a:t>23/12/2023</a:t>
+              <a:t>24/12/2023</a:t>
             </a:fld>
             <a:endParaRPr lang="es-ES"/>
           </a:p>
@@ -2705,7 +5178,7 @@
           <a:p>
             <a:fld id="{0437BB27-27D8-4FDE-BB2F-8E2E45670D92}" type="datetimeFigureOut">
               <a:rPr lang="es-ES" smtClean="0"/>
-              <a:t>23/12/2023</a:t>
+              <a:t>24/12/2023</a:t>
             </a:fld>
             <a:endParaRPr lang="es-ES"/>
           </a:p>
@@ -2882,7 +5355,7 @@
           <a:p>
             <a:fld id="{0437BB27-27D8-4FDE-BB2F-8E2E45670D92}" type="datetimeFigureOut">
               <a:rPr lang="es-ES" smtClean="0"/>
-              <a:t>23/12/2023</a:t>
+              <a:t>24/12/2023</a:t>
             </a:fld>
             <a:endParaRPr lang="es-ES"/>
           </a:p>
@@ -3120,7 +5593,7 @@
           <a:p>
             <a:fld id="{0437BB27-27D8-4FDE-BB2F-8E2E45670D92}" type="datetimeFigureOut">
               <a:rPr lang="es-ES" smtClean="0"/>
-              <a:t>23/12/2023</a:t>
+              <a:t>24/12/2023</a:t>
             </a:fld>
             <a:endParaRPr lang="es-ES"/>
           </a:p>
@@ -3320,7 +5793,7 @@
           <a:p>
             <a:fld id="{0437BB27-27D8-4FDE-BB2F-8E2E45670D92}" type="datetimeFigureOut">
               <a:rPr lang="es-ES" smtClean="0"/>
-              <a:t>23/12/2023</a:t>
+              <a:t>24/12/2023</a:t>
             </a:fld>
             <a:endParaRPr lang="es-ES"/>
           </a:p>
@@ -3596,7 +6069,7 @@
           <a:p>
             <a:fld id="{0437BB27-27D8-4FDE-BB2F-8E2E45670D92}" type="datetimeFigureOut">
               <a:rPr lang="es-ES" smtClean="0"/>
-              <a:t>23/12/2023</a:t>
+              <a:t>24/12/2023</a:t>
             </a:fld>
             <a:endParaRPr lang="es-ES"/>
           </a:p>
@@ -3862,7 +6335,7 @@
           <a:p>
             <a:fld id="{0437BB27-27D8-4FDE-BB2F-8E2E45670D92}" type="datetimeFigureOut">
               <a:rPr lang="es-ES" smtClean="0"/>
-              <a:t>23/12/2023</a:t>
+              <a:t>24/12/2023</a:t>
             </a:fld>
             <a:endParaRPr lang="es-ES"/>
           </a:p>
@@ -4236,7 +6709,7 @@
           <a:p>
             <a:fld id="{0437BB27-27D8-4FDE-BB2F-8E2E45670D92}" type="datetimeFigureOut">
               <a:rPr lang="es-ES" smtClean="0"/>
-              <a:t>23/12/2023</a:t>
+              <a:t>24/12/2023</a:t>
             </a:fld>
             <a:endParaRPr lang="es-ES"/>
           </a:p>
@@ -4384,7 +6857,7 @@
           <a:p>
             <a:fld id="{0437BB27-27D8-4FDE-BB2F-8E2E45670D92}" type="datetimeFigureOut">
               <a:rPr lang="es-ES" smtClean="0"/>
-              <a:t>23/12/2023</a:t>
+              <a:t>24/12/2023</a:t>
             </a:fld>
             <a:endParaRPr lang="es-ES"/>
           </a:p>
@@ -4509,7 +6982,7 @@
           <a:p>
             <a:fld id="{0437BB27-27D8-4FDE-BB2F-8E2E45670D92}" type="datetimeFigureOut">
               <a:rPr lang="es-ES" smtClean="0"/>
-              <a:t>23/12/2023</a:t>
+              <a:t>24/12/2023</a:t>
             </a:fld>
             <a:endParaRPr lang="es-ES"/>
           </a:p>
@@ -4794,7 +7267,7 @@
           <a:p>
             <a:fld id="{0437BB27-27D8-4FDE-BB2F-8E2E45670D92}" type="datetimeFigureOut">
               <a:rPr lang="es-ES" smtClean="0"/>
-              <a:t>23/12/2023</a:t>
+              <a:t>24/12/2023</a:t>
             </a:fld>
             <a:endParaRPr lang="es-ES"/>
           </a:p>
@@ -5118,7 +7591,7 @@
           <a:p>
             <a:fld id="{0437BB27-27D8-4FDE-BB2F-8E2E45670D92}" type="datetimeFigureOut">
               <a:rPr lang="es-ES" smtClean="0"/>
-              <a:t>23/12/2023</a:t>
+              <a:t>24/12/2023</a:t>
             </a:fld>
             <a:endParaRPr lang="es-ES"/>
           </a:p>
@@ -5332,7 +7805,7 @@
           <a:p>
             <a:fld id="{0437BB27-27D8-4FDE-BB2F-8E2E45670D92}" type="datetimeFigureOut">
               <a:rPr lang="es-ES" smtClean="0"/>
-              <a:t>23/12/2023</a:t>
+              <a:t>24/12/2023</a:t>
             </a:fld>
             <a:endParaRPr lang="es-ES"/>
           </a:p>
@@ -6289,6 +8762,15 @@
 <file path=ppt/slides/slide10.xml><?xml version="1.0" encoding="utf-8"?>
 <p:sld xmlns:a="http://schemas.openxmlformats.org/drawingml/2006/main" xmlns:r="http://schemas.openxmlformats.org/officeDocument/2006/relationships" xmlns:p="http://schemas.openxmlformats.org/presentationml/2006/main">
   <p:cSld>
+    <p:bg>
+      <p:bgPr>
+        <a:blipFill>
+          <a:blip r:embed="rId2"/>
+          <a:stretch/>
+        </a:blipFill>
+        <a:effectLst/>
+      </p:bgPr>
+    </p:bg>
     <p:spTree>
       <p:nvGrpSpPr>
         <p:cNvPr id="1" name=""/>
@@ -6308,7 +8790,7 @@
           <p:cNvPr id="2" name="Título 1">
             <a:extLst>
               <a:ext uri="{FF2B5EF4-FFF2-40B4-BE49-F238E27FC236}">
-                <a16:creationId xmlns:a16="http://schemas.microsoft.com/office/drawing/2014/main" id="{100EDC74-BE4B-790A-CA37-0776818345C6}"/>
+                <a16:creationId xmlns:a16="http://schemas.microsoft.com/office/drawing/2014/main" id="{D683C737-715E-3254-A0C0-CEB48FF4CF48}"/>
               </a:ext>
             </a:extLst>
           </p:cNvPr>
@@ -6319,24 +8801,31 @@
             <p:ph type="title"/>
           </p:nvPr>
         </p:nvSpPr>
-        <p:spPr/>
-        <p:txBody>
-          <a:bodyPr/>
+        <p:spPr>
+          <a:xfrm>
+            <a:off x="7865806" y="643463"/>
+            <a:ext cx="3706762" cy="1608124"/>
+          </a:xfrm>
+        </p:spPr>
+        <p:txBody>
+          <a:bodyPr>
+            <a:normAutofit/>
+          </a:bodyPr>
           <a:lstStyle/>
           <a:p>
             <a:r>
               <a:rPr lang="es-ES" dirty="0"/>
-              <a:t>Bases de Datos Ofuscadas</a:t>
-            </a:r>
-          </a:p>
-        </p:txBody>
-      </p:sp>
-      <p:sp>
-        <p:nvSpPr>
-          <p:cNvPr id="3" name="Marcador de contenido 2">
+              <a:t>Pirámide del conocimiento</a:t>
+            </a:r>
+          </a:p>
+        </p:txBody>
+      </p:sp>
+      <p:sp>
+        <p:nvSpPr>
+          <p:cNvPr id="11" name="Content Placeholder 8">
             <a:extLst>
               <a:ext uri="{FF2B5EF4-FFF2-40B4-BE49-F238E27FC236}">
-                <a16:creationId xmlns:a16="http://schemas.microsoft.com/office/drawing/2014/main" id="{3D37526D-B9D7-5057-2D73-AEC681A41F6C}"/>
+                <a16:creationId xmlns:a16="http://schemas.microsoft.com/office/drawing/2014/main" id="{BA038476-F0E6-65FC-02B0-4FB9ED8EA0A2}"/>
               </a:ext>
             </a:extLst>
           </p:cNvPr>
@@ -6347,19 +8836,114 @@
             <p:ph idx="1"/>
           </p:nvPr>
         </p:nvSpPr>
-        <p:spPr/>
-        <p:txBody>
-          <a:bodyPr/>
+        <p:spPr>
+          <a:xfrm>
+            <a:off x="7865806" y="2251587"/>
+            <a:ext cx="3706762" cy="3972232"/>
+          </a:xfrm>
+        </p:spPr>
+        <p:txBody>
+          <a:bodyPr>
+            <a:normAutofit/>
+          </a:bodyPr>
           <a:lstStyle/>
           <a:p>
-            <a:endParaRPr lang="es-ES"/>
-          </a:p>
-        </p:txBody>
-      </p:sp>
+            <a:r>
+              <a:rPr lang="en-US" dirty="0" err="1"/>
+              <a:t>Sabiduría</a:t>
+            </a:r>
+            <a:endParaRPr lang="en-US" dirty="0"/>
+          </a:p>
+          <a:p>
+            <a:r>
+              <a:rPr lang="en-US" dirty="0" err="1"/>
+              <a:t>Conocimiento</a:t>
+            </a:r>
+            <a:endParaRPr lang="en-US" dirty="0"/>
+          </a:p>
+          <a:p>
+            <a:r>
+              <a:rPr lang="en-US" dirty="0" err="1"/>
+              <a:t>Información</a:t>
+            </a:r>
+            <a:endParaRPr lang="en-US" dirty="0"/>
+          </a:p>
+          <a:p>
+            <a:r>
+              <a:rPr lang="en-US" dirty="0"/>
+              <a:t>Dato</a:t>
+            </a:r>
+          </a:p>
+        </p:txBody>
+      </p:sp>
+      <p:pic>
+        <p:nvPicPr>
+          <p:cNvPr id="5" name="Marcador de contenido 4" descr="Imagen que contiene tarjeta de presentación&#10;&#10;Descripción generada automáticamente">
+            <a:extLst>
+              <a:ext uri="{FF2B5EF4-FFF2-40B4-BE49-F238E27FC236}">
+                <a16:creationId xmlns:a16="http://schemas.microsoft.com/office/drawing/2014/main" id="{8399C413-B6F6-275B-8A69-B39829685F77}"/>
+              </a:ext>
+            </a:extLst>
+          </p:cNvPr>
+          <p:cNvPicPr>
+            <a:picLocks noChangeAspect="1"/>
+          </p:cNvPicPr>
+          <p:nvPr/>
+        </p:nvPicPr>
+        <p:blipFill>
+          <a:blip r:embed="rId3">
+            <a:extLst>
+              <a:ext uri="{28A0092B-C50C-407E-A947-70E740481C1C}">
+                <a14:useLocalDpi xmlns:a14="http://schemas.microsoft.com/office/drawing/2010/main" val="0"/>
+              </a:ext>
+            </a:extLst>
+          </a:blip>
+          <a:stretch>
+            <a:fillRect/>
+          </a:stretch>
+        </p:blipFill>
+        <p:spPr>
+          <a:xfrm>
+            <a:off x="643464" y="855559"/>
+            <a:ext cx="6897878" cy="5156163"/>
+          </a:xfrm>
+          <a:prstGeom prst="roundRect">
+            <a:avLst>
+              <a:gd name="adj" fmla="val 4380"/>
+            </a:avLst>
+          </a:prstGeom>
+          <a:ln w="50800" cap="sq" cmpd="dbl">
+            <a:gradFill flip="none" rotWithShape="1">
+              <a:gsLst>
+                <a:gs pos="0">
+                  <a:srgbClr val="FFFFFF"/>
+                </a:gs>
+                <a:gs pos="100000">
+                  <a:schemeClr val="tx1">
+                    <a:alpha val="0"/>
+                  </a:schemeClr>
+                </a:gs>
+              </a:gsLst>
+              <a:path path="circle">
+                <a:fillToRect l="50000" t="50000" r="50000" b="50000"/>
+              </a:path>
+              <a:tileRect/>
+            </a:gradFill>
+            <a:miter lim="800000"/>
+          </a:ln>
+          <a:effectLst>
+            <a:outerShdw blurRad="254000" algn="tl" rotWithShape="0">
+              <a:srgbClr val="000000">
+                <a:alpha val="43000"/>
+              </a:srgbClr>
+            </a:outerShdw>
+          </a:effectLst>
+        </p:spPr>
+      </p:pic>
     </p:spTree>
     <p:extLst>
       <p:ext uri="{BB962C8B-B14F-4D97-AF65-F5344CB8AC3E}">
-        <p14:creationId xmlns:p14="http://schemas.microsoft.com/office/powerpoint/2010/main" val="3000006698"/>
+        <p14:creationId xmlns:p14="http://schemas.microsoft.com/office/powerpoint/2010/main" val="1994021770"/>
       </p:ext>
     </p:extLst>
   </p:cSld>
@@ -6372,6 +8956,15 @@
 <file path=ppt/slides/slide11.xml><?xml version="1.0" encoding="utf-8"?>
 <p:sld xmlns:a="http://schemas.openxmlformats.org/drawingml/2006/main" xmlns:r="http://schemas.openxmlformats.org/officeDocument/2006/relationships" xmlns:p="http://schemas.openxmlformats.org/presentationml/2006/main">
   <p:cSld>
+    <p:bg>
+      <p:bgPr>
+        <a:blipFill>
+          <a:blip r:embed="rId2"/>
+          <a:stretch/>
+        </a:blipFill>
+        <a:effectLst/>
+      </p:bgPr>
+    </p:bg>
     <p:spTree>
       <p:nvGrpSpPr>
         <p:cNvPr id="1" name=""/>
@@ -6391,7 +8984,7 @@
           <p:cNvPr id="2" name="Título 1">
             <a:extLst>
               <a:ext uri="{FF2B5EF4-FFF2-40B4-BE49-F238E27FC236}">
-                <a16:creationId xmlns:a16="http://schemas.microsoft.com/office/drawing/2014/main" id="{1190F830-B808-DCDB-405D-44F3390880F2}"/>
+                <a16:creationId xmlns:a16="http://schemas.microsoft.com/office/drawing/2014/main" id="{100EDC74-BE4B-790A-CA37-0776818345C6}"/>
               </a:ext>
             </a:extLst>
           </p:cNvPr>
@@ -6402,24 +8995,60 @@
             <p:ph type="title"/>
           </p:nvPr>
         </p:nvSpPr>
-        <p:spPr/>
-        <p:txBody>
-          <a:bodyPr/>
+        <p:spPr>
+          <a:xfrm>
+            <a:off x="4955458" y="639097"/>
+            <a:ext cx="6593075" cy="1612490"/>
+          </a:xfrm>
+        </p:spPr>
+        <p:txBody>
+          <a:bodyPr>
+            <a:normAutofit/>
+          </a:bodyPr>
           <a:lstStyle/>
           <a:p>
             <a:r>
               <a:rPr lang="es-ES" dirty="0"/>
-              <a:t>Análisis de Precios de competidores</a:t>
-            </a:r>
-          </a:p>
-        </p:txBody>
-      </p:sp>
+              <a:t>Bases de Datos Ofuscadas</a:t>
+            </a:r>
+          </a:p>
+        </p:txBody>
+      </p:sp>
+      <p:pic>
+        <p:nvPicPr>
+          <p:cNvPr id="5" name="Picture 4" descr="Candado encima de placa base de ordenador">
+            <a:extLst>
+              <a:ext uri="{FF2B5EF4-FFF2-40B4-BE49-F238E27FC236}">
+                <a16:creationId xmlns:a16="http://schemas.microsoft.com/office/drawing/2014/main" id="{F713248B-2CCB-76F4-99A1-A06866B7AE94}"/>
+              </a:ext>
+            </a:extLst>
+          </p:cNvPr>
+          <p:cNvPicPr>
+            <a:picLocks noChangeAspect="1"/>
+          </p:cNvPicPr>
+          <p:nvPr/>
+        </p:nvPicPr>
+        <p:blipFill rotWithShape="1">
+          <a:blip r:embed="rId3"/>
+          <a:srcRect l="15761" r="39115" b="-2"/>
+          <a:stretch/>
+        </p:blipFill>
+        <p:spPr>
+          <a:xfrm>
+            <a:off x="20" y="975"/>
+            <a:ext cx="4635988" cy="6858000"/>
+          </a:xfrm>
+          <a:prstGeom prst="rect">
+            <a:avLst/>
+          </a:prstGeom>
+        </p:spPr>
+      </p:pic>
       <p:sp>
         <p:nvSpPr>
           <p:cNvPr id="3" name="Marcador de contenido 2">
             <a:extLst>
               <a:ext uri="{FF2B5EF4-FFF2-40B4-BE49-F238E27FC236}">
-                <a16:creationId xmlns:a16="http://schemas.microsoft.com/office/drawing/2014/main" id="{ADC40DD1-E0F5-B199-6C43-2905ABA504D6}"/>
+                <a16:creationId xmlns:a16="http://schemas.microsoft.com/office/drawing/2014/main" id="{3D37526D-B9D7-5057-2D73-AEC681A41F6C}"/>
               </a:ext>
             </a:extLst>
           </p:cNvPr>
@@ -6430,20 +9059,68 @@
             <p:ph idx="1"/>
           </p:nvPr>
         </p:nvSpPr>
-        <p:spPr/>
-        <p:txBody>
-          <a:bodyPr anchor="t"/>
+        <p:spPr>
+          <a:xfrm>
+            <a:off x="4955458" y="2251587"/>
+            <a:ext cx="6593075" cy="3972232"/>
+          </a:xfrm>
+        </p:spPr>
+        <p:txBody>
+          <a:bodyPr anchor="t">
+            <a:normAutofit/>
+          </a:bodyPr>
           <a:lstStyle/>
           <a:p>
             <a:r>
               <a:rPr lang="es-ES" dirty="0"/>
-              <a:t>¿Cómo se hacía antes?</a:t>
-            </a:r>
-          </a:p>
-          <a:p>
+              <a:t>Son Bases de Datos</a:t>
+            </a:r>
+          </a:p>
+          <a:p>
+            <a:pPr lvl="1"/>
             <a:r>
               <a:rPr lang="es-ES" dirty="0"/>
-              <a:t>Cómo se puede hacer ahora…</a:t>
+              <a:t>Se puede leer, escribir, borrar</a:t>
+            </a:r>
+          </a:p>
+          <a:p>
+            <a:pPr lvl="1"/>
+            <a:r>
+              <a:rPr lang="es-ES" dirty="0"/>
+              <a:t>No tenemos control, pero sí acceso (podemos leer)</a:t>
+            </a:r>
+          </a:p>
+          <a:p>
+            <a:r>
+              <a:rPr lang="es-ES" dirty="0"/>
+              <a:t>Tienen información (lo que queremos), pero no la dan fácilmente (una API)</a:t>
+            </a:r>
+          </a:p>
+          <a:p>
+            <a:pPr marL="0" indent="0">
+              <a:buNone/>
+            </a:pPr>
+            <a:endParaRPr lang="es-ES" dirty="0"/>
+          </a:p>
+          <a:p>
+            <a:pPr marL="0" indent="0">
+              <a:buNone/>
+            </a:pPr>
+            <a:r>
+              <a:rPr lang="es-ES" dirty="0"/>
+              <a:t>En informática, ofuscamos programas y soluciones para dificultar su lectura y uso por gente que no queremos que la usen.</a:t>
+            </a:r>
+          </a:p>
+          <a:p>
+            <a:r>
+              <a:rPr lang="es-ES" dirty="0"/>
+              <a:t>Pero ofuscar no significa prohibir</a:t>
+            </a:r>
+          </a:p>
+          <a:p>
+            <a:r>
+              <a:rPr lang="es-ES" dirty="0"/>
+              <a:t>Si el usuario puede acceder a los datos, nosotres también</a:t>
             </a:r>
           </a:p>
         </p:txBody>
@@ -6451,7 +9128,7 @@
     </p:spTree>
     <p:extLst>
       <p:ext uri="{BB962C8B-B14F-4D97-AF65-F5344CB8AC3E}">
-        <p14:creationId xmlns:p14="http://schemas.microsoft.com/office/powerpoint/2010/main" val="3666675579"/>
+        <p14:creationId xmlns:p14="http://schemas.microsoft.com/office/powerpoint/2010/main" val="3000006698"/>
       </p:ext>
     </p:extLst>
   </p:cSld>
@@ -6483,7 +9160,7 @@
           <p:cNvPr id="2" name="Título 1">
             <a:extLst>
               <a:ext uri="{FF2B5EF4-FFF2-40B4-BE49-F238E27FC236}">
-                <a16:creationId xmlns:a16="http://schemas.microsoft.com/office/drawing/2014/main" id="{A09C7DFE-16B9-7308-BCF6-28674CE52622}"/>
+                <a16:creationId xmlns:a16="http://schemas.microsoft.com/office/drawing/2014/main" id="{1190F830-B808-DCDB-405D-44F3390880F2}"/>
               </a:ext>
             </a:extLst>
           </p:cNvPr>
@@ -6501,7 +9178,7 @@
           <a:p>
             <a:r>
               <a:rPr lang="es-ES" dirty="0"/>
-              <a:t>Indexación de motores de búsqueda</a:t>
+              <a:t>Análisis de Precios de competidores</a:t>
             </a:r>
           </a:p>
         </p:txBody>
@@ -6511,7 +9188,7 @@
           <p:cNvPr id="3" name="Marcador de contenido 2">
             <a:extLst>
               <a:ext uri="{FF2B5EF4-FFF2-40B4-BE49-F238E27FC236}">
-                <a16:creationId xmlns:a16="http://schemas.microsoft.com/office/drawing/2014/main" id="{136471C3-49D0-8C73-A1C2-7785DE696D22}"/>
+                <a16:creationId xmlns:a16="http://schemas.microsoft.com/office/drawing/2014/main" id="{ADC40DD1-E0F5-B199-6C43-2905ABA504D6}"/>
               </a:ext>
             </a:extLst>
           </p:cNvPr>
@@ -6529,34 +9206,21 @@
           <a:p>
             <a:r>
               <a:rPr lang="es-ES" dirty="0"/>
-              <a:t>SEO</a:t>
+              <a:t>¿Cómo se hacía antes?</a:t>
             </a:r>
           </a:p>
           <a:p>
             <a:r>
               <a:rPr lang="es-ES" dirty="0"/>
-              <a:t>Open-</a:t>
-            </a:r>
-            <a:r>
-              <a:rPr lang="es-ES" dirty="0" err="1"/>
-              <a:t>Graph</a:t>
-            </a:r>
-            <a:r>
-              <a:rPr lang="es-ES" dirty="0"/>
-              <a:t> </a:t>
-            </a:r>
-            <a:r>
-              <a:rPr lang="es-ES" dirty="0" err="1"/>
-              <a:t>Cards</a:t>
-            </a:r>
-            <a:endParaRPr lang="es-ES" dirty="0"/>
+              <a:t>Cómo se puede hacer ahora…</a:t>
+            </a:r>
           </a:p>
         </p:txBody>
       </p:sp>
     </p:spTree>
     <p:extLst>
       <p:ext uri="{BB962C8B-B14F-4D97-AF65-F5344CB8AC3E}">
-        <p14:creationId xmlns:p14="http://schemas.microsoft.com/office/powerpoint/2010/main" val="2944742727"/>
+        <p14:creationId xmlns:p14="http://schemas.microsoft.com/office/powerpoint/2010/main" val="3666675579"/>
       </p:ext>
     </p:extLst>
   </p:cSld>
@@ -6588,7 +9252,7 @@
           <p:cNvPr id="2" name="Título 1">
             <a:extLst>
               <a:ext uri="{FF2B5EF4-FFF2-40B4-BE49-F238E27FC236}">
-                <a16:creationId xmlns:a16="http://schemas.microsoft.com/office/drawing/2014/main" id="{A3ED8D2B-5D68-D037-D743-00DDE32E4EBA}"/>
+                <a16:creationId xmlns:a16="http://schemas.microsoft.com/office/drawing/2014/main" id="{A09C7DFE-16B9-7308-BCF6-28674CE52622}"/>
               </a:ext>
             </a:extLst>
           </p:cNvPr>
@@ -6606,13 +9270,8 @@
           <a:p>
             <a:r>
               <a:rPr lang="es-ES" dirty="0"/>
-              <a:t>Web </a:t>
-            </a:r>
-            <a:r>
-              <a:rPr lang="es-ES" dirty="0" err="1"/>
-              <a:t>Scraping</a:t>
-            </a:r>
-            <a:endParaRPr lang="es-ES" dirty="0"/>
+              <a:t>Indexación de motores de búsqueda</a:t>
+            </a:r>
           </a:p>
         </p:txBody>
       </p:sp>
@@ -6621,7 +9280,7 @@
           <p:cNvPr id="3" name="Marcador de contenido 2">
             <a:extLst>
               <a:ext uri="{FF2B5EF4-FFF2-40B4-BE49-F238E27FC236}">
-                <a16:creationId xmlns:a16="http://schemas.microsoft.com/office/drawing/2014/main" id="{40A7E8E3-FA05-F0BD-04A6-22266242A257}"/>
+                <a16:creationId xmlns:a16="http://schemas.microsoft.com/office/drawing/2014/main" id="{136471C3-49D0-8C73-A1C2-7785DE696D22}"/>
               </a:ext>
             </a:extLst>
           </p:cNvPr>
@@ -6634,17 +9293,39 @@
         </p:nvSpPr>
         <p:spPr/>
         <p:txBody>
-          <a:bodyPr/>
+          <a:bodyPr anchor="t"/>
           <a:lstStyle/>
           <a:p>
-            <a:endParaRPr lang="es-ES"/>
+            <a:r>
+              <a:rPr lang="es-ES" dirty="0"/>
+              <a:t>SEO</a:t>
+            </a:r>
+          </a:p>
+          <a:p>
+            <a:r>
+              <a:rPr lang="es-ES" dirty="0"/>
+              <a:t>Open-</a:t>
+            </a:r>
+            <a:r>
+              <a:rPr lang="es-ES" dirty="0" err="1"/>
+              <a:t>Graph</a:t>
+            </a:r>
+            <a:r>
+              <a:rPr lang="es-ES" dirty="0"/>
+              <a:t> </a:t>
+            </a:r>
+            <a:r>
+              <a:rPr lang="es-ES" dirty="0" err="1"/>
+              <a:t>Cards</a:t>
+            </a:r>
+            <a:endParaRPr lang="es-ES" dirty="0"/>
           </a:p>
         </p:txBody>
       </p:sp>
     </p:spTree>
     <p:extLst>
       <p:ext uri="{BB962C8B-B14F-4D97-AF65-F5344CB8AC3E}">
-        <p14:creationId xmlns:p14="http://schemas.microsoft.com/office/powerpoint/2010/main" val="1803683921"/>
+        <p14:creationId xmlns:p14="http://schemas.microsoft.com/office/powerpoint/2010/main" val="2944742727"/>
       </p:ext>
     </p:extLst>
   </p:cSld>
@@ -6676,7 +9357,7 @@
           <p:cNvPr id="2" name="Título 1">
             <a:extLst>
               <a:ext uri="{FF2B5EF4-FFF2-40B4-BE49-F238E27FC236}">
-                <a16:creationId xmlns:a16="http://schemas.microsoft.com/office/drawing/2014/main" id="{210EDCAB-4C47-4ABC-73AB-394EA9DF6D00}"/>
+                <a16:creationId xmlns:a16="http://schemas.microsoft.com/office/drawing/2014/main" id="{A3ED8D2B-5D68-D037-D743-00DDE32E4EBA}"/>
               </a:ext>
             </a:extLst>
           </p:cNvPr>
@@ -6694,8 +9375,13 @@
           <a:p>
             <a:r>
               <a:rPr lang="es-ES" dirty="0"/>
-              <a:t>Navegadores y HTTP</a:t>
-            </a:r>
+              <a:t>Web </a:t>
+            </a:r>
+            <a:r>
+              <a:rPr lang="es-ES" dirty="0" err="1"/>
+              <a:t>Scraping</a:t>
+            </a:r>
+            <a:endParaRPr lang="es-ES" dirty="0"/>
           </a:p>
         </p:txBody>
       </p:sp>
@@ -6704,7 +9390,7 @@
           <p:cNvPr id="3" name="Marcador de contenido 2">
             <a:extLst>
               <a:ext uri="{FF2B5EF4-FFF2-40B4-BE49-F238E27FC236}">
-                <a16:creationId xmlns:a16="http://schemas.microsoft.com/office/drawing/2014/main" id="{47FA2EC9-A2AC-1C54-E88C-35AFC4A2D83A}"/>
+                <a16:creationId xmlns:a16="http://schemas.microsoft.com/office/drawing/2014/main" id="{40A7E8E3-FA05-F0BD-04A6-22266242A257}"/>
               </a:ext>
             </a:extLst>
           </p:cNvPr>
@@ -6727,7 +9413,7 @@
     </p:spTree>
     <p:extLst>
       <p:ext uri="{BB962C8B-B14F-4D97-AF65-F5344CB8AC3E}">
-        <p14:creationId xmlns:p14="http://schemas.microsoft.com/office/powerpoint/2010/main" val="936468242"/>
+        <p14:creationId xmlns:p14="http://schemas.microsoft.com/office/powerpoint/2010/main" val="1803683921"/>
       </p:ext>
     </p:extLst>
   </p:cSld>
@@ -6759,6 +9445,89 @@
           <p:cNvPr id="2" name="Título 1">
             <a:extLst>
               <a:ext uri="{FF2B5EF4-FFF2-40B4-BE49-F238E27FC236}">
+                <a16:creationId xmlns:a16="http://schemas.microsoft.com/office/drawing/2014/main" id="{210EDCAB-4C47-4ABC-73AB-394EA9DF6D00}"/>
+              </a:ext>
+            </a:extLst>
+          </p:cNvPr>
+          <p:cNvSpPr>
+            <a:spLocks noGrp="1"/>
+          </p:cNvSpPr>
+          <p:nvPr>
+            <p:ph type="title"/>
+          </p:nvPr>
+        </p:nvSpPr>
+        <p:spPr/>
+        <p:txBody>
+          <a:bodyPr/>
+          <a:lstStyle/>
+          <a:p>
+            <a:r>
+              <a:rPr lang="es-ES" dirty="0"/>
+              <a:t>Navegadores y HTTP</a:t>
+            </a:r>
+          </a:p>
+        </p:txBody>
+      </p:sp>
+      <p:sp>
+        <p:nvSpPr>
+          <p:cNvPr id="3" name="Marcador de contenido 2">
+            <a:extLst>
+              <a:ext uri="{FF2B5EF4-FFF2-40B4-BE49-F238E27FC236}">
+                <a16:creationId xmlns:a16="http://schemas.microsoft.com/office/drawing/2014/main" id="{47FA2EC9-A2AC-1C54-E88C-35AFC4A2D83A}"/>
+              </a:ext>
+            </a:extLst>
+          </p:cNvPr>
+          <p:cNvSpPr>
+            <a:spLocks noGrp="1"/>
+          </p:cNvSpPr>
+          <p:nvPr>
+            <p:ph idx="1"/>
+          </p:nvPr>
+        </p:nvSpPr>
+        <p:spPr/>
+        <p:txBody>
+          <a:bodyPr/>
+          <a:lstStyle/>
+          <a:p>
+            <a:endParaRPr lang="es-ES"/>
+          </a:p>
+        </p:txBody>
+      </p:sp>
+    </p:spTree>
+    <p:extLst>
+      <p:ext uri="{BB962C8B-B14F-4D97-AF65-F5344CB8AC3E}">
+        <p14:creationId xmlns:p14="http://schemas.microsoft.com/office/powerpoint/2010/main" val="936468242"/>
+      </p:ext>
+    </p:extLst>
+  </p:cSld>
+  <p:clrMapOvr>
+    <a:masterClrMapping/>
+  </p:clrMapOvr>
+</p:sld>
+</file>
+
+<file path=ppt/slides/slide16.xml><?xml version="1.0" encoding="utf-8"?>
+<p:sld xmlns:a="http://schemas.openxmlformats.org/drawingml/2006/main" xmlns:r="http://schemas.openxmlformats.org/officeDocument/2006/relationships" xmlns:p="http://schemas.openxmlformats.org/presentationml/2006/main">
+  <p:cSld>
+    <p:spTree>
+      <p:nvGrpSpPr>
+        <p:cNvPr id="1" name=""/>
+        <p:cNvGrpSpPr/>
+        <p:nvPr/>
+      </p:nvGrpSpPr>
+      <p:grpSpPr>
+        <a:xfrm>
+          <a:off x="0" y="0"/>
+          <a:ext cx="0" cy="0"/>
+          <a:chOff x="0" y="0"/>
+          <a:chExt cx="0" cy="0"/>
+        </a:xfrm>
+      </p:grpSpPr>
+      <p:sp>
+        <p:nvSpPr>
+          <p:cNvPr id="2" name="Título 1">
+            <a:extLst>
+              <a:ext uri="{FF2B5EF4-FFF2-40B4-BE49-F238E27FC236}">
                 <a16:creationId xmlns:a16="http://schemas.microsoft.com/office/drawing/2014/main" id="{259DEAD8-7A47-AC96-919B-A72385270228}"/>
               </a:ext>
             </a:extLst>
@@ -6824,7 +9593,407 @@
 </p:sld>
 </file>
 
-<file path=ppt/slides/slide16.xml><?xml version="1.0" encoding="utf-8"?>
+<file path=ppt/slides/slide17.xml><?xml version="1.0" encoding="utf-8"?>
+<p:sld xmlns:a="http://schemas.openxmlformats.org/drawingml/2006/main" xmlns:r="http://schemas.openxmlformats.org/officeDocument/2006/relationships" xmlns:p="http://schemas.openxmlformats.org/presentationml/2006/main">
+  <p:cSld>
+    <p:spTree>
+      <p:nvGrpSpPr>
+        <p:cNvPr id="1" name=""/>
+        <p:cNvGrpSpPr/>
+        <p:nvPr/>
+      </p:nvGrpSpPr>
+      <p:grpSpPr>
+        <a:xfrm>
+          <a:off x="0" y="0"/>
+          <a:ext cx="0" cy="0"/>
+          <a:chOff x="0" y="0"/>
+          <a:chExt cx="0" cy="0"/>
+        </a:xfrm>
+      </p:grpSpPr>
+      <p:sp>
+        <p:nvSpPr>
+          <p:cNvPr id="2" name="Título 1">
+            <a:extLst>
+              <a:ext uri="{FF2B5EF4-FFF2-40B4-BE49-F238E27FC236}">
+                <a16:creationId xmlns:a16="http://schemas.microsoft.com/office/drawing/2014/main" id="{EC39B8BC-1A0F-8649-E6A6-9E5FA332F022}"/>
+              </a:ext>
+            </a:extLst>
+          </p:cNvPr>
+          <p:cNvSpPr>
+            <a:spLocks noGrp="1"/>
+          </p:cNvSpPr>
+          <p:nvPr>
+            <p:ph type="title"/>
+          </p:nvPr>
+        </p:nvSpPr>
+        <p:spPr/>
+        <p:txBody>
+          <a:bodyPr/>
+          <a:lstStyle/>
+          <a:p>
+            <a:r>
+              <a:rPr lang="es-ES" dirty="0"/>
+              <a:t>HTML</a:t>
+            </a:r>
+          </a:p>
+        </p:txBody>
+      </p:sp>
+      <p:sp>
+        <p:nvSpPr>
+          <p:cNvPr id="3" name="Marcador de contenido 2">
+            <a:extLst>
+              <a:ext uri="{FF2B5EF4-FFF2-40B4-BE49-F238E27FC236}">
+                <a16:creationId xmlns:a16="http://schemas.microsoft.com/office/drawing/2014/main" id="{ABB23BC5-C35F-38AB-93C6-0EC85BB7D760}"/>
+              </a:ext>
+            </a:extLst>
+          </p:cNvPr>
+          <p:cNvSpPr>
+            <a:spLocks noGrp="1"/>
+          </p:cNvSpPr>
+          <p:nvPr>
+            <p:ph idx="1"/>
+          </p:nvPr>
+        </p:nvSpPr>
+        <p:spPr/>
+        <p:txBody>
+          <a:bodyPr anchor="t"/>
+          <a:lstStyle/>
+          <a:p>
+            <a:r>
+              <a:rPr lang="es-ES" dirty="0" err="1"/>
+              <a:t>Hyper</a:t>
+            </a:r>
+            <a:r>
+              <a:rPr lang="es-ES" dirty="0"/>
+              <a:t>-Text </a:t>
+            </a:r>
+            <a:r>
+              <a:rPr lang="es-ES" dirty="0" err="1"/>
+              <a:t>Markup</a:t>
+            </a:r>
+            <a:r>
+              <a:rPr lang="es-ES" dirty="0"/>
+              <a:t> </a:t>
+            </a:r>
+            <a:r>
+              <a:rPr lang="es-ES" dirty="0" err="1"/>
+              <a:t>Language</a:t>
+            </a:r>
+            <a:endParaRPr lang="es-ES" dirty="0"/>
+          </a:p>
+          <a:p>
+            <a:r>
+              <a:rPr lang="es-ES" dirty="0"/>
+              <a:t>Semántica </a:t>
+            </a:r>
+            <a:r>
+              <a:rPr lang="es-ES" dirty="0" err="1"/>
+              <a:t>semi-estructurada</a:t>
+            </a:r>
+            <a:r>
+              <a:rPr lang="es-ES" dirty="0"/>
+              <a:t> basada en XML</a:t>
+            </a:r>
+          </a:p>
+        </p:txBody>
+      </p:sp>
+    </p:spTree>
+    <p:extLst>
+      <p:ext uri="{BB962C8B-B14F-4D97-AF65-F5344CB8AC3E}">
+        <p14:creationId xmlns:p14="http://schemas.microsoft.com/office/powerpoint/2010/main" val="4158956523"/>
+      </p:ext>
+    </p:extLst>
+  </p:cSld>
+  <p:clrMapOvr>
+    <a:masterClrMapping/>
+  </p:clrMapOvr>
+</p:sld>
+</file>
+
+<file path=ppt/slides/slide18.xml><?xml version="1.0" encoding="utf-8"?>
+<p:sld xmlns:a="http://schemas.openxmlformats.org/drawingml/2006/main" xmlns:r="http://schemas.openxmlformats.org/officeDocument/2006/relationships" xmlns:p="http://schemas.openxmlformats.org/presentationml/2006/main">
+  <p:cSld>
+    <p:bg>
+      <p:bgPr>
+        <a:blipFill>
+          <a:blip r:embed="rId2"/>
+          <a:stretch/>
+        </a:blipFill>
+        <a:effectLst/>
+      </p:bgPr>
+    </p:bg>
+    <p:spTree>
+      <p:nvGrpSpPr>
+        <p:cNvPr id="1" name=""/>
+        <p:cNvGrpSpPr/>
+        <p:nvPr/>
+      </p:nvGrpSpPr>
+      <p:grpSpPr>
+        <a:xfrm>
+          <a:off x="0" y="0"/>
+          <a:ext cx="0" cy="0"/>
+          <a:chOff x="0" y="0"/>
+          <a:chExt cx="0" cy="0"/>
+        </a:xfrm>
+      </p:grpSpPr>
+      <p:sp useBgFill="1">
+        <p:nvSpPr>
+          <p:cNvPr id="8" name="Rectangle 7">
+            <a:extLst>
+              <a:ext uri="{FF2B5EF4-FFF2-40B4-BE49-F238E27FC236}">
+                <a16:creationId xmlns:a16="http://schemas.microsoft.com/office/drawing/2014/main" id="{50E53EDA-3B94-4F6B-9E86-D3BB9EBB9616}"/>
+              </a:ext>
+              <a:ext uri="{C183D7F6-B498-43B3-948B-1728B52AA6E4}">
+                <adec:decorative xmlns:adec="http://schemas.microsoft.com/office/drawing/2017/decorative" val="1"/>
+              </a:ext>
+            </a:extLst>
+          </p:cNvPr>
+          <p:cNvSpPr>
+            <a:spLocks noGrp="1" noRot="1" noChangeAspect="1" noMove="1" noResize="1" noEditPoints="1" noAdjustHandles="1" noChangeArrowheads="1" noChangeShapeType="1" noTextEdit="1"/>
+          </p:cNvSpPr>
+          <p:nvPr>
+            <p:extLst>
+              <p:ext uri="{386F3935-93C4-4BCD-93E2-E3B085C9AB24}">
+                <p16:designElem xmlns:p16="http://schemas.microsoft.com/office/powerpoint/2015/main" val="1"/>
+              </p:ext>
+            </p:extLst>
+          </p:nvPr>
+        </p:nvSpPr>
+        <p:spPr>
+          <a:xfrm>
+            <a:off x="0" y="0"/>
+            <a:ext cx="12192000" cy="6858000"/>
+          </a:xfrm>
+          <a:prstGeom prst="rect">
+            <a:avLst/>
+          </a:prstGeom>
+          <a:ln>
+            <a:noFill/>
+          </a:ln>
+        </p:spPr>
+        <p:style>
+          <a:lnRef idx="2">
+            <a:schemeClr val="accent1">
+              <a:shade val="50000"/>
+            </a:schemeClr>
+          </a:lnRef>
+          <a:fillRef idx="1">
+            <a:schemeClr val="accent1"/>
+          </a:fillRef>
+          <a:effectRef idx="0">
+            <a:schemeClr val="accent1"/>
+          </a:effectRef>
+          <a:fontRef idx="minor">
+            <a:schemeClr val="lt1"/>
+          </a:fontRef>
+        </p:style>
+        <p:txBody>
+          <a:bodyPr rtlCol="0" anchor="ctr"/>
+          <a:lstStyle/>
+          <a:p>
+            <a:pPr algn="ctr"/>
+            <a:endParaRPr lang="en-US"/>
+          </a:p>
+        </p:txBody>
+      </p:sp>
+      <p:sp>
+        <p:nvSpPr>
+          <p:cNvPr id="2" name="Título 1">
+            <a:extLst>
+              <a:ext uri="{FF2B5EF4-FFF2-40B4-BE49-F238E27FC236}">
+                <a16:creationId xmlns:a16="http://schemas.microsoft.com/office/drawing/2014/main" id="{4687C9D0-ED3A-E66A-D5BA-07888B97A266}"/>
+              </a:ext>
+            </a:extLst>
+          </p:cNvPr>
+          <p:cNvSpPr>
+            <a:spLocks noGrp="1"/>
+          </p:cNvSpPr>
+          <p:nvPr>
+            <p:ph type="title"/>
+          </p:nvPr>
+        </p:nvSpPr>
+        <p:spPr>
+          <a:xfrm>
+            <a:off x="685799" y="1150076"/>
+            <a:ext cx="3659389" cy="4557849"/>
+          </a:xfrm>
+        </p:spPr>
+        <p:txBody>
+          <a:bodyPr>
+            <a:normAutofit/>
+          </a:bodyPr>
+          <a:lstStyle/>
+          <a:p>
+            <a:pPr algn="r"/>
+            <a:r>
+              <a:rPr lang="es-ES" dirty="0" err="1"/>
+              <a:t>QuerySelector</a:t>
+            </a:r>
+            <a:endParaRPr lang="es-ES"/>
+          </a:p>
+        </p:txBody>
+      </p:sp>
+      <p:cxnSp>
+        <p:nvCxnSpPr>
+          <p:cNvPr id="10" name="Straight Connector 9">
+            <a:extLst>
+              <a:ext uri="{FF2B5EF4-FFF2-40B4-BE49-F238E27FC236}">
+                <a16:creationId xmlns:a16="http://schemas.microsoft.com/office/drawing/2014/main" id="{30EFD79F-7790-479B-B7DB-BD0D8C101DDD}"/>
+              </a:ext>
+              <a:ext uri="{C183D7F6-B498-43B3-948B-1728B52AA6E4}">
+                <adec:decorative xmlns:adec="http://schemas.microsoft.com/office/drawing/2017/decorative" val="1"/>
+              </a:ext>
+            </a:extLst>
+          </p:cNvPr>
+          <p:cNvCxnSpPr>
+            <a:cxnSpLocks noGrp="1" noRot="1" noChangeAspect="1" noMove="1" noResize="1" noEditPoints="1" noAdjustHandles="1" noChangeArrowheads="1" noChangeShapeType="1"/>
+          </p:cNvCxnSpPr>
+          <p:nvPr>
+            <p:extLst>
+              <p:ext uri="{386F3935-93C4-4BCD-93E2-E3B085C9AB24}">
+                <p16:designElem xmlns:p16="http://schemas.microsoft.com/office/powerpoint/2015/main" val="1"/>
+              </p:ext>
+            </p:extLst>
+          </p:nvPr>
+        </p:nvCxnSpPr>
+        <p:spPr>
+          <a:xfrm>
+            <a:off x="4666923" y="1668780"/>
+            <a:ext cx="0" cy="3520440"/>
+          </a:xfrm>
+          <a:prstGeom prst="line">
+            <a:avLst/>
+          </a:prstGeom>
+          <a:ln w="19050"/>
+        </p:spPr>
+        <p:style>
+          <a:lnRef idx="1">
+            <a:schemeClr val="accent1"/>
+          </a:lnRef>
+          <a:fillRef idx="0">
+            <a:schemeClr val="accent1"/>
+          </a:fillRef>
+          <a:effectRef idx="0">
+            <a:schemeClr val="accent1"/>
+          </a:effectRef>
+          <a:fontRef idx="minor">
+            <a:schemeClr val="tx1"/>
+          </a:fontRef>
+        </p:style>
+      </p:cxnSp>
+      <p:sp>
+        <p:nvSpPr>
+          <p:cNvPr id="3" name="Marcador de contenido 2">
+            <a:extLst>
+              <a:ext uri="{FF2B5EF4-FFF2-40B4-BE49-F238E27FC236}">
+                <a16:creationId xmlns:a16="http://schemas.microsoft.com/office/drawing/2014/main" id="{C3C4EAAC-9D69-096D-0546-6263D0321514}"/>
+              </a:ext>
+            </a:extLst>
+          </p:cNvPr>
+          <p:cNvSpPr>
+            <a:spLocks noGrp="1"/>
+          </p:cNvSpPr>
+          <p:nvPr>
+            <p:ph idx="1"/>
+          </p:nvPr>
+        </p:nvSpPr>
+        <p:spPr>
+          <a:xfrm>
+            <a:off x="4988658" y="1150076"/>
+            <a:ext cx="6517543" cy="4557849"/>
+          </a:xfrm>
+        </p:spPr>
+        <p:txBody>
+          <a:bodyPr>
+            <a:normAutofit/>
+          </a:bodyPr>
+          <a:lstStyle/>
+          <a:p>
+            <a:r>
+              <a:rPr lang="es-ES" dirty="0"/>
+              <a:t>HTML puede usar principalmente tres tipos de selectores</a:t>
+            </a:r>
+          </a:p>
+          <a:p>
+            <a:pPr lvl="1"/>
+            <a:r>
+              <a:rPr lang="es-ES" dirty="0"/>
+              <a:t>XML</a:t>
+            </a:r>
+          </a:p>
+          <a:p>
+            <a:pPr lvl="1"/>
+            <a:r>
+              <a:rPr lang="es-ES" dirty="0" err="1"/>
+              <a:t>xPath</a:t>
+            </a:r>
+            <a:endParaRPr lang="es-ES" dirty="0"/>
+          </a:p>
+          <a:p>
+            <a:pPr lvl="1"/>
+            <a:r>
+              <a:rPr lang="es-ES" dirty="0" err="1"/>
+              <a:t>QuerySelector</a:t>
+            </a:r>
+            <a:endParaRPr lang="es-ES" dirty="0"/>
+          </a:p>
+          <a:p>
+            <a:r>
+              <a:rPr lang="es-ES" dirty="0"/>
+              <a:t>Para usar DOM se requiere JavaScript o una librería que interprete el DOM</a:t>
+            </a:r>
+          </a:p>
+          <a:p>
+            <a:pPr marL="0" indent="0">
+              <a:buNone/>
+            </a:pPr>
+            <a:endParaRPr lang="es-ES" dirty="0"/>
+          </a:p>
+          <a:p>
+            <a:pPr marL="0" indent="0">
+              <a:buNone/>
+            </a:pPr>
+            <a:r>
+              <a:rPr lang="es-ES" dirty="0"/>
+              <a:t>¿Por qué usar entonces </a:t>
+            </a:r>
+            <a:r>
+              <a:rPr lang="es-ES" dirty="0" err="1"/>
+              <a:t>querySelector</a:t>
+            </a:r>
+            <a:r>
+              <a:rPr lang="es-ES" dirty="0"/>
+              <a:t>?</a:t>
+            </a:r>
+          </a:p>
+          <a:p>
+            <a:r>
+              <a:rPr lang="es-ES" dirty="0"/>
+              <a:t>Más legible</a:t>
+            </a:r>
+          </a:p>
+          <a:p>
+            <a:r>
+              <a:rPr lang="es-ES" dirty="0"/>
+              <a:t>Más sencillo</a:t>
+            </a:r>
+          </a:p>
+        </p:txBody>
+      </p:sp>
+    </p:spTree>
+    <p:extLst>
+      <p:ext uri="{BB962C8B-B14F-4D97-AF65-F5344CB8AC3E}">
+        <p14:creationId xmlns:p14="http://schemas.microsoft.com/office/powerpoint/2010/main" val="4170658397"/>
+      </p:ext>
+    </p:extLst>
+  </p:cSld>
+  <p:clrMapOvr>
+    <a:masterClrMapping/>
+  </p:clrMapOvr>
+</p:sld>
+</file>
+
+<file path=ppt/slides/slide19.xml><?xml version="1.0" encoding="utf-8"?>
 <p:sld xmlns:a="http://schemas.openxmlformats.org/drawingml/2006/main" xmlns:r="http://schemas.openxmlformats.org/officeDocument/2006/relationships" xmlns:p="http://schemas.openxmlformats.org/presentationml/2006/main">
   <p:cSld>
     <p:spTree>
@@ -7274,6 +10443,17 @@
               <a:t>Complejidad de algunas páginas</a:t>
             </a:r>
           </a:p>
+          <a:p>
+            <a:pPr marL="285750" indent="-285750">
+              <a:buFont typeface="Arial" panose="020B0604020202020204" pitchFamily="34" charset="0"/>
+              <a:buChar char="•"/>
+            </a:pPr>
+            <a:r>
+              <a:rPr lang="es-ES" dirty="0" err="1"/>
+              <a:t>Throttling</a:t>
+            </a:r>
+            <a:endParaRPr lang="es-ES" dirty="0"/>
+          </a:p>
         </p:txBody>
       </p:sp>
     </p:spTree>
@@ -7289,7 +10469,905 @@
 </p:sld>
 </file>
 
-<file path=ppt/slides/slide17.xml><?xml version="1.0" encoding="utf-8"?>
+<file path=ppt/slides/slide2.xml><?xml version="1.0" encoding="utf-8"?>
+<p:sld xmlns:a="http://schemas.openxmlformats.org/drawingml/2006/main" xmlns:r="http://schemas.openxmlformats.org/officeDocument/2006/relationships" xmlns:p="http://schemas.openxmlformats.org/presentationml/2006/main">
+  <p:cSld>
+    <p:bg>
+      <p:bgPr>
+        <a:solidFill>
+          <a:schemeClr val="bg1"/>
+        </a:solidFill>
+        <a:effectLst/>
+      </p:bgPr>
+    </p:bg>
+    <p:spTree>
+      <p:nvGrpSpPr>
+        <p:cNvPr id="1" name=""/>
+        <p:cNvGrpSpPr/>
+        <p:nvPr/>
+      </p:nvGrpSpPr>
+      <p:grpSpPr>
+        <a:xfrm>
+          <a:off x="0" y="0"/>
+          <a:ext cx="0" cy="0"/>
+          <a:chOff x="0" y="0"/>
+          <a:chExt cx="0" cy="0"/>
+        </a:xfrm>
+      </p:grpSpPr>
+      <p:sp useBgFill="1">
+        <p:nvSpPr>
+          <p:cNvPr id="9" name="Rectangle 8">
+            <a:extLst>
+              <a:ext uri="{FF2B5EF4-FFF2-40B4-BE49-F238E27FC236}">
+                <a16:creationId xmlns:a16="http://schemas.microsoft.com/office/drawing/2014/main" id="{75F65CD9-825D-44BD-8681-D42D260D4C63}"/>
+              </a:ext>
+              <a:ext uri="{C183D7F6-B498-43B3-948B-1728B52AA6E4}">
+                <adec:decorative xmlns:adec="http://schemas.microsoft.com/office/drawing/2017/decorative" val="1"/>
+              </a:ext>
+            </a:extLst>
+          </p:cNvPr>
+          <p:cNvSpPr>
+            <a:spLocks noGrp="1" noRot="1" noChangeAspect="1" noMove="1" noResize="1" noEditPoints="1" noAdjustHandles="1" noChangeArrowheads="1" noChangeShapeType="1" noTextEdit="1"/>
+          </p:cNvSpPr>
+          <p:nvPr>
+            <p:extLst>
+              <p:ext uri="{386F3935-93C4-4BCD-93E2-E3B085C9AB24}">
+                <p16:designElem xmlns:p16="http://schemas.microsoft.com/office/powerpoint/2015/main" val="1"/>
+              </p:ext>
+            </p:extLst>
+          </p:nvPr>
+        </p:nvSpPr>
+        <p:spPr>
+          <a:xfrm>
+            <a:off x="0" y="0"/>
+            <a:ext cx="12192000" cy="6858000"/>
+          </a:xfrm>
+          <a:prstGeom prst="rect">
+            <a:avLst/>
+          </a:prstGeom>
+          <a:ln>
+            <a:noFill/>
+          </a:ln>
+        </p:spPr>
+        <p:style>
+          <a:lnRef idx="2">
+            <a:schemeClr val="accent1">
+              <a:shade val="50000"/>
+            </a:schemeClr>
+          </a:lnRef>
+          <a:fillRef idx="1">
+            <a:schemeClr val="accent1"/>
+          </a:fillRef>
+          <a:effectRef idx="0">
+            <a:schemeClr val="accent1"/>
+          </a:effectRef>
+          <a:fontRef idx="minor">
+            <a:schemeClr val="lt1"/>
+          </a:fontRef>
+        </p:style>
+        <p:txBody>
+          <a:bodyPr rtlCol="0" anchor="ctr"/>
+          <a:lstStyle/>
+          <a:p>
+            <a:pPr algn="ctr"/>
+            <a:endParaRPr lang="en-US"/>
+          </a:p>
+        </p:txBody>
+      </p:sp>
+      <p:sp>
+        <p:nvSpPr>
+          <p:cNvPr id="11" name="Freeform: Shape 10">
+            <a:extLst>
+              <a:ext uri="{FF2B5EF4-FFF2-40B4-BE49-F238E27FC236}">
+                <a16:creationId xmlns:a16="http://schemas.microsoft.com/office/drawing/2014/main" id="{B2F64C47-BE0B-4DA4-A62F-C6922DD2082F}"/>
+              </a:ext>
+              <a:ext uri="{C183D7F6-B498-43B3-948B-1728B52AA6E4}">
+                <adec:decorative xmlns:adec="http://schemas.microsoft.com/office/drawing/2017/decorative" val="1"/>
+              </a:ext>
+            </a:extLst>
+          </p:cNvPr>
+          <p:cNvSpPr>
+            <a:spLocks noGrp="1" noRot="1" noChangeAspect="1" noMove="1" noResize="1" noEditPoints="1" noAdjustHandles="1" noChangeArrowheads="1" noChangeShapeType="1" noTextEdit="1"/>
+          </p:cNvSpPr>
+          <p:nvPr>
+            <p:extLst>
+              <p:ext uri="{386F3935-93C4-4BCD-93E2-E3B085C9AB24}">
+                <p16:designElem xmlns:p16="http://schemas.microsoft.com/office/powerpoint/2015/main" val="1"/>
+              </p:ext>
+            </p:extLst>
+          </p:nvPr>
+        </p:nvSpPr>
+        <p:spPr>
+          <a:xfrm flipH="1">
+            <a:off x="0" y="-2"/>
+            <a:ext cx="4125976" cy="6858002"/>
+          </a:xfrm>
+          <a:custGeom>
+            <a:avLst/>
+            <a:gdLst>
+              <a:gd name="connsiteX0" fmla="*/ 4125976 w 4125976"/>
+              <a:gd name="connsiteY0" fmla="*/ 0 h 6858002"/>
+              <a:gd name="connsiteX1" fmla="*/ 1300393 w 4125976"/>
+              <a:gd name="connsiteY1" fmla="*/ 0 h 6858002"/>
+              <a:gd name="connsiteX2" fmla="*/ 1300393 w 4125976"/>
+              <a:gd name="connsiteY2" fmla="*/ 2 h 6858002"/>
+              <a:gd name="connsiteX3" fmla="*/ 1155520 w 4125976"/>
+              <a:gd name="connsiteY3" fmla="*/ 2 h 6858002"/>
+              <a:gd name="connsiteX4" fmla="*/ 1074856 w 4125976"/>
+              <a:gd name="connsiteY4" fmla="*/ 88573 h 6858002"/>
+              <a:gd name="connsiteX5" fmla="*/ 0 w 4125976"/>
+              <a:gd name="connsiteY5" fmla="*/ 3396600 h 6858002"/>
+              <a:gd name="connsiteX6" fmla="*/ 1222540 w 4125976"/>
+              <a:gd name="connsiteY6" fmla="*/ 6858002 h 6858002"/>
+              <a:gd name="connsiteX7" fmla="*/ 4125598 w 4125976"/>
+              <a:gd name="connsiteY7" fmla="*/ 6858002 h 6858002"/>
+              <a:gd name="connsiteX8" fmla="*/ 4125976 w 4125976"/>
+              <a:gd name="connsiteY8" fmla="*/ 6857600 h 6858002"/>
+            </a:gdLst>
+            <a:ahLst/>
+            <a:cxnLst>
+              <a:cxn ang="0">
+                <a:pos x="connsiteX0" y="connsiteY0"/>
+              </a:cxn>
+              <a:cxn ang="0">
+                <a:pos x="connsiteX1" y="connsiteY1"/>
+              </a:cxn>
+              <a:cxn ang="0">
+                <a:pos x="connsiteX2" y="connsiteY2"/>
+              </a:cxn>
+              <a:cxn ang="0">
+                <a:pos x="connsiteX3" y="connsiteY3"/>
+              </a:cxn>
+              <a:cxn ang="0">
+                <a:pos x="connsiteX4" y="connsiteY4"/>
+              </a:cxn>
+              <a:cxn ang="0">
+                <a:pos x="connsiteX5" y="connsiteY5"/>
+              </a:cxn>
+              <a:cxn ang="0">
+                <a:pos x="connsiteX6" y="connsiteY6"/>
+              </a:cxn>
+              <a:cxn ang="0">
+                <a:pos x="connsiteX7" y="connsiteY7"/>
+              </a:cxn>
+              <a:cxn ang="0">
+                <a:pos x="connsiteX8" y="connsiteY8"/>
+              </a:cxn>
+            </a:cxnLst>
+            <a:rect l="l" t="t" r="r" b="b"/>
+            <a:pathLst>
+              <a:path w="4125976" h="6858002">
+                <a:moveTo>
+                  <a:pt x="4125976" y="0"/>
+                </a:moveTo>
+                <a:lnTo>
+                  <a:pt x="1300393" y="0"/>
+                </a:lnTo>
+                <a:lnTo>
+                  <a:pt x="1300393" y="2"/>
+                </a:lnTo>
+                <a:lnTo>
+                  <a:pt x="1155520" y="2"/>
+                </a:lnTo>
+                <a:lnTo>
+                  <a:pt x="1074856" y="88573"/>
+                </a:lnTo>
+                <a:cubicBezTo>
+                  <a:pt x="422987" y="841260"/>
+                  <a:pt x="0" y="2042663"/>
+                  <a:pt x="0" y="3396600"/>
+                </a:cubicBezTo>
+                <a:cubicBezTo>
+                  <a:pt x="0" y="4846647"/>
+                  <a:pt x="488259" y="6121285"/>
+                  <a:pt x="1222540" y="6858002"/>
+                </a:cubicBezTo>
+                <a:cubicBezTo>
+                  <a:pt x="4125598" y="6858002"/>
+                  <a:pt x="4125598" y="6858002"/>
+                  <a:pt x="4125598" y="6858002"/>
+                </a:cubicBezTo>
+                <a:lnTo>
+                  <a:pt x="4125976" y="6857600"/>
+                </a:lnTo>
+                <a:close/>
+              </a:path>
+            </a:pathLst>
+          </a:custGeom>
+          <a:blipFill dpi="0" rotWithShape="1">
+            <a:blip r:embed="rId2"/>
+            <a:srcRect/>
+            <a:tile tx="0" ty="0" sx="100000" sy="100000" flip="none" algn="tl"/>
+          </a:blipFill>
+          <a:ln>
+            <a:noFill/>
+          </a:ln>
+        </p:spPr>
+        <p:style>
+          <a:lnRef idx="2">
+            <a:schemeClr val="accent1">
+              <a:shade val="50000"/>
+            </a:schemeClr>
+          </a:lnRef>
+          <a:fillRef idx="1003">
+            <a:schemeClr val="dk2"/>
+          </a:fillRef>
+          <a:effectRef idx="0">
+            <a:schemeClr val="accent1"/>
+          </a:effectRef>
+          <a:fontRef idx="minor">
+            <a:schemeClr val="lt1"/>
+          </a:fontRef>
+        </p:style>
+        <p:txBody>
+          <a:bodyPr wrap="square" rtlCol="0" anchor="ctr">
+            <a:noAutofit/>
+          </a:bodyPr>
+          <a:lstStyle/>
+          <a:p>
+            <a:pPr algn="ctr"/>
+            <a:endParaRPr lang="en-US"/>
+          </a:p>
+        </p:txBody>
+      </p:sp>
+      <p:sp>
+        <p:nvSpPr>
+          <p:cNvPr id="2" name="Título 1">
+            <a:extLst>
+              <a:ext uri="{FF2B5EF4-FFF2-40B4-BE49-F238E27FC236}">
+                <a16:creationId xmlns:a16="http://schemas.microsoft.com/office/drawing/2014/main" id="{826B8EC0-37F3-17C1-8A86-00B46A406F1C}"/>
+              </a:ext>
+            </a:extLst>
+          </p:cNvPr>
+          <p:cNvSpPr>
+            <a:spLocks noGrp="1"/>
+          </p:cNvSpPr>
+          <p:nvPr>
+            <p:ph type="title"/>
+          </p:nvPr>
+        </p:nvSpPr>
+        <p:spPr>
+          <a:xfrm>
+            <a:off x="685801" y="643466"/>
+            <a:ext cx="2590799" cy="4995333"/>
+          </a:xfrm>
+        </p:spPr>
+        <p:txBody>
+          <a:bodyPr>
+            <a:normAutofit/>
+          </a:bodyPr>
+          <a:lstStyle/>
+          <a:p>
+            <a:r>
+              <a:rPr lang="es-ES" dirty="0">
+                <a:solidFill>
+                  <a:srgbClr val="FFFFFF"/>
+                </a:solidFill>
+              </a:rPr>
+              <a:t>¿Quién soy?</a:t>
+            </a:r>
+          </a:p>
+        </p:txBody>
+      </p:sp>
+      <p:graphicFrame>
+        <p:nvGraphicFramePr>
+          <p:cNvPr id="5" name="Marcador de contenido 2">
+            <a:extLst>
+              <a:ext uri="{FF2B5EF4-FFF2-40B4-BE49-F238E27FC236}">
+                <a16:creationId xmlns:a16="http://schemas.microsoft.com/office/drawing/2014/main" id="{D311613E-E3C1-5C05-FD41-A0356232AEA1}"/>
+              </a:ext>
+            </a:extLst>
+          </p:cNvPr>
+          <p:cNvGraphicFramePr>
+            <a:graphicFrameLocks noGrp="1"/>
+          </p:cNvGraphicFramePr>
+          <p:nvPr>
+            <p:ph idx="1"/>
+            <p:extLst>
+              <p:ext uri="{D42A27DB-BD31-4B8C-83A1-F6EECF244321}">
+                <p14:modId xmlns:p14="http://schemas.microsoft.com/office/powerpoint/2010/main" val="1901363675"/>
+              </p:ext>
+            </p:extLst>
+          </p:nvPr>
+        </p:nvGraphicFramePr>
+        <p:xfrm>
+          <a:off x="4808601" y="901700"/>
+          <a:ext cx="6545199" cy="4820182"/>
+        </p:xfrm>
+        <a:graphic>
+          <a:graphicData uri="http://schemas.openxmlformats.org/drawingml/2006/diagram">
+            <dgm:relIds xmlns:dgm="http://schemas.openxmlformats.org/drawingml/2006/diagram" xmlns:r="http://schemas.openxmlformats.org/officeDocument/2006/relationships" r:dm="rId3" r:lo="rId4" r:qs="rId5" r:cs="rId6"/>
+          </a:graphicData>
+        </a:graphic>
+      </p:graphicFrame>
+    </p:spTree>
+    <p:extLst>
+      <p:ext uri="{BB962C8B-B14F-4D97-AF65-F5344CB8AC3E}">
+        <p14:creationId xmlns:p14="http://schemas.microsoft.com/office/powerpoint/2010/main" val="4205560487"/>
+      </p:ext>
+    </p:extLst>
+  </p:cSld>
+  <p:clrMapOvr>
+    <a:overrideClrMapping bg1="lt1" tx1="dk1" bg2="lt2" tx2="dk2" accent1="accent1" accent2="accent2" accent3="accent3" accent4="accent4" accent5="accent5" accent6="accent6" hlink="hlink" folHlink="folHlink"/>
+  </p:clrMapOvr>
+</p:sld>
+</file>
+
+<file path=ppt/slides/slide20.xml><?xml version="1.0" encoding="utf-8"?>
+<p:sld xmlns:a="http://schemas.openxmlformats.org/drawingml/2006/main" xmlns:r="http://schemas.openxmlformats.org/officeDocument/2006/relationships" xmlns:p="http://schemas.openxmlformats.org/presentationml/2006/main">
+  <p:cSld>
+    <p:bg>
+      <p:bgPr>
+        <a:blipFill>
+          <a:blip r:embed="rId2"/>
+          <a:stretch/>
+        </a:blipFill>
+        <a:effectLst/>
+      </p:bgPr>
+    </p:bg>
+    <p:spTree>
+      <p:nvGrpSpPr>
+        <p:cNvPr id="1" name=""/>
+        <p:cNvGrpSpPr/>
+        <p:nvPr/>
+      </p:nvGrpSpPr>
+      <p:grpSpPr>
+        <a:xfrm>
+          <a:off x="0" y="0"/>
+          <a:ext cx="0" cy="0"/>
+          <a:chOff x="0" y="0"/>
+          <a:chExt cx="0" cy="0"/>
+        </a:xfrm>
+      </p:grpSpPr>
+      <p:sp useBgFill="1">
+        <p:nvSpPr>
+          <p:cNvPr id="8" name="Rectangle 7">
+            <a:extLst>
+              <a:ext uri="{FF2B5EF4-FFF2-40B4-BE49-F238E27FC236}">
+                <a16:creationId xmlns:a16="http://schemas.microsoft.com/office/drawing/2014/main" id="{50E53EDA-3B94-4F6B-9E86-D3BB9EBB9616}"/>
+              </a:ext>
+              <a:ext uri="{C183D7F6-B498-43B3-948B-1728B52AA6E4}">
+                <adec:decorative xmlns:adec="http://schemas.microsoft.com/office/drawing/2017/decorative" val="1"/>
+              </a:ext>
+            </a:extLst>
+          </p:cNvPr>
+          <p:cNvSpPr>
+            <a:spLocks noGrp="1" noRot="1" noChangeAspect="1" noMove="1" noResize="1" noEditPoints="1" noAdjustHandles="1" noChangeArrowheads="1" noChangeShapeType="1" noTextEdit="1"/>
+          </p:cNvSpPr>
+          <p:nvPr>
+            <p:extLst>
+              <p:ext uri="{386F3935-93C4-4BCD-93E2-E3B085C9AB24}">
+                <p16:designElem xmlns:p16="http://schemas.microsoft.com/office/powerpoint/2015/main" val="1"/>
+              </p:ext>
+            </p:extLst>
+          </p:nvPr>
+        </p:nvSpPr>
+        <p:spPr>
+          <a:xfrm>
+            <a:off x="0" y="0"/>
+            <a:ext cx="12192000" cy="6858000"/>
+          </a:xfrm>
+          <a:prstGeom prst="rect">
+            <a:avLst/>
+          </a:prstGeom>
+          <a:ln>
+            <a:noFill/>
+          </a:ln>
+        </p:spPr>
+        <p:style>
+          <a:lnRef idx="2">
+            <a:schemeClr val="accent1">
+              <a:shade val="50000"/>
+            </a:schemeClr>
+          </a:lnRef>
+          <a:fillRef idx="1">
+            <a:schemeClr val="accent1"/>
+          </a:fillRef>
+          <a:effectRef idx="0">
+            <a:schemeClr val="accent1"/>
+          </a:effectRef>
+          <a:fontRef idx="minor">
+            <a:schemeClr val="lt1"/>
+          </a:fontRef>
+        </p:style>
+        <p:txBody>
+          <a:bodyPr rtlCol="0" anchor="ctr"/>
+          <a:lstStyle/>
+          <a:p>
+            <a:pPr algn="ctr"/>
+            <a:endParaRPr lang="en-US"/>
+          </a:p>
+        </p:txBody>
+      </p:sp>
+      <p:sp>
+        <p:nvSpPr>
+          <p:cNvPr id="2" name="Título 1">
+            <a:extLst>
+              <a:ext uri="{FF2B5EF4-FFF2-40B4-BE49-F238E27FC236}">
+                <a16:creationId xmlns:a16="http://schemas.microsoft.com/office/drawing/2014/main" id="{E7AAD5CE-516B-DCFB-5413-277F16B1E1FD}"/>
+              </a:ext>
+            </a:extLst>
+          </p:cNvPr>
+          <p:cNvSpPr>
+            <a:spLocks noGrp="1"/>
+          </p:cNvSpPr>
+          <p:nvPr>
+            <p:ph type="title"/>
+          </p:nvPr>
+        </p:nvSpPr>
+        <p:spPr>
+          <a:xfrm>
+            <a:off x="685799" y="1150076"/>
+            <a:ext cx="3659389" cy="4557849"/>
+          </a:xfrm>
+        </p:spPr>
+        <p:txBody>
+          <a:bodyPr>
+            <a:normAutofit/>
+          </a:bodyPr>
+          <a:lstStyle/>
+          <a:p>
+            <a:pPr algn="r"/>
+            <a:r>
+              <a:rPr lang="es-ES"/>
+              <a:t>Defensa ante web scraping</a:t>
+            </a:r>
+          </a:p>
+        </p:txBody>
+      </p:sp>
+      <p:cxnSp>
+        <p:nvCxnSpPr>
+          <p:cNvPr id="10" name="Straight Connector 9">
+            <a:extLst>
+              <a:ext uri="{FF2B5EF4-FFF2-40B4-BE49-F238E27FC236}">
+                <a16:creationId xmlns:a16="http://schemas.microsoft.com/office/drawing/2014/main" id="{30EFD79F-7790-479B-B7DB-BD0D8C101DDD}"/>
+              </a:ext>
+              <a:ext uri="{C183D7F6-B498-43B3-948B-1728B52AA6E4}">
+                <adec:decorative xmlns:adec="http://schemas.microsoft.com/office/drawing/2017/decorative" val="1"/>
+              </a:ext>
+            </a:extLst>
+          </p:cNvPr>
+          <p:cNvCxnSpPr>
+            <a:cxnSpLocks noGrp="1" noRot="1" noChangeAspect="1" noMove="1" noResize="1" noEditPoints="1" noAdjustHandles="1" noChangeArrowheads="1" noChangeShapeType="1"/>
+          </p:cNvCxnSpPr>
+          <p:nvPr>
+            <p:extLst>
+              <p:ext uri="{386F3935-93C4-4BCD-93E2-E3B085C9AB24}">
+                <p16:designElem xmlns:p16="http://schemas.microsoft.com/office/powerpoint/2015/main" val="1"/>
+              </p:ext>
+            </p:extLst>
+          </p:nvPr>
+        </p:nvCxnSpPr>
+        <p:spPr>
+          <a:xfrm>
+            <a:off x="4666923" y="1668780"/>
+            <a:ext cx="0" cy="3520440"/>
+          </a:xfrm>
+          <a:prstGeom prst="line">
+            <a:avLst/>
+          </a:prstGeom>
+          <a:ln w="19050"/>
+        </p:spPr>
+        <p:style>
+          <a:lnRef idx="1">
+            <a:schemeClr val="accent1"/>
+          </a:lnRef>
+          <a:fillRef idx="0">
+            <a:schemeClr val="accent1"/>
+          </a:fillRef>
+          <a:effectRef idx="0">
+            <a:schemeClr val="accent1"/>
+          </a:effectRef>
+          <a:fontRef idx="minor">
+            <a:schemeClr val="tx1"/>
+          </a:fontRef>
+        </p:style>
+      </p:cxnSp>
+      <p:sp>
+        <p:nvSpPr>
+          <p:cNvPr id="3" name="Marcador de contenido 2">
+            <a:extLst>
+              <a:ext uri="{FF2B5EF4-FFF2-40B4-BE49-F238E27FC236}">
+                <a16:creationId xmlns:a16="http://schemas.microsoft.com/office/drawing/2014/main" id="{FE7F368B-0A30-EFA8-88A5-A635C6E3CA15}"/>
+              </a:ext>
+            </a:extLst>
+          </p:cNvPr>
+          <p:cNvSpPr>
+            <a:spLocks noGrp="1"/>
+          </p:cNvSpPr>
+          <p:nvPr>
+            <p:ph idx="1"/>
+          </p:nvPr>
+        </p:nvSpPr>
+        <p:spPr>
+          <a:xfrm>
+            <a:off x="4988658" y="1150076"/>
+            <a:ext cx="6517543" cy="4557849"/>
+          </a:xfrm>
+        </p:spPr>
+        <p:txBody>
+          <a:bodyPr>
+            <a:normAutofit lnSpcReduction="10000"/>
+          </a:bodyPr>
+          <a:lstStyle/>
+          <a:p>
+            <a:pPr>
+              <a:lnSpc>
+                <a:spcPct val="90000"/>
+              </a:lnSpc>
+            </a:pPr>
+            <a:r>
+              <a:rPr lang="es-ES" sz="1700" dirty="0"/>
+              <a:t>Ofuscamiento</a:t>
+            </a:r>
+          </a:p>
+          <a:p>
+            <a:pPr lvl="1">
+              <a:lnSpc>
+                <a:spcPct val="90000"/>
+              </a:lnSpc>
+            </a:pPr>
+            <a:r>
+              <a:rPr lang="es-ES" sz="1700" dirty="0"/>
+              <a:t>Nombres de clases CSS con hashes</a:t>
+            </a:r>
+          </a:p>
+          <a:p>
+            <a:pPr lvl="1">
+              <a:lnSpc>
+                <a:spcPct val="90000"/>
+              </a:lnSpc>
+            </a:pPr>
+            <a:r>
+              <a:rPr lang="es-ES" sz="1700" dirty="0"/>
+              <a:t>Semántica HTML*</a:t>
+            </a:r>
+          </a:p>
+          <a:p>
+            <a:pPr lvl="1">
+              <a:lnSpc>
+                <a:spcPct val="90000"/>
+              </a:lnSpc>
+            </a:pPr>
+            <a:r>
+              <a:rPr lang="es-ES" sz="1700" dirty="0" err="1"/>
+              <a:t>Tailwind</a:t>
+            </a:r>
+            <a:r>
+              <a:rPr lang="es-ES" sz="1700" dirty="0"/>
+              <a:t>, Bootstrap, </a:t>
+            </a:r>
+            <a:r>
+              <a:rPr lang="es-ES" sz="1700" dirty="0" err="1"/>
+              <a:t>Emotion</a:t>
+            </a:r>
+            <a:r>
+              <a:rPr lang="es-ES" sz="1700" dirty="0"/>
+              <a:t>, etc.</a:t>
+            </a:r>
+          </a:p>
+          <a:p>
+            <a:pPr>
+              <a:lnSpc>
+                <a:spcPct val="90000"/>
+              </a:lnSpc>
+            </a:pPr>
+            <a:r>
+              <a:rPr lang="es-ES" sz="1700" dirty="0" err="1"/>
+              <a:t>SPAs</a:t>
+            </a:r>
+            <a:endParaRPr lang="es-ES" sz="1700" dirty="0"/>
+          </a:p>
+          <a:p>
+            <a:pPr lvl="1">
+              <a:lnSpc>
+                <a:spcPct val="90000"/>
+              </a:lnSpc>
+            </a:pPr>
+            <a:r>
+              <a:rPr lang="es-ES" sz="1700" dirty="0"/>
+              <a:t>Requerir interacciones de usuario para cierta información</a:t>
+            </a:r>
+          </a:p>
+          <a:p>
+            <a:pPr>
+              <a:lnSpc>
+                <a:spcPct val="90000"/>
+              </a:lnSpc>
+            </a:pPr>
+            <a:r>
+              <a:rPr lang="es-ES" sz="1700" dirty="0"/>
+              <a:t>Protección contra </a:t>
+            </a:r>
+            <a:r>
+              <a:rPr lang="es-ES" sz="1700" dirty="0" err="1"/>
+              <a:t>DDoS</a:t>
+            </a:r>
+            <a:r>
+              <a:rPr lang="es-ES" sz="1700" dirty="0"/>
+              <a:t> (</a:t>
+            </a:r>
+            <a:r>
+              <a:rPr lang="es-ES" sz="1700" dirty="0" err="1"/>
+              <a:t>Cloudflare</a:t>
+            </a:r>
+            <a:r>
+              <a:rPr lang="es-ES" sz="1700" dirty="0"/>
+              <a:t> y Google Captcha)</a:t>
+            </a:r>
+          </a:p>
+          <a:p>
+            <a:pPr marL="0" indent="0">
+              <a:lnSpc>
+                <a:spcPct val="90000"/>
+              </a:lnSpc>
+              <a:buNone/>
+            </a:pPr>
+            <a:r>
+              <a:rPr lang="es-ES" sz="1700" i="1" dirty="0"/>
+              <a:t>*Mejor mantener una buena semántica, pero anidar 17 </a:t>
+            </a:r>
+            <a:r>
+              <a:rPr lang="es-ES" sz="1700" i="1" dirty="0" err="1"/>
+              <a:t>divs</a:t>
+            </a:r>
+            <a:r>
+              <a:rPr lang="es-ES" sz="1700" i="1" dirty="0"/>
+              <a:t> para acceder a la información no es tarea fácil para </a:t>
+            </a:r>
+            <a:r>
+              <a:rPr lang="es-ES" sz="1700" i="1" dirty="0" err="1"/>
+              <a:t>scrapear</a:t>
+            </a:r>
+            <a:endParaRPr lang="es-ES" sz="1700" i="1" dirty="0"/>
+          </a:p>
+          <a:p>
+            <a:pPr>
+              <a:lnSpc>
+                <a:spcPct val="90000"/>
+              </a:lnSpc>
+            </a:pPr>
+            <a:endParaRPr lang="es-ES" sz="1700" dirty="0"/>
+          </a:p>
+          <a:p>
+            <a:pPr marL="0" indent="0">
+              <a:lnSpc>
+                <a:spcPct val="90000"/>
+              </a:lnSpc>
+              <a:buNone/>
+            </a:pPr>
+            <a:r>
+              <a:rPr lang="es-ES" sz="1700" dirty="0"/>
+              <a:t>Pero no siempre podremos protegernos:</a:t>
+            </a:r>
+          </a:p>
+          <a:p>
+            <a:pPr>
+              <a:lnSpc>
+                <a:spcPct val="90000"/>
+              </a:lnSpc>
+            </a:pPr>
+            <a:r>
+              <a:rPr lang="es-ES" sz="1700" dirty="0" err="1"/>
+              <a:t>Sitemap</a:t>
+            </a:r>
+            <a:endParaRPr lang="es-ES" sz="1700" dirty="0"/>
+          </a:p>
+          <a:p>
+            <a:pPr>
+              <a:lnSpc>
+                <a:spcPct val="90000"/>
+              </a:lnSpc>
+            </a:pPr>
+            <a:r>
+              <a:rPr lang="es-ES" sz="1700" dirty="0"/>
+              <a:t>URL as </a:t>
+            </a:r>
+            <a:r>
+              <a:rPr lang="es-ES" sz="1700" dirty="0" err="1"/>
+              <a:t>State</a:t>
+            </a:r>
+            <a:r>
+              <a:rPr lang="es-ES" sz="1700" dirty="0"/>
+              <a:t> Manager</a:t>
+            </a:r>
+          </a:p>
+          <a:p>
+            <a:pPr>
+              <a:lnSpc>
+                <a:spcPct val="90000"/>
+              </a:lnSpc>
+            </a:pPr>
+            <a:r>
+              <a:rPr lang="es-ES" sz="1700" dirty="0"/>
+              <a:t>SEO requiere recompensa información fácil de entender</a:t>
+            </a:r>
+          </a:p>
+        </p:txBody>
+      </p:sp>
+    </p:spTree>
+    <p:extLst>
+      <p:ext uri="{BB962C8B-B14F-4D97-AF65-F5344CB8AC3E}">
+        <p14:creationId xmlns:p14="http://schemas.microsoft.com/office/powerpoint/2010/main" val="3225559401"/>
+      </p:ext>
+    </p:extLst>
+  </p:cSld>
+  <p:clrMapOvr>
+    <a:masterClrMapping/>
+  </p:clrMapOvr>
+</p:sld>
+</file>
+
+<file path=ppt/slides/slide21.xml><?xml version="1.0" encoding="utf-8"?>
+<p:sld xmlns:a="http://schemas.openxmlformats.org/drawingml/2006/main" xmlns:r="http://schemas.openxmlformats.org/officeDocument/2006/relationships" xmlns:p="http://schemas.openxmlformats.org/presentationml/2006/main">
+  <p:cSld>
+    <p:bg>
+      <p:bgPr>
+        <a:blipFill>
+          <a:blip r:embed="rId2"/>
+          <a:stretch/>
+        </a:blipFill>
+        <a:effectLst/>
+      </p:bgPr>
+    </p:bg>
+    <p:spTree>
+      <p:nvGrpSpPr>
+        <p:cNvPr id="1" name=""/>
+        <p:cNvGrpSpPr/>
+        <p:nvPr/>
+      </p:nvGrpSpPr>
+      <p:grpSpPr>
+        <a:xfrm>
+          <a:off x="0" y="0"/>
+          <a:ext cx="0" cy="0"/>
+          <a:chOff x="0" y="0"/>
+          <a:chExt cx="0" cy="0"/>
+        </a:xfrm>
+      </p:grpSpPr>
+      <p:sp>
+        <p:nvSpPr>
+          <p:cNvPr id="2" name="Título 1">
+            <a:extLst>
+              <a:ext uri="{FF2B5EF4-FFF2-40B4-BE49-F238E27FC236}">
+                <a16:creationId xmlns:a16="http://schemas.microsoft.com/office/drawing/2014/main" id="{E74A121F-8DC4-F79C-2E06-F76816C84570}"/>
+              </a:ext>
+            </a:extLst>
+          </p:cNvPr>
+          <p:cNvSpPr>
+            <a:spLocks noGrp="1"/>
+          </p:cNvSpPr>
+          <p:nvPr>
+            <p:ph type="title"/>
+          </p:nvPr>
+        </p:nvSpPr>
+        <p:spPr>
+          <a:xfrm>
+            <a:off x="7865806" y="643463"/>
+            <a:ext cx="3706762" cy="1608124"/>
+          </a:xfrm>
+        </p:spPr>
+        <p:txBody>
+          <a:bodyPr>
+            <a:normAutofit/>
+          </a:bodyPr>
+          <a:lstStyle/>
+          <a:p>
+            <a:r>
+              <a:rPr lang="es-ES" dirty="0"/>
+              <a:t>HEADLESS Browsers</a:t>
+            </a:r>
+          </a:p>
+        </p:txBody>
+      </p:sp>
+      <p:pic>
+        <p:nvPicPr>
+          <p:cNvPr id="5" name="Picture 4">
+            <a:extLst>
+              <a:ext uri="{FF2B5EF4-FFF2-40B4-BE49-F238E27FC236}">
+                <a16:creationId xmlns:a16="http://schemas.microsoft.com/office/drawing/2014/main" id="{484F3824-D541-EF4F-9EF3-015C0AE5D93D}"/>
+              </a:ext>
+            </a:extLst>
+          </p:cNvPr>
+          <p:cNvPicPr>
+            <a:picLocks noChangeAspect="1"/>
+          </p:cNvPicPr>
+          <p:nvPr/>
+        </p:nvPicPr>
+        <p:blipFill rotWithShape="1">
+          <a:blip r:embed="rId3"/>
+          <a:srcRect l="33959" r="4091"/>
+          <a:stretch/>
+        </p:blipFill>
+        <p:spPr>
+          <a:xfrm>
+            <a:off x="20" y="975"/>
+            <a:ext cx="7552924" cy="6858000"/>
+          </a:xfrm>
+          <a:prstGeom prst="rect">
+            <a:avLst/>
+          </a:prstGeom>
+        </p:spPr>
+      </p:pic>
+      <p:sp>
+        <p:nvSpPr>
+          <p:cNvPr id="3" name="Marcador de contenido 2">
+            <a:extLst>
+              <a:ext uri="{FF2B5EF4-FFF2-40B4-BE49-F238E27FC236}">
+                <a16:creationId xmlns:a16="http://schemas.microsoft.com/office/drawing/2014/main" id="{EE932516-96D9-9A99-647D-6705EA0B19E8}"/>
+              </a:ext>
+            </a:extLst>
+          </p:cNvPr>
+          <p:cNvSpPr>
+            <a:spLocks noGrp="1"/>
+          </p:cNvSpPr>
+          <p:nvPr>
+            <p:ph idx="1"/>
+          </p:nvPr>
+        </p:nvSpPr>
+        <p:spPr>
+          <a:xfrm>
+            <a:off x="7865806" y="2251587"/>
+            <a:ext cx="3706762" cy="3972232"/>
+          </a:xfrm>
+        </p:spPr>
+        <p:txBody>
+          <a:bodyPr>
+            <a:normAutofit/>
+          </a:bodyPr>
+          <a:lstStyle/>
+          <a:p>
+            <a:r>
+              <a:rPr lang="es-ES" dirty="0"/>
+              <a:t>User-</a:t>
+            </a:r>
+            <a:r>
+              <a:rPr lang="es-ES" dirty="0" err="1"/>
+              <a:t>agents</a:t>
+            </a:r>
+            <a:endParaRPr lang="es-ES" dirty="0"/>
+          </a:p>
+          <a:p>
+            <a:r>
+              <a:rPr lang="es-ES" dirty="0"/>
+              <a:t>Conexiones vivas</a:t>
+            </a:r>
+          </a:p>
+          <a:p>
+            <a:r>
+              <a:rPr lang="es-ES" dirty="0"/>
+              <a:t>Interacción de usuario</a:t>
+            </a:r>
+          </a:p>
+          <a:p>
+            <a:pPr lvl="1"/>
+            <a:r>
+              <a:rPr lang="es-ES" dirty="0"/>
+              <a:t>Log-in</a:t>
+            </a:r>
+          </a:p>
+          <a:p>
+            <a:pPr lvl="1"/>
+            <a:r>
+              <a:rPr lang="es-ES" dirty="0"/>
+              <a:t>Navegación programática</a:t>
+            </a:r>
+          </a:p>
+        </p:txBody>
+      </p:sp>
+    </p:spTree>
+    <p:extLst>
+      <p:ext uri="{BB962C8B-B14F-4D97-AF65-F5344CB8AC3E}">
+        <p14:creationId xmlns:p14="http://schemas.microsoft.com/office/powerpoint/2010/main" val="3274197254"/>
+      </p:ext>
+    </p:extLst>
+  </p:cSld>
+  <p:clrMapOvr>
+    <a:masterClrMapping/>
+  </p:clrMapOvr>
+</p:sld>
+</file>
+
+<file path=ppt/slides/slide22.xml><?xml version="1.0" encoding="utf-8"?>
 <p:sld xmlns:a="http://schemas.openxmlformats.org/drawingml/2006/main" xmlns:r="http://schemas.openxmlformats.org/officeDocument/2006/relationships" xmlns:p="http://schemas.openxmlformats.org/presentationml/2006/main">
   <p:cSld>
     <p:spTree>
@@ -7311,7 +11389,7 @@
           <p:cNvPr id="2" name="Título 1">
             <a:extLst>
               <a:ext uri="{FF2B5EF4-FFF2-40B4-BE49-F238E27FC236}">
-                <a16:creationId xmlns:a16="http://schemas.microsoft.com/office/drawing/2014/main" id="{E7AAD5CE-516B-DCFB-5413-277F16B1E1FD}"/>
+                <a16:creationId xmlns:a16="http://schemas.microsoft.com/office/drawing/2014/main" id="{CC3E7EE3-54F7-21EF-2898-B58EA0B13568}"/>
               </a:ext>
             </a:extLst>
           </p:cNvPr>
@@ -7328,14 +11406,13 @@
           <a:lstStyle/>
           <a:p>
             <a:r>
+              <a:rPr lang="es-ES" dirty="0" err="1"/>
+              <a:t>Frameworks</a:t>
+            </a:r>
+            <a:r>
               <a:rPr lang="es-ES" dirty="0"/>
-              <a:t>Defensa ante web </a:t>
-            </a:r>
-            <a:r>
-              <a:rPr lang="es-ES" dirty="0" err="1"/>
-              <a:t>scraping</a:t>
-            </a:r>
-            <a:endParaRPr lang="es-ES" dirty="0"/>
+              <a:t> y herramientas</a:t>
+            </a:r>
           </a:p>
         </p:txBody>
       </p:sp>
@@ -7344,7 +11421,7 @@
           <p:cNvPr id="3" name="Marcador de contenido 2">
             <a:extLst>
               <a:ext uri="{FF2B5EF4-FFF2-40B4-BE49-F238E27FC236}">
-                <a16:creationId xmlns:a16="http://schemas.microsoft.com/office/drawing/2014/main" id="{FE7F368B-0A30-EFA8-88A5-A635C6E3CA15}"/>
+                <a16:creationId xmlns:a16="http://schemas.microsoft.com/office/drawing/2014/main" id="{DBD38AB7-F8C8-30F4-0D3C-18444B7FAB18}"/>
               </a:ext>
             </a:extLst>
           </p:cNvPr>
@@ -7357,138 +11434,87 @@
         </p:nvSpPr>
         <p:spPr/>
         <p:txBody>
-          <a:bodyPr anchor="t">
-            <a:normAutofit fontScale="85000" lnSpcReduction="20000"/>
-          </a:bodyPr>
+          <a:bodyPr anchor="t"/>
           <a:lstStyle/>
           <a:p>
             <a:r>
+              <a:rPr lang="es-ES" dirty="0" err="1"/>
+              <a:t>Scrapy</a:t>
+            </a:r>
+            <a:endParaRPr lang="es-ES" dirty="0"/>
+          </a:p>
+          <a:p>
+            <a:pPr lvl="1"/>
+            <a:r>
               <a:rPr lang="es-ES" dirty="0"/>
-              <a:t>Ofuscamiento</a:t>
-            </a:r>
+              <a:t>Requiere Python</a:t>
+            </a:r>
+          </a:p>
+          <a:p>
+            <a:r>
+              <a:rPr lang="es-ES" dirty="0" err="1"/>
+              <a:t>Puppeteer</a:t>
+            </a:r>
+            <a:r>
+              <a:rPr lang="es-ES" dirty="0"/>
+              <a:t>, </a:t>
+            </a:r>
+            <a:r>
+              <a:rPr lang="es-ES" dirty="0" err="1"/>
+              <a:t>Playwright</a:t>
+            </a:r>
+            <a:r>
+              <a:rPr lang="es-ES" dirty="0"/>
+              <a:t> o </a:t>
+            </a:r>
+            <a:r>
+              <a:rPr lang="es-ES" dirty="0" err="1"/>
+              <a:t>Cypress</a:t>
+            </a:r>
+            <a:endParaRPr lang="es-ES" dirty="0"/>
           </a:p>
           <a:p>
             <a:pPr lvl="1"/>
             <a:r>
               <a:rPr lang="es-ES" dirty="0"/>
-              <a:t>Nombres de clases CSS con hashes</a:t>
-            </a:r>
+              <a:t>Requieren </a:t>
+            </a:r>
+            <a:r>
+              <a:rPr lang="es-ES" dirty="0" err="1"/>
+              <a:t>Node</a:t>
+            </a:r>
+            <a:r>
+              <a:rPr lang="es-ES" dirty="0"/>
+              <a:t> y JavaScript</a:t>
+            </a:r>
+          </a:p>
+          <a:p>
+            <a:r>
+              <a:rPr lang="es-ES" dirty="0" err="1"/>
+              <a:t>Selenium</a:t>
+            </a:r>
+            <a:endParaRPr lang="es-ES" dirty="0"/>
           </a:p>
           <a:p>
             <a:pPr lvl="1"/>
             <a:r>
               <a:rPr lang="es-ES" dirty="0"/>
-              <a:t>Semántica HTML*</a:t>
+              <a:t>Usa </a:t>
+            </a:r>
+            <a:r>
+              <a:rPr lang="es-ES" dirty="0" err="1"/>
+              <a:t>Chromium</a:t>
+            </a:r>
+            <a:r>
+              <a:rPr lang="es-ES" dirty="0"/>
+              <a:t> por debajo</a:t>
             </a:r>
           </a:p>
           <a:p>
             <a:pPr lvl="1"/>
             <a:r>
-              <a:rPr lang="es-ES" dirty="0" err="1"/>
-              <a:t>Tailwind</a:t>
-            </a:r>
-            <a:r>
               <a:rPr lang="es-ES" dirty="0"/>
-              <a:t>, Bootstrap, </a:t>
-            </a:r>
-            <a:r>
-              <a:rPr lang="es-ES" dirty="0" err="1"/>
-              <a:t>Emotion</a:t>
-            </a:r>
-            <a:r>
-              <a:rPr lang="es-ES" dirty="0"/>
-              <a:t>, etc.</a:t>
-            </a:r>
-          </a:p>
-          <a:p>
-            <a:r>
-              <a:rPr lang="es-ES" dirty="0" err="1"/>
-              <a:t>SPAs</a:t>
-            </a:r>
-            <a:endParaRPr lang="es-ES" dirty="0"/>
-          </a:p>
-          <a:p>
-            <a:pPr lvl="1"/>
-            <a:r>
-              <a:rPr lang="es-ES" dirty="0"/>
-              <a:t>Requerir interacciones de usuario para cierta información</a:t>
-            </a:r>
-          </a:p>
-          <a:p>
-            <a:r>
-              <a:rPr lang="es-ES" dirty="0"/>
-              <a:t>Protección contra </a:t>
-            </a:r>
-            <a:r>
-              <a:rPr lang="es-ES" dirty="0" err="1"/>
-              <a:t>DDoS</a:t>
-            </a:r>
-            <a:r>
-              <a:rPr lang="es-ES" dirty="0"/>
-              <a:t> (</a:t>
-            </a:r>
-            <a:r>
-              <a:rPr lang="es-ES" dirty="0" err="1"/>
-              <a:t>Cloudflare</a:t>
-            </a:r>
-            <a:r>
-              <a:rPr lang="es-ES" dirty="0"/>
-              <a:t> y Google Captcha)</a:t>
-            </a:r>
-          </a:p>
-          <a:p>
-            <a:pPr marL="0" indent="0">
-              <a:buNone/>
-            </a:pPr>
-            <a:r>
-              <a:rPr lang="es-ES" sz="1600" i="1" dirty="0"/>
-              <a:t>*Mejor mantener una buena semántica, pero anidar 17 </a:t>
-            </a:r>
-            <a:r>
-              <a:rPr lang="es-ES" sz="1600" i="1" dirty="0" err="1"/>
-              <a:t>divs</a:t>
-            </a:r>
-            <a:r>
-              <a:rPr lang="es-ES" sz="1600" i="1" dirty="0"/>
-              <a:t> para acceder a la información no es tarea fácil para </a:t>
-            </a:r>
-            <a:r>
-              <a:rPr lang="es-ES" sz="1600" i="1" dirty="0" err="1"/>
-              <a:t>scrapear</a:t>
-            </a:r>
-            <a:endParaRPr lang="es-ES" sz="1600" i="1" dirty="0"/>
-          </a:p>
-          <a:p>
-            <a:endParaRPr lang="es-ES" dirty="0"/>
-          </a:p>
-          <a:p>
-            <a:pPr marL="0" indent="0">
-              <a:buNone/>
-            </a:pPr>
-            <a:r>
-              <a:rPr lang="es-ES" dirty="0"/>
-              <a:t>Pero no siempre podremos protegernos:</a:t>
-            </a:r>
-          </a:p>
-          <a:p>
-            <a:r>
-              <a:rPr lang="es-ES" dirty="0" err="1"/>
-              <a:t>Sitemap</a:t>
-            </a:r>
-            <a:endParaRPr lang="es-ES" dirty="0"/>
-          </a:p>
-          <a:p>
-            <a:r>
-              <a:rPr lang="es-ES" dirty="0"/>
-              <a:t>URL as </a:t>
-            </a:r>
-            <a:r>
-              <a:rPr lang="es-ES" dirty="0" err="1"/>
-              <a:t>State</a:t>
-            </a:r>
-            <a:r>
-              <a:rPr lang="es-ES" dirty="0"/>
-              <a:t> Manager</a:t>
+              <a:t>Puede usarse como extensión del navegador</a:t>
             </a:r>
           </a:p>
         </p:txBody>
@@ -7496,7 +11522,7 @@
     </p:spTree>
     <p:extLst>
       <p:ext uri="{BB962C8B-B14F-4D97-AF65-F5344CB8AC3E}">
-        <p14:creationId xmlns:p14="http://schemas.microsoft.com/office/powerpoint/2010/main" val="3225559401"/>
+        <p14:creationId xmlns:p14="http://schemas.microsoft.com/office/powerpoint/2010/main" val="3100100211"/>
       </p:ext>
     </p:extLst>
   </p:cSld>
@@ -7506,7 +11532,7 @@
 </p:sld>
 </file>
 
-<file path=ppt/slides/slide18.xml><?xml version="1.0" encoding="utf-8"?>
+<file path=ppt/slides/slide23.xml><?xml version="1.0" encoding="utf-8"?>
 <p:sld xmlns:a="http://schemas.openxmlformats.org/drawingml/2006/main" xmlns:r="http://schemas.openxmlformats.org/officeDocument/2006/relationships" xmlns:p="http://schemas.openxmlformats.org/presentationml/2006/main">
   <p:cSld>
     <p:spTree>
@@ -7528,7 +11554,7 @@
           <p:cNvPr id="2" name="Título 1">
             <a:extLst>
               <a:ext uri="{FF2B5EF4-FFF2-40B4-BE49-F238E27FC236}">
-                <a16:creationId xmlns:a16="http://schemas.microsoft.com/office/drawing/2014/main" id="{E74A121F-8DC4-F79C-2E06-F76816C84570}"/>
+                <a16:creationId xmlns:a16="http://schemas.microsoft.com/office/drawing/2014/main" id="{6B023D49-C6E5-E978-C65B-88438CA39F75}"/>
               </a:ext>
             </a:extLst>
           </p:cNvPr>
@@ -7546,7 +11572,7 @@
           <a:p>
             <a:r>
               <a:rPr lang="es-ES" dirty="0"/>
-              <a:t>HEADLESS Browsers</a:t>
+              <a:t>Material para profundizar</a:t>
             </a:r>
           </a:p>
         </p:txBody>
@@ -7556,7 +11582,7 @@
           <p:cNvPr id="3" name="Marcador de contenido 2">
             <a:extLst>
               <a:ext uri="{FF2B5EF4-FFF2-40B4-BE49-F238E27FC236}">
-                <a16:creationId xmlns:a16="http://schemas.microsoft.com/office/drawing/2014/main" id="{EE932516-96D9-9A99-647D-6705EA0B19E8}"/>
+                <a16:creationId xmlns:a16="http://schemas.microsoft.com/office/drawing/2014/main" id="{301DB60C-9480-85A2-A58D-BD9ACFC1A9EB}"/>
               </a:ext>
             </a:extLst>
           </p:cNvPr>
@@ -7574,38 +11600,77 @@
           <a:p>
             <a:r>
               <a:rPr lang="es-ES" dirty="0"/>
-              <a:t>User-</a:t>
+              <a:t>High Performance Browser </a:t>
             </a:r>
             <a:r>
               <a:rPr lang="es-ES" dirty="0" err="1"/>
-              <a:t>agents</a:t>
+              <a:t>Networking</a:t>
             </a:r>
             <a:endParaRPr lang="es-ES" dirty="0"/>
           </a:p>
           <a:p>
+            <a:pPr lvl="1"/>
             <a:r>
               <a:rPr lang="es-ES" dirty="0"/>
-              <a:t>Conexiones vivas</a:t>
-            </a:r>
-          </a:p>
-          <a:p>
+              <a:t>Libro de O’Reilly, está en inglés</a:t>
+            </a:r>
+          </a:p>
+          <a:p>
+            <a:pPr lvl="1"/>
             <a:r>
               <a:rPr lang="es-ES" dirty="0"/>
-              <a:t>Interacción de usuario</a:t>
+              <a:t>Sobre todo para quienes quieran desarrollar a más bajo nivel</a:t>
+            </a:r>
+          </a:p>
+          <a:p>
+            <a:r>
+              <a:rPr lang="es-ES" dirty="0"/>
+              <a:t>Web </a:t>
+            </a:r>
+            <a:r>
+              <a:rPr lang="es-ES" dirty="0" err="1"/>
+              <a:t>Scraping</a:t>
+            </a:r>
+            <a:r>
+              <a:rPr lang="es-ES" dirty="0"/>
+              <a:t> con IA y Cloud</a:t>
             </a:r>
           </a:p>
           <a:p>
             <a:pPr lvl="1"/>
             <a:r>
+              <a:rPr lang="es-ES" dirty="0">
+                <a:hlinkClick r:id="rId2"/>
+              </a:rPr>
+              <a:t>https://www.youtube.com/watch?v=qo_fUjb02ns</a:t>
+            </a:r>
+            <a:endParaRPr lang="es-ES" dirty="0"/>
+          </a:p>
+          <a:p>
+            <a:r>
               <a:rPr lang="es-ES" dirty="0"/>
-              <a:t>Log-in</a:t>
+              <a:t>Practicar con páginas y ejemplos que os interesen</a:t>
             </a:r>
           </a:p>
           <a:p>
             <a:pPr lvl="1"/>
             <a:r>
               <a:rPr lang="es-ES" dirty="0"/>
-              <a:t>Navegación programática</a:t>
+              <a:t>Seguimiento de algún producto que os interese (ropa, juegos, etc.)</a:t>
+            </a:r>
+          </a:p>
+          <a:p>
+            <a:pPr lvl="2"/>
+            <a:r>
+              <a:rPr lang="es-ES" dirty="0"/>
+              <a:t>Con vuelos no se puede, rastrean la IP y aumentan los precios</a:t>
+            </a:r>
+          </a:p>
+          <a:p>
+            <a:pPr lvl="1"/>
+            <a:r>
+              <a:rPr lang="es-ES" dirty="0"/>
+              <a:t>Han publicado un álbum de fotos gratis y quieres bajarte todas las imágenes? Haz un script</a:t>
             </a:r>
           </a:p>
         </p:txBody>
@@ -7613,113 +11678,7 @@
     </p:spTree>
     <p:extLst>
       <p:ext uri="{BB962C8B-B14F-4D97-AF65-F5344CB8AC3E}">
-        <p14:creationId xmlns:p14="http://schemas.microsoft.com/office/powerpoint/2010/main" val="3274197254"/>
-      </p:ext>
-    </p:extLst>
-  </p:cSld>
-  <p:clrMapOvr>
-    <a:masterClrMapping/>
-  </p:clrMapOvr>
-</p:sld>
-</file>
-
-<file path=ppt/slides/slide2.xml><?xml version="1.0" encoding="utf-8"?>
-<p:sld xmlns:a="http://schemas.openxmlformats.org/drawingml/2006/main" xmlns:r="http://schemas.openxmlformats.org/officeDocument/2006/relationships" xmlns:p="http://schemas.openxmlformats.org/presentationml/2006/main">
-  <p:cSld>
-    <p:spTree>
-      <p:nvGrpSpPr>
-        <p:cNvPr id="1" name=""/>
-        <p:cNvGrpSpPr/>
-        <p:nvPr/>
-      </p:nvGrpSpPr>
-      <p:grpSpPr>
-        <a:xfrm>
-          <a:off x="0" y="0"/>
-          <a:ext cx="0" cy="0"/>
-          <a:chOff x="0" y="0"/>
-          <a:chExt cx="0" cy="0"/>
-        </a:xfrm>
-      </p:grpSpPr>
-      <p:sp>
-        <p:nvSpPr>
-          <p:cNvPr id="2" name="Título 1">
-            <a:extLst>
-              <a:ext uri="{FF2B5EF4-FFF2-40B4-BE49-F238E27FC236}">
-                <a16:creationId xmlns:a16="http://schemas.microsoft.com/office/drawing/2014/main" id="{826B8EC0-37F3-17C1-8A86-00B46A406F1C}"/>
-              </a:ext>
-            </a:extLst>
-          </p:cNvPr>
-          <p:cNvSpPr>
-            <a:spLocks noGrp="1"/>
-          </p:cNvSpPr>
-          <p:nvPr>
-            <p:ph type="title"/>
-          </p:nvPr>
-        </p:nvSpPr>
-        <p:spPr/>
-        <p:txBody>
-          <a:bodyPr/>
-          <a:lstStyle/>
-          <a:p>
-            <a:r>
-              <a:rPr lang="es-ES" dirty="0"/>
-              <a:t>¿Quién soy?</a:t>
-            </a:r>
-          </a:p>
-        </p:txBody>
-      </p:sp>
-      <p:sp>
-        <p:nvSpPr>
-          <p:cNvPr id="3" name="Marcador de contenido 2">
-            <a:extLst>
-              <a:ext uri="{FF2B5EF4-FFF2-40B4-BE49-F238E27FC236}">
-                <a16:creationId xmlns:a16="http://schemas.microsoft.com/office/drawing/2014/main" id="{B4218AC3-0816-54CB-AFF5-9BB15196AAA3}"/>
-              </a:ext>
-            </a:extLst>
-          </p:cNvPr>
-          <p:cNvSpPr>
-            <a:spLocks noGrp="1"/>
-          </p:cNvSpPr>
-          <p:nvPr>
-            <p:ph idx="1"/>
-          </p:nvPr>
-        </p:nvSpPr>
-        <p:spPr/>
-        <p:txBody>
-          <a:bodyPr anchor="t"/>
-          <a:lstStyle/>
-          <a:p>
-            <a:pPr marL="0" indent="0">
-              <a:buNone/>
-            </a:pPr>
-            <a:r>
-              <a:rPr lang="es-ES" dirty="0"/>
-              <a:t>Pepe Fabra Valverde</a:t>
-            </a:r>
-          </a:p>
-          <a:p>
-            <a:pPr marL="0" indent="0">
-              <a:buNone/>
-            </a:pPr>
-            <a:r>
-              <a:rPr lang="es-ES" dirty="0"/>
-              <a:t>Actualmente trabajando como Líder y Arquitecto de </a:t>
-            </a:r>
-            <a:r>
-              <a:rPr lang="es-ES" dirty="0" err="1"/>
-              <a:t>Frontend</a:t>
-            </a:r>
-            <a:r>
-              <a:rPr lang="es-ES" dirty="0"/>
-              <a:t>.</a:t>
-            </a:r>
-          </a:p>
-        </p:txBody>
-      </p:sp>
-    </p:spTree>
-    <p:extLst>
-      <p:ext uri="{BB962C8B-B14F-4D97-AF65-F5344CB8AC3E}">
-        <p14:creationId xmlns:p14="http://schemas.microsoft.com/office/powerpoint/2010/main" val="4205560487"/>
+        <p14:creationId xmlns:p14="http://schemas.microsoft.com/office/powerpoint/2010/main" val="1872041222"/>
       </p:ext>
     </p:extLst>
   </p:cSld>
@@ -7751,7 +11710,7 @@
           <p:cNvPr id="2" name="Título 1">
             <a:extLst>
               <a:ext uri="{FF2B5EF4-FFF2-40B4-BE49-F238E27FC236}">
-                <a16:creationId xmlns:a16="http://schemas.microsoft.com/office/drawing/2014/main" id="{23F307FF-729A-F061-45E2-F82476CC42D1}"/>
+                <a16:creationId xmlns:a16="http://schemas.microsoft.com/office/drawing/2014/main" id="{4866FCE5-F030-29F4-55D9-3C65A2C85790}"/>
               </a:ext>
             </a:extLst>
           </p:cNvPr>
@@ -7769,7 +11728,7 @@
           <a:p>
             <a:r>
               <a:rPr lang="es-ES" dirty="0"/>
-              <a:t>No tiene que sonar todo</a:t>
+              <a:t>Objetivos de la sesión</a:t>
             </a:r>
           </a:p>
         </p:txBody>
@@ -7779,7 +11738,7 @@
           <p:cNvPr id="3" name="Marcador de contenido 2">
             <a:extLst>
               <a:ext uri="{FF2B5EF4-FFF2-40B4-BE49-F238E27FC236}">
-                <a16:creationId xmlns:a16="http://schemas.microsoft.com/office/drawing/2014/main" id="{A77FE9F3-7284-1F17-5D85-E23C9673DE26}"/>
+                <a16:creationId xmlns:a16="http://schemas.microsoft.com/office/drawing/2014/main" id="{E8D3CEF0-545F-FD46-50AD-7D2A18F4CA1A}"/>
               </a:ext>
             </a:extLst>
           </p:cNvPr>
@@ -7795,34 +11754,73 @@
           <a:bodyPr anchor="t"/>
           <a:lstStyle/>
           <a:p>
-            <a:pPr marL="0" indent="0">
-              <a:buNone/>
-            </a:pPr>
             <a:r>
               <a:rPr lang="es-ES" dirty="0"/>
-              <a:t>Preguntad dudas</a:t>
-            </a:r>
-          </a:p>
-          <a:p>
-            <a:pPr marL="0" indent="0">
-              <a:buNone/>
-            </a:pPr>
+              <a:t>Introducción a Web </a:t>
+            </a:r>
+            <a:r>
+              <a:rPr lang="es-ES" dirty="0" err="1"/>
+              <a:t>Scraping</a:t>
+            </a:r>
+            <a:endParaRPr lang="es-ES" dirty="0"/>
+          </a:p>
+          <a:p>
+            <a:r>
+              <a:rPr lang="es-ES" dirty="0" err="1"/>
+              <a:t>Headless</a:t>
+            </a:r>
             <a:r>
               <a:rPr lang="es-ES" dirty="0"/>
-              <a:t>Tened curiosidad y compartid cuestiones complejas si </a:t>
-            </a:r>
-            <a:r>
-              <a:rPr lang="es-ES"/>
-              <a:t>las tenéis</a:t>
+              <a:t> Browser</a:t>
+            </a:r>
+          </a:p>
+          <a:p>
+            <a:r>
+              <a:rPr lang="es-ES" dirty="0"/>
+              <a:t>HTML, </a:t>
+            </a:r>
+            <a:r>
+              <a:rPr lang="es-ES" dirty="0" err="1"/>
+              <a:t>querySelector</a:t>
+            </a:r>
+            <a:r>
+              <a:rPr lang="es-ES" dirty="0"/>
+              <a:t>, SPA, MPA y CSR</a:t>
+            </a:r>
+          </a:p>
+          <a:p>
+            <a:r>
+              <a:rPr lang="es-ES" dirty="0" err="1"/>
+              <a:t>Throttling</a:t>
+            </a:r>
+            <a:r>
+              <a:rPr lang="es-ES" dirty="0"/>
+              <a:t>, </a:t>
+            </a:r>
+            <a:r>
+              <a:rPr lang="es-ES" dirty="0" err="1"/>
+              <a:t>DDoS</a:t>
             </a:r>
             <a:endParaRPr lang="es-ES" dirty="0"/>
+          </a:p>
+          <a:p>
+            <a:r>
+              <a:rPr lang="es-ES" dirty="0"/>
+              <a:t>Jerarquía de conocimientos</a:t>
+            </a:r>
+          </a:p>
+          <a:p>
+            <a:r>
+              <a:rPr lang="es-ES" dirty="0"/>
+              <a:t>HTTP y cómo funciona un navegador</a:t>
+            </a:r>
           </a:p>
         </p:txBody>
       </p:sp>
     </p:spTree>
     <p:extLst>
       <p:ext uri="{BB962C8B-B14F-4D97-AF65-F5344CB8AC3E}">
-        <p14:creationId xmlns:p14="http://schemas.microsoft.com/office/powerpoint/2010/main" val="3931832768"/>
+        <p14:creationId xmlns:p14="http://schemas.microsoft.com/office/powerpoint/2010/main" val="1115729024"/>
       </p:ext>
     </p:extLst>
   </p:cSld>
@@ -7854,6 +11852,109 @@
           <p:cNvPr id="2" name="Título 1">
             <a:extLst>
               <a:ext uri="{FF2B5EF4-FFF2-40B4-BE49-F238E27FC236}">
+                <a16:creationId xmlns:a16="http://schemas.microsoft.com/office/drawing/2014/main" id="{23F307FF-729A-F061-45E2-F82476CC42D1}"/>
+              </a:ext>
+            </a:extLst>
+          </p:cNvPr>
+          <p:cNvSpPr>
+            <a:spLocks noGrp="1"/>
+          </p:cNvSpPr>
+          <p:nvPr>
+            <p:ph type="title"/>
+          </p:nvPr>
+        </p:nvSpPr>
+        <p:spPr/>
+        <p:txBody>
+          <a:bodyPr/>
+          <a:lstStyle/>
+          <a:p>
+            <a:r>
+              <a:rPr lang="es-ES" dirty="0"/>
+              <a:t>No tiene que sonar todo</a:t>
+            </a:r>
+          </a:p>
+        </p:txBody>
+      </p:sp>
+      <p:sp>
+        <p:nvSpPr>
+          <p:cNvPr id="3" name="Marcador de contenido 2">
+            <a:extLst>
+              <a:ext uri="{FF2B5EF4-FFF2-40B4-BE49-F238E27FC236}">
+                <a16:creationId xmlns:a16="http://schemas.microsoft.com/office/drawing/2014/main" id="{A77FE9F3-7284-1F17-5D85-E23C9673DE26}"/>
+              </a:ext>
+            </a:extLst>
+          </p:cNvPr>
+          <p:cNvSpPr>
+            <a:spLocks noGrp="1"/>
+          </p:cNvSpPr>
+          <p:nvPr>
+            <p:ph idx="1"/>
+          </p:nvPr>
+        </p:nvSpPr>
+        <p:spPr/>
+        <p:txBody>
+          <a:bodyPr anchor="t"/>
+          <a:lstStyle/>
+          <a:p>
+            <a:pPr marL="0" indent="0">
+              <a:buNone/>
+            </a:pPr>
+            <a:r>
+              <a:rPr lang="es-ES" dirty="0"/>
+              <a:t>Preguntad dudas</a:t>
+            </a:r>
+          </a:p>
+          <a:p>
+            <a:pPr marL="0" indent="0">
+              <a:buNone/>
+            </a:pPr>
+            <a:r>
+              <a:rPr lang="es-ES" dirty="0"/>
+              <a:t>Tened curiosidad y compartid cuestiones complejas si </a:t>
+            </a:r>
+            <a:r>
+              <a:rPr lang="es-ES"/>
+              <a:t>las tenéis</a:t>
+            </a:r>
+            <a:endParaRPr lang="es-ES" dirty="0"/>
+          </a:p>
+        </p:txBody>
+      </p:sp>
+    </p:spTree>
+    <p:extLst>
+      <p:ext uri="{BB962C8B-B14F-4D97-AF65-F5344CB8AC3E}">
+        <p14:creationId xmlns:p14="http://schemas.microsoft.com/office/powerpoint/2010/main" val="3931832768"/>
+      </p:ext>
+    </p:extLst>
+  </p:cSld>
+  <p:clrMapOvr>
+    <a:masterClrMapping/>
+  </p:clrMapOvr>
+</p:sld>
+</file>
+
+<file path=ppt/slides/slide5.xml><?xml version="1.0" encoding="utf-8"?>
+<p:sld xmlns:a="http://schemas.openxmlformats.org/drawingml/2006/main" xmlns:r="http://schemas.openxmlformats.org/officeDocument/2006/relationships" xmlns:p="http://schemas.openxmlformats.org/presentationml/2006/main">
+  <p:cSld>
+    <p:spTree>
+      <p:nvGrpSpPr>
+        <p:cNvPr id="1" name=""/>
+        <p:cNvGrpSpPr/>
+        <p:nvPr/>
+      </p:nvGrpSpPr>
+      <p:grpSpPr>
+        <a:xfrm>
+          <a:off x="0" y="0"/>
+          <a:ext cx="0" cy="0"/>
+          <a:chOff x="0" y="0"/>
+          <a:chExt cx="0" cy="0"/>
+        </a:xfrm>
+      </p:grpSpPr>
+      <p:sp>
+        <p:nvSpPr>
+          <p:cNvPr id="2" name="Título 1">
+            <a:extLst>
+              <a:ext uri="{FF2B5EF4-FFF2-40B4-BE49-F238E27FC236}">
                 <a16:creationId xmlns:a16="http://schemas.microsoft.com/office/drawing/2014/main" id="{60B4A59B-C8C5-A95D-5FDE-33A83CE41A00}"/>
               </a:ext>
             </a:extLst>
@@ -7897,6 +11998,36 @@
         <p:txBody>
           <a:bodyPr anchor="t"/>
           <a:lstStyle/>
+          <a:p>
+            <a:pPr marL="0" indent="0">
+              <a:buNone/>
+            </a:pPr>
+            <a:r>
+              <a:rPr lang="es-ES" dirty="0"/>
+              <a:t>¿Qué es una Base de Datos?</a:t>
+            </a:r>
+          </a:p>
+          <a:p>
+            <a:r>
+              <a:rPr lang="es-ES" dirty="0"/>
+              <a:t>Un lugar centralizado en el que se guarda información, por lo general estructurada, para poder trabajar con ella (análisis, lectura, escritura, almacenamiento de histórico, estado de una aplicación)</a:t>
+            </a:r>
+          </a:p>
+          <a:p>
+            <a:pPr marL="0" indent="0">
+              <a:buNone/>
+            </a:pPr>
+            <a:endParaRPr lang="es-ES" dirty="0"/>
+          </a:p>
+          <a:p>
+            <a:pPr marL="0" indent="0">
+              <a:buNone/>
+            </a:pPr>
+            <a:r>
+              <a:rPr lang="es-ES" dirty="0"/>
+              <a:t>Acciones principales</a:t>
+            </a:r>
+          </a:p>
           <a:p>
             <a:pPr marL="342900" indent="-342900">
               <a:buFont typeface="+mj-lt"/>
@@ -7942,7 +12073,7 @@
 </p:sld>
 </file>
 
-<file path=ppt/slides/slide5.xml><?xml version="1.0" encoding="utf-8"?>
+<file path=ppt/slides/slide6.xml><?xml version="1.0" encoding="utf-8"?>
 <p:sld xmlns:a="http://schemas.openxmlformats.org/drawingml/2006/main" xmlns:r="http://schemas.openxmlformats.org/officeDocument/2006/relationships" xmlns:p="http://schemas.openxmlformats.org/presentationml/2006/main">
   <p:cSld>
     <p:bg>
@@ -8084,7 +12215,7 @@
 </p:sld>
 </file>
 
-<file path=ppt/slides/slide6.xml><?xml version="1.0" encoding="utf-8"?>
+<file path=ppt/slides/slide7.xml><?xml version="1.0" encoding="utf-8"?>
 <p:sld xmlns:a="http://schemas.openxmlformats.org/drawingml/2006/main" xmlns:r="http://schemas.openxmlformats.org/officeDocument/2006/relationships" xmlns:p="http://schemas.openxmlformats.org/presentationml/2006/main">
   <p:cSld>
     <p:spTree>
@@ -8203,7 +12334,7 @@
 </p:sld>
 </file>
 
-<file path=ppt/slides/slide7.xml><?xml version="1.0" encoding="utf-8"?>
+<file path=ppt/slides/slide8.xml><?xml version="1.0" encoding="utf-8"?>
 <p:sld xmlns:a="http://schemas.openxmlformats.org/drawingml/2006/main" xmlns:r="http://schemas.openxmlformats.org/officeDocument/2006/relationships" xmlns:p="http://schemas.openxmlformats.org/presentationml/2006/main">
   <p:cSld>
     <p:bg>
@@ -8366,7 +12497,7 @@
 </p:sld>
 </file>
 
-<file path=ppt/slides/slide8.xml><?xml version="1.0" encoding="utf-8"?>
+<file path=ppt/slides/slide9.xml><?xml version="1.0" encoding="utf-8"?>
 <p:sld xmlns:a="http://schemas.openxmlformats.org/drawingml/2006/main" xmlns:r="http://schemas.openxmlformats.org/officeDocument/2006/relationships" xmlns:p="http://schemas.openxmlformats.org/presentationml/2006/main">
   <p:cSld>
     <p:bg>
@@ -8454,10 +12585,17 @@
             <a:pPr algn="r"/>
             <a:r>
               <a:rPr lang="en-US" sz="4800" dirty="0"/>
-              <a:t>Pero… ¿</a:t>
-            </a:r>
-            <a:r>
-              <a:rPr lang="en-US" sz="4800"/>
+              <a:t>Pero…</a:t>
+            </a:r>
+            <a:br>
+              <a:rPr lang="en-US" sz="4800" dirty="0"/>
+            </a:br>
+            <a:r>
+              <a:rPr lang="en-US" sz="4800" dirty="0"/>
+              <a:t>¿</a:t>
+            </a:r>
+            <a:r>
+              <a:rPr lang="en-US" sz="4800" dirty="0" err="1"/>
               <a:t>Qué</a:t>
             </a:r>
             <a:r>
@@ -8465,7 +12603,7 @@
               <a:t> son </a:t>
             </a:r>
             <a:r>
-              <a:rPr lang="en-US" sz="4800"/>
+              <a:rPr lang="en-US" sz="4800" dirty="0" err="1"/>
               <a:t>los</a:t>
             </a:r>
             <a:r>
@@ -8473,7 +12611,7 @@
               <a:t> </a:t>
             </a:r>
             <a:r>
-              <a:rPr lang="en-US" sz="4800"/>
+              <a:rPr lang="en-US" sz="4800" dirty="0" err="1"/>
               <a:t>datos</a:t>
             </a:r>
             <a:r>
@@ -8623,200 +12761,6 @@
       <p:bldP spid="2" grpId="0"/>
     </p:bldLst>
   </p:timing>
-</p:sld>
-</file>
-
-<file path=ppt/slides/slide9.xml><?xml version="1.0" encoding="utf-8"?>
-<p:sld xmlns:a="http://schemas.openxmlformats.org/drawingml/2006/main" xmlns:r="http://schemas.openxmlformats.org/officeDocument/2006/relationships" xmlns:p="http://schemas.openxmlformats.org/presentationml/2006/main">
-  <p:cSld>
-    <p:bg>
-      <p:bgPr>
-        <a:blipFill>
-          <a:blip r:embed="rId2"/>
-          <a:stretch/>
-        </a:blipFill>
-        <a:effectLst/>
-      </p:bgPr>
-    </p:bg>
-    <p:spTree>
-      <p:nvGrpSpPr>
-        <p:cNvPr id="1" name=""/>
-        <p:cNvGrpSpPr/>
-        <p:nvPr/>
-      </p:nvGrpSpPr>
-      <p:grpSpPr>
-        <a:xfrm>
-          <a:off x="0" y="0"/>
-          <a:ext cx="0" cy="0"/>
-          <a:chOff x="0" y="0"/>
-          <a:chExt cx="0" cy="0"/>
-        </a:xfrm>
-      </p:grpSpPr>
-      <p:sp>
-        <p:nvSpPr>
-          <p:cNvPr id="2" name="Título 1">
-            <a:extLst>
-              <a:ext uri="{FF2B5EF4-FFF2-40B4-BE49-F238E27FC236}">
-                <a16:creationId xmlns:a16="http://schemas.microsoft.com/office/drawing/2014/main" id="{D683C737-715E-3254-A0C0-CEB48FF4CF48}"/>
-              </a:ext>
-            </a:extLst>
-          </p:cNvPr>
-          <p:cNvSpPr>
-            <a:spLocks noGrp="1"/>
-          </p:cNvSpPr>
-          <p:nvPr>
-            <p:ph type="title"/>
-          </p:nvPr>
-        </p:nvSpPr>
-        <p:spPr>
-          <a:xfrm>
-            <a:off x="7865806" y="643463"/>
-            <a:ext cx="3706762" cy="1608124"/>
-          </a:xfrm>
-        </p:spPr>
-        <p:txBody>
-          <a:bodyPr>
-            <a:normAutofit/>
-          </a:bodyPr>
-          <a:lstStyle/>
-          <a:p>
-            <a:r>
-              <a:rPr lang="es-ES" dirty="0"/>
-              <a:t>Pirámide del conocimiento</a:t>
-            </a:r>
-          </a:p>
-        </p:txBody>
-      </p:sp>
-      <p:sp>
-        <p:nvSpPr>
-          <p:cNvPr id="11" name="Content Placeholder 8">
-            <a:extLst>
-              <a:ext uri="{FF2B5EF4-FFF2-40B4-BE49-F238E27FC236}">
-                <a16:creationId xmlns:a16="http://schemas.microsoft.com/office/drawing/2014/main" id="{BA038476-F0E6-65FC-02B0-4FB9ED8EA0A2}"/>
-              </a:ext>
-            </a:extLst>
-          </p:cNvPr>
-          <p:cNvSpPr>
-            <a:spLocks noGrp="1"/>
-          </p:cNvSpPr>
-          <p:nvPr>
-            <p:ph idx="1"/>
-          </p:nvPr>
-        </p:nvSpPr>
-        <p:spPr>
-          <a:xfrm>
-            <a:off x="7865806" y="2251587"/>
-            <a:ext cx="3706762" cy="3972232"/>
-          </a:xfrm>
-        </p:spPr>
-        <p:txBody>
-          <a:bodyPr>
-            <a:normAutofit/>
-          </a:bodyPr>
-          <a:lstStyle/>
-          <a:p>
-            <a:r>
-              <a:rPr lang="en-US" dirty="0" err="1"/>
-              <a:t>Sabiduría</a:t>
-            </a:r>
-            <a:endParaRPr lang="en-US" dirty="0"/>
-          </a:p>
-          <a:p>
-            <a:r>
-              <a:rPr lang="en-US" dirty="0" err="1"/>
-              <a:t>Conocimiento</a:t>
-            </a:r>
-            <a:endParaRPr lang="en-US" dirty="0"/>
-          </a:p>
-          <a:p>
-            <a:r>
-              <a:rPr lang="en-US" dirty="0" err="1"/>
-              <a:t>Información</a:t>
-            </a:r>
-            <a:endParaRPr lang="en-US" dirty="0"/>
-          </a:p>
-          <a:p>
-            <a:r>
-              <a:rPr lang="en-US" dirty="0"/>
-              <a:t>Dato</a:t>
-            </a:r>
-          </a:p>
-        </p:txBody>
-      </p:sp>
-      <p:pic>
-        <p:nvPicPr>
-          <p:cNvPr id="5" name="Marcador de contenido 4" descr="Imagen que contiene tarjeta de presentación&#10;&#10;Descripción generada automáticamente">
-            <a:extLst>
-              <a:ext uri="{FF2B5EF4-FFF2-40B4-BE49-F238E27FC236}">
-                <a16:creationId xmlns:a16="http://schemas.microsoft.com/office/drawing/2014/main" id="{8399C413-B6F6-275B-8A69-B39829685F77}"/>
-              </a:ext>
-            </a:extLst>
-          </p:cNvPr>
-          <p:cNvPicPr>
-            <a:picLocks noChangeAspect="1"/>
-          </p:cNvPicPr>
-          <p:nvPr/>
-        </p:nvPicPr>
-        <p:blipFill>
-          <a:blip r:embed="rId3">
-            <a:extLst>
-              <a:ext uri="{28A0092B-C50C-407E-A947-70E740481C1C}">
-                <a14:useLocalDpi xmlns:a14="http://schemas.microsoft.com/office/drawing/2010/main" val="0"/>
-              </a:ext>
-            </a:extLst>
-          </a:blip>
-          <a:stretch>
-            <a:fillRect/>
-          </a:stretch>
-        </p:blipFill>
-        <p:spPr>
-          <a:xfrm>
-            <a:off x="643464" y="855559"/>
-            <a:ext cx="6897878" cy="5156163"/>
-          </a:xfrm>
-          <a:prstGeom prst="roundRect">
-            <a:avLst>
-              <a:gd name="adj" fmla="val 4380"/>
-            </a:avLst>
-          </a:prstGeom>
-          <a:ln w="50800" cap="sq" cmpd="dbl">
-            <a:gradFill flip="none" rotWithShape="1">
-              <a:gsLst>
-                <a:gs pos="0">
-                  <a:srgbClr val="FFFFFF"/>
-                </a:gs>
-                <a:gs pos="100000">
-                  <a:schemeClr val="tx1">
-                    <a:alpha val="0"/>
-                  </a:schemeClr>
-                </a:gs>
-              </a:gsLst>
-              <a:path path="circle">
-                <a:fillToRect l="50000" t="50000" r="50000" b="50000"/>
-              </a:path>
-              <a:tileRect/>
-            </a:gradFill>
-            <a:miter lim="800000"/>
-          </a:ln>
-          <a:effectLst>
-            <a:outerShdw blurRad="254000" algn="tl" rotWithShape="0">
-              <a:srgbClr val="000000">
-                <a:alpha val="43000"/>
-              </a:srgbClr>
-            </a:outerShdw>
-          </a:effectLst>
-        </p:spPr>
-      </p:pic>
-    </p:spTree>
-    <p:extLst>
-      <p:ext uri="{BB962C8B-B14F-4D97-AF65-F5344CB8AC3E}">
-        <p14:creationId xmlns:p14="http://schemas.microsoft.com/office/powerpoint/2010/main" val="1994021770"/>
-      </p:ext>
-    </p:extLst>
-  </p:cSld>
-  <p:clrMapOvr>
-    <a:masterClrMapping/>
-  </p:clrMapOvr>
 </p:sld>
 </file>
 

--- a/uv/web-scraping-y-las-bases-de-datos-ofuscadas/web-scraping-core.pptx
+++ b/uv/web-scraping-y-las-bases-de-datos-ofuscadas/web-scraping-core.pptx
@@ -4,6 +4,9 @@
   <p:sldMasterIdLst>
     <p:sldMasterId id="2147483804" r:id="rId1"/>
   </p:sldMasterIdLst>
+  <p:notesMasterIdLst>
+    <p:notesMasterId r:id="rId26"/>
+  </p:notesMasterIdLst>
   <p:sldIdLst>
     <p:sldId id="256" r:id="rId2"/>
     <p:sldId id="268" r:id="rId3"/>
@@ -15,19 +18,20 @@
     <p:sldId id="262" r:id="rId9"/>
     <p:sldId id="258" r:id="rId10"/>
     <p:sldId id="263" r:id="rId11"/>
-    <p:sldId id="265" r:id="rId12"/>
-    <p:sldId id="272" r:id="rId13"/>
-    <p:sldId id="264" r:id="rId14"/>
-    <p:sldId id="259" r:id="rId15"/>
-    <p:sldId id="266" r:id="rId16"/>
-    <p:sldId id="267" r:id="rId17"/>
-    <p:sldId id="274" r:id="rId18"/>
-    <p:sldId id="275" r:id="rId19"/>
-    <p:sldId id="271" r:id="rId20"/>
-    <p:sldId id="269" r:id="rId21"/>
-    <p:sldId id="270" r:id="rId22"/>
-    <p:sldId id="276" r:id="rId23"/>
-    <p:sldId id="277" r:id="rId24"/>
+    <p:sldId id="279" r:id="rId12"/>
+    <p:sldId id="265" r:id="rId13"/>
+    <p:sldId id="272" r:id="rId14"/>
+    <p:sldId id="264" r:id="rId15"/>
+    <p:sldId id="259" r:id="rId16"/>
+    <p:sldId id="266" r:id="rId17"/>
+    <p:sldId id="267" r:id="rId18"/>
+    <p:sldId id="274" r:id="rId19"/>
+    <p:sldId id="275" r:id="rId20"/>
+    <p:sldId id="271" r:id="rId21"/>
+    <p:sldId id="269" r:id="rId22"/>
+    <p:sldId id="270" r:id="rId23"/>
+    <p:sldId id="276" r:id="rId24"/>
+    <p:sldId id="277" r:id="rId25"/>
   </p:sldIdLst>
   <p:sldSz cx="12192000" cy="6858000"/>
   <p:notesSz cx="6858000" cy="9144000"/>
@@ -2602,6 +2606,442 @@
 </dgm:styleDef>
 </file>
 
+<file path=ppt/notesMasters/notesMaster1.xml><?xml version="1.0" encoding="utf-8"?>
+<p:notesMaster xmlns:a="http://schemas.openxmlformats.org/drawingml/2006/main" xmlns:r="http://schemas.openxmlformats.org/officeDocument/2006/relationships" xmlns:p="http://schemas.openxmlformats.org/presentationml/2006/main">
+  <p:cSld>
+    <p:bg>
+      <p:bgRef idx="1001">
+        <a:schemeClr val="bg1"/>
+      </p:bgRef>
+    </p:bg>
+    <p:spTree>
+      <p:nvGrpSpPr>
+        <p:cNvPr id="1" name=""/>
+        <p:cNvGrpSpPr/>
+        <p:nvPr/>
+      </p:nvGrpSpPr>
+      <p:grpSpPr>
+        <a:xfrm>
+          <a:off x="0" y="0"/>
+          <a:ext cx="0" cy="0"/>
+          <a:chOff x="0" y="0"/>
+          <a:chExt cx="0" cy="0"/>
+        </a:xfrm>
+      </p:grpSpPr>
+      <p:sp>
+        <p:nvSpPr>
+          <p:cNvPr id="2" name="Marcador de encabezado 1"/>
+          <p:cNvSpPr>
+            <a:spLocks noGrp="1"/>
+          </p:cNvSpPr>
+          <p:nvPr>
+            <p:ph type="hdr" sz="quarter"/>
+          </p:nvPr>
+        </p:nvSpPr>
+        <p:spPr>
+          <a:xfrm>
+            <a:off x="0" y="0"/>
+            <a:ext cx="2971800" cy="458788"/>
+          </a:xfrm>
+          <a:prstGeom prst="rect">
+            <a:avLst/>
+          </a:prstGeom>
+        </p:spPr>
+        <p:txBody>
+          <a:bodyPr vert="horz" lIns="91440" tIns="45720" rIns="91440" bIns="45720" rtlCol="0"/>
+          <a:lstStyle>
+            <a:lvl1pPr algn="l">
+              <a:defRPr sz="1200"/>
+            </a:lvl1pPr>
+          </a:lstStyle>
+          <a:p>
+            <a:endParaRPr lang="es-ES"/>
+          </a:p>
+        </p:txBody>
+      </p:sp>
+      <p:sp>
+        <p:nvSpPr>
+          <p:cNvPr id="3" name="Marcador de fecha 2"/>
+          <p:cNvSpPr>
+            <a:spLocks noGrp="1"/>
+          </p:cNvSpPr>
+          <p:nvPr>
+            <p:ph type="dt" idx="1"/>
+          </p:nvPr>
+        </p:nvSpPr>
+        <p:spPr>
+          <a:xfrm>
+            <a:off x="3884613" y="0"/>
+            <a:ext cx="2971800" cy="458788"/>
+          </a:xfrm>
+          <a:prstGeom prst="rect">
+            <a:avLst/>
+          </a:prstGeom>
+        </p:spPr>
+        <p:txBody>
+          <a:bodyPr vert="horz" lIns="91440" tIns="45720" rIns="91440" bIns="45720" rtlCol="0"/>
+          <a:lstStyle>
+            <a:lvl1pPr algn="r">
+              <a:defRPr sz="1200"/>
+            </a:lvl1pPr>
+          </a:lstStyle>
+          <a:p>
+            <a:fld id="{1F8EFE1C-2454-4DC5-A22E-12D70F3005A6}" type="datetimeFigureOut">
+              <a:rPr lang="es-ES" smtClean="0"/>
+              <a:t>24/12/2023</a:t>
+            </a:fld>
+            <a:endParaRPr lang="es-ES"/>
+          </a:p>
+        </p:txBody>
+      </p:sp>
+      <p:sp>
+        <p:nvSpPr>
+          <p:cNvPr id="4" name="Marcador de imagen de diapositiva 3"/>
+          <p:cNvSpPr>
+            <a:spLocks noGrp="1" noRot="1" noChangeAspect="1"/>
+          </p:cNvSpPr>
+          <p:nvPr>
+            <p:ph type="sldImg" idx="2"/>
+          </p:nvPr>
+        </p:nvSpPr>
+        <p:spPr>
+          <a:xfrm>
+            <a:off x="685800" y="1143000"/>
+            <a:ext cx="5486400" cy="3086100"/>
+          </a:xfrm>
+          <a:prstGeom prst="rect">
+            <a:avLst/>
+          </a:prstGeom>
+          <a:noFill/>
+          <a:ln w="12700">
+            <a:solidFill>
+              <a:prstClr val="black"/>
+            </a:solidFill>
+          </a:ln>
+        </p:spPr>
+        <p:txBody>
+          <a:bodyPr vert="horz" lIns="91440" tIns="45720" rIns="91440" bIns="45720" rtlCol="0" anchor="ctr"/>
+          <a:lstStyle/>
+          <a:p>
+            <a:endParaRPr lang="es-ES"/>
+          </a:p>
+        </p:txBody>
+      </p:sp>
+      <p:sp>
+        <p:nvSpPr>
+          <p:cNvPr id="5" name="Marcador de notas 4"/>
+          <p:cNvSpPr>
+            <a:spLocks noGrp="1"/>
+          </p:cNvSpPr>
+          <p:nvPr>
+            <p:ph type="body" sz="quarter" idx="3"/>
+          </p:nvPr>
+        </p:nvSpPr>
+        <p:spPr>
+          <a:xfrm>
+            <a:off x="685800" y="4400550"/>
+            <a:ext cx="5486400" cy="3600450"/>
+          </a:xfrm>
+          <a:prstGeom prst="rect">
+            <a:avLst/>
+          </a:prstGeom>
+        </p:spPr>
+        <p:txBody>
+          <a:bodyPr vert="horz" lIns="91440" tIns="45720" rIns="91440" bIns="45720" rtlCol="0"/>
+          <a:lstStyle/>
+          <a:p>
+            <a:pPr lvl="0"/>
+            <a:r>
+              <a:rPr lang="es-ES"/>
+              <a:t>Haga clic para modificar los estilos de texto del patrón</a:t>
+            </a:r>
+          </a:p>
+          <a:p>
+            <a:pPr lvl="1"/>
+            <a:r>
+              <a:rPr lang="es-ES"/>
+              <a:t>Segundo nivel</a:t>
+            </a:r>
+          </a:p>
+          <a:p>
+            <a:pPr lvl="2"/>
+            <a:r>
+              <a:rPr lang="es-ES"/>
+              <a:t>Tercer nivel</a:t>
+            </a:r>
+          </a:p>
+          <a:p>
+            <a:pPr lvl="3"/>
+            <a:r>
+              <a:rPr lang="es-ES"/>
+              <a:t>Cuarto nivel</a:t>
+            </a:r>
+          </a:p>
+          <a:p>
+            <a:pPr lvl="4"/>
+            <a:r>
+              <a:rPr lang="es-ES"/>
+              <a:t>Quinto nivel</a:t>
+            </a:r>
+          </a:p>
+        </p:txBody>
+      </p:sp>
+      <p:sp>
+        <p:nvSpPr>
+          <p:cNvPr id="6" name="Marcador de pie de página 5"/>
+          <p:cNvSpPr>
+            <a:spLocks noGrp="1"/>
+          </p:cNvSpPr>
+          <p:nvPr>
+            <p:ph type="ftr" sz="quarter" idx="4"/>
+          </p:nvPr>
+        </p:nvSpPr>
+        <p:spPr>
+          <a:xfrm>
+            <a:off x="0" y="8685213"/>
+            <a:ext cx="2971800" cy="458787"/>
+          </a:xfrm>
+          <a:prstGeom prst="rect">
+            <a:avLst/>
+          </a:prstGeom>
+        </p:spPr>
+        <p:txBody>
+          <a:bodyPr vert="horz" lIns="91440" tIns="45720" rIns="91440" bIns="45720" rtlCol="0" anchor="b"/>
+          <a:lstStyle>
+            <a:lvl1pPr algn="l">
+              <a:defRPr sz="1200"/>
+            </a:lvl1pPr>
+          </a:lstStyle>
+          <a:p>
+            <a:endParaRPr lang="es-ES"/>
+          </a:p>
+        </p:txBody>
+      </p:sp>
+      <p:sp>
+        <p:nvSpPr>
+          <p:cNvPr id="7" name="Marcador de número de diapositiva 6"/>
+          <p:cNvSpPr>
+            <a:spLocks noGrp="1"/>
+          </p:cNvSpPr>
+          <p:nvPr>
+            <p:ph type="sldNum" sz="quarter" idx="5"/>
+          </p:nvPr>
+        </p:nvSpPr>
+        <p:spPr>
+          <a:xfrm>
+            <a:off x="3884613" y="8685213"/>
+            <a:ext cx="2971800" cy="458787"/>
+          </a:xfrm>
+          <a:prstGeom prst="rect">
+            <a:avLst/>
+          </a:prstGeom>
+        </p:spPr>
+        <p:txBody>
+          <a:bodyPr vert="horz" lIns="91440" tIns="45720" rIns="91440" bIns="45720" rtlCol="0" anchor="b"/>
+          <a:lstStyle>
+            <a:lvl1pPr algn="r">
+              <a:defRPr sz="1200"/>
+            </a:lvl1pPr>
+          </a:lstStyle>
+          <a:p>
+            <a:fld id="{A9E0DFAB-551E-4A0F-BE6B-49CF793043B4}" type="slidenum">
+              <a:rPr lang="es-ES" smtClean="0"/>
+              <a:t>‹Nº›</a:t>
+            </a:fld>
+            <a:endParaRPr lang="es-ES"/>
+          </a:p>
+        </p:txBody>
+      </p:sp>
+    </p:spTree>
+    <p:extLst>
+      <p:ext uri="{BB962C8B-B14F-4D97-AF65-F5344CB8AC3E}">
+        <p14:creationId xmlns:p14="http://schemas.microsoft.com/office/powerpoint/2010/main" val="115401536"/>
+      </p:ext>
+    </p:extLst>
+  </p:cSld>
+  <p:clrMap bg1="lt1" tx1="dk1" bg2="lt2" tx2="dk2" accent1="accent1" accent2="accent2" accent3="accent3" accent4="accent4" accent5="accent5" accent6="accent6" hlink="hlink" folHlink="folHlink"/>
+  <p:notesStyle>
+    <a:lvl1pPr marL="0" algn="l" defTabSz="914400" rtl="0" eaLnBrk="1" latinLnBrk="0" hangingPunct="1">
+      <a:defRPr sz="1200" kern="1200">
+        <a:solidFill>
+          <a:schemeClr val="tx1"/>
+        </a:solidFill>
+        <a:latin typeface="+mn-lt"/>
+        <a:ea typeface="+mn-ea"/>
+        <a:cs typeface="+mn-cs"/>
+      </a:defRPr>
+    </a:lvl1pPr>
+    <a:lvl2pPr marL="457200" algn="l" defTabSz="914400" rtl="0" eaLnBrk="1" latinLnBrk="0" hangingPunct="1">
+      <a:defRPr sz="1200" kern="1200">
+        <a:solidFill>
+          <a:schemeClr val="tx1"/>
+        </a:solidFill>
+        <a:latin typeface="+mn-lt"/>
+        <a:ea typeface="+mn-ea"/>
+        <a:cs typeface="+mn-cs"/>
+      </a:defRPr>
+    </a:lvl2pPr>
+    <a:lvl3pPr marL="914400" algn="l" defTabSz="914400" rtl="0" eaLnBrk="1" latinLnBrk="0" hangingPunct="1">
+      <a:defRPr sz="1200" kern="1200">
+        <a:solidFill>
+          <a:schemeClr val="tx1"/>
+        </a:solidFill>
+        <a:latin typeface="+mn-lt"/>
+        <a:ea typeface="+mn-ea"/>
+        <a:cs typeface="+mn-cs"/>
+      </a:defRPr>
+    </a:lvl3pPr>
+    <a:lvl4pPr marL="1371600" algn="l" defTabSz="914400" rtl="0" eaLnBrk="1" latinLnBrk="0" hangingPunct="1">
+      <a:defRPr sz="1200" kern="1200">
+        <a:solidFill>
+          <a:schemeClr val="tx1"/>
+        </a:solidFill>
+        <a:latin typeface="+mn-lt"/>
+        <a:ea typeface="+mn-ea"/>
+        <a:cs typeface="+mn-cs"/>
+      </a:defRPr>
+    </a:lvl4pPr>
+    <a:lvl5pPr marL="1828800" algn="l" defTabSz="914400" rtl="0" eaLnBrk="1" latinLnBrk="0" hangingPunct="1">
+      <a:defRPr sz="1200" kern="1200">
+        <a:solidFill>
+          <a:schemeClr val="tx1"/>
+        </a:solidFill>
+        <a:latin typeface="+mn-lt"/>
+        <a:ea typeface="+mn-ea"/>
+        <a:cs typeface="+mn-cs"/>
+      </a:defRPr>
+    </a:lvl5pPr>
+    <a:lvl6pPr marL="2286000" algn="l" defTabSz="914400" rtl="0" eaLnBrk="1" latinLnBrk="0" hangingPunct="1">
+      <a:defRPr sz="1200" kern="1200">
+        <a:solidFill>
+          <a:schemeClr val="tx1"/>
+        </a:solidFill>
+        <a:latin typeface="+mn-lt"/>
+        <a:ea typeface="+mn-ea"/>
+        <a:cs typeface="+mn-cs"/>
+      </a:defRPr>
+    </a:lvl6pPr>
+    <a:lvl7pPr marL="2743200" algn="l" defTabSz="914400" rtl="0" eaLnBrk="1" latinLnBrk="0" hangingPunct="1">
+      <a:defRPr sz="1200" kern="1200">
+        <a:solidFill>
+          <a:schemeClr val="tx1"/>
+        </a:solidFill>
+        <a:latin typeface="+mn-lt"/>
+        <a:ea typeface="+mn-ea"/>
+        <a:cs typeface="+mn-cs"/>
+      </a:defRPr>
+    </a:lvl7pPr>
+    <a:lvl8pPr marL="3200400" algn="l" defTabSz="914400" rtl="0" eaLnBrk="1" latinLnBrk="0" hangingPunct="1">
+      <a:defRPr sz="1200" kern="1200">
+        <a:solidFill>
+          <a:schemeClr val="tx1"/>
+        </a:solidFill>
+        <a:latin typeface="+mn-lt"/>
+        <a:ea typeface="+mn-ea"/>
+        <a:cs typeface="+mn-cs"/>
+      </a:defRPr>
+    </a:lvl8pPr>
+    <a:lvl9pPr marL="3657600" algn="l" defTabSz="914400" rtl="0" eaLnBrk="1" latinLnBrk="0" hangingPunct="1">
+      <a:defRPr sz="1200" kern="1200">
+        <a:solidFill>
+          <a:schemeClr val="tx1"/>
+        </a:solidFill>
+        <a:latin typeface="+mn-lt"/>
+        <a:ea typeface="+mn-ea"/>
+        <a:cs typeface="+mn-cs"/>
+      </a:defRPr>
+    </a:lvl9pPr>
+  </p:notesStyle>
+</p:notesMaster>
+</file>
+
+<file path=ppt/notesSlides/notesSlide1.xml><?xml version="1.0" encoding="utf-8"?>
+<p:notes xmlns:a="http://schemas.openxmlformats.org/drawingml/2006/main" xmlns:r="http://schemas.openxmlformats.org/officeDocument/2006/relationships" xmlns:p="http://schemas.openxmlformats.org/presentationml/2006/main">
+  <p:cSld>
+    <p:spTree>
+      <p:nvGrpSpPr>
+        <p:cNvPr id="1" name=""/>
+        <p:cNvGrpSpPr/>
+        <p:nvPr/>
+      </p:nvGrpSpPr>
+      <p:grpSpPr>
+        <a:xfrm>
+          <a:off x="0" y="0"/>
+          <a:ext cx="0" cy="0"/>
+          <a:chOff x="0" y="0"/>
+          <a:chExt cx="0" cy="0"/>
+        </a:xfrm>
+      </p:grpSpPr>
+      <p:sp>
+        <p:nvSpPr>
+          <p:cNvPr id="2" name="Marcador de imagen de diapositiva 1"/>
+          <p:cNvSpPr>
+            <a:spLocks noGrp="1" noRot="1" noChangeAspect="1"/>
+          </p:cNvSpPr>
+          <p:nvPr>
+            <p:ph type="sldImg"/>
+          </p:nvPr>
+        </p:nvSpPr>
+        <p:spPr/>
+      </p:sp>
+      <p:sp>
+        <p:nvSpPr>
+          <p:cNvPr id="3" name="Marcador de notas 2"/>
+          <p:cNvSpPr>
+            <a:spLocks noGrp="1"/>
+          </p:cNvSpPr>
+          <p:nvPr>
+            <p:ph type="body" idx="1"/>
+          </p:nvPr>
+        </p:nvSpPr>
+        <p:spPr/>
+        <p:txBody>
+          <a:bodyPr/>
+          <a:lstStyle/>
+          <a:p>
+            <a:r>
+              <a:rPr lang="es-ES" dirty="0"/>
+              <a:t>Ejemplo de comprar ropa de invierno en verano y viceversa</a:t>
+            </a:r>
+          </a:p>
+        </p:txBody>
+      </p:sp>
+      <p:sp>
+        <p:nvSpPr>
+          <p:cNvPr id="4" name="Marcador de número de diapositiva 3"/>
+          <p:cNvSpPr>
+            <a:spLocks noGrp="1"/>
+          </p:cNvSpPr>
+          <p:nvPr>
+            <p:ph type="sldNum" sz="quarter" idx="5"/>
+          </p:nvPr>
+        </p:nvSpPr>
+        <p:spPr/>
+        <p:txBody>
+          <a:bodyPr/>
+          <a:lstStyle/>
+          <a:p>
+            <a:fld id="{A9E0DFAB-551E-4A0F-BE6B-49CF793043B4}" type="slidenum">
+              <a:rPr lang="es-ES" smtClean="0"/>
+              <a:t>11</a:t>
+            </a:fld>
+            <a:endParaRPr lang="es-ES"/>
+          </a:p>
+        </p:txBody>
+      </p:sp>
+    </p:spTree>
+    <p:extLst>
+      <p:ext uri="{BB962C8B-B14F-4D97-AF65-F5344CB8AC3E}">
+        <p14:creationId xmlns:p14="http://schemas.microsoft.com/office/powerpoint/2010/main" val="2953882327"/>
+      </p:ext>
+    </p:extLst>
+  </p:cSld>
+  <p:clrMapOvr>
+    <a:masterClrMapping/>
+  </p:clrMapOvr>
+</p:notes>
+</file>
+
 <file path=ppt/slideLayouts/slideLayout1.xml><?xml version="1.0" encoding="utf-8"?>
 <p:sldLayout xmlns:a="http://schemas.openxmlformats.org/drawingml/2006/main" xmlns:r="http://schemas.openxmlformats.org/officeDocument/2006/relationships" xmlns:p="http://schemas.openxmlformats.org/presentationml/2006/main" type="title" preserve="1">
   <p:cSld name="Diapositiva de título">
@@ -8959,6 +9399,300 @@
     <p:bg>
       <p:bgPr>
         <a:blipFill>
+          <a:blip r:embed="rId3"/>
+          <a:stretch/>
+        </a:blipFill>
+        <a:effectLst/>
+      </p:bgPr>
+    </p:bg>
+    <p:spTree>
+      <p:nvGrpSpPr>
+        <p:cNvPr id="1" name=""/>
+        <p:cNvGrpSpPr/>
+        <p:nvPr/>
+      </p:nvGrpSpPr>
+      <p:grpSpPr>
+        <a:xfrm>
+          <a:off x="0" y="0"/>
+          <a:ext cx="0" cy="0"/>
+          <a:chOff x="0" y="0"/>
+          <a:chExt cx="0" cy="0"/>
+        </a:xfrm>
+      </p:grpSpPr>
+      <p:sp>
+        <p:nvSpPr>
+          <p:cNvPr id="2" name="Título 1">
+            <a:extLst>
+              <a:ext uri="{FF2B5EF4-FFF2-40B4-BE49-F238E27FC236}">
+                <a16:creationId xmlns:a16="http://schemas.microsoft.com/office/drawing/2014/main" id="{D683C737-715E-3254-A0C0-CEB48FF4CF48}"/>
+              </a:ext>
+            </a:extLst>
+          </p:cNvPr>
+          <p:cNvSpPr>
+            <a:spLocks noGrp="1"/>
+          </p:cNvSpPr>
+          <p:nvPr>
+            <p:ph type="title"/>
+          </p:nvPr>
+        </p:nvSpPr>
+        <p:spPr>
+          <a:xfrm>
+            <a:off x="6478438" y="643463"/>
+            <a:ext cx="5094130" cy="1608124"/>
+          </a:xfrm>
+        </p:spPr>
+        <p:txBody>
+          <a:bodyPr>
+            <a:normAutofit/>
+          </a:bodyPr>
+          <a:lstStyle/>
+          <a:p>
+            <a:r>
+              <a:rPr lang="es-ES" dirty="0"/>
+              <a:t>Pirámide del conocimiento</a:t>
+            </a:r>
+          </a:p>
+        </p:txBody>
+      </p:sp>
+      <p:sp>
+        <p:nvSpPr>
+          <p:cNvPr id="11" name="Content Placeholder 8">
+            <a:extLst>
+              <a:ext uri="{FF2B5EF4-FFF2-40B4-BE49-F238E27FC236}">
+                <a16:creationId xmlns:a16="http://schemas.microsoft.com/office/drawing/2014/main" id="{BA038476-F0E6-65FC-02B0-4FB9ED8EA0A2}"/>
+              </a:ext>
+            </a:extLst>
+          </p:cNvPr>
+          <p:cNvSpPr>
+            <a:spLocks noGrp="1"/>
+          </p:cNvSpPr>
+          <p:nvPr>
+            <p:ph idx="1"/>
+          </p:nvPr>
+        </p:nvSpPr>
+        <p:spPr>
+          <a:xfrm>
+            <a:off x="6478438" y="2251587"/>
+            <a:ext cx="5094130" cy="3972232"/>
+          </a:xfrm>
+        </p:spPr>
+        <p:txBody>
+          <a:bodyPr>
+            <a:normAutofit/>
+          </a:bodyPr>
+          <a:lstStyle/>
+          <a:p>
+            <a:r>
+              <a:rPr lang="en-US" dirty="0" err="1"/>
+              <a:t>Sabiduría</a:t>
+            </a:r>
+            <a:endParaRPr lang="en-US" dirty="0"/>
+          </a:p>
+          <a:p>
+            <a:pPr lvl="1"/>
+            <a:r>
+              <a:rPr lang="en-US" dirty="0" err="1"/>
+              <a:t>Comprensión</a:t>
+            </a:r>
+            <a:r>
+              <a:rPr lang="en-US" dirty="0"/>
+              <a:t> </a:t>
+            </a:r>
+            <a:r>
+              <a:rPr lang="en-US" dirty="0" err="1"/>
+              <a:t>conectando</a:t>
+            </a:r>
+            <a:r>
+              <a:rPr lang="en-US" dirty="0"/>
+              <a:t> </a:t>
+            </a:r>
+            <a:r>
+              <a:rPr lang="en-US" dirty="0" err="1"/>
+              <a:t>diversos</a:t>
+            </a:r>
+            <a:r>
+              <a:rPr lang="en-US" dirty="0"/>
+              <a:t> </a:t>
+            </a:r>
+            <a:r>
+              <a:rPr lang="en-US" dirty="0" err="1"/>
+              <a:t>conocimientos</a:t>
+            </a:r>
+            <a:endParaRPr lang="en-US" dirty="0"/>
+          </a:p>
+          <a:p>
+            <a:r>
+              <a:rPr lang="en-US" dirty="0" err="1"/>
+              <a:t>Conocimiento</a:t>
+            </a:r>
+            <a:endParaRPr lang="en-US" dirty="0"/>
+          </a:p>
+          <a:p>
+            <a:pPr lvl="1"/>
+            <a:r>
+              <a:rPr lang="en-US" dirty="0" err="1"/>
+              <a:t>Comprensión</a:t>
+            </a:r>
+            <a:r>
+              <a:rPr lang="en-US" dirty="0"/>
+              <a:t> a </a:t>
+            </a:r>
+            <a:r>
+              <a:rPr lang="en-US" dirty="0" err="1"/>
+              <a:t>través</a:t>
+            </a:r>
+            <a:r>
+              <a:rPr lang="en-US" dirty="0"/>
+              <a:t> de </a:t>
+            </a:r>
+            <a:r>
+              <a:rPr lang="en-US" dirty="0" err="1"/>
+              <a:t>información</a:t>
+            </a:r>
+            <a:endParaRPr lang="en-US" dirty="0"/>
+          </a:p>
+          <a:p>
+            <a:r>
+              <a:rPr lang="en-US" dirty="0" err="1"/>
+              <a:t>Información</a:t>
+            </a:r>
+            <a:endParaRPr lang="en-US" dirty="0"/>
+          </a:p>
+          <a:p>
+            <a:pPr lvl="1"/>
+            <a:r>
+              <a:rPr lang="en-US" dirty="0"/>
+              <a:t>Dato </a:t>
+            </a:r>
+            <a:r>
+              <a:rPr lang="en-US" dirty="0" err="1"/>
+              <a:t>contextualizado</a:t>
+            </a:r>
+            <a:endParaRPr lang="en-US" dirty="0"/>
+          </a:p>
+          <a:p>
+            <a:r>
+              <a:rPr lang="en-US" dirty="0"/>
+              <a:t>Dato</a:t>
+            </a:r>
+          </a:p>
+          <a:p>
+            <a:pPr lvl="1"/>
+            <a:r>
+              <a:rPr lang="en-US" dirty="0" err="1"/>
+              <a:t>Hecho</a:t>
+            </a:r>
+            <a:r>
+              <a:rPr lang="en-US" dirty="0"/>
+              <a:t> </a:t>
+            </a:r>
+            <a:r>
+              <a:rPr lang="en-US" dirty="0" err="1"/>
+              <a:t>concreto</a:t>
+            </a:r>
+            <a:r>
+              <a:rPr lang="en-US" dirty="0"/>
+              <a:t> o </a:t>
+            </a:r>
+            <a:r>
+              <a:rPr lang="en-US" dirty="0" err="1"/>
+              <a:t>cifra</a:t>
+            </a:r>
+            <a:r>
+              <a:rPr lang="en-US" dirty="0"/>
+              <a:t> sin </a:t>
+            </a:r>
+            <a:r>
+              <a:rPr lang="en-US" dirty="0" err="1"/>
+              <a:t>contexto</a:t>
+            </a:r>
+            <a:endParaRPr lang="en-US" dirty="0"/>
+          </a:p>
+        </p:txBody>
+      </p:sp>
+      <p:pic>
+        <p:nvPicPr>
+          <p:cNvPr id="5" name="Marcador de contenido 4" descr="Imagen que contiene tarjeta de presentación&#10;&#10;Descripción generada automáticamente">
+            <a:extLst>
+              <a:ext uri="{FF2B5EF4-FFF2-40B4-BE49-F238E27FC236}">
+                <a16:creationId xmlns:a16="http://schemas.microsoft.com/office/drawing/2014/main" id="{8399C413-B6F6-275B-8A69-B39829685F77}"/>
+              </a:ext>
+            </a:extLst>
+          </p:cNvPr>
+          <p:cNvPicPr>
+            <a:picLocks noChangeAspect="1"/>
+          </p:cNvPicPr>
+          <p:nvPr/>
+        </p:nvPicPr>
+        <p:blipFill>
+          <a:blip r:embed="rId4">
+            <a:extLst>
+              <a:ext uri="{28A0092B-C50C-407E-A947-70E740481C1C}">
+                <a14:useLocalDpi xmlns:a14="http://schemas.microsoft.com/office/drawing/2010/main" val="0"/>
+              </a:ext>
+            </a:extLst>
+          </a:blip>
+          <a:stretch>
+            <a:fillRect/>
+          </a:stretch>
+        </p:blipFill>
+        <p:spPr>
+          <a:xfrm>
+            <a:off x="619432" y="1437288"/>
+            <a:ext cx="5341412" cy="3992706"/>
+          </a:xfrm>
+          <a:prstGeom prst="roundRect">
+            <a:avLst>
+              <a:gd name="adj" fmla="val 4380"/>
+            </a:avLst>
+          </a:prstGeom>
+          <a:ln w="50800" cap="sq" cmpd="dbl">
+            <a:gradFill flip="none" rotWithShape="1">
+              <a:gsLst>
+                <a:gs pos="0">
+                  <a:srgbClr val="FFFFFF"/>
+                </a:gs>
+                <a:gs pos="100000">
+                  <a:schemeClr val="tx1">
+                    <a:alpha val="0"/>
+                  </a:schemeClr>
+                </a:gs>
+              </a:gsLst>
+              <a:path path="circle">
+                <a:fillToRect l="50000" t="50000" r="50000" b="50000"/>
+              </a:path>
+              <a:tileRect/>
+            </a:gradFill>
+            <a:miter lim="800000"/>
+          </a:ln>
+          <a:effectLst>
+            <a:outerShdw blurRad="254000" algn="tl" rotWithShape="0">
+              <a:srgbClr val="000000">
+                <a:alpha val="43000"/>
+              </a:srgbClr>
+            </a:outerShdw>
+          </a:effectLst>
+        </p:spPr>
+      </p:pic>
+    </p:spTree>
+    <p:extLst>
+      <p:ext uri="{BB962C8B-B14F-4D97-AF65-F5344CB8AC3E}">
+        <p14:creationId xmlns:p14="http://schemas.microsoft.com/office/powerpoint/2010/main" val="121656354"/>
+      </p:ext>
+    </p:extLst>
+  </p:cSld>
+  <p:clrMapOvr>
+    <a:masterClrMapping/>
+  </p:clrMapOvr>
+</p:sld>
+</file>
+
+<file path=ppt/slides/slide12.xml><?xml version="1.0" encoding="utf-8"?>
+<p:sld xmlns:a="http://schemas.openxmlformats.org/drawingml/2006/main" xmlns:r="http://schemas.openxmlformats.org/officeDocument/2006/relationships" xmlns:p="http://schemas.openxmlformats.org/presentationml/2006/main">
+  <p:cSld>
+    <p:bg>
+      <p:bgPr>
+        <a:blipFill>
           <a:blip r:embed="rId2"/>
           <a:stretch/>
         </a:blipFill>
@@ -9138,98 +9872,6 @@
 </p:sld>
 </file>
 
-<file path=ppt/slides/slide12.xml><?xml version="1.0" encoding="utf-8"?>
-<p:sld xmlns:a="http://schemas.openxmlformats.org/drawingml/2006/main" xmlns:r="http://schemas.openxmlformats.org/officeDocument/2006/relationships" xmlns:p="http://schemas.openxmlformats.org/presentationml/2006/main">
-  <p:cSld>
-    <p:spTree>
-      <p:nvGrpSpPr>
-        <p:cNvPr id="1" name=""/>
-        <p:cNvGrpSpPr/>
-        <p:nvPr/>
-      </p:nvGrpSpPr>
-      <p:grpSpPr>
-        <a:xfrm>
-          <a:off x="0" y="0"/>
-          <a:ext cx="0" cy="0"/>
-          <a:chOff x="0" y="0"/>
-          <a:chExt cx="0" cy="0"/>
-        </a:xfrm>
-      </p:grpSpPr>
-      <p:sp>
-        <p:nvSpPr>
-          <p:cNvPr id="2" name="Título 1">
-            <a:extLst>
-              <a:ext uri="{FF2B5EF4-FFF2-40B4-BE49-F238E27FC236}">
-                <a16:creationId xmlns:a16="http://schemas.microsoft.com/office/drawing/2014/main" id="{1190F830-B808-DCDB-405D-44F3390880F2}"/>
-              </a:ext>
-            </a:extLst>
-          </p:cNvPr>
-          <p:cNvSpPr>
-            <a:spLocks noGrp="1"/>
-          </p:cNvSpPr>
-          <p:nvPr>
-            <p:ph type="title"/>
-          </p:nvPr>
-        </p:nvSpPr>
-        <p:spPr/>
-        <p:txBody>
-          <a:bodyPr/>
-          <a:lstStyle/>
-          <a:p>
-            <a:r>
-              <a:rPr lang="es-ES" dirty="0"/>
-              <a:t>Análisis de Precios de competidores</a:t>
-            </a:r>
-          </a:p>
-        </p:txBody>
-      </p:sp>
-      <p:sp>
-        <p:nvSpPr>
-          <p:cNvPr id="3" name="Marcador de contenido 2">
-            <a:extLst>
-              <a:ext uri="{FF2B5EF4-FFF2-40B4-BE49-F238E27FC236}">
-                <a16:creationId xmlns:a16="http://schemas.microsoft.com/office/drawing/2014/main" id="{ADC40DD1-E0F5-B199-6C43-2905ABA504D6}"/>
-              </a:ext>
-            </a:extLst>
-          </p:cNvPr>
-          <p:cNvSpPr>
-            <a:spLocks noGrp="1"/>
-          </p:cNvSpPr>
-          <p:nvPr>
-            <p:ph idx="1"/>
-          </p:nvPr>
-        </p:nvSpPr>
-        <p:spPr/>
-        <p:txBody>
-          <a:bodyPr anchor="t"/>
-          <a:lstStyle/>
-          <a:p>
-            <a:r>
-              <a:rPr lang="es-ES" dirty="0"/>
-              <a:t>¿Cómo se hacía antes?</a:t>
-            </a:r>
-          </a:p>
-          <a:p>
-            <a:r>
-              <a:rPr lang="es-ES" dirty="0"/>
-              <a:t>Cómo se puede hacer ahora…</a:t>
-            </a:r>
-          </a:p>
-        </p:txBody>
-      </p:sp>
-    </p:spTree>
-    <p:extLst>
-      <p:ext uri="{BB962C8B-B14F-4D97-AF65-F5344CB8AC3E}">
-        <p14:creationId xmlns:p14="http://schemas.microsoft.com/office/powerpoint/2010/main" val="3666675579"/>
-      </p:ext>
-    </p:extLst>
-  </p:cSld>
-  <p:clrMapOvr>
-    <a:masterClrMapping/>
-  </p:clrMapOvr>
-</p:sld>
-</file>
-
 <file path=ppt/slides/slide13.xml><?xml version="1.0" encoding="utf-8"?>
 <p:sld xmlns:a="http://schemas.openxmlformats.org/drawingml/2006/main" xmlns:r="http://schemas.openxmlformats.org/officeDocument/2006/relationships" xmlns:p="http://schemas.openxmlformats.org/presentationml/2006/main">
   <p:cSld>
@@ -9252,7 +9894,7 @@
           <p:cNvPr id="2" name="Título 1">
             <a:extLst>
               <a:ext uri="{FF2B5EF4-FFF2-40B4-BE49-F238E27FC236}">
-                <a16:creationId xmlns:a16="http://schemas.microsoft.com/office/drawing/2014/main" id="{A09C7DFE-16B9-7308-BCF6-28674CE52622}"/>
+                <a16:creationId xmlns:a16="http://schemas.microsoft.com/office/drawing/2014/main" id="{1190F830-B808-DCDB-405D-44F3390880F2}"/>
               </a:ext>
             </a:extLst>
           </p:cNvPr>
@@ -9270,7 +9912,7 @@
           <a:p>
             <a:r>
               <a:rPr lang="es-ES" dirty="0"/>
-              <a:t>Indexación de motores de búsqueda</a:t>
+              <a:t>Análisis de Precios de competidores</a:t>
             </a:r>
           </a:p>
         </p:txBody>
@@ -9280,7 +9922,7 @@
           <p:cNvPr id="3" name="Marcador de contenido 2">
             <a:extLst>
               <a:ext uri="{FF2B5EF4-FFF2-40B4-BE49-F238E27FC236}">
-                <a16:creationId xmlns:a16="http://schemas.microsoft.com/office/drawing/2014/main" id="{136471C3-49D0-8C73-A1C2-7785DE696D22}"/>
+                <a16:creationId xmlns:a16="http://schemas.microsoft.com/office/drawing/2014/main" id="{ADC40DD1-E0F5-B199-6C43-2905ABA504D6}"/>
               </a:ext>
             </a:extLst>
           </p:cNvPr>
@@ -9298,34 +9940,21 @@
           <a:p>
             <a:r>
               <a:rPr lang="es-ES" dirty="0"/>
-              <a:t>SEO</a:t>
+              <a:t>¿Cómo se hacía antes?</a:t>
             </a:r>
           </a:p>
           <a:p>
             <a:r>
               <a:rPr lang="es-ES" dirty="0"/>
-              <a:t>Open-</a:t>
-            </a:r>
-            <a:r>
-              <a:rPr lang="es-ES" dirty="0" err="1"/>
-              <a:t>Graph</a:t>
-            </a:r>
-            <a:r>
-              <a:rPr lang="es-ES" dirty="0"/>
-              <a:t> </a:t>
-            </a:r>
-            <a:r>
-              <a:rPr lang="es-ES" dirty="0" err="1"/>
-              <a:t>Cards</a:t>
-            </a:r>
-            <a:endParaRPr lang="es-ES" dirty="0"/>
+              <a:t>Cómo se puede hacer ahora…</a:t>
+            </a:r>
           </a:p>
         </p:txBody>
       </p:sp>
     </p:spTree>
     <p:extLst>
       <p:ext uri="{BB962C8B-B14F-4D97-AF65-F5344CB8AC3E}">
-        <p14:creationId xmlns:p14="http://schemas.microsoft.com/office/powerpoint/2010/main" val="2944742727"/>
+        <p14:creationId xmlns:p14="http://schemas.microsoft.com/office/powerpoint/2010/main" val="3666675579"/>
       </p:ext>
     </p:extLst>
   </p:cSld>
@@ -9357,7 +9986,7 @@
           <p:cNvPr id="2" name="Título 1">
             <a:extLst>
               <a:ext uri="{FF2B5EF4-FFF2-40B4-BE49-F238E27FC236}">
-                <a16:creationId xmlns:a16="http://schemas.microsoft.com/office/drawing/2014/main" id="{A3ED8D2B-5D68-D037-D743-00DDE32E4EBA}"/>
+                <a16:creationId xmlns:a16="http://schemas.microsoft.com/office/drawing/2014/main" id="{A09C7DFE-16B9-7308-BCF6-28674CE52622}"/>
               </a:ext>
             </a:extLst>
           </p:cNvPr>
@@ -9375,13 +10004,8 @@
           <a:p>
             <a:r>
               <a:rPr lang="es-ES" dirty="0"/>
-              <a:t>Web </a:t>
-            </a:r>
-            <a:r>
-              <a:rPr lang="es-ES" dirty="0" err="1"/>
-              <a:t>Scraping</a:t>
-            </a:r>
-            <a:endParaRPr lang="es-ES" dirty="0"/>
+              <a:t>Indexación de motores de búsqueda</a:t>
+            </a:r>
           </a:p>
         </p:txBody>
       </p:sp>
@@ -9390,7 +10014,7 @@
           <p:cNvPr id="3" name="Marcador de contenido 2">
             <a:extLst>
               <a:ext uri="{FF2B5EF4-FFF2-40B4-BE49-F238E27FC236}">
-                <a16:creationId xmlns:a16="http://schemas.microsoft.com/office/drawing/2014/main" id="{40A7E8E3-FA05-F0BD-04A6-22266242A257}"/>
+                <a16:creationId xmlns:a16="http://schemas.microsoft.com/office/drawing/2014/main" id="{136471C3-49D0-8C73-A1C2-7785DE696D22}"/>
               </a:ext>
             </a:extLst>
           </p:cNvPr>
@@ -9403,17 +10027,39 @@
         </p:nvSpPr>
         <p:spPr/>
         <p:txBody>
-          <a:bodyPr/>
+          <a:bodyPr anchor="t"/>
           <a:lstStyle/>
           <a:p>
-            <a:endParaRPr lang="es-ES"/>
+            <a:r>
+              <a:rPr lang="es-ES" dirty="0"/>
+              <a:t>SEO</a:t>
+            </a:r>
+          </a:p>
+          <a:p>
+            <a:r>
+              <a:rPr lang="es-ES" dirty="0"/>
+              <a:t>Open-</a:t>
+            </a:r>
+            <a:r>
+              <a:rPr lang="es-ES" dirty="0" err="1"/>
+              <a:t>Graph</a:t>
+            </a:r>
+            <a:r>
+              <a:rPr lang="es-ES" dirty="0"/>
+              <a:t> </a:t>
+            </a:r>
+            <a:r>
+              <a:rPr lang="es-ES" dirty="0" err="1"/>
+              <a:t>Cards</a:t>
+            </a:r>
+            <a:endParaRPr lang="es-ES" dirty="0"/>
           </a:p>
         </p:txBody>
       </p:sp>
     </p:spTree>
     <p:extLst>
       <p:ext uri="{BB962C8B-B14F-4D97-AF65-F5344CB8AC3E}">
-        <p14:creationId xmlns:p14="http://schemas.microsoft.com/office/powerpoint/2010/main" val="1803683921"/>
+        <p14:creationId xmlns:p14="http://schemas.microsoft.com/office/powerpoint/2010/main" val="2944742727"/>
       </p:ext>
     </p:extLst>
   </p:cSld>
@@ -9445,7 +10091,7 @@
           <p:cNvPr id="2" name="Título 1">
             <a:extLst>
               <a:ext uri="{FF2B5EF4-FFF2-40B4-BE49-F238E27FC236}">
-                <a16:creationId xmlns:a16="http://schemas.microsoft.com/office/drawing/2014/main" id="{210EDCAB-4C47-4ABC-73AB-394EA9DF6D00}"/>
+                <a16:creationId xmlns:a16="http://schemas.microsoft.com/office/drawing/2014/main" id="{A3ED8D2B-5D68-D037-D743-00DDE32E4EBA}"/>
               </a:ext>
             </a:extLst>
           </p:cNvPr>
@@ -9463,8 +10109,13 @@
           <a:p>
             <a:r>
               <a:rPr lang="es-ES" dirty="0"/>
-              <a:t>Navegadores y HTTP</a:t>
-            </a:r>
+              <a:t>Web </a:t>
+            </a:r>
+            <a:r>
+              <a:rPr lang="es-ES" dirty="0" err="1"/>
+              <a:t>Scraping</a:t>
+            </a:r>
+            <a:endParaRPr lang="es-ES" dirty="0"/>
           </a:p>
         </p:txBody>
       </p:sp>
@@ -9473,7 +10124,7 @@
           <p:cNvPr id="3" name="Marcador de contenido 2">
             <a:extLst>
               <a:ext uri="{FF2B5EF4-FFF2-40B4-BE49-F238E27FC236}">
-                <a16:creationId xmlns:a16="http://schemas.microsoft.com/office/drawing/2014/main" id="{47FA2EC9-A2AC-1C54-E88C-35AFC4A2D83A}"/>
+                <a16:creationId xmlns:a16="http://schemas.microsoft.com/office/drawing/2014/main" id="{40A7E8E3-FA05-F0BD-04A6-22266242A257}"/>
               </a:ext>
             </a:extLst>
           </p:cNvPr>
@@ -9496,7 +10147,7 @@
     </p:spTree>
     <p:extLst>
       <p:ext uri="{BB962C8B-B14F-4D97-AF65-F5344CB8AC3E}">
-        <p14:creationId xmlns:p14="http://schemas.microsoft.com/office/powerpoint/2010/main" val="936468242"/>
+        <p14:creationId xmlns:p14="http://schemas.microsoft.com/office/powerpoint/2010/main" val="1803683921"/>
       </p:ext>
     </p:extLst>
   </p:cSld>
@@ -9528,7 +10179,7 @@
           <p:cNvPr id="2" name="Título 1">
             <a:extLst>
               <a:ext uri="{FF2B5EF4-FFF2-40B4-BE49-F238E27FC236}">
-                <a16:creationId xmlns:a16="http://schemas.microsoft.com/office/drawing/2014/main" id="{259DEAD8-7A47-AC96-919B-A72385270228}"/>
+                <a16:creationId xmlns:a16="http://schemas.microsoft.com/office/drawing/2014/main" id="{210EDCAB-4C47-4ABC-73AB-394EA9DF6D00}"/>
               </a:ext>
             </a:extLst>
           </p:cNvPr>
@@ -9545,12 +10196,8 @@
           <a:lstStyle/>
           <a:p>
             <a:r>
-              <a:rPr lang="es-ES" dirty="0" err="1"/>
-              <a:t>SCraping</a:t>
-            </a:r>
-            <a:r>
               <a:rPr lang="es-ES" dirty="0"/>
-              <a:t> básico</a:t>
+              <a:t>Navegadores y HTTP</a:t>
             </a:r>
           </a:p>
         </p:txBody>
@@ -9560,7 +10207,7 @@
           <p:cNvPr id="3" name="Marcador de contenido 2">
             <a:extLst>
               <a:ext uri="{FF2B5EF4-FFF2-40B4-BE49-F238E27FC236}">
-                <a16:creationId xmlns:a16="http://schemas.microsoft.com/office/drawing/2014/main" id="{BA4FCC44-4282-1F66-B8C9-239C59AB0188}"/>
+                <a16:creationId xmlns:a16="http://schemas.microsoft.com/office/drawing/2014/main" id="{47FA2EC9-A2AC-1C54-E88C-35AFC4A2D83A}"/>
               </a:ext>
             </a:extLst>
           </p:cNvPr>
@@ -9583,7 +10230,7 @@
     </p:spTree>
     <p:extLst>
       <p:ext uri="{BB962C8B-B14F-4D97-AF65-F5344CB8AC3E}">
-        <p14:creationId xmlns:p14="http://schemas.microsoft.com/office/powerpoint/2010/main" val="3983863740"/>
+        <p14:creationId xmlns:p14="http://schemas.microsoft.com/office/powerpoint/2010/main" val="936468242"/>
       </p:ext>
     </p:extLst>
   </p:cSld>
@@ -9615,6 +10262,93 @@
           <p:cNvPr id="2" name="Título 1">
             <a:extLst>
               <a:ext uri="{FF2B5EF4-FFF2-40B4-BE49-F238E27FC236}">
+                <a16:creationId xmlns:a16="http://schemas.microsoft.com/office/drawing/2014/main" id="{259DEAD8-7A47-AC96-919B-A72385270228}"/>
+              </a:ext>
+            </a:extLst>
+          </p:cNvPr>
+          <p:cNvSpPr>
+            <a:spLocks noGrp="1"/>
+          </p:cNvSpPr>
+          <p:nvPr>
+            <p:ph type="title"/>
+          </p:nvPr>
+        </p:nvSpPr>
+        <p:spPr/>
+        <p:txBody>
+          <a:bodyPr/>
+          <a:lstStyle/>
+          <a:p>
+            <a:r>
+              <a:rPr lang="es-ES" dirty="0" err="1"/>
+              <a:t>SCraping</a:t>
+            </a:r>
+            <a:r>
+              <a:rPr lang="es-ES" dirty="0"/>
+              <a:t> básico</a:t>
+            </a:r>
+          </a:p>
+        </p:txBody>
+      </p:sp>
+      <p:sp>
+        <p:nvSpPr>
+          <p:cNvPr id="3" name="Marcador de contenido 2">
+            <a:extLst>
+              <a:ext uri="{FF2B5EF4-FFF2-40B4-BE49-F238E27FC236}">
+                <a16:creationId xmlns:a16="http://schemas.microsoft.com/office/drawing/2014/main" id="{BA4FCC44-4282-1F66-B8C9-239C59AB0188}"/>
+              </a:ext>
+            </a:extLst>
+          </p:cNvPr>
+          <p:cNvSpPr>
+            <a:spLocks noGrp="1"/>
+          </p:cNvSpPr>
+          <p:nvPr>
+            <p:ph idx="1"/>
+          </p:nvPr>
+        </p:nvSpPr>
+        <p:spPr/>
+        <p:txBody>
+          <a:bodyPr/>
+          <a:lstStyle/>
+          <a:p>
+            <a:endParaRPr lang="es-ES"/>
+          </a:p>
+        </p:txBody>
+      </p:sp>
+    </p:spTree>
+    <p:extLst>
+      <p:ext uri="{BB962C8B-B14F-4D97-AF65-F5344CB8AC3E}">
+        <p14:creationId xmlns:p14="http://schemas.microsoft.com/office/powerpoint/2010/main" val="3983863740"/>
+      </p:ext>
+    </p:extLst>
+  </p:cSld>
+  <p:clrMapOvr>
+    <a:masterClrMapping/>
+  </p:clrMapOvr>
+</p:sld>
+</file>
+
+<file path=ppt/slides/slide18.xml><?xml version="1.0" encoding="utf-8"?>
+<p:sld xmlns:a="http://schemas.openxmlformats.org/drawingml/2006/main" xmlns:r="http://schemas.openxmlformats.org/officeDocument/2006/relationships" xmlns:p="http://schemas.openxmlformats.org/presentationml/2006/main">
+  <p:cSld>
+    <p:spTree>
+      <p:nvGrpSpPr>
+        <p:cNvPr id="1" name=""/>
+        <p:cNvGrpSpPr/>
+        <p:nvPr/>
+      </p:nvGrpSpPr>
+      <p:grpSpPr>
+        <a:xfrm>
+          <a:off x="0" y="0"/>
+          <a:ext cx="0" cy="0"/>
+          <a:chOff x="0" y="0"/>
+          <a:chExt cx="0" cy="0"/>
+        </a:xfrm>
+      </p:grpSpPr>
+      <p:sp>
+        <p:nvSpPr>
+          <p:cNvPr id="2" name="Título 1">
+            <a:extLst>
+              <a:ext uri="{FF2B5EF4-FFF2-40B4-BE49-F238E27FC236}">
                 <a16:creationId xmlns:a16="http://schemas.microsoft.com/office/drawing/2014/main" id="{EC39B8BC-1A0F-8649-E6A6-9E5FA332F022}"/>
               </a:ext>
             </a:extLst>
@@ -9710,7 +10444,7 @@
 </p:sld>
 </file>
 
-<file path=ppt/slides/slide18.xml><?xml version="1.0" encoding="utf-8"?>
+<file path=ppt/slides/slide19.xml><?xml version="1.0" encoding="utf-8"?>
 <p:sld xmlns:a="http://schemas.openxmlformats.org/drawingml/2006/main" xmlns:r="http://schemas.openxmlformats.org/officeDocument/2006/relationships" xmlns:p="http://schemas.openxmlformats.org/presentationml/2006/main">
   <p:cSld>
     <p:bg>
@@ -9993,7 +10727,331 @@
 </p:sld>
 </file>
 
-<file path=ppt/slides/slide19.xml><?xml version="1.0" encoding="utf-8"?>
+<file path=ppt/slides/slide2.xml><?xml version="1.0" encoding="utf-8"?>
+<p:sld xmlns:a="http://schemas.openxmlformats.org/drawingml/2006/main" xmlns:r="http://schemas.openxmlformats.org/officeDocument/2006/relationships" xmlns:p="http://schemas.openxmlformats.org/presentationml/2006/main">
+  <p:cSld>
+    <p:bg>
+      <p:bgPr>
+        <a:solidFill>
+          <a:schemeClr val="bg1"/>
+        </a:solidFill>
+        <a:effectLst/>
+      </p:bgPr>
+    </p:bg>
+    <p:spTree>
+      <p:nvGrpSpPr>
+        <p:cNvPr id="1" name=""/>
+        <p:cNvGrpSpPr/>
+        <p:nvPr/>
+      </p:nvGrpSpPr>
+      <p:grpSpPr>
+        <a:xfrm>
+          <a:off x="0" y="0"/>
+          <a:ext cx="0" cy="0"/>
+          <a:chOff x="0" y="0"/>
+          <a:chExt cx="0" cy="0"/>
+        </a:xfrm>
+      </p:grpSpPr>
+      <p:sp useBgFill="1">
+        <p:nvSpPr>
+          <p:cNvPr id="9" name="Rectangle 8">
+            <a:extLst>
+              <a:ext uri="{FF2B5EF4-FFF2-40B4-BE49-F238E27FC236}">
+                <a16:creationId xmlns:a16="http://schemas.microsoft.com/office/drawing/2014/main" id="{75F65CD9-825D-44BD-8681-D42D260D4C63}"/>
+              </a:ext>
+              <a:ext uri="{C183D7F6-B498-43B3-948B-1728B52AA6E4}">
+                <adec:decorative xmlns:adec="http://schemas.microsoft.com/office/drawing/2017/decorative" val="1"/>
+              </a:ext>
+            </a:extLst>
+          </p:cNvPr>
+          <p:cNvSpPr>
+            <a:spLocks noGrp="1" noRot="1" noChangeAspect="1" noMove="1" noResize="1" noEditPoints="1" noAdjustHandles="1" noChangeArrowheads="1" noChangeShapeType="1" noTextEdit="1"/>
+          </p:cNvSpPr>
+          <p:nvPr>
+            <p:extLst>
+              <p:ext uri="{386F3935-93C4-4BCD-93E2-E3B085C9AB24}">
+                <p16:designElem xmlns:p16="http://schemas.microsoft.com/office/powerpoint/2015/main" val="1"/>
+              </p:ext>
+            </p:extLst>
+          </p:nvPr>
+        </p:nvSpPr>
+        <p:spPr>
+          <a:xfrm>
+            <a:off x="0" y="0"/>
+            <a:ext cx="12192000" cy="6858000"/>
+          </a:xfrm>
+          <a:prstGeom prst="rect">
+            <a:avLst/>
+          </a:prstGeom>
+          <a:ln>
+            <a:noFill/>
+          </a:ln>
+        </p:spPr>
+        <p:style>
+          <a:lnRef idx="2">
+            <a:schemeClr val="accent1">
+              <a:shade val="50000"/>
+            </a:schemeClr>
+          </a:lnRef>
+          <a:fillRef idx="1">
+            <a:schemeClr val="accent1"/>
+          </a:fillRef>
+          <a:effectRef idx="0">
+            <a:schemeClr val="accent1"/>
+          </a:effectRef>
+          <a:fontRef idx="minor">
+            <a:schemeClr val="lt1"/>
+          </a:fontRef>
+        </p:style>
+        <p:txBody>
+          <a:bodyPr rtlCol="0" anchor="ctr"/>
+          <a:lstStyle/>
+          <a:p>
+            <a:pPr algn="ctr"/>
+            <a:endParaRPr lang="en-US"/>
+          </a:p>
+        </p:txBody>
+      </p:sp>
+      <p:sp>
+        <p:nvSpPr>
+          <p:cNvPr id="11" name="Freeform: Shape 10">
+            <a:extLst>
+              <a:ext uri="{FF2B5EF4-FFF2-40B4-BE49-F238E27FC236}">
+                <a16:creationId xmlns:a16="http://schemas.microsoft.com/office/drawing/2014/main" id="{B2F64C47-BE0B-4DA4-A62F-C6922DD2082F}"/>
+              </a:ext>
+              <a:ext uri="{C183D7F6-B498-43B3-948B-1728B52AA6E4}">
+                <adec:decorative xmlns:adec="http://schemas.microsoft.com/office/drawing/2017/decorative" val="1"/>
+              </a:ext>
+            </a:extLst>
+          </p:cNvPr>
+          <p:cNvSpPr>
+            <a:spLocks noGrp="1" noRot="1" noChangeAspect="1" noMove="1" noResize="1" noEditPoints="1" noAdjustHandles="1" noChangeArrowheads="1" noChangeShapeType="1" noTextEdit="1"/>
+          </p:cNvSpPr>
+          <p:nvPr>
+            <p:extLst>
+              <p:ext uri="{386F3935-93C4-4BCD-93E2-E3B085C9AB24}">
+                <p16:designElem xmlns:p16="http://schemas.microsoft.com/office/powerpoint/2015/main" val="1"/>
+              </p:ext>
+            </p:extLst>
+          </p:nvPr>
+        </p:nvSpPr>
+        <p:spPr>
+          <a:xfrm flipH="1">
+            <a:off x="0" y="-2"/>
+            <a:ext cx="4125976" cy="6858002"/>
+          </a:xfrm>
+          <a:custGeom>
+            <a:avLst/>
+            <a:gdLst>
+              <a:gd name="connsiteX0" fmla="*/ 4125976 w 4125976"/>
+              <a:gd name="connsiteY0" fmla="*/ 0 h 6858002"/>
+              <a:gd name="connsiteX1" fmla="*/ 1300393 w 4125976"/>
+              <a:gd name="connsiteY1" fmla="*/ 0 h 6858002"/>
+              <a:gd name="connsiteX2" fmla="*/ 1300393 w 4125976"/>
+              <a:gd name="connsiteY2" fmla="*/ 2 h 6858002"/>
+              <a:gd name="connsiteX3" fmla="*/ 1155520 w 4125976"/>
+              <a:gd name="connsiteY3" fmla="*/ 2 h 6858002"/>
+              <a:gd name="connsiteX4" fmla="*/ 1074856 w 4125976"/>
+              <a:gd name="connsiteY4" fmla="*/ 88573 h 6858002"/>
+              <a:gd name="connsiteX5" fmla="*/ 0 w 4125976"/>
+              <a:gd name="connsiteY5" fmla="*/ 3396600 h 6858002"/>
+              <a:gd name="connsiteX6" fmla="*/ 1222540 w 4125976"/>
+              <a:gd name="connsiteY6" fmla="*/ 6858002 h 6858002"/>
+              <a:gd name="connsiteX7" fmla="*/ 4125598 w 4125976"/>
+              <a:gd name="connsiteY7" fmla="*/ 6858002 h 6858002"/>
+              <a:gd name="connsiteX8" fmla="*/ 4125976 w 4125976"/>
+              <a:gd name="connsiteY8" fmla="*/ 6857600 h 6858002"/>
+            </a:gdLst>
+            <a:ahLst/>
+            <a:cxnLst>
+              <a:cxn ang="0">
+                <a:pos x="connsiteX0" y="connsiteY0"/>
+              </a:cxn>
+              <a:cxn ang="0">
+                <a:pos x="connsiteX1" y="connsiteY1"/>
+              </a:cxn>
+              <a:cxn ang="0">
+                <a:pos x="connsiteX2" y="connsiteY2"/>
+              </a:cxn>
+              <a:cxn ang="0">
+                <a:pos x="connsiteX3" y="connsiteY3"/>
+              </a:cxn>
+              <a:cxn ang="0">
+                <a:pos x="connsiteX4" y="connsiteY4"/>
+              </a:cxn>
+              <a:cxn ang="0">
+                <a:pos x="connsiteX5" y="connsiteY5"/>
+              </a:cxn>
+              <a:cxn ang="0">
+                <a:pos x="connsiteX6" y="connsiteY6"/>
+              </a:cxn>
+              <a:cxn ang="0">
+                <a:pos x="connsiteX7" y="connsiteY7"/>
+              </a:cxn>
+              <a:cxn ang="0">
+                <a:pos x="connsiteX8" y="connsiteY8"/>
+              </a:cxn>
+            </a:cxnLst>
+            <a:rect l="l" t="t" r="r" b="b"/>
+            <a:pathLst>
+              <a:path w="4125976" h="6858002">
+                <a:moveTo>
+                  <a:pt x="4125976" y="0"/>
+                </a:moveTo>
+                <a:lnTo>
+                  <a:pt x="1300393" y="0"/>
+                </a:lnTo>
+                <a:lnTo>
+                  <a:pt x="1300393" y="2"/>
+                </a:lnTo>
+                <a:lnTo>
+                  <a:pt x="1155520" y="2"/>
+                </a:lnTo>
+                <a:lnTo>
+                  <a:pt x="1074856" y="88573"/>
+                </a:lnTo>
+                <a:cubicBezTo>
+                  <a:pt x="422987" y="841260"/>
+                  <a:pt x="0" y="2042663"/>
+                  <a:pt x="0" y="3396600"/>
+                </a:cubicBezTo>
+                <a:cubicBezTo>
+                  <a:pt x="0" y="4846647"/>
+                  <a:pt x="488259" y="6121285"/>
+                  <a:pt x="1222540" y="6858002"/>
+                </a:cubicBezTo>
+                <a:cubicBezTo>
+                  <a:pt x="4125598" y="6858002"/>
+                  <a:pt x="4125598" y="6858002"/>
+                  <a:pt x="4125598" y="6858002"/>
+                </a:cubicBezTo>
+                <a:lnTo>
+                  <a:pt x="4125976" y="6857600"/>
+                </a:lnTo>
+                <a:close/>
+              </a:path>
+            </a:pathLst>
+          </a:custGeom>
+          <a:blipFill dpi="0" rotWithShape="1">
+            <a:blip r:embed="rId2"/>
+            <a:srcRect/>
+            <a:tile tx="0" ty="0" sx="100000" sy="100000" flip="none" algn="tl"/>
+          </a:blipFill>
+          <a:ln>
+            <a:noFill/>
+          </a:ln>
+        </p:spPr>
+        <p:style>
+          <a:lnRef idx="2">
+            <a:schemeClr val="accent1">
+              <a:shade val="50000"/>
+            </a:schemeClr>
+          </a:lnRef>
+          <a:fillRef idx="1003">
+            <a:schemeClr val="dk2"/>
+          </a:fillRef>
+          <a:effectRef idx="0">
+            <a:schemeClr val="accent1"/>
+          </a:effectRef>
+          <a:fontRef idx="minor">
+            <a:schemeClr val="lt1"/>
+          </a:fontRef>
+        </p:style>
+        <p:txBody>
+          <a:bodyPr wrap="square" rtlCol="0" anchor="ctr">
+            <a:noAutofit/>
+          </a:bodyPr>
+          <a:lstStyle/>
+          <a:p>
+            <a:pPr algn="ctr"/>
+            <a:endParaRPr lang="en-US"/>
+          </a:p>
+        </p:txBody>
+      </p:sp>
+      <p:sp>
+        <p:nvSpPr>
+          <p:cNvPr id="2" name="Título 1">
+            <a:extLst>
+              <a:ext uri="{FF2B5EF4-FFF2-40B4-BE49-F238E27FC236}">
+                <a16:creationId xmlns:a16="http://schemas.microsoft.com/office/drawing/2014/main" id="{826B8EC0-37F3-17C1-8A86-00B46A406F1C}"/>
+              </a:ext>
+            </a:extLst>
+          </p:cNvPr>
+          <p:cNvSpPr>
+            <a:spLocks noGrp="1"/>
+          </p:cNvSpPr>
+          <p:nvPr>
+            <p:ph type="title"/>
+          </p:nvPr>
+        </p:nvSpPr>
+        <p:spPr>
+          <a:xfrm>
+            <a:off x="685801" y="643466"/>
+            <a:ext cx="2590799" cy="4995333"/>
+          </a:xfrm>
+        </p:spPr>
+        <p:txBody>
+          <a:bodyPr>
+            <a:normAutofit/>
+          </a:bodyPr>
+          <a:lstStyle/>
+          <a:p>
+            <a:r>
+              <a:rPr lang="es-ES" dirty="0">
+                <a:solidFill>
+                  <a:srgbClr val="FFFFFF"/>
+                </a:solidFill>
+              </a:rPr>
+              <a:t>¿Quién soy?</a:t>
+            </a:r>
+          </a:p>
+        </p:txBody>
+      </p:sp>
+      <p:graphicFrame>
+        <p:nvGraphicFramePr>
+          <p:cNvPr id="5" name="Marcador de contenido 2">
+            <a:extLst>
+              <a:ext uri="{FF2B5EF4-FFF2-40B4-BE49-F238E27FC236}">
+                <a16:creationId xmlns:a16="http://schemas.microsoft.com/office/drawing/2014/main" id="{D311613E-E3C1-5C05-FD41-A0356232AEA1}"/>
+              </a:ext>
+            </a:extLst>
+          </p:cNvPr>
+          <p:cNvGraphicFramePr>
+            <a:graphicFrameLocks noGrp="1"/>
+          </p:cNvGraphicFramePr>
+          <p:nvPr>
+            <p:ph idx="1"/>
+            <p:extLst>
+              <p:ext uri="{D42A27DB-BD31-4B8C-83A1-F6EECF244321}">
+                <p14:modId xmlns:p14="http://schemas.microsoft.com/office/powerpoint/2010/main" val="1901363675"/>
+              </p:ext>
+            </p:extLst>
+          </p:nvPr>
+        </p:nvGraphicFramePr>
+        <p:xfrm>
+          <a:off x="4808601" y="901700"/>
+          <a:ext cx="6545199" cy="4820182"/>
+        </p:xfrm>
+        <a:graphic>
+          <a:graphicData uri="http://schemas.openxmlformats.org/drawingml/2006/diagram">
+            <dgm:relIds xmlns:dgm="http://schemas.openxmlformats.org/drawingml/2006/diagram" xmlns:r="http://schemas.openxmlformats.org/officeDocument/2006/relationships" r:dm="rId3" r:lo="rId4" r:qs="rId5" r:cs="rId6"/>
+          </a:graphicData>
+        </a:graphic>
+      </p:graphicFrame>
+    </p:spTree>
+    <p:extLst>
+      <p:ext uri="{BB962C8B-B14F-4D97-AF65-F5344CB8AC3E}">
+        <p14:creationId xmlns:p14="http://schemas.microsoft.com/office/powerpoint/2010/main" val="4205560487"/>
+      </p:ext>
+    </p:extLst>
+  </p:cSld>
+  <p:clrMapOvr>
+    <a:overrideClrMapping bg1="lt1" tx1="dk1" bg2="lt2" tx2="dk2" accent1="accent1" accent2="accent2" accent3="accent3" accent4="accent4" accent5="accent5" accent6="accent6" hlink="hlink" folHlink="folHlink"/>
+  </p:clrMapOvr>
+</p:sld>
+</file>
+
+<file path=ppt/slides/slide20.xml><?xml version="1.0" encoding="utf-8"?>
 <p:sld xmlns:a="http://schemas.openxmlformats.org/drawingml/2006/main" xmlns:r="http://schemas.openxmlformats.org/officeDocument/2006/relationships" xmlns:p="http://schemas.openxmlformats.org/presentationml/2006/main">
   <p:cSld>
     <p:spTree>
@@ -10469,14 +11527,15 @@
 </p:sld>
 </file>
 
-<file path=ppt/slides/slide2.xml><?xml version="1.0" encoding="utf-8"?>
+<file path=ppt/slides/slide21.xml><?xml version="1.0" encoding="utf-8"?>
 <p:sld xmlns:a="http://schemas.openxmlformats.org/drawingml/2006/main" xmlns:r="http://schemas.openxmlformats.org/officeDocument/2006/relationships" xmlns:p="http://schemas.openxmlformats.org/presentationml/2006/main">
   <p:cSld>
     <p:bg>
       <p:bgPr>
-        <a:solidFill>
-          <a:schemeClr val="bg1"/>
-        </a:solidFill>
+        <a:blipFill>
+          <a:blip r:embed="rId2"/>
+          <a:stretch/>
+        </a:blipFill>
         <a:effectLst/>
       </p:bgPr>
     </p:bg>
@@ -10496,10 +11555,10 @@
       </p:grpSpPr>
       <p:sp useBgFill="1">
         <p:nvSpPr>
-          <p:cNvPr id="9" name="Rectangle 8">
+          <p:cNvPr id="8" name="Rectangle 7">
             <a:extLst>
               <a:ext uri="{FF2B5EF4-FFF2-40B4-BE49-F238E27FC236}">
-                <a16:creationId xmlns:a16="http://schemas.microsoft.com/office/drawing/2014/main" id="{75F65CD9-825D-44BD-8681-D42D260D4C63}"/>
+                <a16:creationId xmlns:a16="http://schemas.microsoft.com/office/drawing/2014/main" id="{50E53EDA-3B94-4F6B-9E86-D3BB9EBB9616}"/>
               </a:ext>
               <a:ext uri="{C183D7F6-B498-43B3-948B-1728B52AA6E4}">
                 <adec:decorative xmlns:adec="http://schemas.microsoft.com/office/drawing/2017/decorative" val="1"/>
@@ -10556,331 +11615,6 @@
       </p:sp>
       <p:sp>
         <p:nvSpPr>
-          <p:cNvPr id="11" name="Freeform: Shape 10">
-            <a:extLst>
-              <a:ext uri="{FF2B5EF4-FFF2-40B4-BE49-F238E27FC236}">
-                <a16:creationId xmlns:a16="http://schemas.microsoft.com/office/drawing/2014/main" id="{B2F64C47-BE0B-4DA4-A62F-C6922DD2082F}"/>
-              </a:ext>
-              <a:ext uri="{C183D7F6-B498-43B3-948B-1728B52AA6E4}">
-                <adec:decorative xmlns:adec="http://schemas.microsoft.com/office/drawing/2017/decorative" val="1"/>
-              </a:ext>
-            </a:extLst>
-          </p:cNvPr>
-          <p:cNvSpPr>
-            <a:spLocks noGrp="1" noRot="1" noChangeAspect="1" noMove="1" noResize="1" noEditPoints="1" noAdjustHandles="1" noChangeArrowheads="1" noChangeShapeType="1" noTextEdit="1"/>
-          </p:cNvSpPr>
-          <p:nvPr>
-            <p:extLst>
-              <p:ext uri="{386F3935-93C4-4BCD-93E2-E3B085C9AB24}">
-                <p16:designElem xmlns:p16="http://schemas.microsoft.com/office/powerpoint/2015/main" val="1"/>
-              </p:ext>
-            </p:extLst>
-          </p:nvPr>
-        </p:nvSpPr>
-        <p:spPr>
-          <a:xfrm flipH="1">
-            <a:off x="0" y="-2"/>
-            <a:ext cx="4125976" cy="6858002"/>
-          </a:xfrm>
-          <a:custGeom>
-            <a:avLst/>
-            <a:gdLst>
-              <a:gd name="connsiteX0" fmla="*/ 4125976 w 4125976"/>
-              <a:gd name="connsiteY0" fmla="*/ 0 h 6858002"/>
-              <a:gd name="connsiteX1" fmla="*/ 1300393 w 4125976"/>
-              <a:gd name="connsiteY1" fmla="*/ 0 h 6858002"/>
-              <a:gd name="connsiteX2" fmla="*/ 1300393 w 4125976"/>
-              <a:gd name="connsiteY2" fmla="*/ 2 h 6858002"/>
-              <a:gd name="connsiteX3" fmla="*/ 1155520 w 4125976"/>
-              <a:gd name="connsiteY3" fmla="*/ 2 h 6858002"/>
-              <a:gd name="connsiteX4" fmla="*/ 1074856 w 4125976"/>
-              <a:gd name="connsiteY4" fmla="*/ 88573 h 6858002"/>
-              <a:gd name="connsiteX5" fmla="*/ 0 w 4125976"/>
-              <a:gd name="connsiteY5" fmla="*/ 3396600 h 6858002"/>
-              <a:gd name="connsiteX6" fmla="*/ 1222540 w 4125976"/>
-              <a:gd name="connsiteY6" fmla="*/ 6858002 h 6858002"/>
-              <a:gd name="connsiteX7" fmla="*/ 4125598 w 4125976"/>
-              <a:gd name="connsiteY7" fmla="*/ 6858002 h 6858002"/>
-              <a:gd name="connsiteX8" fmla="*/ 4125976 w 4125976"/>
-              <a:gd name="connsiteY8" fmla="*/ 6857600 h 6858002"/>
-            </a:gdLst>
-            <a:ahLst/>
-            <a:cxnLst>
-              <a:cxn ang="0">
-                <a:pos x="connsiteX0" y="connsiteY0"/>
-              </a:cxn>
-              <a:cxn ang="0">
-                <a:pos x="connsiteX1" y="connsiteY1"/>
-              </a:cxn>
-              <a:cxn ang="0">
-                <a:pos x="connsiteX2" y="connsiteY2"/>
-              </a:cxn>
-              <a:cxn ang="0">
-                <a:pos x="connsiteX3" y="connsiteY3"/>
-              </a:cxn>
-              <a:cxn ang="0">
-                <a:pos x="connsiteX4" y="connsiteY4"/>
-              </a:cxn>
-              <a:cxn ang="0">
-                <a:pos x="connsiteX5" y="connsiteY5"/>
-              </a:cxn>
-              <a:cxn ang="0">
-                <a:pos x="connsiteX6" y="connsiteY6"/>
-              </a:cxn>
-              <a:cxn ang="0">
-                <a:pos x="connsiteX7" y="connsiteY7"/>
-              </a:cxn>
-              <a:cxn ang="0">
-                <a:pos x="connsiteX8" y="connsiteY8"/>
-              </a:cxn>
-            </a:cxnLst>
-            <a:rect l="l" t="t" r="r" b="b"/>
-            <a:pathLst>
-              <a:path w="4125976" h="6858002">
-                <a:moveTo>
-                  <a:pt x="4125976" y="0"/>
-                </a:moveTo>
-                <a:lnTo>
-                  <a:pt x="1300393" y="0"/>
-                </a:lnTo>
-                <a:lnTo>
-                  <a:pt x="1300393" y="2"/>
-                </a:lnTo>
-                <a:lnTo>
-                  <a:pt x="1155520" y="2"/>
-                </a:lnTo>
-                <a:lnTo>
-                  <a:pt x="1074856" y="88573"/>
-                </a:lnTo>
-                <a:cubicBezTo>
-                  <a:pt x="422987" y="841260"/>
-                  <a:pt x="0" y="2042663"/>
-                  <a:pt x="0" y="3396600"/>
-                </a:cubicBezTo>
-                <a:cubicBezTo>
-                  <a:pt x="0" y="4846647"/>
-                  <a:pt x="488259" y="6121285"/>
-                  <a:pt x="1222540" y="6858002"/>
-                </a:cubicBezTo>
-                <a:cubicBezTo>
-                  <a:pt x="4125598" y="6858002"/>
-                  <a:pt x="4125598" y="6858002"/>
-                  <a:pt x="4125598" y="6858002"/>
-                </a:cubicBezTo>
-                <a:lnTo>
-                  <a:pt x="4125976" y="6857600"/>
-                </a:lnTo>
-                <a:close/>
-              </a:path>
-            </a:pathLst>
-          </a:custGeom>
-          <a:blipFill dpi="0" rotWithShape="1">
-            <a:blip r:embed="rId2"/>
-            <a:srcRect/>
-            <a:tile tx="0" ty="0" sx="100000" sy="100000" flip="none" algn="tl"/>
-          </a:blipFill>
-          <a:ln>
-            <a:noFill/>
-          </a:ln>
-        </p:spPr>
-        <p:style>
-          <a:lnRef idx="2">
-            <a:schemeClr val="accent1">
-              <a:shade val="50000"/>
-            </a:schemeClr>
-          </a:lnRef>
-          <a:fillRef idx="1003">
-            <a:schemeClr val="dk2"/>
-          </a:fillRef>
-          <a:effectRef idx="0">
-            <a:schemeClr val="accent1"/>
-          </a:effectRef>
-          <a:fontRef idx="minor">
-            <a:schemeClr val="lt1"/>
-          </a:fontRef>
-        </p:style>
-        <p:txBody>
-          <a:bodyPr wrap="square" rtlCol="0" anchor="ctr">
-            <a:noAutofit/>
-          </a:bodyPr>
-          <a:lstStyle/>
-          <a:p>
-            <a:pPr algn="ctr"/>
-            <a:endParaRPr lang="en-US"/>
-          </a:p>
-        </p:txBody>
-      </p:sp>
-      <p:sp>
-        <p:nvSpPr>
-          <p:cNvPr id="2" name="Título 1">
-            <a:extLst>
-              <a:ext uri="{FF2B5EF4-FFF2-40B4-BE49-F238E27FC236}">
-                <a16:creationId xmlns:a16="http://schemas.microsoft.com/office/drawing/2014/main" id="{826B8EC0-37F3-17C1-8A86-00B46A406F1C}"/>
-              </a:ext>
-            </a:extLst>
-          </p:cNvPr>
-          <p:cNvSpPr>
-            <a:spLocks noGrp="1"/>
-          </p:cNvSpPr>
-          <p:nvPr>
-            <p:ph type="title"/>
-          </p:nvPr>
-        </p:nvSpPr>
-        <p:spPr>
-          <a:xfrm>
-            <a:off x="685801" y="643466"/>
-            <a:ext cx="2590799" cy="4995333"/>
-          </a:xfrm>
-        </p:spPr>
-        <p:txBody>
-          <a:bodyPr>
-            <a:normAutofit/>
-          </a:bodyPr>
-          <a:lstStyle/>
-          <a:p>
-            <a:r>
-              <a:rPr lang="es-ES" dirty="0">
-                <a:solidFill>
-                  <a:srgbClr val="FFFFFF"/>
-                </a:solidFill>
-              </a:rPr>
-              <a:t>¿Quién soy?</a:t>
-            </a:r>
-          </a:p>
-        </p:txBody>
-      </p:sp>
-      <p:graphicFrame>
-        <p:nvGraphicFramePr>
-          <p:cNvPr id="5" name="Marcador de contenido 2">
-            <a:extLst>
-              <a:ext uri="{FF2B5EF4-FFF2-40B4-BE49-F238E27FC236}">
-                <a16:creationId xmlns:a16="http://schemas.microsoft.com/office/drawing/2014/main" id="{D311613E-E3C1-5C05-FD41-A0356232AEA1}"/>
-              </a:ext>
-            </a:extLst>
-          </p:cNvPr>
-          <p:cNvGraphicFramePr>
-            <a:graphicFrameLocks noGrp="1"/>
-          </p:cNvGraphicFramePr>
-          <p:nvPr>
-            <p:ph idx="1"/>
-            <p:extLst>
-              <p:ext uri="{D42A27DB-BD31-4B8C-83A1-F6EECF244321}">
-                <p14:modId xmlns:p14="http://schemas.microsoft.com/office/powerpoint/2010/main" val="1901363675"/>
-              </p:ext>
-            </p:extLst>
-          </p:nvPr>
-        </p:nvGraphicFramePr>
-        <p:xfrm>
-          <a:off x="4808601" y="901700"/>
-          <a:ext cx="6545199" cy="4820182"/>
-        </p:xfrm>
-        <a:graphic>
-          <a:graphicData uri="http://schemas.openxmlformats.org/drawingml/2006/diagram">
-            <dgm:relIds xmlns:dgm="http://schemas.openxmlformats.org/drawingml/2006/diagram" xmlns:r="http://schemas.openxmlformats.org/officeDocument/2006/relationships" r:dm="rId3" r:lo="rId4" r:qs="rId5" r:cs="rId6"/>
-          </a:graphicData>
-        </a:graphic>
-      </p:graphicFrame>
-    </p:spTree>
-    <p:extLst>
-      <p:ext uri="{BB962C8B-B14F-4D97-AF65-F5344CB8AC3E}">
-        <p14:creationId xmlns:p14="http://schemas.microsoft.com/office/powerpoint/2010/main" val="4205560487"/>
-      </p:ext>
-    </p:extLst>
-  </p:cSld>
-  <p:clrMapOvr>
-    <a:overrideClrMapping bg1="lt1" tx1="dk1" bg2="lt2" tx2="dk2" accent1="accent1" accent2="accent2" accent3="accent3" accent4="accent4" accent5="accent5" accent6="accent6" hlink="hlink" folHlink="folHlink"/>
-  </p:clrMapOvr>
-</p:sld>
-</file>
-
-<file path=ppt/slides/slide20.xml><?xml version="1.0" encoding="utf-8"?>
-<p:sld xmlns:a="http://schemas.openxmlformats.org/drawingml/2006/main" xmlns:r="http://schemas.openxmlformats.org/officeDocument/2006/relationships" xmlns:p="http://schemas.openxmlformats.org/presentationml/2006/main">
-  <p:cSld>
-    <p:bg>
-      <p:bgPr>
-        <a:blipFill>
-          <a:blip r:embed="rId2"/>
-          <a:stretch/>
-        </a:blipFill>
-        <a:effectLst/>
-      </p:bgPr>
-    </p:bg>
-    <p:spTree>
-      <p:nvGrpSpPr>
-        <p:cNvPr id="1" name=""/>
-        <p:cNvGrpSpPr/>
-        <p:nvPr/>
-      </p:nvGrpSpPr>
-      <p:grpSpPr>
-        <a:xfrm>
-          <a:off x="0" y="0"/>
-          <a:ext cx="0" cy="0"/>
-          <a:chOff x="0" y="0"/>
-          <a:chExt cx="0" cy="0"/>
-        </a:xfrm>
-      </p:grpSpPr>
-      <p:sp useBgFill="1">
-        <p:nvSpPr>
-          <p:cNvPr id="8" name="Rectangle 7">
-            <a:extLst>
-              <a:ext uri="{FF2B5EF4-FFF2-40B4-BE49-F238E27FC236}">
-                <a16:creationId xmlns:a16="http://schemas.microsoft.com/office/drawing/2014/main" id="{50E53EDA-3B94-4F6B-9E86-D3BB9EBB9616}"/>
-              </a:ext>
-              <a:ext uri="{C183D7F6-B498-43B3-948B-1728B52AA6E4}">
-                <adec:decorative xmlns:adec="http://schemas.microsoft.com/office/drawing/2017/decorative" val="1"/>
-              </a:ext>
-            </a:extLst>
-          </p:cNvPr>
-          <p:cNvSpPr>
-            <a:spLocks noGrp="1" noRot="1" noChangeAspect="1" noMove="1" noResize="1" noEditPoints="1" noAdjustHandles="1" noChangeArrowheads="1" noChangeShapeType="1" noTextEdit="1"/>
-          </p:cNvSpPr>
-          <p:nvPr>
-            <p:extLst>
-              <p:ext uri="{386F3935-93C4-4BCD-93E2-E3B085C9AB24}">
-                <p16:designElem xmlns:p16="http://schemas.microsoft.com/office/powerpoint/2015/main" val="1"/>
-              </p:ext>
-            </p:extLst>
-          </p:nvPr>
-        </p:nvSpPr>
-        <p:spPr>
-          <a:xfrm>
-            <a:off x="0" y="0"/>
-            <a:ext cx="12192000" cy="6858000"/>
-          </a:xfrm>
-          <a:prstGeom prst="rect">
-            <a:avLst/>
-          </a:prstGeom>
-          <a:ln>
-            <a:noFill/>
-          </a:ln>
-        </p:spPr>
-        <p:style>
-          <a:lnRef idx="2">
-            <a:schemeClr val="accent1">
-              <a:shade val="50000"/>
-            </a:schemeClr>
-          </a:lnRef>
-          <a:fillRef idx="1">
-            <a:schemeClr val="accent1"/>
-          </a:fillRef>
-          <a:effectRef idx="0">
-            <a:schemeClr val="accent1"/>
-          </a:effectRef>
-          <a:fontRef idx="minor">
-            <a:schemeClr val="lt1"/>
-          </a:fontRef>
-        </p:style>
-        <p:txBody>
-          <a:bodyPr rtlCol="0" anchor="ctr"/>
-          <a:lstStyle/>
-          <a:p>
-            <a:pPr algn="ctr"/>
-            <a:endParaRPr lang="en-US"/>
-          </a:p>
-        </p:txBody>
-      </p:sp>
-      <p:sp>
-        <p:nvSpPr>
           <p:cNvPr id="2" name="Título 1">
             <a:extLst>
               <a:ext uri="{FF2B5EF4-FFF2-40B4-BE49-F238E27FC236}">
@@ -11198,7 +11932,7 @@
 </p:sld>
 </file>
 
-<file path=ppt/slides/slide21.xml><?xml version="1.0" encoding="utf-8"?>
+<file path=ppt/slides/slide22.xml><?xml version="1.0" encoding="utf-8"?>
 <p:sld xmlns:a="http://schemas.openxmlformats.org/drawingml/2006/main" xmlns:r="http://schemas.openxmlformats.org/officeDocument/2006/relationships" xmlns:p="http://schemas.openxmlformats.org/presentationml/2006/main">
   <p:cSld>
     <p:bg>
@@ -11367,7 +12101,7 @@
 </p:sld>
 </file>
 
-<file path=ppt/slides/slide22.xml><?xml version="1.0" encoding="utf-8"?>
+<file path=ppt/slides/slide23.xml><?xml version="1.0" encoding="utf-8"?>
 <p:sld xmlns:a="http://schemas.openxmlformats.org/drawingml/2006/main" xmlns:r="http://schemas.openxmlformats.org/officeDocument/2006/relationships" xmlns:p="http://schemas.openxmlformats.org/presentationml/2006/main">
   <p:cSld>
     <p:spTree>
@@ -11532,7 +12266,7 @@
 </p:sld>
 </file>
 
-<file path=ppt/slides/slide23.xml><?xml version="1.0" encoding="utf-8"?>
+<file path=ppt/slides/slide24.xml><?xml version="1.0" encoding="utf-8"?>
 <p:sld xmlns:a="http://schemas.openxmlformats.org/drawingml/2006/main" xmlns:r="http://schemas.openxmlformats.org/officeDocument/2006/relationships" xmlns:p="http://schemas.openxmlformats.org/presentationml/2006/main">
   <p:cSld>
     <p:spTree>
@@ -13011,4 +13745,299 @@
     </a:ext>
   </a:extLst>
 </a:theme>
+</file>
+
+<file path=ppt/theme/theme2.xml><?xml version="1.0" encoding="utf-8"?>
+<a:theme xmlns:a="http://schemas.openxmlformats.org/drawingml/2006/main" name="Tema de Office">
+  <a:themeElements>
+    <a:clrScheme name="Office">
+      <a:dk1>
+        <a:sysClr val="windowText" lastClr="000000"/>
+      </a:dk1>
+      <a:lt1>
+        <a:sysClr val="window" lastClr="FFFFFF"/>
+      </a:lt1>
+      <a:dk2>
+        <a:srgbClr val="44546A"/>
+      </a:dk2>
+      <a:lt2>
+        <a:srgbClr val="E7E6E6"/>
+      </a:lt2>
+      <a:accent1>
+        <a:srgbClr val="4472C4"/>
+      </a:accent1>
+      <a:accent2>
+        <a:srgbClr val="ED7D31"/>
+      </a:accent2>
+      <a:accent3>
+        <a:srgbClr val="A5A5A5"/>
+      </a:accent3>
+      <a:accent4>
+        <a:srgbClr val="FFC000"/>
+      </a:accent4>
+      <a:accent5>
+        <a:srgbClr val="5B9BD5"/>
+      </a:accent5>
+      <a:accent6>
+        <a:srgbClr val="70AD47"/>
+      </a:accent6>
+      <a:hlink>
+        <a:srgbClr val="0563C1"/>
+      </a:hlink>
+      <a:folHlink>
+        <a:srgbClr val="954F72"/>
+      </a:folHlink>
+    </a:clrScheme>
+    <a:fontScheme name="Office">
+      <a:majorFont>
+        <a:latin typeface="Calibri Light" panose="020F0302020204030204"/>
+        <a:ea typeface=""/>
+        <a:cs typeface=""/>
+        <a:font script="Jpan" typeface="游ゴシック Light"/>
+        <a:font script="Hang" typeface="맑은 고딕"/>
+        <a:font script="Hans" typeface="等线 Light"/>
+        <a:font script="Hant" typeface="新細明體"/>
+        <a:font script="Arab" typeface="Times New Roman"/>
+        <a:font script="Hebr" typeface="Times New Roman"/>
+        <a:font script="Thai" typeface="Angsana New"/>
+        <a:font script="Ethi" typeface="Nyala"/>
+        <a:font script="Beng" typeface="Vrinda"/>
+        <a:font script="Gujr" typeface="Shruti"/>
+        <a:font script="Khmr" typeface="MoolBoran"/>
+        <a:font script="Knda" typeface="Tunga"/>
+        <a:font script="Guru" typeface="Raavi"/>
+        <a:font script="Cans" typeface="Euphemia"/>
+        <a:font script="Cher" typeface="Plantagenet Cherokee"/>
+        <a:font script="Yiii" typeface="Microsoft Yi Baiti"/>
+        <a:font script="Tibt" typeface="Microsoft Himalaya"/>
+        <a:font script="Thaa" typeface="MV Boli"/>
+        <a:font script="Deva" typeface="Mangal"/>
+        <a:font script="Telu" typeface="Gautami"/>
+        <a:font script="Taml" typeface="Latha"/>
+        <a:font script="Syrc" typeface="Estrangelo Edessa"/>
+        <a:font script="Orya" typeface="Kalinga"/>
+        <a:font script="Mlym" typeface="Kartika"/>
+        <a:font script="Laoo" typeface="DokChampa"/>
+        <a:font script="Sinh" typeface="Iskoola Pota"/>
+        <a:font script="Mong" typeface="Mongolian Baiti"/>
+        <a:font script="Viet" typeface="Times New Roman"/>
+        <a:font script="Uigh" typeface="Microsoft Uighur"/>
+        <a:font script="Geor" typeface="Sylfaen"/>
+        <a:font script="Armn" typeface="Arial"/>
+        <a:font script="Bugi" typeface="Leelawadee UI"/>
+        <a:font script="Bopo" typeface="Microsoft JhengHei"/>
+        <a:font script="Java" typeface="Javanese Text"/>
+        <a:font script="Lisu" typeface="Segoe UI"/>
+        <a:font script="Mymr" typeface="Myanmar Text"/>
+        <a:font script="Nkoo" typeface="Ebrima"/>
+        <a:font script="Olck" typeface="Nirmala UI"/>
+        <a:font script="Osma" typeface="Ebrima"/>
+        <a:font script="Phag" typeface="Phagspa"/>
+        <a:font script="Syrn" typeface="Estrangelo Edessa"/>
+        <a:font script="Syrj" typeface="Estrangelo Edessa"/>
+        <a:font script="Syre" typeface="Estrangelo Edessa"/>
+        <a:font script="Sora" typeface="Nirmala UI"/>
+        <a:font script="Tale" typeface="Microsoft Tai Le"/>
+        <a:font script="Talu" typeface="Microsoft New Tai Lue"/>
+        <a:font script="Tfng" typeface="Ebrima"/>
+      </a:majorFont>
+      <a:minorFont>
+        <a:latin typeface="Calibri" panose="020F0502020204030204"/>
+        <a:ea typeface=""/>
+        <a:cs typeface=""/>
+        <a:font script="Jpan" typeface="游ゴシック"/>
+        <a:font script="Hang" typeface="맑은 고딕"/>
+        <a:font script="Hans" typeface="等线"/>
+        <a:font script="Hant" typeface="新細明體"/>
+        <a:font script="Arab" typeface="Arial"/>
+        <a:font script="Hebr" typeface="Arial"/>
+        <a:font script="Thai" typeface="Cordia New"/>
+        <a:font script="Ethi" typeface="Nyala"/>
+        <a:font script="Beng" typeface="Vrinda"/>
+        <a:font script="Gujr" typeface="Shruti"/>
+        <a:font script="Khmr" typeface="DaunPenh"/>
+        <a:font script="Knda" typeface="Tunga"/>
+        <a:font script="Guru" typeface="Raavi"/>
+        <a:font script="Cans" typeface="Euphemia"/>
+        <a:font script="Cher" typeface="Plantagenet Cherokee"/>
+        <a:font script="Yiii" typeface="Microsoft Yi Baiti"/>
+        <a:font script="Tibt" typeface="Microsoft Himalaya"/>
+        <a:font script="Thaa" typeface="MV Boli"/>
+        <a:font script="Deva" typeface="Mangal"/>
+        <a:font script="Telu" typeface="Gautami"/>
+        <a:font script="Taml" typeface="Latha"/>
+        <a:font script="Syrc" typeface="Estrangelo Edessa"/>
+        <a:font script="Orya" typeface="Kalinga"/>
+        <a:font script="Mlym" typeface="Kartika"/>
+        <a:font script="Laoo" typeface="DokChampa"/>
+        <a:font script="Sinh" typeface="Iskoola Pota"/>
+        <a:font script="Mong" typeface="Mongolian Baiti"/>
+        <a:font script="Viet" typeface="Arial"/>
+        <a:font script="Uigh" typeface="Microsoft Uighur"/>
+        <a:font script="Geor" typeface="Sylfaen"/>
+        <a:font script="Armn" typeface="Arial"/>
+        <a:font script="Bugi" typeface="Leelawadee UI"/>
+        <a:font script="Bopo" typeface="Microsoft JhengHei"/>
+        <a:font script="Java" typeface="Javanese Text"/>
+        <a:font script="Lisu" typeface="Segoe UI"/>
+        <a:font script="Mymr" typeface="Myanmar Text"/>
+        <a:font script="Nkoo" typeface="Ebrima"/>
+        <a:font script="Olck" typeface="Nirmala UI"/>
+        <a:font script="Osma" typeface="Ebrima"/>
+        <a:font script="Phag" typeface="Phagspa"/>
+        <a:font script="Syrn" typeface="Estrangelo Edessa"/>
+        <a:font script="Syrj" typeface="Estrangelo Edessa"/>
+        <a:font script="Syre" typeface="Estrangelo Edessa"/>
+        <a:font script="Sora" typeface="Nirmala UI"/>
+        <a:font script="Tale" typeface="Microsoft Tai Le"/>
+        <a:font script="Talu" typeface="Microsoft New Tai Lue"/>
+        <a:font script="Tfng" typeface="Ebrima"/>
+      </a:minorFont>
+    </a:fontScheme>
+    <a:fmtScheme name="Office">
+      <a:fillStyleLst>
+        <a:solidFill>
+          <a:schemeClr val="phClr"/>
+        </a:solidFill>
+        <a:gradFill rotWithShape="1">
+          <a:gsLst>
+            <a:gs pos="0">
+              <a:schemeClr val="phClr">
+                <a:lumMod val="110000"/>
+                <a:satMod val="105000"/>
+                <a:tint val="67000"/>
+              </a:schemeClr>
+            </a:gs>
+            <a:gs pos="50000">
+              <a:schemeClr val="phClr">
+                <a:lumMod val="105000"/>
+                <a:satMod val="103000"/>
+                <a:tint val="73000"/>
+              </a:schemeClr>
+            </a:gs>
+            <a:gs pos="100000">
+              <a:schemeClr val="phClr">
+                <a:lumMod val="105000"/>
+                <a:satMod val="109000"/>
+                <a:tint val="81000"/>
+              </a:schemeClr>
+            </a:gs>
+          </a:gsLst>
+          <a:lin ang="5400000" scaled="0"/>
+        </a:gradFill>
+        <a:gradFill rotWithShape="1">
+          <a:gsLst>
+            <a:gs pos="0">
+              <a:schemeClr val="phClr">
+                <a:satMod val="103000"/>
+                <a:lumMod val="102000"/>
+                <a:tint val="94000"/>
+              </a:schemeClr>
+            </a:gs>
+            <a:gs pos="50000">
+              <a:schemeClr val="phClr">
+                <a:satMod val="110000"/>
+                <a:lumMod val="100000"/>
+                <a:shade val="100000"/>
+              </a:schemeClr>
+            </a:gs>
+            <a:gs pos="100000">
+              <a:schemeClr val="phClr">
+                <a:lumMod val="99000"/>
+                <a:satMod val="120000"/>
+                <a:shade val="78000"/>
+              </a:schemeClr>
+            </a:gs>
+          </a:gsLst>
+          <a:lin ang="5400000" scaled="0"/>
+        </a:gradFill>
+      </a:fillStyleLst>
+      <a:lnStyleLst>
+        <a:ln w="6350" cap="flat" cmpd="sng" algn="ctr">
+          <a:solidFill>
+            <a:schemeClr val="phClr"/>
+          </a:solidFill>
+          <a:prstDash val="solid"/>
+          <a:miter lim="800000"/>
+        </a:ln>
+        <a:ln w="12700" cap="flat" cmpd="sng" algn="ctr">
+          <a:solidFill>
+            <a:schemeClr val="phClr"/>
+          </a:solidFill>
+          <a:prstDash val="solid"/>
+          <a:miter lim="800000"/>
+        </a:ln>
+        <a:ln w="19050" cap="flat" cmpd="sng" algn="ctr">
+          <a:solidFill>
+            <a:schemeClr val="phClr"/>
+          </a:solidFill>
+          <a:prstDash val="solid"/>
+          <a:miter lim="800000"/>
+        </a:ln>
+      </a:lnStyleLst>
+      <a:effectStyleLst>
+        <a:effectStyle>
+          <a:effectLst/>
+        </a:effectStyle>
+        <a:effectStyle>
+          <a:effectLst/>
+        </a:effectStyle>
+        <a:effectStyle>
+          <a:effectLst>
+            <a:outerShdw blurRad="57150" dist="19050" dir="5400000" algn="ctr" rotWithShape="0">
+              <a:srgbClr val="000000">
+                <a:alpha val="63000"/>
+              </a:srgbClr>
+            </a:outerShdw>
+          </a:effectLst>
+        </a:effectStyle>
+      </a:effectStyleLst>
+      <a:bgFillStyleLst>
+        <a:solidFill>
+          <a:schemeClr val="phClr"/>
+        </a:solidFill>
+        <a:solidFill>
+          <a:schemeClr val="phClr">
+            <a:tint val="95000"/>
+            <a:satMod val="170000"/>
+          </a:schemeClr>
+        </a:solidFill>
+        <a:gradFill rotWithShape="1">
+          <a:gsLst>
+            <a:gs pos="0">
+              <a:schemeClr val="phClr">
+                <a:tint val="93000"/>
+                <a:satMod val="150000"/>
+                <a:shade val="98000"/>
+                <a:lumMod val="102000"/>
+              </a:schemeClr>
+            </a:gs>
+            <a:gs pos="50000">
+              <a:schemeClr val="phClr">
+                <a:tint val="98000"/>
+                <a:satMod val="130000"/>
+                <a:shade val="90000"/>
+                <a:lumMod val="103000"/>
+              </a:schemeClr>
+            </a:gs>
+            <a:gs pos="100000">
+              <a:schemeClr val="phClr">
+                <a:shade val="63000"/>
+                <a:satMod val="120000"/>
+              </a:schemeClr>
+            </a:gs>
+          </a:gsLst>
+          <a:lin ang="5400000" scaled="0"/>
+        </a:gradFill>
+      </a:bgFillStyleLst>
+    </a:fmtScheme>
+  </a:themeElements>
+  <a:objectDefaults/>
+  <a:extraClrSchemeLst/>
+  <a:extLst>
+    <a:ext uri="{05A4C25C-085E-4340-85A3-A5531E510DB2}">
+      <thm15:themeFamily xmlns:thm15="http://schemas.microsoft.com/office/thememl/2012/main" name="Office Theme" id="{62F939B6-93AF-4DB8-9C6B-D6C7DFDC589F}" vid="{4A3C46E8-61CC-4603-A589-7422A47A8E4A}"/>
+    </a:ext>
+  </a:extLst>
+</a:theme>
 </file>